--- a/learn-dynamics-pr/dyn365-supply-chain-management/planning-optimization/media-layered/planning-optimization.pptx
+++ b/learn-dynamics-pr/dyn365-supply-chain-management/planning-optimization/media-layered/planning-optimization.pptx
@@ -185,6 +185,2885 @@
 </pc:chgInfo>
 </file>
 
+<file path=ppt/diagrams/colors1.xml><?xml version="1.0" encoding="utf-8"?>
+<dgm:colorsDef xmlns:dgm="http://schemas.openxmlformats.org/drawingml/2006/diagram" xmlns:a="http://schemas.openxmlformats.org/drawingml/2006/main" uniqueId="urn:microsoft.com/office/officeart/2005/8/colors/colorful1">
+  <dgm:title val=""/>
+  <dgm:desc val=""/>
+  <dgm:catLst>
+    <dgm:cat type="colorful" pri="10100"/>
+  </dgm:catLst>
+  <dgm:styleLbl name="node0">
+    <dgm:fillClrLst meth="repeat">
+      <a:schemeClr val="accent1"/>
+    </dgm:fillClrLst>
+    <dgm:linClrLst meth="repeat">
+      <a:schemeClr val="lt1"/>
+    </dgm:linClrLst>
+    <dgm:effectClrLst/>
+    <dgm:txLinClrLst/>
+    <dgm:txFillClrLst/>
+    <dgm:txEffectClrLst/>
+  </dgm:styleLbl>
+  <dgm:styleLbl name="node1">
+    <dgm:fillClrLst meth="repeat">
+      <a:schemeClr val="accent2"/>
+      <a:schemeClr val="accent3"/>
+      <a:schemeClr val="accent4"/>
+      <a:schemeClr val="accent5"/>
+      <a:schemeClr val="accent6"/>
+    </dgm:fillClrLst>
+    <dgm:linClrLst meth="repeat">
+      <a:schemeClr val="lt1"/>
+    </dgm:linClrLst>
+    <dgm:effectClrLst/>
+    <dgm:txLinClrLst/>
+    <dgm:txFillClrLst/>
+    <dgm:txEffectClrLst/>
+  </dgm:styleLbl>
+  <dgm:styleLbl name="alignNode1">
+    <dgm:fillClrLst meth="repeat">
+      <a:schemeClr val="accent2"/>
+      <a:schemeClr val="accent3"/>
+      <a:schemeClr val="accent4"/>
+      <a:schemeClr val="accent5"/>
+      <a:schemeClr val="accent6"/>
+    </dgm:fillClrLst>
+    <dgm:linClrLst meth="repeat">
+      <a:schemeClr val="accent2"/>
+      <a:schemeClr val="accent3"/>
+      <a:schemeClr val="accent4"/>
+      <a:schemeClr val="accent5"/>
+      <a:schemeClr val="accent6"/>
+    </dgm:linClrLst>
+    <dgm:effectClrLst/>
+    <dgm:txLinClrLst/>
+    <dgm:txFillClrLst/>
+    <dgm:txEffectClrLst/>
+  </dgm:styleLbl>
+  <dgm:styleLbl name="lnNode1">
+    <dgm:fillClrLst meth="repeat">
+      <a:schemeClr val="accent2"/>
+      <a:schemeClr val="accent3"/>
+      <a:schemeClr val="accent4"/>
+      <a:schemeClr val="accent5"/>
+      <a:schemeClr val="accent6"/>
+    </dgm:fillClrLst>
+    <dgm:linClrLst meth="repeat">
+      <a:schemeClr val="lt1"/>
+    </dgm:linClrLst>
+    <dgm:effectClrLst/>
+    <dgm:txLinClrLst/>
+    <dgm:txFillClrLst/>
+    <dgm:txEffectClrLst/>
+  </dgm:styleLbl>
+  <dgm:styleLbl name="vennNode1">
+    <dgm:fillClrLst meth="repeat">
+      <a:schemeClr val="accent2">
+        <a:alpha val="50000"/>
+      </a:schemeClr>
+      <a:schemeClr val="accent3">
+        <a:alpha val="50000"/>
+      </a:schemeClr>
+      <a:schemeClr val="accent4">
+        <a:alpha val="50000"/>
+      </a:schemeClr>
+      <a:schemeClr val="accent5">
+        <a:alpha val="50000"/>
+      </a:schemeClr>
+      <a:schemeClr val="accent6">
+        <a:alpha val="50000"/>
+      </a:schemeClr>
+    </dgm:fillClrLst>
+    <dgm:linClrLst meth="repeat">
+      <a:schemeClr val="lt1"/>
+    </dgm:linClrLst>
+    <dgm:effectClrLst/>
+    <dgm:txLinClrLst/>
+    <dgm:txFillClrLst/>
+    <dgm:txEffectClrLst/>
+  </dgm:styleLbl>
+  <dgm:styleLbl name="node2">
+    <dgm:fillClrLst>
+      <a:schemeClr val="accent2"/>
+    </dgm:fillClrLst>
+    <dgm:linClrLst meth="repeat">
+      <a:schemeClr val="lt1"/>
+    </dgm:linClrLst>
+    <dgm:effectClrLst/>
+    <dgm:txLinClrLst/>
+    <dgm:txFillClrLst/>
+    <dgm:txEffectClrLst/>
+  </dgm:styleLbl>
+  <dgm:styleLbl name="node3">
+    <dgm:fillClrLst>
+      <a:schemeClr val="accent3"/>
+    </dgm:fillClrLst>
+    <dgm:linClrLst meth="repeat">
+      <a:schemeClr val="lt1"/>
+    </dgm:linClrLst>
+    <dgm:effectClrLst/>
+    <dgm:txLinClrLst/>
+    <dgm:txFillClrLst/>
+    <dgm:txEffectClrLst/>
+  </dgm:styleLbl>
+  <dgm:styleLbl name="node4">
+    <dgm:fillClrLst>
+      <a:schemeClr val="accent4"/>
+    </dgm:fillClrLst>
+    <dgm:linClrLst meth="repeat">
+      <a:schemeClr val="lt1"/>
+    </dgm:linClrLst>
+    <dgm:effectClrLst/>
+    <dgm:txLinClrLst/>
+    <dgm:txFillClrLst/>
+    <dgm:txEffectClrLst/>
+  </dgm:styleLbl>
+  <dgm:styleLbl name="fgImgPlace1">
+    <dgm:fillClrLst meth="repeat">
+      <a:schemeClr val="accent2">
+        <a:tint val="50000"/>
+      </a:schemeClr>
+      <a:schemeClr val="accent3">
+        <a:tint val="50000"/>
+      </a:schemeClr>
+      <a:schemeClr val="accent4">
+        <a:tint val="50000"/>
+      </a:schemeClr>
+      <a:schemeClr val="accent5">
+        <a:tint val="50000"/>
+      </a:schemeClr>
+      <a:schemeClr val="accent6">
+        <a:tint val="50000"/>
+      </a:schemeClr>
+    </dgm:fillClrLst>
+    <dgm:linClrLst meth="repeat">
+      <a:schemeClr val="lt1"/>
+    </dgm:linClrLst>
+    <dgm:effectClrLst/>
+    <dgm:txLinClrLst/>
+    <dgm:txFillClrLst meth="repeat">
+      <a:schemeClr val="lt1"/>
+    </dgm:txFillClrLst>
+    <dgm:txEffectClrLst/>
+  </dgm:styleLbl>
+  <dgm:styleLbl name="alignImgPlace1">
+    <dgm:fillClrLst>
+      <a:schemeClr val="accent1">
+        <a:tint val="50000"/>
+      </a:schemeClr>
+      <a:schemeClr val="accent2">
+        <a:tint val="20000"/>
+      </a:schemeClr>
+    </dgm:fillClrLst>
+    <dgm:linClrLst meth="repeat">
+      <a:schemeClr val="lt1"/>
+    </dgm:linClrLst>
+    <dgm:effectClrLst/>
+    <dgm:txLinClrLst/>
+    <dgm:txFillClrLst meth="repeat">
+      <a:schemeClr val="lt1"/>
+    </dgm:txFillClrLst>
+    <dgm:txEffectClrLst/>
+  </dgm:styleLbl>
+  <dgm:styleLbl name="bgImgPlace1">
+    <dgm:fillClrLst>
+      <a:schemeClr val="accent1">
+        <a:tint val="50000"/>
+      </a:schemeClr>
+      <a:schemeClr val="accent2">
+        <a:tint val="20000"/>
+      </a:schemeClr>
+    </dgm:fillClrLst>
+    <dgm:linClrLst meth="repeat">
+      <a:schemeClr val="lt1"/>
+    </dgm:linClrLst>
+    <dgm:effectClrLst/>
+    <dgm:txLinClrLst/>
+    <dgm:txFillClrLst meth="repeat">
+      <a:schemeClr val="lt1"/>
+    </dgm:txFillClrLst>
+    <dgm:txEffectClrLst/>
+  </dgm:styleLbl>
+  <dgm:styleLbl name="sibTrans2D1">
+    <dgm:fillClrLst meth="repeat">
+      <a:schemeClr val="accent2"/>
+      <a:schemeClr val="accent3"/>
+      <a:schemeClr val="accent4"/>
+      <a:schemeClr val="accent5"/>
+      <a:schemeClr val="accent6"/>
+    </dgm:fillClrLst>
+    <dgm:linClrLst meth="cycle">
+      <a:schemeClr val="lt1"/>
+    </dgm:linClrLst>
+    <dgm:effectClrLst/>
+    <dgm:txLinClrLst/>
+    <dgm:txFillClrLst/>
+    <dgm:txEffectClrLst/>
+  </dgm:styleLbl>
+  <dgm:styleLbl name="fgSibTrans2D1">
+    <dgm:fillClrLst meth="repeat">
+      <a:schemeClr val="accent2"/>
+      <a:schemeClr val="accent3"/>
+      <a:schemeClr val="accent4"/>
+      <a:schemeClr val="accent5"/>
+      <a:schemeClr val="accent6"/>
+    </dgm:fillClrLst>
+    <dgm:linClrLst meth="cycle">
+      <a:schemeClr val="lt1"/>
+    </dgm:linClrLst>
+    <dgm:effectClrLst/>
+    <dgm:txLinClrLst/>
+    <dgm:txFillClrLst meth="repeat">
+      <a:schemeClr val="lt1"/>
+    </dgm:txFillClrLst>
+    <dgm:txEffectClrLst/>
+  </dgm:styleLbl>
+  <dgm:styleLbl name="bgSibTrans2D1">
+    <dgm:fillClrLst meth="repeat">
+      <a:schemeClr val="accent2"/>
+      <a:schemeClr val="accent3"/>
+      <a:schemeClr val="accent4"/>
+      <a:schemeClr val="accent5"/>
+      <a:schemeClr val="accent6"/>
+    </dgm:fillClrLst>
+    <dgm:linClrLst meth="cycle">
+      <a:schemeClr val="lt1"/>
+    </dgm:linClrLst>
+    <dgm:effectClrLst/>
+    <dgm:txLinClrLst/>
+    <dgm:txFillClrLst meth="repeat">
+      <a:schemeClr val="lt1"/>
+    </dgm:txFillClrLst>
+    <dgm:txEffectClrLst/>
+  </dgm:styleLbl>
+  <dgm:styleLbl name="sibTrans1D1">
+    <dgm:fillClrLst meth="repeat">
+      <a:schemeClr val="accent2"/>
+      <a:schemeClr val="accent3"/>
+      <a:schemeClr val="accent4"/>
+      <a:schemeClr val="accent5"/>
+      <a:schemeClr val="accent6"/>
+    </dgm:fillClrLst>
+    <dgm:linClrLst meth="repeat">
+      <a:schemeClr val="accent2"/>
+      <a:schemeClr val="accent3"/>
+      <a:schemeClr val="accent4"/>
+      <a:schemeClr val="accent5"/>
+      <a:schemeClr val="accent6"/>
+    </dgm:linClrLst>
+    <dgm:effectClrLst/>
+    <dgm:txLinClrLst/>
+    <dgm:txFillClrLst meth="repeat">
+      <a:schemeClr val="tx1"/>
+    </dgm:txFillClrLst>
+    <dgm:txEffectClrLst/>
+  </dgm:styleLbl>
+  <dgm:styleLbl name="callout">
+    <dgm:fillClrLst meth="repeat">
+      <a:schemeClr val="accent2"/>
+    </dgm:fillClrLst>
+    <dgm:linClrLst meth="repeat">
+      <a:schemeClr val="accent2">
+        <a:tint val="50000"/>
+      </a:schemeClr>
+    </dgm:linClrLst>
+    <dgm:effectClrLst/>
+    <dgm:txLinClrLst/>
+    <dgm:txFillClrLst meth="repeat">
+      <a:schemeClr val="tx1"/>
+    </dgm:txFillClrLst>
+    <dgm:txEffectClrLst/>
+  </dgm:styleLbl>
+  <dgm:styleLbl name="asst0">
+    <dgm:fillClrLst meth="repeat">
+      <a:schemeClr val="accent1"/>
+    </dgm:fillClrLst>
+    <dgm:linClrLst meth="repeat">
+      <a:schemeClr val="lt1"/>
+    </dgm:linClrLst>
+    <dgm:effectClrLst/>
+    <dgm:txLinClrLst/>
+    <dgm:txFillClrLst/>
+    <dgm:txEffectClrLst/>
+  </dgm:styleLbl>
+  <dgm:styleLbl name="asst1">
+    <dgm:fillClrLst meth="repeat">
+      <a:schemeClr val="accent2"/>
+    </dgm:fillClrLst>
+    <dgm:linClrLst meth="repeat">
+      <a:schemeClr val="lt1"/>
+    </dgm:linClrLst>
+    <dgm:effectClrLst/>
+    <dgm:txLinClrLst/>
+    <dgm:txFillClrLst/>
+    <dgm:txEffectClrLst/>
+  </dgm:styleLbl>
+  <dgm:styleLbl name="asst2">
+    <dgm:fillClrLst>
+      <a:schemeClr val="accent3"/>
+    </dgm:fillClrLst>
+    <dgm:linClrLst meth="repeat">
+      <a:schemeClr val="lt1"/>
+    </dgm:linClrLst>
+    <dgm:effectClrLst/>
+    <dgm:txLinClrLst/>
+    <dgm:txFillClrLst/>
+    <dgm:txEffectClrLst/>
+  </dgm:styleLbl>
+  <dgm:styleLbl name="asst3">
+    <dgm:fillClrLst>
+      <a:schemeClr val="accent4"/>
+    </dgm:fillClrLst>
+    <dgm:linClrLst meth="repeat">
+      <a:schemeClr val="lt1"/>
+    </dgm:linClrLst>
+    <dgm:effectClrLst/>
+    <dgm:txLinClrLst/>
+    <dgm:txFillClrLst/>
+    <dgm:txEffectClrLst/>
+  </dgm:styleLbl>
+  <dgm:styleLbl name="asst4">
+    <dgm:fillClrLst>
+      <a:schemeClr val="accent5"/>
+    </dgm:fillClrLst>
+    <dgm:linClrLst meth="repeat">
+      <a:schemeClr val="lt1"/>
+    </dgm:linClrLst>
+    <dgm:effectClrLst/>
+    <dgm:txLinClrLst/>
+    <dgm:txFillClrLst/>
+    <dgm:txEffectClrLst/>
+  </dgm:styleLbl>
+  <dgm:styleLbl name="parChTrans2D1">
+    <dgm:fillClrLst meth="repeat">
+      <a:schemeClr val="accent2"/>
+    </dgm:fillClrLst>
+    <dgm:linClrLst meth="repeat">
+      <a:schemeClr val="lt1"/>
+    </dgm:linClrLst>
+    <dgm:effectClrLst/>
+    <dgm:txLinClrLst/>
+    <dgm:txFillClrLst meth="repeat">
+      <a:schemeClr val="lt1"/>
+    </dgm:txFillClrLst>
+    <dgm:txEffectClrLst/>
+  </dgm:styleLbl>
+  <dgm:styleLbl name="parChTrans2D2">
+    <dgm:fillClrLst meth="repeat">
+      <a:schemeClr val="accent3"/>
+    </dgm:fillClrLst>
+    <dgm:linClrLst meth="repeat">
+      <a:schemeClr val="lt1"/>
+    </dgm:linClrLst>
+    <dgm:effectClrLst/>
+    <dgm:txLinClrLst/>
+    <dgm:txFillClrLst/>
+    <dgm:txEffectClrLst/>
+  </dgm:styleLbl>
+  <dgm:styleLbl name="parChTrans2D3">
+    <dgm:fillClrLst meth="repeat">
+      <a:schemeClr val="accent4"/>
+    </dgm:fillClrLst>
+    <dgm:linClrLst meth="repeat">
+      <a:schemeClr val="lt1"/>
+    </dgm:linClrLst>
+    <dgm:effectClrLst/>
+    <dgm:txLinClrLst/>
+    <dgm:txFillClrLst/>
+    <dgm:txEffectClrLst/>
+  </dgm:styleLbl>
+  <dgm:styleLbl name="parChTrans2D4">
+    <dgm:fillClrLst meth="repeat">
+      <a:schemeClr val="accent5"/>
+    </dgm:fillClrLst>
+    <dgm:linClrLst meth="repeat">
+      <a:schemeClr val="lt1"/>
+    </dgm:linClrLst>
+    <dgm:effectClrLst/>
+    <dgm:txLinClrLst/>
+    <dgm:txFillClrLst meth="repeat">
+      <a:schemeClr val="lt1"/>
+    </dgm:txFillClrLst>
+    <dgm:txEffectClrLst/>
+  </dgm:styleLbl>
+  <dgm:styleLbl name="parChTrans1D1">
+    <dgm:fillClrLst meth="repeat">
+      <a:schemeClr val="accent2"/>
+    </dgm:fillClrLst>
+    <dgm:linClrLst meth="repeat">
+      <a:schemeClr val="accent1"/>
+    </dgm:linClrLst>
+    <dgm:effectClrLst/>
+    <dgm:txLinClrLst/>
+    <dgm:txFillClrLst meth="repeat">
+      <a:schemeClr val="tx1"/>
+    </dgm:txFillClrLst>
+    <dgm:txEffectClrLst/>
+  </dgm:styleLbl>
+  <dgm:styleLbl name="parChTrans1D2">
+    <dgm:fillClrLst meth="repeat">
+      <a:schemeClr val="accent3">
+        <a:tint val="90000"/>
+      </a:schemeClr>
+    </dgm:fillClrLst>
+    <dgm:linClrLst meth="repeat">
+      <a:schemeClr val="accent2"/>
+    </dgm:linClrLst>
+    <dgm:effectClrLst/>
+    <dgm:txLinClrLst/>
+    <dgm:txFillClrLst meth="repeat">
+      <a:schemeClr val="tx1"/>
+    </dgm:txFillClrLst>
+    <dgm:txEffectClrLst/>
+  </dgm:styleLbl>
+  <dgm:styleLbl name="parChTrans1D3">
+    <dgm:fillClrLst meth="repeat">
+      <a:schemeClr val="accent4">
+        <a:tint val="70000"/>
+      </a:schemeClr>
+    </dgm:fillClrLst>
+    <dgm:linClrLst meth="repeat">
+      <a:schemeClr val="accent3"/>
+    </dgm:linClrLst>
+    <dgm:effectClrLst/>
+    <dgm:txLinClrLst/>
+    <dgm:txFillClrLst meth="repeat">
+      <a:schemeClr val="tx1"/>
+    </dgm:txFillClrLst>
+    <dgm:txEffectClrLst/>
+  </dgm:styleLbl>
+  <dgm:styleLbl name="parChTrans1D4">
+    <dgm:fillClrLst meth="repeat">
+      <a:schemeClr val="accent5">
+        <a:tint val="50000"/>
+      </a:schemeClr>
+    </dgm:fillClrLst>
+    <dgm:linClrLst meth="repeat">
+      <a:schemeClr val="accent4"/>
+    </dgm:linClrLst>
+    <dgm:effectClrLst/>
+    <dgm:txLinClrLst/>
+    <dgm:txFillClrLst meth="repeat">
+      <a:schemeClr val="tx1"/>
+    </dgm:txFillClrLst>
+    <dgm:txEffectClrLst/>
+  </dgm:styleLbl>
+  <dgm:styleLbl name="fgAcc1">
+    <dgm:fillClrLst meth="repeat">
+      <a:schemeClr val="lt1">
+        <a:alpha val="90000"/>
+      </a:schemeClr>
+    </dgm:fillClrLst>
+    <dgm:linClrLst meth="repeat">
+      <a:schemeClr val="accent2"/>
+      <a:schemeClr val="accent3"/>
+      <a:schemeClr val="accent4"/>
+      <a:schemeClr val="accent5"/>
+      <a:schemeClr val="accent6"/>
+    </dgm:linClrLst>
+    <dgm:effectClrLst/>
+    <dgm:txLinClrLst/>
+    <dgm:txFillClrLst meth="repeat">
+      <a:schemeClr val="dk1"/>
+    </dgm:txFillClrLst>
+    <dgm:txEffectClrLst/>
+  </dgm:styleLbl>
+  <dgm:styleLbl name="conFgAcc1">
+    <dgm:fillClrLst meth="repeat">
+      <a:schemeClr val="lt1">
+        <a:alpha val="90000"/>
+      </a:schemeClr>
+    </dgm:fillClrLst>
+    <dgm:linClrLst meth="repeat">
+      <a:schemeClr val="accent2"/>
+      <a:schemeClr val="accent3"/>
+      <a:schemeClr val="accent4"/>
+      <a:schemeClr val="accent5"/>
+      <a:schemeClr val="accent6"/>
+    </dgm:linClrLst>
+    <dgm:effectClrLst/>
+    <dgm:txLinClrLst/>
+    <dgm:txFillClrLst meth="repeat">
+      <a:schemeClr val="dk1"/>
+    </dgm:txFillClrLst>
+    <dgm:txEffectClrLst/>
+  </dgm:styleLbl>
+  <dgm:styleLbl name="alignAcc1">
+    <dgm:fillClrLst meth="repeat">
+      <a:schemeClr val="lt1">
+        <a:alpha val="90000"/>
+      </a:schemeClr>
+    </dgm:fillClrLst>
+    <dgm:linClrLst meth="repeat">
+      <a:schemeClr val="accent2"/>
+      <a:schemeClr val="accent3"/>
+      <a:schemeClr val="accent4"/>
+      <a:schemeClr val="accent5"/>
+      <a:schemeClr val="accent6"/>
+    </dgm:linClrLst>
+    <dgm:effectClrLst/>
+    <dgm:txLinClrLst/>
+    <dgm:txFillClrLst meth="repeat">
+      <a:schemeClr val="dk1"/>
+    </dgm:txFillClrLst>
+    <dgm:txEffectClrLst/>
+  </dgm:styleLbl>
+  <dgm:styleLbl name="trAlignAcc1">
+    <dgm:fillClrLst meth="repeat">
+      <a:schemeClr val="lt1">
+        <a:alpha val="40000"/>
+      </a:schemeClr>
+    </dgm:fillClrLst>
+    <dgm:linClrLst meth="repeat">
+      <a:schemeClr val="accent1"/>
+    </dgm:linClrLst>
+    <dgm:effectClrLst/>
+    <dgm:txLinClrLst/>
+    <dgm:txFillClrLst meth="repeat">
+      <a:schemeClr val="dk1"/>
+    </dgm:txFillClrLst>
+    <dgm:txEffectClrLst/>
+  </dgm:styleLbl>
+  <dgm:styleLbl name="bgAcc1">
+    <dgm:fillClrLst meth="repeat">
+      <a:schemeClr val="lt1">
+        <a:alpha val="90000"/>
+      </a:schemeClr>
+    </dgm:fillClrLst>
+    <dgm:linClrLst meth="repeat">
+      <a:schemeClr val="accent2"/>
+      <a:schemeClr val="accent3"/>
+      <a:schemeClr val="accent4"/>
+      <a:schemeClr val="accent5"/>
+      <a:schemeClr val="accent6"/>
+    </dgm:linClrLst>
+    <dgm:effectClrLst/>
+    <dgm:txLinClrLst/>
+    <dgm:txFillClrLst meth="repeat">
+      <a:schemeClr val="dk1"/>
+    </dgm:txFillClrLst>
+    <dgm:txEffectClrLst/>
+  </dgm:styleLbl>
+  <dgm:styleLbl name="solidFgAcc1">
+    <dgm:fillClrLst meth="repeat">
+      <a:schemeClr val="lt1"/>
+    </dgm:fillClrLst>
+    <dgm:linClrLst meth="repeat">
+      <a:schemeClr val="accent2"/>
+      <a:schemeClr val="accent3"/>
+      <a:schemeClr val="accent4"/>
+      <a:schemeClr val="accent5"/>
+      <a:schemeClr val="accent6"/>
+    </dgm:linClrLst>
+    <dgm:effectClrLst/>
+    <dgm:txLinClrLst/>
+    <dgm:txFillClrLst meth="repeat">
+      <a:schemeClr val="dk1"/>
+    </dgm:txFillClrLst>
+    <dgm:txEffectClrLst/>
+  </dgm:styleLbl>
+  <dgm:styleLbl name="solidAlignAcc1">
+    <dgm:fillClrLst meth="repeat">
+      <a:schemeClr val="lt1"/>
+    </dgm:fillClrLst>
+    <dgm:linClrLst meth="repeat">
+      <a:schemeClr val="accent2"/>
+      <a:schemeClr val="accent3"/>
+      <a:schemeClr val="accent4"/>
+      <a:schemeClr val="accent5"/>
+      <a:schemeClr val="accent6"/>
+    </dgm:linClrLst>
+    <dgm:effectClrLst/>
+    <dgm:txLinClrLst/>
+    <dgm:txFillClrLst meth="repeat">
+      <a:schemeClr val="dk1"/>
+    </dgm:txFillClrLst>
+    <dgm:txEffectClrLst/>
+  </dgm:styleLbl>
+  <dgm:styleLbl name="solidBgAcc1">
+    <dgm:fillClrLst meth="repeat">
+      <a:schemeClr val="lt1"/>
+    </dgm:fillClrLst>
+    <dgm:linClrLst meth="repeat">
+      <a:schemeClr val="accent2"/>
+      <a:schemeClr val="accent3"/>
+      <a:schemeClr val="accent4"/>
+      <a:schemeClr val="accent5"/>
+      <a:schemeClr val="accent6"/>
+    </dgm:linClrLst>
+    <dgm:effectClrLst/>
+    <dgm:txLinClrLst/>
+    <dgm:txFillClrLst meth="repeat">
+      <a:schemeClr val="dk1"/>
+    </dgm:txFillClrLst>
+    <dgm:txEffectClrLst/>
+  </dgm:styleLbl>
+  <dgm:styleLbl name="fgAccFollowNode1">
+    <dgm:fillClrLst meth="repeat">
+      <a:schemeClr val="accent2">
+        <a:tint val="40000"/>
+        <a:alpha val="90000"/>
+      </a:schemeClr>
+      <a:schemeClr val="accent3">
+        <a:tint val="40000"/>
+        <a:alpha val="90000"/>
+      </a:schemeClr>
+      <a:schemeClr val="accent4">
+        <a:tint val="40000"/>
+        <a:alpha val="90000"/>
+      </a:schemeClr>
+      <a:schemeClr val="accent5">
+        <a:tint val="40000"/>
+        <a:alpha val="90000"/>
+      </a:schemeClr>
+      <a:schemeClr val="accent6">
+        <a:tint val="40000"/>
+        <a:alpha val="90000"/>
+      </a:schemeClr>
+    </dgm:fillClrLst>
+    <dgm:linClrLst meth="repeat">
+      <a:schemeClr val="accent2">
+        <a:tint val="40000"/>
+        <a:alpha val="90000"/>
+      </a:schemeClr>
+      <a:schemeClr val="accent3">
+        <a:tint val="40000"/>
+        <a:alpha val="90000"/>
+      </a:schemeClr>
+      <a:schemeClr val="accent4">
+        <a:tint val="40000"/>
+        <a:alpha val="90000"/>
+      </a:schemeClr>
+      <a:schemeClr val="accent5">
+        <a:tint val="40000"/>
+        <a:alpha val="90000"/>
+      </a:schemeClr>
+      <a:schemeClr val="accent6">
+        <a:tint val="40000"/>
+        <a:alpha val="90000"/>
+      </a:schemeClr>
+    </dgm:linClrLst>
+    <dgm:effectClrLst/>
+    <dgm:txLinClrLst/>
+    <dgm:txFillClrLst meth="repeat">
+      <a:schemeClr val="dk1"/>
+    </dgm:txFillClrLst>
+    <dgm:txEffectClrLst/>
+  </dgm:styleLbl>
+  <dgm:styleLbl name="alignAccFollowNode1">
+    <dgm:fillClrLst meth="repeat">
+      <a:schemeClr val="accent2">
+        <a:tint val="40000"/>
+        <a:alpha val="90000"/>
+      </a:schemeClr>
+      <a:schemeClr val="accent3">
+        <a:tint val="40000"/>
+        <a:alpha val="90000"/>
+      </a:schemeClr>
+      <a:schemeClr val="accent4">
+        <a:tint val="40000"/>
+        <a:alpha val="90000"/>
+      </a:schemeClr>
+      <a:schemeClr val="accent5">
+        <a:tint val="40000"/>
+        <a:alpha val="90000"/>
+      </a:schemeClr>
+      <a:schemeClr val="accent6">
+        <a:tint val="40000"/>
+        <a:alpha val="90000"/>
+      </a:schemeClr>
+    </dgm:fillClrLst>
+    <dgm:linClrLst meth="repeat">
+      <a:schemeClr val="accent2">
+        <a:tint val="40000"/>
+        <a:alpha val="90000"/>
+      </a:schemeClr>
+      <a:schemeClr val="accent3">
+        <a:tint val="40000"/>
+        <a:alpha val="90000"/>
+      </a:schemeClr>
+      <a:schemeClr val="accent4">
+        <a:tint val="40000"/>
+        <a:alpha val="90000"/>
+      </a:schemeClr>
+      <a:schemeClr val="accent5">
+        <a:tint val="40000"/>
+        <a:alpha val="90000"/>
+      </a:schemeClr>
+      <a:schemeClr val="accent6">
+        <a:tint val="40000"/>
+        <a:alpha val="90000"/>
+      </a:schemeClr>
+    </dgm:linClrLst>
+    <dgm:effectClrLst/>
+    <dgm:txLinClrLst/>
+    <dgm:txFillClrLst meth="repeat">
+      <a:schemeClr val="dk1"/>
+    </dgm:txFillClrLst>
+    <dgm:txEffectClrLst/>
+  </dgm:styleLbl>
+  <dgm:styleLbl name="bgAccFollowNode1">
+    <dgm:fillClrLst meth="repeat">
+      <a:schemeClr val="accent2">
+        <a:tint val="40000"/>
+        <a:alpha val="90000"/>
+      </a:schemeClr>
+      <a:schemeClr val="accent3">
+        <a:tint val="40000"/>
+        <a:alpha val="90000"/>
+      </a:schemeClr>
+      <a:schemeClr val="accent4">
+        <a:tint val="40000"/>
+        <a:alpha val="90000"/>
+      </a:schemeClr>
+      <a:schemeClr val="accent5">
+        <a:tint val="40000"/>
+        <a:alpha val="90000"/>
+      </a:schemeClr>
+      <a:schemeClr val="accent6">
+        <a:tint val="40000"/>
+        <a:alpha val="90000"/>
+      </a:schemeClr>
+    </dgm:fillClrLst>
+    <dgm:linClrLst meth="repeat">
+      <a:schemeClr val="accent2">
+        <a:tint val="40000"/>
+        <a:alpha val="90000"/>
+      </a:schemeClr>
+      <a:schemeClr val="accent3">
+        <a:tint val="40000"/>
+        <a:alpha val="90000"/>
+      </a:schemeClr>
+      <a:schemeClr val="accent4">
+        <a:tint val="40000"/>
+        <a:alpha val="90000"/>
+      </a:schemeClr>
+      <a:schemeClr val="accent5">
+        <a:tint val="40000"/>
+        <a:alpha val="90000"/>
+      </a:schemeClr>
+      <a:schemeClr val="accent6">
+        <a:tint val="40000"/>
+        <a:alpha val="90000"/>
+      </a:schemeClr>
+    </dgm:linClrLst>
+    <dgm:effectClrLst/>
+    <dgm:txLinClrLst/>
+    <dgm:txFillClrLst meth="repeat">
+      <a:schemeClr val="dk1"/>
+    </dgm:txFillClrLst>
+    <dgm:txEffectClrLst/>
+  </dgm:styleLbl>
+  <dgm:styleLbl name="fgAcc0">
+    <dgm:fillClrLst meth="repeat">
+      <a:schemeClr val="lt1">
+        <a:alpha val="90000"/>
+      </a:schemeClr>
+    </dgm:fillClrLst>
+    <dgm:linClrLst>
+      <a:schemeClr val="accent1"/>
+    </dgm:linClrLst>
+    <dgm:effectClrLst/>
+    <dgm:txLinClrLst/>
+    <dgm:txFillClrLst meth="repeat">
+      <a:schemeClr val="dk1"/>
+    </dgm:txFillClrLst>
+    <dgm:txEffectClrLst/>
+  </dgm:styleLbl>
+  <dgm:styleLbl name="fgAcc2">
+    <dgm:fillClrLst meth="repeat">
+      <a:schemeClr val="lt1">
+        <a:alpha val="90000"/>
+      </a:schemeClr>
+    </dgm:fillClrLst>
+    <dgm:linClrLst>
+      <a:schemeClr val="accent2"/>
+    </dgm:linClrLst>
+    <dgm:effectClrLst/>
+    <dgm:txLinClrLst/>
+    <dgm:txFillClrLst meth="repeat">
+      <a:schemeClr val="dk1"/>
+    </dgm:txFillClrLst>
+    <dgm:txEffectClrLst/>
+  </dgm:styleLbl>
+  <dgm:styleLbl name="fgAcc3">
+    <dgm:fillClrLst meth="repeat">
+      <a:schemeClr val="lt1">
+        <a:alpha val="90000"/>
+      </a:schemeClr>
+    </dgm:fillClrLst>
+    <dgm:linClrLst>
+      <a:schemeClr val="accent3"/>
+    </dgm:linClrLst>
+    <dgm:effectClrLst/>
+    <dgm:txLinClrLst/>
+    <dgm:txFillClrLst meth="repeat">
+      <a:schemeClr val="dk1"/>
+    </dgm:txFillClrLst>
+    <dgm:txEffectClrLst/>
+  </dgm:styleLbl>
+  <dgm:styleLbl name="fgAcc4">
+    <dgm:fillClrLst meth="repeat">
+      <a:schemeClr val="lt1">
+        <a:alpha val="90000"/>
+      </a:schemeClr>
+    </dgm:fillClrLst>
+    <dgm:linClrLst>
+      <a:schemeClr val="accent4"/>
+    </dgm:linClrLst>
+    <dgm:effectClrLst/>
+    <dgm:txLinClrLst/>
+    <dgm:txFillClrLst meth="repeat">
+      <a:schemeClr val="dk1"/>
+    </dgm:txFillClrLst>
+    <dgm:txEffectClrLst/>
+  </dgm:styleLbl>
+  <dgm:styleLbl name="bgShp">
+    <dgm:fillClrLst meth="repeat">
+      <a:schemeClr val="accent2">
+        <a:tint val="40000"/>
+      </a:schemeClr>
+    </dgm:fillClrLst>
+    <dgm:linClrLst meth="repeat">
+      <a:schemeClr val="dk1"/>
+    </dgm:linClrLst>
+    <dgm:effectClrLst/>
+    <dgm:txLinClrLst/>
+    <dgm:txFillClrLst meth="repeat">
+      <a:schemeClr val="dk1"/>
+    </dgm:txFillClrLst>
+    <dgm:txEffectClrLst/>
+  </dgm:styleLbl>
+  <dgm:styleLbl name="dkBgShp">
+    <dgm:fillClrLst meth="repeat">
+      <a:schemeClr val="accent2">
+        <a:shade val="90000"/>
+      </a:schemeClr>
+    </dgm:fillClrLst>
+    <dgm:linClrLst meth="repeat">
+      <a:schemeClr val="dk1"/>
+    </dgm:linClrLst>
+    <dgm:effectClrLst/>
+    <dgm:txLinClrLst/>
+    <dgm:txFillClrLst meth="repeat">
+      <a:schemeClr val="lt1"/>
+    </dgm:txFillClrLst>
+    <dgm:txEffectClrLst/>
+  </dgm:styleLbl>
+  <dgm:styleLbl name="trBgShp">
+    <dgm:fillClrLst meth="repeat">
+      <a:schemeClr val="accent1">
+        <a:tint val="50000"/>
+        <a:alpha val="40000"/>
+      </a:schemeClr>
+    </dgm:fillClrLst>
+    <dgm:linClrLst meth="repeat">
+      <a:schemeClr val="accent2"/>
+    </dgm:linClrLst>
+    <dgm:effectClrLst/>
+    <dgm:txLinClrLst/>
+    <dgm:txFillClrLst meth="repeat">
+      <a:schemeClr val="lt1"/>
+    </dgm:txFillClrLst>
+    <dgm:txEffectClrLst/>
+  </dgm:styleLbl>
+  <dgm:styleLbl name="fgShp">
+    <dgm:fillClrLst meth="repeat">
+      <a:schemeClr val="accent2">
+        <a:tint val="40000"/>
+      </a:schemeClr>
+    </dgm:fillClrLst>
+    <dgm:linClrLst meth="repeat">
+      <a:schemeClr val="lt1"/>
+    </dgm:linClrLst>
+    <dgm:effectClrLst/>
+    <dgm:txLinClrLst/>
+    <dgm:txFillClrLst meth="repeat">
+      <a:schemeClr val="dk1"/>
+    </dgm:txFillClrLst>
+    <dgm:txEffectClrLst/>
+  </dgm:styleLbl>
+  <dgm:styleLbl name="revTx">
+    <dgm:fillClrLst meth="repeat">
+      <a:schemeClr val="lt1">
+        <a:alpha val="0"/>
+      </a:schemeClr>
+    </dgm:fillClrLst>
+    <dgm:linClrLst meth="repeat">
+      <a:schemeClr val="dk1">
+        <a:alpha val="0"/>
+      </a:schemeClr>
+    </dgm:linClrLst>
+    <dgm:effectClrLst/>
+    <dgm:txLinClrLst/>
+    <dgm:txFillClrLst meth="repeat">
+      <a:schemeClr val="tx1"/>
+    </dgm:txFillClrLst>
+    <dgm:txEffectClrLst/>
+  </dgm:styleLbl>
+</dgm:colorsDef>
+</file>
+
+<file path=ppt/diagrams/data1.xml><?xml version="1.0" encoding="utf-8"?>
+<dgm:dataModel xmlns:dgm="http://schemas.openxmlformats.org/drawingml/2006/diagram" xmlns:a="http://schemas.openxmlformats.org/drawingml/2006/main">
+  <dgm:ptLst>
+    <dgm:pt modelId="{28C9B716-892D-4671-B99E-3736AA3EFEBB}" type="doc">
+      <dgm:prSet loTypeId="urn:microsoft.com/office/officeart/2005/8/layout/equation1" loCatId="process" qsTypeId="urn:microsoft.com/office/officeart/2005/8/quickstyle/simple5" qsCatId="simple" csTypeId="urn:microsoft.com/office/officeart/2005/8/colors/colorful1" csCatId="colorful" phldr="1"/>
+      <dgm:spPr/>
+      <dgm:t>
+        <a:bodyPr/>
+        <a:lstStyle/>
+        <a:p>
+          <a:endParaRPr lang="en-US"/>
+        </a:p>
+      </dgm:t>
+    </dgm:pt>
+    <dgm:pt modelId="{D3AE76F7-B08C-43D7-B195-C60A0BC69576}">
+      <dgm:prSet phldrT="[Text]"/>
+      <dgm:spPr/>
+      <dgm:t>
+        <a:bodyPr/>
+        <a:lstStyle/>
+        <a:p>
+          <a:r>
+            <a:rPr lang="ar-sa" b="1" dirty="0">
+              <a:solidFill>
+                <a:schemeClr val="tx1"/>
+              </a:solidFill>
+              <a:rtl/>
+            </a:rPr>
+            <a:t>تحليل تحسين التخطيط </a:t>
+          </a:r>
+        </a:p>
+      </dgm:t>
+    </dgm:pt>
+    <dgm:pt modelId="{041380C8-46FA-4BE2-BCE0-F3262980BD8B}" type="parTrans" cxnId="{EA912510-9E6E-4590-9D14-5CD4EA474826}">
+      <dgm:prSet/>
+      <dgm:spPr/>
+      <dgm:t>
+        <a:bodyPr/>
+        <a:lstStyle/>
+        <a:p>
+          <a:endParaRPr lang="en-US"/>
+        </a:p>
+      </dgm:t>
+    </dgm:pt>
+    <dgm:pt modelId="{A5872810-05BB-4BA1-9834-FEC03B8DDB58}" type="sibTrans" cxnId="{EA912510-9E6E-4590-9D14-5CD4EA474826}">
+      <dgm:prSet/>
+      <dgm:spPr/>
+      <dgm:t>
+        <a:bodyPr/>
+        <a:lstStyle/>
+        <a:p>
+          <a:endParaRPr lang="en-US"/>
+        </a:p>
+      </dgm:t>
+    </dgm:pt>
+    <dgm:pt modelId="{1041C094-E5EF-40CB-8FB3-15BB23ABE723}">
+      <dgm:prSet phldrT="[Text]"/>
+      <dgm:spPr/>
+      <dgm:t>
+        <a:bodyPr/>
+        <a:lstStyle/>
+        <a:p>
+          <a:r>
+            <a:rPr lang="ar-sa" b="1" dirty="0">
+              <a:solidFill>
+                <a:schemeClr val="tx1"/>
+              </a:solidFill>
+              <a:rtl/>
+            </a:rPr>
+            <a:t>أوامر الشراء المخططة التي تم إنشاؤها تلقائيًا</a:t>
+          </a:r>
+        </a:p>
+      </dgm:t>
+    </dgm:pt>
+    <dgm:pt modelId="{2F696DA7-3E4E-4C29-BB03-9A6EC3DE542D}" type="parTrans" cxnId="{A0C0409F-F516-4802-BF8D-9DEBB2A24997}">
+      <dgm:prSet/>
+      <dgm:spPr/>
+      <dgm:t>
+        <a:bodyPr/>
+        <a:lstStyle/>
+        <a:p>
+          <a:endParaRPr lang="en-US"/>
+        </a:p>
+      </dgm:t>
+    </dgm:pt>
+    <dgm:pt modelId="{B53E6E66-3EE8-4EE0-AA4F-DF1DD2781A34}" type="sibTrans" cxnId="{A0C0409F-F516-4802-BF8D-9DEBB2A24997}">
+      <dgm:prSet/>
+      <dgm:spPr/>
+      <dgm:t>
+        <a:bodyPr/>
+        <a:lstStyle/>
+        <a:p>
+          <a:endParaRPr lang="en-US"/>
+        </a:p>
+      </dgm:t>
+    </dgm:pt>
+    <dgm:pt modelId="{6E211CB5-2875-4C3F-9C14-6048FBC5D6D8}">
+      <dgm:prSet phldrT="[Text]"/>
+      <dgm:spPr/>
+      <dgm:t>
+        <a:bodyPr/>
+        <a:lstStyle/>
+        <a:p>
+          <a:r>
+            <a:rPr lang="ar-sa" b="1" dirty="0">
+              <a:solidFill>
+                <a:schemeClr val="tx1"/>
+              </a:solidFill>
+              <a:rtl/>
+            </a:rPr>
+            <a:t>طلبات الشراء</a:t>
+          </a:r>
+        </a:p>
+      </dgm:t>
+    </dgm:pt>
+    <dgm:pt modelId="{1A7534BA-FD27-468E-A230-26E73BDB26F7}" type="parTrans" cxnId="{2B16A792-BD7D-475D-8AAD-D65E09152C4F}">
+      <dgm:prSet/>
+      <dgm:spPr/>
+      <dgm:t>
+        <a:bodyPr/>
+        <a:lstStyle/>
+        <a:p>
+          <a:endParaRPr lang="en-US"/>
+        </a:p>
+      </dgm:t>
+    </dgm:pt>
+    <dgm:pt modelId="{5F20C1BC-A59D-4D58-8833-2E6427D5ADB9}" type="sibTrans" cxnId="{2B16A792-BD7D-475D-8AAD-D65E09152C4F}">
+      <dgm:prSet/>
+      <dgm:spPr/>
+      <dgm:t>
+        <a:bodyPr/>
+        <a:lstStyle/>
+        <a:p>
+          <a:endParaRPr lang="en-US"/>
+        </a:p>
+      </dgm:t>
+    </dgm:pt>
+    <dgm:pt modelId="{1744D956-1309-435C-BE5A-8502F2DFCC47}" type="pres">
+      <dgm:prSet presAssocID="{28C9B716-892D-4671-B99E-3736AA3EFEBB}" presName="linearFlow" presStyleCnt="0">
+        <dgm:presLayoutVars>
+          <dgm:dir val="rev"/>
+          <dgm:resizeHandles val="exact"/>
+        </dgm:presLayoutVars>
+      </dgm:prSet>
+      <dgm:spPr/>
+    </dgm:pt>
+    <dgm:pt modelId="{F8843B76-4C8F-41E1-96AC-F220977A9B33}" type="pres">
+      <dgm:prSet presAssocID="{6E211CB5-2875-4C3F-9C14-6048FBC5D6D8}" presName="node" presStyleLbl="node1" presStyleIdx="0" presStyleCnt="3">
+        <dgm:presLayoutVars>
+          <dgm:bulletEnabled val="1"/>
+        </dgm:presLayoutVars>
+      </dgm:prSet>
+      <dgm:spPr/>
+    </dgm:pt>
+    <dgm:pt modelId="{AC710D3D-B7ED-490A-9EF4-3DBB4A83C430}" type="pres">
+      <dgm:prSet presAssocID="{5F20C1BC-A59D-4D58-8833-2E6427D5ADB9}" presName="spacerL" presStyleCnt="0"/>
+      <dgm:spPr/>
+    </dgm:pt>
+    <dgm:pt modelId="{2BF1B8CE-167B-4983-AD28-04F02F9A1093}" type="pres">
+      <dgm:prSet presAssocID="{5F20C1BC-A59D-4D58-8833-2E6427D5ADB9}" presName="sibTrans" presStyleLbl="sibTrans2D1" presStyleIdx="0" presStyleCnt="2"/>
+      <dgm:spPr/>
+    </dgm:pt>
+    <dgm:pt modelId="{02BF5573-84F5-4B85-87E7-4F9E9279E170}" type="pres">
+      <dgm:prSet presAssocID="{5F20C1BC-A59D-4D58-8833-2E6427D5ADB9}" presName="spacerR" presStyleCnt="0"/>
+      <dgm:spPr/>
+    </dgm:pt>
+    <dgm:pt modelId="{0D51BD3B-100E-45CA-B694-75CF20E17244}" type="pres">
+      <dgm:prSet presAssocID="{D3AE76F7-B08C-43D7-B195-C60A0BC69576}" presName="node" presStyleLbl="node1" presStyleIdx="1" presStyleCnt="3">
+        <dgm:presLayoutVars>
+          <dgm:bulletEnabled val="1"/>
+        </dgm:presLayoutVars>
+      </dgm:prSet>
+      <dgm:spPr/>
+    </dgm:pt>
+    <dgm:pt modelId="{ECF015C4-834C-4B27-9619-DDDF2DE4C836}" type="pres">
+      <dgm:prSet presAssocID="{A5872810-05BB-4BA1-9834-FEC03B8DDB58}" presName="spacerL" presStyleCnt="0"/>
+      <dgm:spPr/>
+    </dgm:pt>
+    <dgm:pt modelId="{E0FDB6E1-04EE-40D9-BC29-93404715B7A0}" type="pres">
+      <dgm:prSet presAssocID="{A5872810-05BB-4BA1-9834-FEC03B8DDB58}" presName="sibTrans" presStyleLbl="sibTrans2D1" presStyleIdx="1" presStyleCnt="2"/>
+      <dgm:spPr/>
+    </dgm:pt>
+    <dgm:pt modelId="{B6253F49-F70D-4333-97F2-79F016B9EA2F}" type="pres">
+      <dgm:prSet presAssocID="{A5872810-05BB-4BA1-9834-FEC03B8DDB58}" presName="spacerR" presStyleCnt="0"/>
+      <dgm:spPr/>
+    </dgm:pt>
+    <dgm:pt modelId="{6220119F-08FD-4DE3-8C46-89C763FB576C}" type="pres">
+      <dgm:prSet presAssocID="{1041C094-E5EF-40CB-8FB3-15BB23ABE723}" presName="node" presStyleLbl="node1" presStyleIdx="2" presStyleCnt="3">
+        <dgm:presLayoutVars>
+          <dgm:bulletEnabled val="1"/>
+        </dgm:presLayoutVars>
+      </dgm:prSet>
+      <dgm:spPr/>
+    </dgm:pt>
+  </dgm:ptLst>
+  <dgm:cxnLst>
+    <dgm:cxn modelId="{EA912510-9E6E-4590-9D14-5CD4EA474826}" srcId="{28C9B716-892D-4671-B99E-3736AA3EFEBB}" destId="{D3AE76F7-B08C-43D7-B195-C60A0BC69576}" srcOrd="1" destOrd="0" parTransId="{041380C8-46FA-4BE2-BCE0-F3262980BD8B}" sibTransId="{A5872810-05BB-4BA1-9834-FEC03B8DDB58}"/>
+    <dgm:cxn modelId="{28450A22-31FB-4A6F-9C2F-AC0FA7A330B7}" type="presOf" srcId="{A5872810-05BB-4BA1-9834-FEC03B8DDB58}" destId="{E0FDB6E1-04EE-40D9-BC29-93404715B7A0}" srcOrd="0" destOrd="0" presId="urn:microsoft.com/office/officeart/2005/8/layout/equation1"/>
+    <dgm:cxn modelId="{FE027268-AAE9-4365-A09F-DC4BB7CB568F}" type="presOf" srcId="{1041C094-E5EF-40CB-8FB3-15BB23ABE723}" destId="{6220119F-08FD-4DE3-8C46-89C763FB576C}" srcOrd="0" destOrd="0" presId="urn:microsoft.com/office/officeart/2005/8/layout/equation1"/>
+    <dgm:cxn modelId="{2B16A792-BD7D-475D-8AAD-D65E09152C4F}" srcId="{28C9B716-892D-4671-B99E-3736AA3EFEBB}" destId="{6E211CB5-2875-4C3F-9C14-6048FBC5D6D8}" srcOrd="0" destOrd="0" parTransId="{1A7534BA-FD27-468E-A230-26E73BDB26F7}" sibTransId="{5F20C1BC-A59D-4D58-8833-2E6427D5ADB9}"/>
+    <dgm:cxn modelId="{33004997-0AB5-4655-84A3-1C4681695E9D}" type="presOf" srcId="{D3AE76F7-B08C-43D7-B195-C60A0BC69576}" destId="{0D51BD3B-100E-45CA-B694-75CF20E17244}" srcOrd="0" destOrd="0" presId="urn:microsoft.com/office/officeart/2005/8/layout/equation1"/>
+    <dgm:cxn modelId="{A0C0409F-F516-4802-BF8D-9DEBB2A24997}" srcId="{28C9B716-892D-4671-B99E-3736AA3EFEBB}" destId="{1041C094-E5EF-40CB-8FB3-15BB23ABE723}" srcOrd="2" destOrd="0" parTransId="{2F696DA7-3E4E-4C29-BB03-9A6EC3DE542D}" sibTransId="{B53E6E66-3EE8-4EE0-AA4F-DF1DD2781A34}"/>
+    <dgm:cxn modelId="{25A997C1-AB0C-4EE0-BAAF-28B9F175004D}" type="presOf" srcId="{6E211CB5-2875-4C3F-9C14-6048FBC5D6D8}" destId="{F8843B76-4C8F-41E1-96AC-F220977A9B33}" srcOrd="0" destOrd="0" presId="urn:microsoft.com/office/officeart/2005/8/layout/equation1"/>
+    <dgm:cxn modelId="{DC7FDACE-8BBF-4EF3-8B51-945D35D2F8D8}" type="presOf" srcId="{28C9B716-892D-4671-B99E-3736AA3EFEBB}" destId="{1744D956-1309-435C-BE5A-8502F2DFCC47}" srcOrd="0" destOrd="0" presId="urn:microsoft.com/office/officeart/2005/8/layout/equation1"/>
+    <dgm:cxn modelId="{0D91BAD1-6C55-44E8-BF0A-8AE21C3DEA9D}" type="presOf" srcId="{5F20C1BC-A59D-4D58-8833-2E6427D5ADB9}" destId="{2BF1B8CE-167B-4983-AD28-04F02F9A1093}" srcOrd="0" destOrd="0" presId="urn:microsoft.com/office/officeart/2005/8/layout/equation1"/>
+    <dgm:cxn modelId="{942B5A61-4E27-4DA7-A209-CF737F9F220D}" type="presParOf" srcId="{1744D956-1309-435C-BE5A-8502F2DFCC47}" destId="{F8843B76-4C8F-41E1-96AC-F220977A9B33}" srcOrd="0" destOrd="0" presId="urn:microsoft.com/office/officeart/2005/8/layout/equation1"/>
+    <dgm:cxn modelId="{54A9C795-F8E4-43A3-ACFE-B40EC59B88DA}" type="presParOf" srcId="{1744D956-1309-435C-BE5A-8502F2DFCC47}" destId="{AC710D3D-B7ED-490A-9EF4-3DBB4A83C430}" srcOrd="1" destOrd="0" presId="urn:microsoft.com/office/officeart/2005/8/layout/equation1"/>
+    <dgm:cxn modelId="{676F3ED6-C831-4337-B77B-DF4248AD9435}" type="presParOf" srcId="{1744D956-1309-435C-BE5A-8502F2DFCC47}" destId="{2BF1B8CE-167B-4983-AD28-04F02F9A1093}" srcOrd="2" destOrd="0" presId="urn:microsoft.com/office/officeart/2005/8/layout/equation1"/>
+    <dgm:cxn modelId="{C68B9F9C-66FE-4AFE-973A-24D1F3682252}" type="presParOf" srcId="{1744D956-1309-435C-BE5A-8502F2DFCC47}" destId="{02BF5573-84F5-4B85-87E7-4F9E9279E170}" srcOrd="3" destOrd="0" presId="urn:microsoft.com/office/officeart/2005/8/layout/equation1"/>
+    <dgm:cxn modelId="{540DD35C-DC5A-4C08-B6E7-EA0A19A81DAF}" type="presParOf" srcId="{1744D956-1309-435C-BE5A-8502F2DFCC47}" destId="{0D51BD3B-100E-45CA-B694-75CF20E17244}" srcOrd="4" destOrd="0" presId="urn:microsoft.com/office/officeart/2005/8/layout/equation1"/>
+    <dgm:cxn modelId="{3E77121B-5EA4-4D98-BB9D-A12350052CFE}" type="presParOf" srcId="{1744D956-1309-435C-BE5A-8502F2DFCC47}" destId="{ECF015C4-834C-4B27-9619-DDDF2DE4C836}" srcOrd="5" destOrd="0" presId="urn:microsoft.com/office/officeart/2005/8/layout/equation1"/>
+    <dgm:cxn modelId="{AE650298-7959-41DE-9C78-2DC19B408CBB}" type="presParOf" srcId="{1744D956-1309-435C-BE5A-8502F2DFCC47}" destId="{E0FDB6E1-04EE-40D9-BC29-93404715B7A0}" srcOrd="6" destOrd="0" presId="urn:microsoft.com/office/officeart/2005/8/layout/equation1"/>
+    <dgm:cxn modelId="{35BADED3-508D-4D08-890B-01D5D933B98D}" type="presParOf" srcId="{1744D956-1309-435C-BE5A-8502F2DFCC47}" destId="{B6253F49-F70D-4333-97F2-79F016B9EA2F}" srcOrd="7" destOrd="0" presId="urn:microsoft.com/office/officeart/2005/8/layout/equation1"/>
+    <dgm:cxn modelId="{05EB245E-ACBC-41C7-A180-03B9706BC4CA}" type="presParOf" srcId="{1744D956-1309-435C-BE5A-8502F2DFCC47}" destId="{6220119F-08FD-4DE3-8C46-89C763FB576C}" srcOrd="8" destOrd="0" presId="urn:microsoft.com/office/officeart/2005/8/layout/equation1"/>
+  </dgm:cxnLst>
+  <dgm:bg/>
+  <dgm:whole/>
+  <dgm:extLst>
+    <a:ext uri="http://schemas.microsoft.com/office/drawing/2008/diagram">
+      <dsp:dataModelExt xmlns:dsp="http://schemas.microsoft.com/office/drawing/2008/diagram" relId="rId6" minVer="http://schemas.openxmlformats.org/drawingml/2006/diagram"/>
+    </a:ext>
+  </dgm:extLst>
+</dgm:dataModel>
+</file>
+
+<file path=ppt/diagrams/drawing1.xml><?xml version="1.0" encoding="utf-8"?>
+<dsp:drawing xmlns:dgm="http://schemas.openxmlformats.org/drawingml/2006/diagram" xmlns:dsp="http://schemas.microsoft.com/office/drawing/2008/diagram" xmlns:a="http://schemas.openxmlformats.org/drawingml/2006/main">
+  <dsp:spTree>
+    <dsp:nvGrpSpPr>
+      <dsp:cNvPr id="0" name=""/>
+      <dsp:cNvGrpSpPr/>
+    </dsp:nvGrpSpPr>
+    <dsp:grpSpPr/>
+    <dsp:sp modelId="{F8843B76-4C8F-41E1-96AC-F220977A9B33}">
+      <dsp:nvSpPr>
+        <dsp:cNvPr id="0" name=""/>
+        <dsp:cNvSpPr/>
+      </dsp:nvSpPr>
+      <dsp:spPr>
+        <a:xfrm>
+          <a:off x="6314898" y="1803466"/>
+          <a:ext cx="1811734" cy="1811734"/>
+        </a:xfrm>
+        <a:prstGeom prst="ellipse">
+          <a:avLst/>
+        </a:prstGeom>
+        <a:gradFill rotWithShape="0">
+          <a:gsLst>
+            <a:gs pos="0">
+              <a:schemeClr val="accent2">
+                <a:hueOff val="0"/>
+                <a:satOff val="0"/>
+                <a:lumOff val="0"/>
+                <a:alphaOff val="0"/>
+                <a:satMod val="103000"/>
+                <a:lumMod val="102000"/>
+                <a:tint val="94000"/>
+              </a:schemeClr>
+            </a:gs>
+            <a:gs pos="50000">
+              <a:schemeClr val="accent2">
+                <a:hueOff val="0"/>
+                <a:satOff val="0"/>
+                <a:lumOff val="0"/>
+                <a:alphaOff val="0"/>
+                <a:satMod val="110000"/>
+                <a:lumMod val="100000"/>
+                <a:shade val="100000"/>
+              </a:schemeClr>
+            </a:gs>
+            <a:gs pos="100000">
+              <a:schemeClr val="accent2">
+                <a:hueOff val="0"/>
+                <a:satOff val="0"/>
+                <a:lumOff val="0"/>
+                <a:alphaOff val="0"/>
+                <a:lumMod val="99000"/>
+                <a:satMod val="120000"/>
+                <a:shade val="78000"/>
+              </a:schemeClr>
+            </a:gs>
+          </a:gsLst>
+          <a:lin ang="5400000" scaled="0"/>
+        </a:gradFill>
+        <a:ln>
+          <a:noFill/>
+        </a:ln>
+        <a:effectLst>
+          <a:outerShdw blurRad="57150" dist="19050" dir="5400000" algn="ctr" rotWithShape="0">
+            <a:srgbClr val="000000">
+              <a:alpha val="63000"/>
+            </a:srgbClr>
+          </a:outerShdw>
+        </a:effectLst>
+      </dsp:spPr>
+      <dsp:style>
+        <a:lnRef idx="0">
+          <a:scrgbClr r="0" g="0" b="0"/>
+        </a:lnRef>
+        <a:fillRef idx="3">
+          <a:scrgbClr r="0" g="0" b="0"/>
+        </a:fillRef>
+        <a:effectRef idx="3">
+          <a:scrgbClr r="0" g="0" b="0"/>
+        </a:effectRef>
+        <a:fontRef idx="minor">
+          <a:schemeClr val="lt1"/>
+        </a:fontRef>
+      </dsp:style>
+      <dsp:txBody>
+        <a:bodyPr spcFirstLastPara="0" vert="horz" wrap="square" lIns="26670" tIns="26670" rIns="26670" bIns="26670" numCol="1" spcCol="1270" anchor="ctr" anchorCtr="0">
+          <a:noAutofit/>
+        </a:bodyPr>
+        <a:lstStyle/>
+        <a:p>
+          <a:pPr marL="0" lvl="0" indent="0" algn="ctr" defTabSz="933450">
+            <a:lnSpc>
+              <a:spcPct val="90000"/>
+            </a:lnSpc>
+            <a:spcBef>
+              <a:spcPct val="0"/>
+            </a:spcBef>
+            <a:spcAft>
+              <a:spcPct val="35000"/>
+            </a:spcAft>
+            <a:buNone/>
+          </a:pPr>
+          <a:r>
+            <a:rPr lang="ar-sa" sz="2100" b="1" kern="1200" dirty="0">
+              <a:solidFill>
+                <a:schemeClr val="tx1"/>
+              </a:solidFill>
+              <a:rtl/>
+            </a:rPr>
+            <a:t>طلبات الشراء</a:t>
+          </a:r>
+        </a:p>
+      </dsp:txBody>
+      <dsp:txXfrm>
+        <a:off x="6580220" y="2068788"/>
+        <a:ext cx="1281090" cy="1281090"/>
+      </dsp:txXfrm>
+    </dsp:sp>
+    <dsp:sp modelId="{2BF1B8CE-167B-4983-AD28-04F02F9A1093}">
+      <dsp:nvSpPr>
+        <dsp:cNvPr id="0" name=""/>
+        <dsp:cNvSpPr/>
+      </dsp:nvSpPr>
+      <dsp:spPr>
+        <a:xfrm>
+          <a:off x="5116980" y="2183930"/>
+          <a:ext cx="1050805" cy="1050805"/>
+        </a:xfrm>
+        <a:prstGeom prst="mathPlus">
+          <a:avLst/>
+        </a:prstGeom>
+        <a:gradFill rotWithShape="0">
+          <a:gsLst>
+            <a:gs pos="0">
+              <a:schemeClr val="accent2">
+                <a:hueOff val="0"/>
+                <a:satOff val="0"/>
+                <a:lumOff val="0"/>
+                <a:alphaOff val="0"/>
+                <a:satMod val="103000"/>
+                <a:lumMod val="102000"/>
+                <a:tint val="94000"/>
+              </a:schemeClr>
+            </a:gs>
+            <a:gs pos="50000">
+              <a:schemeClr val="accent2">
+                <a:hueOff val="0"/>
+                <a:satOff val="0"/>
+                <a:lumOff val="0"/>
+                <a:alphaOff val="0"/>
+                <a:satMod val="110000"/>
+                <a:lumMod val="100000"/>
+                <a:shade val="100000"/>
+              </a:schemeClr>
+            </a:gs>
+            <a:gs pos="100000">
+              <a:schemeClr val="accent2">
+                <a:hueOff val="0"/>
+                <a:satOff val="0"/>
+                <a:lumOff val="0"/>
+                <a:alphaOff val="0"/>
+                <a:lumMod val="99000"/>
+                <a:satMod val="120000"/>
+                <a:shade val="78000"/>
+              </a:schemeClr>
+            </a:gs>
+          </a:gsLst>
+          <a:lin ang="5400000" scaled="0"/>
+        </a:gradFill>
+        <a:ln>
+          <a:noFill/>
+        </a:ln>
+        <a:effectLst>
+          <a:outerShdw blurRad="57150" dist="19050" dir="5400000" algn="ctr" rotWithShape="0">
+            <a:srgbClr val="000000">
+              <a:alpha val="63000"/>
+            </a:srgbClr>
+          </a:outerShdw>
+        </a:effectLst>
+      </dsp:spPr>
+      <dsp:style>
+        <a:lnRef idx="0">
+          <a:scrgbClr r="0" g="0" b="0"/>
+        </a:lnRef>
+        <a:fillRef idx="3">
+          <a:scrgbClr r="0" g="0" b="0"/>
+        </a:fillRef>
+        <a:effectRef idx="3">
+          <a:scrgbClr r="0" g="0" b="0"/>
+        </a:effectRef>
+        <a:fontRef idx="minor">
+          <a:schemeClr val="lt1"/>
+        </a:fontRef>
+      </dsp:style>
+      <dsp:txBody>
+        <a:bodyPr spcFirstLastPara="0" vert="horz" wrap="square" lIns="0" tIns="0" rIns="0" bIns="0" numCol="1" spcCol="1270" anchor="ctr" anchorCtr="0">
+          <a:noAutofit/>
+        </a:bodyPr>
+        <a:lstStyle/>
+        <a:p>
+          <a:pPr marL="0" lvl="0" indent="0" algn="ctr" defTabSz="755650">
+            <a:lnSpc>
+              <a:spcPct val="90000"/>
+            </a:lnSpc>
+            <a:spcBef>
+              <a:spcPct val="0"/>
+            </a:spcBef>
+            <a:spcAft>
+              <a:spcPct val="35000"/>
+            </a:spcAft>
+            <a:buNone/>
+          </a:pPr>
+          <a:endParaRPr lang="en-US" sz="1700" kern="1200"/>
+        </a:p>
+      </dsp:txBody>
+      <dsp:txXfrm>
+        <a:off x="5256264" y="2585758"/>
+        <a:ext cx="772237" cy="247149"/>
+      </dsp:txXfrm>
+    </dsp:sp>
+    <dsp:sp modelId="{0D51BD3B-100E-45CA-B694-75CF20E17244}">
+      <dsp:nvSpPr>
+        <dsp:cNvPr id="0" name=""/>
+        <dsp:cNvSpPr/>
+      </dsp:nvSpPr>
+      <dsp:spPr>
+        <a:xfrm>
+          <a:off x="3158132" y="1803466"/>
+          <a:ext cx="1811734" cy="1811734"/>
+        </a:xfrm>
+        <a:prstGeom prst="ellipse">
+          <a:avLst/>
+        </a:prstGeom>
+        <a:gradFill rotWithShape="0">
+          <a:gsLst>
+            <a:gs pos="0">
+              <a:schemeClr val="accent3">
+                <a:hueOff val="0"/>
+                <a:satOff val="0"/>
+                <a:lumOff val="0"/>
+                <a:alphaOff val="0"/>
+                <a:satMod val="103000"/>
+                <a:lumMod val="102000"/>
+                <a:tint val="94000"/>
+              </a:schemeClr>
+            </a:gs>
+            <a:gs pos="50000">
+              <a:schemeClr val="accent3">
+                <a:hueOff val="0"/>
+                <a:satOff val="0"/>
+                <a:lumOff val="0"/>
+                <a:alphaOff val="0"/>
+                <a:satMod val="110000"/>
+                <a:lumMod val="100000"/>
+                <a:shade val="100000"/>
+              </a:schemeClr>
+            </a:gs>
+            <a:gs pos="100000">
+              <a:schemeClr val="accent3">
+                <a:hueOff val="0"/>
+                <a:satOff val="0"/>
+                <a:lumOff val="0"/>
+                <a:alphaOff val="0"/>
+                <a:lumMod val="99000"/>
+                <a:satMod val="120000"/>
+                <a:shade val="78000"/>
+              </a:schemeClr>
+            </a:gs>
+          </a:gsLst>
+          <a:lin ang="5400000" scaled="0"/>
+        </a:gradFill>
+        <a:ln>
+          <a:noFill/>
+        </a:ln>
+        <a:effectLst>
+          <a:outerShdw blurRad="57150" dist="19050" dir="5400000" algn="ctr" rotWithShape="0">
+            <a:srgbClr val="000000">
+              <a:alpha val="63000"/>
+            </a:srgbClr>
+          </a:outerShdw>
+        </a:effectLst>
+      </dsp:spPr>
+      <dsp:style>
+        <a:lnRef idx="0">
+          <a:scrgbClr r="0" g="0" b="0"/>
+        </a:lnRef>
+        <a:fillRef idx="3">
+          <a:scrgbClr r="0" g="0" b="0"/>
+        </a:fillRef>
+        <a:effectRef idx="3">
+          <a:scrgbClr r="0" g="0" b="0"/>
+        </a:effectRef>
+        <a:fontRef idx="minor">
+          <a:schemeClr val="lt1"/>
+        </a:fontRef>
+      </dsp:style>
+      <dsp:txBody>
+        <a:bodyPr spcFirstLastPara="0" vert="horz" wrap="square" lIns="26670" tIns="26670" rIns="26670" bIns="26670" numCol="1" spcCol="1270" anchor="ctr" anchorCtr="0">
+          <a:noAutofit/>
+        </a:bodyPr>
+        <a:lstStyle/>
+        <a:p>
+          <a:pPr marL="0" lvl="0" indent="0" algn="ctr" defTabSz="933450">
+            <a:lnSpc>
+              <a:spcPct val="90000"/>
+            </a:lnSpc>
+            <a:spcBef>
+              <a:spcPct val="0"/>
+            </a:spcBef>
+            <a:spcAft>
+              <a:spcPct val="35000"/>
+            </a:spcAft>
+            <a:buNone/>
+          </a:pPr>
+          <a:r>
+            <a:rPr lang="ar-sa" sz="2100" b="1" kern="1200" dirty="0">
+              <a:solidFill>
+                <a:schemeClr val="tx1"/>
+              </a:solidFill>
+              <a:rtl/>
+            </a:rPr>
+            <a:t>تحليل تحسين التخطيط </a:t>
+          </a:r>
+        </a:p>
+      </dsp:txBody>
+      <dsp:txXfrm>
+        <a:off x="3423454" y="2068788"/>
+        <a:ext cx="1281090" cy="1281090"/>
+      </dsp:txXfrm>
+    </dsp:sp>
+    <dsp:sp modelId="{E0FDB6E1-04EE-40D9-BC29-93404715B7A0}">
+      <dsp:nvSpPr>
+        <dsp:cNvPr id="0" name=""/>
+        <dsp:cNvSpPr/>
+      </dsp:nvSpPr>
+      <dsp:spPr>
+        <a:xfrm>
+          <a:off x="1960214" y="2183930"/>
+          <a:ext cx="1050805" cy="1050805"/>
+        </a:xfrm>
+        <a:prstGeom prst="mathEqual">
+          <a:avLst/>
+        </a:prstGeom>
+        <a:gradFill rotWithShape="0">
+          <a:gsLst>
+            <a:gs pos="0">
+              <a:schemeClr val="accent3">
+                <a:hueOff val="0"/>
+                <a:satOff val="0"/>
+                <a:lumOff val="0"/>
+                <a:alphaOff val="0"/>
+                <a:satMod val="103000"/>
+                <a:lumMod val="102000"/>
+                <a:tint val="94000"/>
+              </a:schemeClr>
+            </a:gs>
+            <a:gs pos="50000">
+              <a:schemeClr val="accent3">
+                <a:hueOff val="0"/>
+                <a:satOff val="0"/>
+                <a:lumOff val="0"/>
+                <a:alphaOff val="0"/>
+                <a:satMod val="110000"/>
+                <a:lumMod val="100000"/>
+                <a:shade val="100000"/>
+              </a:schemeClr>
+            </a:gs>
+            <a:gs pos="100000">
+              <a:schemeClr val="accent3">
+                <a:hueOff val="0"/>
+                <a:satOff val="0"/>
+                <a:lumOff val="0"/>
+                <a:alphaOff val="0"/>
+                <a:lumMod val="99000"/>
+                <a:satMod val="120000"/>
+                <a:shade val="78000"/>
+              </a:schemeClr>
+            </a:gs>
+          </a:gsLst>
+          <a:lin ang="5400000" scaled="0"/>
+        </a:gradFill>
+        <a:ln>
+          <a:noFill/>
+        </a:ln>
+        <a:effectLst>
+          <a:outerShdw blurRad="57150" dist="19050" dir="5400000" algn="ctr" rotWithShape="0">
+            <a:srgbClr val="000000">
+              <a:alpha val="63000"/>
+            </a:srgbClr>
+          </a:outerShdw>
+        </a:effectLst>
+      </dsp:spPr>
+      <dsp:style>
+        <a:lnRef idx="0">
+          <a:scrgbClr r="0" g="0" b="0"/>
+        </a:lnRef>
+        <a:fillRef idx="3">
+          <a:scrgbClr r="0" g="0" b="0"/>
+        </a:fillRef>
+        <a:effectRef idx="3">
+          <a:scrgbClr r="0" g="0" b="0"/>
+        </a:effectRef>
+        <a:fontRef idx="minor">
+          <a:schemeClr val="lt1"/>
+        </a:fontRef>
+      </dsp:style>
+      <dsp:txBody>
+        <a:bodyPr spcFirstLastPara="0" vert="horz" wrap="square" lIns="0" tIns="0" rIns="0" bIns="0" numCol="1" spcCol="1270" anchor="ctr" anchorCtr="0">
+          <a:noAutofit/>
+        </a:bodyPr>
+        <a:lstStyle/>
+        <a:p>
+          <a:pPr marL="0" lvl="0" indent="0" algn="ctr" defTabSz="755650">
+            <a:lnSpc>
+              <a:spcPct val="90000"/>
+            </a:lnSpc>
+            <a:spcBef>
+              <a:spcPct val="0"/>
+            </a:spcBef>
+            <a:spcAft>
+              <a:spcPct val="35000"/>
+            </a:spcAft>
+            <a:buNone/>
+          </a:pPr>
+          <a:endParaRPr lang="en-US" sz="1700" kern="1200"/>
+        </a:p>
+      </dsp:txBody>
+      <dsp:txXfrm>
+        <a:off x="2099498" y="2400396"/>
+        <a:ext cx="772237" cy="617873"/>
+      </dsp:txXfrm>
+    </dsp:sp>
+    <dsp:sp modelId="{6220119F-08FD-4DE3-8C46-89C763FB576C}">
+      <dsp:nvSpPr>
+        <dsp:cNvPr id="0" name=""/>
+        <dsp:cNvSpPr/>
+      </dsp:nvSpPr>
+      <dsp:spPr>
+        <a:xfrm>
+          <a:off x="1366" y="1803466"/>
+          <a:ext cx="1811734" cy="1811734"/>
+        </a:xfrm>
+        <a:prstGeom prst="ellipse">
+          <a:avLst/>
+        </a:prstGeom>
+        <a:gradFill rotWithShape="0">
+          <a:gsLst>
+            <a:gs pos="0">
+              <a:schemeClr val="accent4">
+                <a:hueOff val="0"/>
+                <a:satOff val="0"/>
+                <a:lumOff val="0"/>
+                <a:alphaOff val="0"/>
+                <a:satMod val="103000"/>
+                <a:lumMod val="102000"/>
+                <a:tint val="94000"/>
+              </a:schemeClr>
+            </a:gs>
+            <a:gs pos="50000">
+              <a:schemeClr val="accent4">
+                <a:hueOff val="0"/>
+                <a:satOff val="0"/>
+                <a:lumOff val="0"/>
+                <a:alphaOff val="0"/>
+                <a:satMod val="110000"/>
+                <a:lumMod val="100000"/>
+                <a:shade val="100000"/>
+              </a:schemeClr>
+            </a:gs>
+            <a:gs pos="100000">
+              <a:schemeClr val="accent4">
+                <a:hueOff val="0"/>
+                <a:satOff val="0"/>
+                <a:lumOff val="0"/>
+                <a:alphaOff val="0"/>
+                <a:lumMod val="99000"/>
+                <a:satMod val="120000"/>
+                <a:shade val="78000"/>
+              </a:schemeClr>
+            </a:gs>
+          </a:gsLst>
+          <a:lin ang="5400000" scaled="0"/>
+        </a:gradFill>
+        <a:ln>
+          <a:noFill/>
+        </a:ln>
+        <a:effectLst>
+          <a:outerShdw blurRad="57150" dist="19050" dir="5400000" algn="ctr" rotWithShape="0">
+            <a:srgbClr val="000000">
+              <a:alpha val="63000"/>
+            </a:srgbClr>
+          </a:outerShdw>
+        </a:effectLst>
+      </dsp:spPr>
+      <dsp:style>
+        <a:lnRef idx="0">
+          <a:scrgbClr r="0" g="0" b="0"/>
+        </a:lnRef>
+        <a:fillRef idx="3">
+          <a:scrgbClr r="0" g="0" b="0"/>
+        </a:fillRef>
+        <a:effectRef idx="3">
+          <a:scrgbClr r="0" g="0" b="0"/>
+        </a:effectRef>
+        <a:fontRef idx="minor">
+          <a:schemeClr val="lt1"/>
+        </a:fontRef>
+      </dsp:style>
+      <dsp:txBody>
+        <a:bodyPr spcFirstLastPara="0" vert="horz" wrap="square" lIns="26670" tIns="26670" rIns="26670" bIns="26670" numCol="1" spcCol="1270" anchor="ctr" anchorCtr="0">
+          <a:noAutofit/>
+        </a:bodyPr>
+        <a:lstStyle/>
+        <a:p>
+          <a:pPr marL="0" lvl="0" indent="0" algn="ctr" defTabSz="933450">
+            <a:lnSpc>
+              <a:spcPct val="90000"/>
+            </a:lnSpc>
+            <a:spcBef>
+              <a:spcPct val="0"/>
+            </a:spcBef>
+            <a:spcAft>
+              <a:spcPct val="35000"/>
+            </a:spcAft>
+            <a:buNone/>
+          </a:pPr>
+          <a:r>
+            <a:rPr lang="ar-sa" sz="2100" b="1" kern="1200" dirty="0">
+              <a:solidFill>
+                <a:schemeClr val="tx1"/>
+              </a:solidFill>
+              <a:rtl/>
+            </a:rPr>
+            <a:t>أوامر الشراء المخططة التي تم إنشاؤها تلقائيًا</a:t>
+          </a:r>
+        </a:p>
+      </dsp:txBody>
+      <dsp:txXfrm>
+        <a:off x="266688" y="2068788"/>
+        <a:ext cx="1281090" cy="1281090"/>
+      </dsp:txXfrm>
+    </dsp:sp>
+  </dsp:spTree>
+</dsp:drawing>
+</file>
+
+<file path=ppt/diagrams/layout1.xml><?xml version="1.0" encoding="utf-8"?>
+<dgm:layoutDef xmlns:dgm="http://schemas.openxmlformats.org/drawingml/2006/diagram" xmlns:a="http://schemas.openxmlformats.org/drawingml/2006/main" uniqueId="urn:microsoft.com/office/officeart/2005/8/layout/equation1">
+  <dgm:title val=""/>
+  <dgm:desc val=""/>
+  <dgm:catLst>
+    <dgm:cat type="relationship" pri="17000"/>
+    <dgm:cat type="process" pri="25000"/>
+  </dgm:catLst>
+  <dgm:sampData useDef="1">
+    <dgm:dataModel>
+      <dgm:ptLst/>
+      <dgm:bg/>
+      <dgm:whole/>
+    </dgm:dataModel>
+  </dgm:sampData>
+  <dgm:styleData>
+    <dgm:dataModel>
+      <dgm:ptLst>
+        <dgm:pt modelId="0" type="doc"/>
+        <dgm:pt modelId="1"/>
+        <dgm:pt modelId="2"/>
+      </dgm:ptLst>
+      <dgm:cxnLst>
+        <dgm:cxn modelId="3" srcId="0" destId="1" srcOrd="0" destOrd="0"/>
+        <dgm:cxn modelId="4" srcId="0" destId="2" srcOrd="1" destOrd="0"/>
+      </dgm:cxnLst>
+      <dgm:bg/>
+      <dgm:whole/>
+    </dgm:dataModel>
+  </dgm:styleData>
+  <dgm:clrData>
+    <dgm:dataModel>
+      <dgm:ptLst>
+        <dgm:pt modelId="0" type="doc"/>
+        <dgm:pt modelId="1"/>
+        <dgm:pt modelId="2"/>
+        <dgm:pt modelId="3"/>
+        <dgm:pt modelId="4"/>
+      </dgm:ptLst>
+      <dgm:cxnLst>
+        <dgm:cxn modelId="5" srcId="0" destId="1" srcOrd="0" destOrd="0"/>
+        <dgm:cxn modelId="6" srcId="0" destId="2" srcOrd="1" destOrd="0"/>
+        <dgm:cxn modelId="7" srcId="0" destId="3" srcOrd="2" destOrd="0"/>
+        <dgm:cxn modelId="8" srcId="0" destId="4" srcOrd="3" destOrd="0"/>
+      </dgm:cxnLst>
+      <dgm:bg/>
+      <dgm:whole/>
+    </dgm:dataModel>
+  </dgm:clrData>
+  <dgm:layoutNode name="linearFlow">
+    <dgm:varLst>
+      <dgm:dir/>
+      <dgm:resizeHandles val="exact"/>
+    </dgm:varLst>
+    <dgm:choose name="Name0">
+      <dgm:if name="Name1" func="var" arg="dir" op="equ" val="norm">
+        <dgm:alg type="lin">
+          <dgm:param type="fallback" val="2D"/>
+        </dgm:alg>
+      </dgm:if>
+      <dgm:else name="Name2">
+        <dgm:alg type="lin">
+          <dgm:param type="linDir" val="fromR"/>
+          <dgm:param type="fallback" val="2D"/>
+        </dgm:alg>
+      </dgm:else>
+    </dgm:choose>
+    <dgm:shape xmlns:r="http://schemas.openxmlformats.org/officeDocument/2006/relationships" r:blip="">
+      <dgm:adjLst/>
+    </dgm:shape>
+    <dgm:presOf/>
+    <dgm:constrLst>
+      <dgm:constr type="w" for="ch" ptType="node" refType="w"/>
+      <dgm:constr type="w" for="ch" ptType="sibTrans" refType="w" refFor="ch" refPtType="node" fact="0.58"/>
+      <dgm:constr type="primFontSz" for="ch" ptType="node" op="equ" val="65"/>
+      <dgm:constr type="primFontSz" for="ch" ptType="sibTrans" op="equ" val="55"/>
+      <dgm:constr type="primFontSz" for="ch" ptType="sibTrans" refType="primFontSz" refFor="ch" refPtType="node" op="lte" fact="0.8"/>
+      <dgm:constr type="w" for="ch" forName="spacerL" refType="w" refFor="ch" refPtType="sibTrans" fact="0.14"/>
+      <dgm:constr type="w" for="ch" forName="spacerR" refType="w" refFor="ch" refPtType="sibTrans" fact="0.14"/>
+    </dgm:constrLst>
+    <dgm:ruleLst/>
+    <dgm:forEach name="nodesForEach" axis="ch" ptType="node">
+      <dgm:layoutNode name="node">
+        <dgm:varLst>
+          <dgm:bulletEnabled val="1"/>
+        </dgm:varLst>
+        <dgm:alg type="tx">
+          <dgm:param type="txAnchorVertCh" val="mid"/>
+        </dgm:alg>
+        <dgm:shape xmlns:r="http://schemas.openxmlformats.org/officeDocument/2006/relationships" type="ellipse" r:blip="">
+          <dgm:adjLst/>
+        </dgm:shape>
+        <dgm:presOf axis="desOrSelf" ptType="node"/>
+        <dgm:constrLst>
+          <dgm:constr type="h" refType="w"/>
+          <dgm:constr type="tMarg" refType="primFontSz" fact="0.1"/>
+          <dgm:constr type="bMarg" refType="primFontSz" fact="0.1"/>
+          <dgm:constr type="lMarg" refType="primFontSz" fact="0.1"/>
+          <dgm:constr type="rMarg" refType="primFontSz" fact="0.1"/>
+        </dgm:constrLst>
+        <dgm:ruleLst>
+          <dgm:rule type="primFontSz" val="5" fact="NaN" max="NaN"/>
+        </dgm:ruleLst>
+      </dgm:layoutNode>
+      <dgm:forEach name="sibTransForEach" axis="followSib" ptType="sibTrans" cnt="1">
+        <dgm:layoutNode name="spacerL">
+          <dgm:alg type="sp"/>
+          <dgm:shape xmlns:r="http://schemas.openxmlformats.org/officeDocument/2006/relationships" r:blip="">
+            <dgm:adjLst/>
+          </dgm:shape>
+          <dgm:presOf/>
+          <dgm:constrLst/>
+          <dgm:ruleLst/>
+        </dgm:layoutNode>
+        <dgm:layoutNode name="sibTrans">
+          <dgm:alg type="tx"/>
+          <dgm:choose name="Name3">
+            <dgm:if name="Name4" axis="followSib" ptType="sibTrans" func="cnt" op="equ" val="0">
+              <dgm:shape xmlns:r="http://schemas.openxmlformats.org/officeDocument/2006/relationships" type="mathEqual" r:blip="">
+                <dgm:adjLst/>
+              </dgm:shape>
+            </dgm:if>
+            <dgm:else name="Name5">
+              <dgm:shape xmlns:r="http://schemas.openxmlformats.org/officeDocument/2006/relationships" type="mathPlus" r:blip="">
+                <dgm:adjLst/>
+              </dgm:shape>
+            </dgm:else>
+          </dgm:choose>
+          <dgm:presOf axis="self"/>
+          <dgm:constrLst>
+            <dgm:constr type="h" refType="w"/>
+            <dgm:constr type="lMarg"/>
+            <dgm:constr type="rMarg"/>
+            <dgm:constr type="tMarg"/>
+            <dgm:constr type="bMarg"/>
+          </dgm:constrLst>
+          <dgm:ruleLst>
+            <dgm:rule type="primFontSz" val="5" fact="NaN" max="NaN"/>
+          </dgm:ruleLst>
+        </dgm:layoutNode>
+        <dgm:layoutNode name="spacerR">
+          <dgm:alg type="sp"/>
+          <dgm:shape xmlns:r="http://schemas.openxmlformats.org/officeDocument/2006/relationships" r:blip="">
+            <dgm:adjLst/>
+          </dgm:shape>
+          <dgm:presOf/>
+          <dgm:constrLst/>
+          <dgm:ruleLst/>
+        </dgm:layoutNode>
+      </dgm:forEach>
+    </dgm:forEach>
+  </dgm:layoutNode>
+</dgm:layoutDef>
+</file>
+
+<file path=ppt/diagrams/quickStyle1.xml><?xml version="1.0" encoding="utf-8"?>
+<dgm:styleDef xmlns:dgm="http://schemas.openxmlformats.org/drawingml/2006/diagram" xmlns:a="http://schemas.openxmlformats.org/drawingml/2006/main" uniqueId="urn:microsoft.com/office/officeart/2005/8/quickstyle/simple5">
+  <dgm:title val=""/>
+  <dgm:desc val=""/>
+  <dgm:catLst>
+    <dgm:cat type="simple" pri="10500"/>
+  </dgm:catLst>
+  <dgm:scene3d>
+    <a:camera prst="orthographicFront"/>
+    <a:lightRig rig="threePt" dir="t"/>
+  </dgm:scene3d>
+  <dgm:styleLbl name="node0">
+    <dgm:scene3d>
+      <a:camera prst="orthographicFront"/>
+      <a:lightRig rig="threePt" dir="t"/>
+    </dgm:scene3d>
+    <dgm:sp3d/>
+    <dgm:txPr/>
+    <dgm:style>
+      <a:lnRef idx="0">
+        <a:scrgbClr r="0" g="0" b="0"/>
+      </a:lnRef>
+      <a:fillRef idx="3">
+        <a:scrgbClr r="0" g="0" b="0"/>
+      </a:fillRef>
+      <a:effectRef idx="3">
+        <a:scrgbClr r="0" g="0" b="0"/>
+      </a:effectRef>
+      <a:fontRef idx="minor">
+        <a:schemeClr val="lt1"/>
+      </a:fontRef>
+    </dgm:style>
+  </dgm:styleLbl>
+  <dgm:styleLbl name="lnNode1">
+    <dgm:scene3d>
+      <a:camera prst="orthographicFront"/>
+      <a:lightRig rig="threePt" dir="t"/>
+    </dgm:scene3d>
+    <dgm:sp3d/>
+    <dgm:txPr/>
+    <dgm:style>
+      <a:lnRef idx="0">
+        <a:scrgbClr r="0" g="0" b="0"/>
+      </a:lnRef>
+      <a:fillRef idx="3">
+        <a:scrgbClr r="0" g="0" b="0"/>
+      </a:fillRef>
+      <a:effectRef idx="3">
+        <a:scrgbClr r="0" g="0" b="0"/>
+      </a:effectRef>
+      <a:fontRef idx="minor">
+        <a:schemeClr val="lt1"/>
+      </a:fontRef>
+    </dgm:style>
+  </dgm:styleLbl>
+  <dgm:styleLbl name="vennNode1">
+    <dgm:scene3d>
+      <a:camera prst="orthographicFront"/>
+      <a:lightRig rig="threePt" dir="t"/>
+    </dgm:scene3d>
+    <dgm:sp3d/>
+    <dgm:txPr/>
+    <dgm:style>
+      <a:lnRef idx="0">
+        <a:scrgbClr r="0" g="0" b="0"/>
+      </a:lnRef>
+      <a:fillRef idx="3">
+        <a:scrgbClr r="0" g="0" b="0"/>
+      </a:fillRef>
+      <a:effectRef idx="3">
+        <a:scrgbClr r="0" g="0" b="0"/>
+      </a:effectRef>
+      <a:fontRef idx="minor">
+        <a:schemeClr val="tx1"/>
+      </a:fontRef>
+    </dgm:style>
+  </dgm:styleLbl>
+  <dgm:styleLbl name="alignNode1">
+    <dgm:scene3d>
+      <a:camera prst="orthographicFront"/>
+      <a:lightRig rig="threePt" dir="t"/>
+    </dgm:scene3d>
+    <dgm:sp3d/>
+    <dgm:txPr/>
+    <dgm:style>
+      <a:lnRef idx="1">
+        <a:scrgbClr r="0" g="0" b="0"/>
+      </a:lnRef>
+      <a:fillRef idx="3">
+        <a:scrgbClr r="0" g="0" b="0"/>
+      </a:fillRef>
+      <a:effectRef idx="3">
+        <a:scrgbClr r="0" g="0" b="0"/>
+      </a:effectRef>
+      <a:fontRef idx="minor">
+        <a:schemeClr val="lt1"/>
+      </a:fontRef>
+    </dgm:style>
+  </dgm:styleLbl>
+  <dgm:styleLbl name="node1">
+    <dgm:scene3d>
+      <a:camera prst="orthographicFront"/>
+      <a:lightRig rig="threePt" dir="t"/>
+    </dgm:scene3d>
+    <dgm:sp3d/>
+    <dgm:txPr/>
+    <dgm:style>
+      <a:lnRef idx="0">
+        <a:scrgbClr r="0" g="0" b="0"/>
+      </a:lnRef>
+      <a:fillRef idx="3">
+        <a:scrgbClr r="0" g="0" b="0"/>
+      </a:fillRef>
+      <a:effectRef idx="3">
+        <a:scrgbClr r="0" g="0" b="0"/>
+      </a:effectRef>
+      <a:fontRef idx="minor">
+        <a:schemeClr val="lt1"/>
+      </a:fontRef>
+    </dgm:style>
+  </dgm:styleLbl>
+  <dgm:styleLbl name="node2">
+    <dgm:scene3d>
+      <a:camera prst="orthographicFront"/>
+      <a:lightRig rig="threePt" dir="t"/>
+    </dgm:scene3d>
+    <dgm:sp3d/>
+    <dgm:txPr/>
+    <dgm:style>
+      <a:lnRef idx="0">
+        <a:scrgbClr r="0" g="0" b="0"/>
+      </a:lnRef>
+      <a:fillRef idx="3">
+        <a:scrgbClr r="0" g="0" b="0"/>
+      </a:fillRef>
+      <a:effectRef idx="3">
+        <a:scrgbClr r="0" g="0" b="0"/>
+      </a:effectRef>
+      <a:fontRef idx="minor">
+        <a:schemeClr val="lt1"/>
+      </a:fontRef>
+    </dgm:style>
+  </dgm:styleLbl>
+  <dgm:styleLbl name="node3">
+    <dgm:scene3d>
+      <a:camera prst="orthographicFront"/>
+      <a:lightRig rig="threePt" dir="t"/>
+    </dgm:scene3d>
+    <dgm:sp3d/>
+    <dgm:txPr/>
+    <dgm:style>
+      <a:lnRef idx="0">
+        <a:scrgbClr r="0" g="0" b="0"/>
+      </a:lnRef>
+      <a:fillRef idx="3">
+        <a:scrgbClr r="0" g="0" b="0"/>
+      </a:fillRef>
+      <a:effectRef idx="3">
+        <a:scrgbClr r="0" g="0" b="0"/>
+      </a:effectRef>
+      <a:fontRef idx="minor">
+        <a:schemeClr val="lt1"/>
+      </a:fontRef>
+    </dgm:style>
+  </dgm:styleLbl>
+  <dgm:styleLbl name="node4">
+    <dgm:scene3d>
+      <a:camera prst="orthographicFront"/>
+      <a:lightRig rig="threePt" dir="t"/>
+    </dgm:scene3d>
+    <dgm:sp3d/>
+    <dgm:txPr/>
+    <dgm:style>
+      <a:lnRef idx="0">
+        <a:scrgbClr r="0" g="0" b="0"/>
+      </a:lnRef>
+      <a:fillRef idx="3">
+        <a:scrgbClr r="0" g="0" b="0"/>
+      </a:fillRef>
+      <a:effectRef idx="3">
+        <a:scrgbClr r="0" g="0" b="0"/>
+      </a:effectRef>
+      <a:fontRef idx="minor">
+        <a:schemeClr val="lt1"/>
+      </a:fontRef>
+    </dgm:style>
+  </dgm:styleLbl>
+  <dgm:styleLbl name="fgImgPlace1">
+    <dgm:scene3d>
+      <a:camera prst="orthographicFront"/>
+      <a:lightRig rig="threePt" dir="t"/>
+    </dgm:scene3d>
+    <dgm:sp3d/>
+    <dgm:txPr/>
+    <dgm:style>
+      <a:lnRef idx="0">
+        <a:scrgbClr r="0" g="0" b="0"/>
+      </a:lnRef>
+      <a:fillRef idx="1">
+        <a:scrgbClr r="0" g="0" b="0"/>
+      </a:fillRef>
+      <a:effectRef idx="3">
+        <a:scrgbClr r="0" g="0" b="0"/>
+      </a:effectRef>
+      <a:fontRef idx="minor"/>
+    </dgm:style>
+  </dgm:styleLbl>
+  <dgm:styleLbl name="alignImgPlace1">
+    <dgm:scene3d>
+      <a:camera prst="orthographicFront"/>
+      <a:lightRig rig="threePt" dir="t"/>
+    </dgm:scene3d>
+    <dgm:sp3d/>
+    <dgm:txPr/>
+    <dgm:style>
+      <a:lnRef idx="0">
+        <a:scrgbClr r="0" g="0" b="0"/>
+      </a:lnRef>
+      <a:fillRef idx="1">
+        <a:scrgbClr r="0" g="0" b="0"/>
+      </a:fillRef>
+      <a:effectRef idx="3">
+        <a:scrgbClr r="0" g="0" b="0"/>
+      </a:effectRef>
+      <a:fontRef idx="minor"/>
+    </dgm:style>
+  </dgm:styleLbl>
+  <dgm:styleLbl name="bgImgPlace1">
+    <dgm:scene3d>
+      <a:camera prst="orthographicFront"/>
+      <a:lightRig rig="threePt" dir="t"/>
+    </dgm:scene3d>
+    <dgm:sp3d/>
+    <dgm:txPr/>
+    <dgm:style>
+      <a:lnRef idx="0">
+        <a:scrgbClr r="0" g="0" b="0"/>
+      </a:lnRef>
+      <a:fillRef idx="1">
+        <a:scrgbClr r="0" g="0" b="0"/>
+      </a:fillRef>
+      <a:effectRef idx="3">
+        <a:scrgbClr r="0" g="0" b="0"/>
+      </a:effectRef>
+      <a:fontRef idx="minor"/>
+    </dgm:style>
+  </dgm:styleLbl>
+  <dgm:styleLbl name="sibTrans2D1">
+    <dgm:scene3d>
+      <a:camera prst="orthographicFront"/>
+      <a:lightRig rig="threePt" dir="t"/>
+    </dgm:scene3d>
+    <dgm:sp3d/>
+    <dgm:txPr/>
+    <dgm:style>
+      <a:lnRef idx="0">
+        <a:scrgbClr r="0" g="0" b="0"/>
+      </a:lnRef>
+      <a:fillRef idx="3">
+        <a:scrgbClr r="0" g="0" b="0"/>
+      </a:fillRef>
+      <a:effectRef idx="3">
+        <a:scrgbClr r="0" g="0" b="0"/>
+      </a:effectRef>
+      <a:fontRef idx="minor">
+        <a:schemeClr val="lt1"/>
+      </a:fontRef>
+    </dgm:style>
+  </dgm:styleLbl>
+  <dgm:styleLbl name="fgSibTrans2D1">
+    <dgm:scene3d>
+      <a:camera prst="orthographicFront"/>
+      <a:lightRig rig="threePt" dir="t"/>
+    </dgm:scene3d>
+    <dgm:sp3d/>
+    <dgm:txPr/>
+    <dgm:style>
+      <a:lnRef idx="0">
+        <a:scrgbClr r="0" g="0" b="0"/>
+      </a:lnRef>
+      <a:fillRef idx="3">
+        <a:scrgbClr r="0" g="0" b="0"/>
+      </a:fillRef>
+      <a:effectRef idx="3">
+        <a:scrgbClr r="0" g="0" b="0"/>
+      </a:effectRef>
+      <a:fontRef idx="minor">
+        <a:schemeClr val="lt1"/>
+      </a:fontRef>
+    </dgm:style>
+  </dgm:styleLbl>
+  <dgm:styleLbl name="bgSibTrans2D1">
+    <dgm:scene3d>
+      <a:camera prst="orthographicFront"/>
+      <a:lightRig rig="threePt" dir="t"/>
+    </dgm:scene3d>
+    <dgm:sp3d/>
+    <dgm:txPr/>
+    <dgm:style>
+      <a:lnRef idx="0">
+        <a:scrgbClr r="0" g="0" b="0"/>
+      </a:lnRef>
+      <a:fillRef idx="3">
+        <a:scrgbClr r="0" g="0" b="0"/>
+      </a:fillRef>
+      <a:effectRef idx="3">
+        <a:scrgbClr r="0" g="0" b="0"/>
+      </a:effectRef>
+      <a:fontRef idx="minor">
+        <a:schemeClr val="lt1"/>
+      </a:fontRef>
+    </dgm:style>
+  </dgm:styleLbl>
+  <dgm:styleLbl name="sibTrans1D1">
+    <dgm:scene3d>
+      <a:camera prst="orthographicFront"/>
+      <a:lightRig rig="threePt" dir="t"/>
+    </dgm:scene3d>
+    <dgm:sp3d/>
+    <dgm:txPr/>
+    <dgm:style>
+      <a:lnRef idx="1">
+        <a:scrgbClr r="0" g="0" b="0"/>
+      </a:lnRef>
+      <a:fillRef idx="0">
+        <a:scrgbClr r="0" g="0" b="0"/>
+      </a:fillRef>
+      <a:effectRef idx="0">
+        <a:scrgbClr r="0" g="0" b="0"/>
+      </a:effectRef>
+      <a:fontRef idx="minor"/>
+    </dgm:style>
+  </dgm:styleLbl>
+  <dgm:styleLbl name="callout">
+    <dgm:scene3d>
+      <a:camera prst="orthographicFront"/>
+      <a:lightRig rig="threePt" dir="t"/>
+    </dgm:scene3d>
+    <dgm:sp3d/>
+    <dgm:txPr/>
+    <dgm:style>
+      <a:lnRef idx="1">
+        <a:scrgbClr r="0" g="0" b="0"/>
+      </a:lnRef>
+      <a:fillRef idx="0">
+        <a:scrgbClr r="0" g="0" b="0"/>
+      </a:fillRef>
+      <a:effectRef idx="1">
+        <a:scrgbClr r="0" g="0" b="0"/>
+      </a:effectRef>
+      <a:fontRef idx="minor"/>
+    </dgm:style>
+  </dgm:styleLbl>
+  <dgm:styleLbl name="asst0">
+    <dgm:scene3d>
+      <a:camera prst="orthographicFront"/>
+      <a:lightRig rig="threePt" dir="t"/>
+    </dgm:scene3d>
+    <dgm:sp3d/>
+    <dgm:txPr/>
+    <dgm:style>
+      <a:lnRef idx="0">
+        <a:scrgbClr r="0" g="0" b="0"/>
+      </a:lnRef>
+      <a:fillRef idx="3">
+        <a:scrgbClr r="0" g="0" b="0"/>
+      </a:fillRef>
+      <a:effectRef idx="3">
+        <a:scrgbClr r="0" g="0" b="0"/>
+      </a:effectRef>
+      <a:fontRef idx="minor">
+        <a:schemeClr val="lt1"/>
+      </a:fontRef>
+    </dgm:style>
+  </dgm:styleLbl>
+  <dgm:styleLbl name="asst1">
+    <dgm:scene3d>
+      <a:camera prst="orthographicFront"/>
+      <a:lightRig rig="threePt" dir="t"/>
+    </dgm:scene3d>
+    <dgm:sp3d/>
+    <dgm:txPr/>
+    <dgm:style>
+      <a:lnRef idx="0">
+        <a:scrgbClr r="0" g="0" b="0"/>
+      </a:lnRef>
+      <a:fillRef idx="3">
+        <a:scrgbClr r="0" g="0" b="0"/>
+      </a:fillRef>
+      <a:effectRef idx="3">
+        <a:scrgbClr r="0" g="0" b="0"/>
+      </a:effectRef>
+      <a:fontRef idx="minor">
+        <a:schemeClr val="lt1"/>
+      </a:fontRef>
+    </dgm:style>
+  </dgm:styleLbl>
+  <dgm:styleLbl name="asst2">
+    <dgm:scene3d>
+      <a:camera prst="orthographicFront"/>
+      <a:lightRig rig="threePt" dir="t"/>
+    </dgm:scene3d>
+    <dgm:sp3d/>
+    <dgm:txPr/>
+    <dgm:style>
+      <a:lnRef idx="0">
+        <a:scrgbClr r="0" g="0" b="0"/>
+      </a:lnRef>
+      <a:fillRef idx="3">
+        <a:scrgbClr r="0" g="0" b="0"/>
+      </a:fillRef>
+      <a:effectRef idx="3">
+        <a:scrgbClr r="0" g="0" b="0"/>
+      </a:effectRef>
+      <a:fontRef idx="minor">
+        <a:schemeClr val="lt1"/>
+      </a:fontRef>
+    </dgm:style>
+  </dgm:styleLbl>
+  <dgm:styleLbl name="asst3">
+    <dgm:scene3d>
+      <a:camera prst="orthographicFront"/>
+      <a:lightRig rig="threePt" dir="t"/>
+    </dgm:scene3d>
+    <dgm:sp3d/>
+    <dgm:txPr/>
+    <dgm:style>
+      <a:lnRef idx="0">
+        <a:scrgbClr r="0" g="0" b="0"/>
+      </a:lnRef>
+      <a:fillRef idx="3">
+        <a:scrgbClr r="0" g="0" b="0"/>
+      </a:fillRef>
+      <a:effectRef idx="3">
+        <a:scrgbClr r="0" g="0" b="0"/>
+      </a:effectRef>
+      <a:fontRef idx="minor">
+        <a:schemeClr val="lt1"/>
+      </a:fontRef>
+    </dgm:style>
+  </dgm:styleLbl>
+  <dgm:styleLbl name="asst4">
+    <dgm:scene3d>
+      <a:camera prst="orthographicFront"/>
+      <a:lightRig rig="threePt" dir="t"/>
+    </dgm:scene3d>
+    <dgm:sp3d/>
+    <dgm:txPr/>
+    <dgm:style>
+      <a:lnRef idx="0">
+        <a:scrgbClr r="0" g="0" b="0"/>
+      </a:lnRef>
+      <a:fillRef idx="3">
+        <a:scrgbClr r="0" g="0" b="0"/>
+      </a:fillRef>
+      <a:effectRef idx="3">
+        <a:scrgbClr r="0" g="0" b="0"/>
+      </a:effectRef>
+      <a:fontRef idx="minor">
+        <a:schemeClr val="lt1"/>
+      </a:fontRef>
+    </dgm:style>
+  </dgm:styleLbl>
+  <dgm:styleLbl name="parChTrans2D1">
+    <dgm:scene3d>
+      <a:camera prst="orthographicFront"/>
+      <a:lightRig rig="threePt" dir="t"/>
+    </dgm:scene3d>
+    <dgm:sp3d/>
+    <dgm:txPr/>
+    <dgm:style>
+      <a:lnRef idx="0">
+        <a:scrgbClr r="0" g="0" b="0"/>
+      </a:lnRef>
+      <a:fillRef idx="3">
+        <a:scrgbClr r="0" g="0" b="0"/>
+      </a:fillRef>
+      <a:effectRef idx="3">
+        <a:scrgbClr r="0" g="0" b="0"/>
+      </a:effectRef>
+      <a:fontRef idx="minor">
+        <a:schemeClr val="lt1"/>
+      </a:fontRef>
+    </dgm:style>
+  </dgm:styleLbl>
+  <dgm:styleLbl name="parChTrans2D2">
+    <dgm:scene3d>
+      <a:camera prst="orthographicFront"/>
+      <a:lightRig rig="threePt" dir="t"/>
+    </dgm:scene3d>
+    <dgm:sp3d/>
+    <dgm:txPr/>
+    <dgm:style>
+      <a:lnRef idx="0">
+        <a:scrgbClr r="0" g="0" b="0"/>
+      </a:lnRef>
+      <a:fillRef idx="3">
+        <a:scrgbClr r="0" g="0" b="0"/>
+      </a:fillRef>
+      <a:effectRef idx="3">
+        <a:scrgbClr r="0" g="0" b="0"/>
+      </a:effectRef>
+      <a:fontRef idx="minor">
+        <a:schemeClr val="lt1"/>
+      </a:fontRef>
+    </dgm:style>
+  </dgm:styleLbl>
+  <dgm:styleLbl name="parChTrans2D3">
+    <dgm:scene3d>
+      <a:camera prst="orthographicFront"/>
+      <a:lightRig rig="threePt" dir="t"/>
+    </dgm:scene3d>
+    <dgm:sp3d/>
+    <dgm:txPr/>
+    <dgm:style>
+      <a:lnRef idx="0">
+        <a:scrgbClr r="0" g="0" b="0"/>
+      </a:lnRef>
+      <a:fillRef idx="3">
+        <a:scrgbClr r="0" g="0" b="0"/>
+      </a:fillRef>
+      <a:effectRef idx="3">
+        <a:scrgbClr r="0" g="0" b="0"/>
+      </a:effectRef>
+      <a:fontRef idx="minor">
+        <a:schemeClr val="lt1"/>
+      </a:fontRef>
+    </dgm:style>
+  </dgm:styleLbl>
+  <dgm:styleLbl name="parChTrans2D4">
+    <dgm:scene3d>
+      <a:camera prst="orthographicFront"/>
+      <a:lightRig rig="threePt" dir="t"/>
+    </dgm:scene3d>
+    <dgm:sp3d/>
+    <dgm:txPr/>
+    <dgm:style>
+      <a:lnRef idx="0">
+        <a:scrgbClr r="0" g="0" b="0"/>
+      </a:lnRef>
+      <a:fillRef idx="3">
+        <a:scrgbClr r="0" g="0" b="0"/>
+      </a:fillRef>
+      <a:effectRef idx="3">
+        <a:scrgbClr r="0" g="0" b="0"/>
+      </a:effectRef>
+      <a:fontRef idx="minor">
+        <a:schemeClr val="lt1"/>
+      </a:fontRef>
+    </dgm:style>
+  </dgm:styleLbl>
+  <dgm:styleLbl name="parChTrans1D1">
+    <dgm:scene3d>
+      <a:camera prst="orthographicFront"/>
+      <a:lightRig rig="threePt" dir="t"/>
+    </dgm:scene3d>
+    <dgm:sp3d/>
+    <dgm:txPr/>
+    <dgm:style>
+      <a:lnRef idx="2">
+        <a:scrgbClr r="0" g="0" b="0"/>
+      </a:lnRef>
+      <a:fillRef idx="0">
+        <a:scrgbClr r="0" g="0" b="0"/>
+      </a:fillRef>
+      <a:effectRef idx="0">
+        <a:scrgbClr r="0" g="0" b="0"/>
+      </a:effectRef>
+      <a:fontRef idx="minor"/>
+    </dgm:style>
+  </dgm:styleLbl>
+  <dgm:styleLbl name="parChTrans1D2">
+    <dgm:scene3d>
+      <a:camera prst="orthographicFront"/>
+      <a:lightRig rig="threePt" dir="t"/>
+    </dgm:scene3d>
+    <dgm:sp3d/>
+    <dgm:txPr/>
+    <dgm:style>
+      <a:lnRef idx="2">
+        <a:scrgbClr r="0" g="0" b="0"/>
+      </a:lnRef>
+      <a:fillRef idx="0">
+        <a:scrgbClr r="0" g="0" b="0"/>
+      </a:fillRef>
+      <a:effectRef idx="0">
+        <a:scrgbClr r="0" g="0" b="0"/>
+      </a:effectRef>
+      <a:fontRef idx="minor"/>
+    </dgm:style>
+  </dgm:styleLbl>
+  <dgm:styleLbl name="parChTrans1D3">
+    <dgm:scene3d>
+      <a:camera prst="orthographicFront"/>
+      <a:lightRig rig="threePt" dir="t"/>
+    </dgm:scene3d>
+    <dgm:sp3d/>
+    <dgm:txPr/>
+    <dgm:style>
+      <a:lnRef idx="2">
+        <a:scrgbClr r="0" g="0" b="0"/>
+      </a:lnRef>
+      <a:fillRef idx="0">
+        <a:scrgbClr r="0" g="0" b="0"/>
+      </a:fillRef>
+      <a:effectRef idx="0">
+        <a:scrgbClr r="0" g="0" b="0"/>
+      </a:effectRef>
+      <a:fontRef idx="minor"/>
+    </dgm:style>
+  </dgm:styleLbl>
+  <dgm:styleLbl name="parChTrans1D4">
+    <dgm:scene3d>
+      <a:camera prst="orthographicFront"/>
+      <a:lightRig rig="threePt" dir="t"/>
+    </dgm:scene3d>
+    <dgm:sp3d/>
+    <dgm:txPr/>
+    <dgm:style>
+      <a:lnRef idx="2">
+        <a:scrgbClr r="0" g="0" b="0"/>
+      </a:lnRef>
+      <a:fillRef idx="0">
+        <a:scrgbClr r="0" g="0" b="0"/>
+      </a:fillRef>
+      <a:effectRef idx="0">
+        <a:scrgbClr r="0" g="0" b="0"/>
+      </a:effectRef>
+      <a:fontRef idx="minor"/>
+    </dgm:style>
+  </dgm:styleLbl>
+  <dgm:styleLbl name="fgAcc1">
+    <dgm:scene3d>
+      <a:camera prst="orthographicFront"/>
+      <a:lightRig rig="threePt" dir="t"/>
+    </dgm:scene3d>
+    <dgm:sp3d/>
+    <dgm:txPr/>
+    <dgm:style>
+      <a:lnRef idx="1">
+        <a:scrgbClr r="0" g="0" b="0"/>
+      </a:lnRef>
+      <a:fillRef idx="1">
+        <a:scrgbClr r="0" g="0" b="0"/>
+      </a:fillRef>
+      <a:effectRef idx="2">
+        <a:scrgbClr r="0" g="0" b="0"/>
+      </a:effectRef>
+      <a:fontRef idx="minor"/>
+    </dgm:style>
+  </dgm:styleLbl>
+  <dgm:styleLbl name="conFgAcc1">
+    <dgm:scene3d>
+      <a:camera prst="orthographicFront"/>
+      <a:lightRig rig="threePt" dir="t"/>
+    </dgm:scene3d>
+    <dgm:sp3d/>
+    <dgm:txPr/>
+    <dgm:style>
+      <a:lnRef idx="1">
+        <a:scrgbClr r="0" g="0" b="0"/>
+      </a:lnRef>
+      <a:fillRef idx="1">
+        <a:scrgbClr r="0" g="0" b="0"/>
+      </a:fillRef>
+      <a:effectRef idx="2">
+        <a:scrgbClr r="0" g="0" b="0"/>
+      </a:effectRef>
+      <a:fontRef idx="minor"/>
+    </dgm:style>
+  </dgm:styleLbl>
+  <dgm:styleLbl name="alignAcc1">
+    <dgm:scene3d>
+      <a:camera prst="orthographicFront"/>
+      <a:lightRig rig="threePt" dir="t"/>
+    </dgm:scene3d>
+    <dgm:sp3d/>
+    <dgm:txPr/>
+    <dgm:style>
+      <a:lnRef idx="1">
+        <a:scrgbClr r="0" g="0" b="0"/>
+      </a:lnRef>
+      <a:fillRef idx="1">
+        <a:scrgbClr r="0" g="0" b="0"/>
+      </a:fillRef>
+      <a:effectRef idx="2">
+        <a:scrgbClr r="0" g="0" b="0"/>
+      </a:effectRef>
+      <a:fontRef idx="minor"/>
+    </dgm:style>
+  </dgm:styleLbl>
+  <dgm:styleLbl name="trAlignAcc1">
+    <dgm:scene3d>
+      <a:camera prst="orthographicFront"/>
+      <a:lightRig rig="threePt" dir="t"/>
+    </dgm:scene3d>
+    <dgm:sp3d/>
+    <dgm:txPr/>
+    <dgm:style>
+      <a:lnRef idx="1">
+        <a:scrgbClr r="0" g="0" b="0"/>
+      </a:lnRef>
+      <a:fillRef idx="1">
+        <a:scrgbClr r="0" g="0" b="0"/>
+      </a:fillRef>
+      <a:effectRef idx="0">
+        <a:scrgbClr r="0" g="0" b="0"/>
+      </a:effectRef>
+      <a:fontRef idx="minor"/>
+    </dgm:style>
+  </dgm:styleLbl>
+  <dgm:styleLbl name="bgAcc1">
+    <dgm:scene3d>
+      <a:camera prst="orthographicFront"/>
+      <a:lightRig rig="threePt" dir="t"/>
+    </dgm:scene3d>
+    <dgm:sp3d/>
+    <dgm:txPr/>
+    <dgm:style>
+      <a:lnRef idx="1">
+        <a:scrgbClr r="0" g="0" b="0"/>
+      </a:lnRef>
+      <a:fillRef idx="1">
+        <a:scrgbClr r="0" g="0" b="0"/>
+      </a:fillRef>
+      <a:effectRef idx="2">
+        <a:scrgbClr r="0" g="0" b="0"/>
+      </a:effectRef>
+      <a:fontRef idx="minor"/>
+    </dgm:style>
+  </dgm:styleLbl>
+  <dgm:styleLbl name="solidFgAcc1">
+    <dgm:scene3d>
+      <a:camera prst="orthographicFront"/>
+      <a:lightRig rig="threePt" dir="t"/>
+    </dgm:scene3d>
+    <dgm:sp3d/>
+    <dgm:txPr/>
+    <dgm:style>
+      <a:lnRef idx="1">
+        <a:scrgbClr r="0" g="0" b="0"/>
+      </a:lnRef>
+      <a:fillRef idx="1">
+        <a:scrgbClr r="0" g="0" b="0"/>
+      </a:fillRef>
+      <a:effectRef idx="2">
+        <a:scrgbClr r="0" g="0" b="0"/>
+      </a:effectRef>
+      <a:fontRef idx="minor"/>
+    </dgm:style>
+  </dgm:styleLbl>
+  <dgm:styleLbl name="solidAlignAcc1">
+    <dgm:scene3d>
+      <a:camera prst="orthographicFront"/>
+      <a:lightRig rig="threePt" dir="t"/>
+    </dgm:scene3d>
+    <dgm:sp3d/>
+    <dgm:txPr/>
+    <dgm:style>
+      <a:lnRef idx="1">
+        <a:scrgbClr r="0" g="0" b="0"/>
+      </a:lnRef>
+      <a:fillRef idx="1">
+        <a:scrgbClr r="0" g="0" b="0"/>
+      </a:fillRef>
+      <a:effectRef idx="3">
+        <a:scrgbClr r="0" g="0" b="0"/>
+      </a:effectRef>
+      <a:fontRef idx="minor"/>
+    </dgm:style>
+  </dgm:styleLbl>
+  <dgm:styleLbl name="solidBgAcc1">
+    <dgm:scene3d>
+      <a:camera prst="orthographicFront"/>
+      <a:lightRig rig="threePt" dir="t"/>
+    </dgm:scene3d>
+    <dgm:sp3d/>
+    <dgm:txPr/>
+    <dgm:style>
+      <a:lnRef idx="1">
+        <a:scrgbClr r="0" g="0" b="0"/>
+      </a:lnRef>
+      <a:fillRef idx="1">
+        <a:scrgbClr r="0" g="0" b="0"/>
+      </a:fillRef>
+      <a:effectRef idx="3">
+        <a:scrgbClr r="0" g="0" b="0"/>
+      </a:effectRef>
+      <a:fontRef idx="minor"/>
+    </dgm:style>
+  </dgm:styleLbl>
+  <dgm:styleLbl name="fgAccFollowNode1">
+    <dgm:scene3d>
+      <a:camera prst="orthographicFront"/>
+      <a:lightRig rig="threePt" dir="t"/>
+    </dgm:scene3d>
+    <dgm:sp3d/>
+    <dgm:txPr/>
+    <dgm:style>
+      <a:lnRef idx="1">
+        <a:scrgbClr r="0" g="0" b="0"/>
+      </a:lnRef>
+      <a:fillRef idx="1">
+        <a:scrgbClr r="0" g="0" b="0"/>
+      </a:fillRef>
+      <a:effectRef idx="2">
+        <a:scrgbClr r="0" g="0" b="0"/>
+      </a:effectRef>
+      <a:fontRef idx="minor"/>
+    </dgm:style>
+  </dgm:styleLbl>
+  <dgm:styleLbl name="alignAccFollowNode1">
+    <dgm:scene3d>
+      <a:camera prst="orthographicFront"/>
+      <a:lightRig rig="threePt" dir="t"/>
+    </dgm:scene3d>
+    <dgm:sp3d/>
+    <dgm:txPr/>
+    <dgm:style>
+      <a:lnRef idx="1">
+        <a:scrgbClr r="0" g="0" b="0"/>
+      </a:lnRef>
+      <a:fillRef idx="1">
+        <a:scrgbClr r="0" g="0" b="0"/>
+      </a:fillRef>
+      <a:effectRef idx="2">
+        <a:scrgbClr r="0" g="0" b="0"/>
+      </a:effectRef>
+      <a:fontRef idx="minor"/>
+    </dgm:style>
+  </dgm:styleLbl>
+  <dgm:styleLbl name="bgAccFollowNode1">
+    <dgm:scene3d>
+      <a:camera prst="orthographicFront"/>
+      <a:lightRig rig="threePt" dir="t"/>
+    </dgm:scene3d>
+    <dgm:sp3d/>
+    <dgm:txPr/>
+    <dgm:style>
+      <a:lnRef idx="1">
+        <a:scrgbClr r="0" g="0" b="0"/>
+      </a:lnRef>
+      <a:fillRef idx="1">
+        <a:scrgbClr r="0" g="0" b="0"/>
+      </a:fillRef>
+      <a:effectRef idx="2">
+        <a:scrgbClr r="0" g="0" b="0"/>
+      </a:effectRef>
+      <a:fontRef idx="minor"/>
+    </dgm:style>
+  </dgm:styleLbl>
+  <dgm:styleLbl name="fgAcc0">
+    <dgm:scene3d>
+      <a:camera prst="orthographicFront"/>
+      <a:lightRig rig="threePt" dir="t"/>
+    </dgm:scene3d>
+    <dgm:sp3d/>
+    <dgm:txPr/>
+    <dgm:style>
+      <a:lnRef idx="1">
+        <a:scrgbClr r="0" g="0" b="0"/>
+      </a:lnRef>
+      <a:fillRef idx="1">
+        <a:scrgbClr r="0" g="0" b="0"/>
+      </a:fillRef>
+      <a:effectRef idx="2">
+        <a:scrgbClr r="0" g="0" b="0"/>
+      </a:effectRef>
+      <a:fontRef idx="minor"/>
+    </dgm:style>
+  </dgm:styleLbl>
+  <dgm:styleLbl name="fgAcc2">
+    <dgm:scene3d>
+      <a:camera prst="orthographicFront"/>
+      <a:lightRig rig="threePt" dir="t"/>
+    </dgm:scene3d>
+    <dgm:sp3d/>
+    <dgm:txPr/>
+    <dgm:style>
+      <a:lnRef idx="1">
+        <a:scrgbClr r="0" g="0" b="0"/>
+      </a:lnRef>
+      <a:fillRef idx="1">
+        <a:scrgbClr r="0" g="0" b="0"/>
+      </a:fillRef>
+      <a:effectRef idx="2">
+        <a:scrgbClr r="0" g="0" b="0"/>
+      </a:effectRef>
+      <a:fontRef idx="minor"/>
+    </dgm:style>
+  </dgm:styleLbl>
+  <dgm:styleLbl name="fgAcc3">
+    <dgm:scene3d>
+      <a:camera prst="orthographicFront"/>
+      <a:lightRig rig="threePt" dir="t"/>
+    </dgm:scene3d>
+    <dgm:sp3d/>
+    <dgm:txPr/>
+    <dgm:style>
+      <a:lnRef idx="1">
+        <a:scrgbClr r="0" g="0" b="0"/>
+      </a:lnRef>
+      <a:fillRef idx="1">
+        <a:scrgbClr r="0" g="0" b="0"/>
+      </a:fillRef>
+      <a:effectRef idx="2">
+        <a:scrgbClr r="0" g="0" b="0"/>
+      </a:effectRef>
+      <a:fontRef idx="minor"/>
+    </dgm:style>
+  </dgm:styleLbl>
+  <dgm:styleLbl name="fgAcc4">
+    <dgm:scene3d>
+      <a:camera prst="orthographicFront"/>
+      <a:lightRig rig="threePt" dir="t"/>
+    </dgm:scene3d>
+    <dgm:sp3d/>
+    <dgm:txPr/>
+    <dgm:style>
+      <a:lnRef idx="1">
+        <a:scrgbClr r="0" g="0" b="0"/>
+      </a:lnRef>
+      <a:fillRef idx="1">
+        <a:scrgbClr r="0" g="0" b="0"/>
+      </a:fillRef>
+      <a:effectRef idx="2">
+        <a:scrgbClr r="0" g="0" b="0"/>
+      </a:effectRef>
+      <a:fontRef idx="minor"/>
+    </dgm:style>
+  </dgm:styleLbl>
+  <dgm:styleLbl name="bgShp">
+    <dgm:scene3d>
+      <a:camera prst="orthographicFront"/>
+      <a:lightRig rig="threePt" dir="t"/>
+    </dgm:scene3d>
+    <dgm:sp3d/>
+    <dgm:txPr/>
+    <dgm:style>
+      <a:lnRef idx="0">
+        <a:scrgbClr r="0" g="0" b="0"/>
+      </a:lnRef>
+      <a:fillRef idx="1">
+        <a:scrgbClr r="0" g="0" b="0"/>
+      </a:fillRef>
+      <a:effectRef idx="2">
+        <a:scrgbClr r="0" g="0" b="0"/>
+      </a:effectRef>
+      <a:fontRef idx="minor"/>
+    </dgm:style>
+  </dgm:styleLbl>
+  <dgm:styleLbl name="dkBgShp">
+    <dgm:scene3d>
+      <a:camera prst="orthographicFront"/>
+      <a:lightRig rig="threePt" dir="t"/>
+    </dgm:scene3d>
+    <dgm:sp3d/>
+    <dgm:txPr/>
+    <dgm:style>
+      <a:lnRef idx="0">
+        <a:scrgbClr r="0" g="0" b="0"/>
+      </a:lnRef>
+      <a:fillRef idx="1">
+        <a:scrgbClr r="0" g="0" b="0"/>
+      </a:fillRef>
+      <a:effectRef idx="3">
+        <a:scrgbClr r="0" g="0" b="0"/>
+      </a:effectRef>
+      <a:fontRef idx="minor"/>
+    </dgm:style>
+  </dgm:styleLbl>
+  <dgm:styleLbl name="trBgShp">
+    <dgm:scene3d>
+      <a:camera prst="orthographicFront"/>
+      <a:lightRig rig="threePt" dir="t"/>
+    </dgm:scene3d>
+    <dgm:sp3d/>
+    <dgm:txPr/>
+    <dgm:style>
+      <a:lnRef idx="0">
+        <a:scrgbClr r="0" g="0" b="0"/>
+      </a:lnRef>
+      <a:fillRef idx="1">
+        <a:scrgbClr r="0" g="0" b="0"/>
+      </a:fillRef>
+      <a:effectRef idx="0">
+        <a:scrgbClr r="0" g="0" b="0"/>
+      </a:effectRef>
+      <a:fontRef idx="minor"/>
+    </dgm:style>
+  </dgm:styleLbl>
+  <dgm:styleLbl name="fgShp">
+    <dgm:scene3d>
+      <a:camera prst="orthographicFront"/>
+      <a:lightRig rig="threePt" dir="t"/>
+    </dgm:scene3d>
+    <dgm:sp3d/>
+    <dgm:txPr/>
+    <dgm:style>
+      <a:lnRef idx="0">
+        <a:scrgbClr r="0" g="0" b="0"/>
+      </a:lnRef>
+      <a:fillRef idx="3">
+        <a:scrgbClr r="0" g="0" b="0"/>
+      </a:fillRef>
+      <a:effectRef idx="3">
+        <a:scrgbClr r="0" g="0" b="0"/>
+      </a:effectRef>
+      <a:fontRef idx="minor"/>
+    </dgm:style>
+  </dgm:styleLbl>
+  <dgm:styleLbl name="revTx">
+    <dgm:scene3d>
+      <a:camera prst="orthographicFront"/>
+      <a:lightRig rig="threePt" dir="t"/>
+    </dgm:scene3d>
+    <dgm:sp3d/>
+    <dgm:txPr/>
+    <dgm:style>
+      <a:lnRef idx="0">
+        <a:scrgbClr r="0" g="0" b="0"/>
+      </a:lnRef>
+      <a:fillRef idx="0">
+        <a:scrgbClr r="0" g="0" b="0"/>
+      </a:fillRef>
+      <a:effectRef idx="0">
+        <a:scrgbClr r="0" g="0" b="0"/>
+      </a:effectRef>
+      <a:fontRef idx="minor"/>
+    </dgm:style>
+  </dgm:styleLbl>
+</dgm:styleDef>
+</file>
+
 <file path=ppt/slideLayouts/slideLayout1.xml><?xml version="1.0" encoding="utf-8"?>
 <p:sldLayout xmlns:a="http://schemas.openxmlformats.org/drawingml/2006/main" xmlns:r="http://schemas.openxmlformats.org/officeDocument/2006/relationships" xmlns:p="http://schemas.openxmlformats.org/presentationml/2006/main" type="title" preserve="1">
   <p:cSld name="Title Slide">
@@ -334,7 +3213,7 @@
           <a:p>
             <a:fld id="{A97BF742-C1C0-4A30-8F26-068F0E7847E5}" type="datetimeFigureOut">
               <a:rPr lang="en-US" smtClean="0"/>
-              <a:t>10/20/2021</a:t>
+              <a:t>9/22/2022</a:t>
             </a:fld>
             <a:endParaRPr lang="en-US"/>
           </a:p>
@@ -542,7 +3421,7 @@
           <a:p>
             <a:fld id="{A97BF742-C1C0-4A30-8F26-068F0E7847E5}" type="datetimeFigureOut">
               <a:rPr lang="en-US" smtClean="0"/>
-              <a:t>10/20/2021</a:t>
+              <a:t>9/22/2022</a:t>
             </a:fld>
             <a:endParaRPr lang="en-US"/>
           </a:p>
@@ -760,7 +3639,7 @@
           <a:p>
             <a:fld id="{A97BF742-C1C0-4A30-8F26-068F0E7847E5}" type="datetimeFigureOut">
               <a:rPr lang="en-US" smtClean="0"/>
-              <a:t>10/20/2021</a:t>
+              <a:t>9/22/2022</a:t>
             </a:fld>
             <a:endParaRPr lang="en-US"/>
           </a:p>
@@ -968,7 +3847,7 @@
           <a:p>
             <a:fld id="{A97BF742-C1C0-4A30-8F26-068F0E7847E5}" type="datetimeFigureOut">
               <a:rPr lang="en-US" smtClean="0"/>
-              <a:t>10/20/2021</a:t>
+              <a:t>9/22/2022</a:t>
             </a:fld>
             <a:endParaRPr lang="en-US"/>
           </a:p>
@@ -1249,7 +4128,7 @@
           <a:p>
             <a:fld id="{A97BF742-C1C0-4A30-8F26-068F0E7847E5}" type="datetimeFigureOut">
               <a:rPr lang="en-US" smtClean="0"/>
-              <a:t>10/20/2021</a:t>
+              <a:t>9/22/2022</a:t>
             </a:fld>
             <a:endParaRPr lang="en-US"/>
           </a:p>
@@ -1526,7 +4405,7 @@
           <a:p>
             <a:fld id="{A97BF742-C1C0-4A30-8F26-068F0E7847E5}" type="datetimeFigureOut">
               <a:rPr lang="en-US" smtClean="0"/>
-              <a:t>10/20/2021</a:t>
+              <a:t>9/22/2022</a:t>
             </a:fld>
             <a:endParaRPr lang="en-US"/>
           </a:p>
@@ -1950,7 +4829,7 @@
           <a:p>
             <a:fld id="{A97BF742-C1C0-4A30-8F26-068F0E7847E5}" type="datetimeFigureOut">
               <a:rPr lang="en-US" smtClean="0"/>
-              <a:t>10/20/2021</a:t>
+              <a:t>9/22/2022</a:t>
             </a:fld>
             <a:endParaRPr lang="en-US"/>
           </a:p>
@@ -2099,7 +4978,7 @@
           <a:p>
             <a:fld id="{A97BF742-C1C0-4A30-8F26-068F0E7847E5}" type="datetimeFigureOut">
               <a:rPr lang="en-US" smtClean="0"/>
-              <a:t>10/20/2021</a:t>
+              <a:t>9/22/2022</a:t>
             </a:fld>
             <a:endParaRPr lang="en-US"/>
           </a:p>
@@ -2218,7 +5097,7 @@
           <a:p>
             <a:fld id="{A97BF742-C1C0-4A30-8F26-068F0E7847E5}" type="datetimeFigureOut">
               <a:rPr lang="en-US" smtClean="0"/>
-              <a:t>10/20/2021</a:t>
+              <a:t>9/22/2022</a:t>
             </a:fld>
             <a:endParaRPr lang="en-US"/>
           </a:p>
@@ -2535,7 +5414,7 @@
           <a:p>
             <a:fld id="{A97BF742-C1C0-4A30-8F26-068F0E7847E5}" type="datetimeFigureOut">
               <a:rPr lang="en-US" smtClean="0"/>
-              <a:t>10/20/2021</a:t>
+              <a:t>9/22/2022</a:t>
             </a:fld>
             <a:endParaRPr lang="en-US"/>
           </a:p>
@@ -2829,7 +5708,7 @@
           <a:p>
             <a:fld id="{A97BF742-C1C0-4A30-8F26-068F0E7847E5}" type="datetimeFigureOut">
               <a:rPr lang="en-US" smtClean="0"/>
-              <a:t>10/20/2021</a:t>
+              <a:t>9/22/2022</a:t>
             </a:fld>
             <a:endParaRPr lang="en-US"/>
           </a:p>
@@ -3078,7 +5957,7 @@
           <a:p>
             <a:fld id="{A97BF742-C1C0-4A30-8F26-068F0E7847E5}" type="datetimeFigureOut">
               <a:rPr lang="en-US" smtClean="0"/>
-              <a:t>10/20/2021</a:t>
+              <a:t>9/22/2022</a:t>
             </a:fld>
             <a:endParaRPr lang="en-US"/>
           </a:p>
@@ -3479,7 +6358,7 @@
 </file>
 
 <file path=ppt/slides/slide1.xml><?xml version="1.0" encoding="utf-8"?>
-<p:sld xmlns:a="http://schemas.openxmlformats.org/drawingml/2006/main" xmlns:r="http://schemas.openxmlformats.org/officeDocument/2006/relationships" xmlns:p="http://schemas.openxmlformats.org/presentationml/2006/main">
+<p:sld xmlns:a="http://schemas.openxmlformats.org/drawingml/2006/main" xmlns:r="http://schemas.openxmlformats.org/officeDocument/2006/relationships" xmlns:p="http://schemas.openxmlformats.org/presentationml/2006/main" show="0">
   <p:cSld>
     <p:spTree>
       <p:nvGrpSpPr>
@@ -3508,8 +6387,8 @@
           <p:nvPr/>
         </p:nvCxnSpPr>
         <p:spPr>
-          <a:xfrm>
-            <a:off x="7324725" y="4419600"/>
+          <a:xfrm flipH="1">
+            <a:off x="2971800" y="4419600"/>
             <a:ext cx="1981200" cy="0"/>
           </a:xfrm>
           <a:prstGeom prst="straightConnector1">
@@ -3547,8 +6426,8 @@
           <p:nvPr/>
         </p:nvCxnSpPr>
         <p:spPr>
-          <a:xfrm flipH="1">
-            <a:off x="7324725" y="3524250"/>
+          <a:xfrm>
+            <a:off x="2971800" y="3524250"/>
             <a:ext cx="1981200" cy="0"/>
           </a:xfrm>
           <a:prstGeom prst="straightConnector1">
@@ -3586,8 +6465,8 @@
           <p:nvPr/>
         </p:nvSpPr>
         <p:spPr>
-          <a:xfrm flipH="1">
-            <a:off x="9305925" y="942975"/>
+          <a:xfrm>
+            <a:off x="685800" y="942975"/>
             <a:ext cx="2286000" cy="3850004"/>
           </a:xfrm>
           <a:prstGeom prst="rect">
@@ -3611,76 +6490,86 @@
           </a:fontRef>
         </p:style>
         <p:txBody>
-          <a:bodyPr rtlCol="1" anchor="ctr"/>
+          <a:bodyPr rtlCol="0" anchor="ctr"/>
           <a:lstStyle/>
           <a:p>
-            <a:pPr algn="ctr" rtl="1"/>
+            <a:pPr algn="ctr"/>
             <a:r>
-              <a:rPr lang="ar-sa" dirty="0">
+              <a:rPr lang="en-US" dirty="0">
                 <a:latin typeface="Arial" panose="020B0604020202020204" pitchFamily="34" charset="0"/>
-                <a:rtl val="0"/>
+                <a:cs typeface="Arial" panose="020B0604020202020204" pitchFamily="34" charset="0"/>
               </a:rPr>
               <a:t>Supply Chain Management</a:t>
             </a:r>
           </a:p>
           <a:p>
-            <a:pPr algn="ctr" rtl="1"/>
+            <a:pPr algn="ctr"/>
             <a:endParaRPr lang="en-US" dirty="0">
               <a:latin typeface="Arial" panose="020B0604020202020204" pitchFamily="34" charset="0"/>
+              <a:cs typeface="Arial" panose="020B0604020202020204" pitchFamily="34" charset="0"/>
             </a:endParaRPr>
           </a:p>
           <a:p>
-            <a:pPr algn="ctr" rtl="1"/>
+            <a:pPr algn="ctr"/>
             <a:endParaRPr lang="en-US" dirty="0">
               <a:latin typeface="Arial" panose="020B0604020202020204" pitchFamily="34" charset="0"/>
+              <a:cs typeface="Arial" panose="020B0604020202020204" pitchFamily="34" charset="0"/>
             </a:endParaRPr>
           </a:p>
           <a:p>
-            <a:pPr algn="ctr" rtl="1"/>
+            <a:pPr algn="ctr"/>
             <a:endParaRPr lang="en-US" dirty="0">
               <a:latin typeface="Arial" panose="020B0604020202020204" pitchFamily="34" charset="0"/>
+              <a:cs typeface="Arial" panose="020B0604020202020204" pitchFamily="34" charset="0"/>
             </a:endParaRPr>
           </a:p>
           <a:p>
-            <a:pPr algn="ctr" rtl="1"/>
+            <a:pPr algn="ctr"/>
             <a:endParaRPr lang="en-US" dirty="0">
               <a:latin typeface="Arial" panose="020B0604020202020204" pitchFamily="34" charset="0"/>
+              <a:cs typeface="Arial" panose="020B0604020202020204" pitchFamily="34" charset="0"/>
             </a:endParaRPr>
           </a:p>
           <a:p>
-            <a:pPr algn="ctr" rtl="1"/>
+            <a:pPr algn="ctr"/>
             <a:endParaRPr lang="en-US" dirty="0">
               <a:latin typeface="Arial" panose="020B0604020202020204" pitchFamily="34" charset="0"/>
+              <a:cs typeface="Arial" panose="020B0604020202020204" pitchFamily="34" charset="0"/>
             </a:endParaRPr>
           </a:p>
           <a:p>
-            <a:pPr algn="ctr" rtl="1"/>
+            <a:pPr algn="ctr"/>
             <a:endParaRPr lang="en-US" dirty="0">
               <a:latin typeface="Arial" panose="020B0604020202020204" pitchFamily="34" charset="0"/>
+              <a:cs typeface="Arial" panose="020B0604020202020204" pitchFamily="34" charset="0"/>
             </a:endParaRPr>
           </a:p>
           <a:p>
-            <a:pPr algn="ctr" rtl="1"/>
+            <a:pPr algn="ctr"/>
             <a:endParaRPr lang="en-US" dirty="0">
               <a:latin typeface="Arial" panose="020B0604020202020204" pitchFamily="34" charset="0"/>
+              <a:cs typeface="Arial" panose="020B0604020202020204" pitchFamily="34" charset="0"/>
             </a:endParaRPr>
           </a:p>
           <a:p>
-            <a:pPr algn="ctr" rtl="1"/>
+            <a:pPr algn="ctr"/>
             <a:endParaRPr lang="en-US" dirty="0">
               <a:latin typeface="Arial" panose="020B0604020202020204" pitchFamily="34" charset="0"/>
+              <a:cs typeface="Arial" panose="020B0604020202020204" pitchFamily="34" charset="0"/>
             </a:endParaRPr>
           </a:p>
           <a:p>
-            <a:pPr algn="ctr" rtl="1"/>
+            <a:pPr algn="ctr"/>
             <a:endParaRPr lang="en-US" dirty="0">
               <a:latin typeface="Arial" panose="020B0604020202020204" pitchFamily="34" charset="0"/>
+              <a:cs typeface="Arial" panose="020B0604020202020204" pitchFamily="34" charset="0"/>
             </a:endParaRPr>
           </a:p>
           <a:p>
-            <a:pPr algn="ctr" rtl="1"/>
+            <a:pPr algn="ctr"/>
             <a:endParaRPr lang="en-US" dirty="0">
               <a:latin typeface="Arial" panose="020B0604020202020204" pitchFamily="34" charset="0"/>
+              <a:cs typeface="Arial" panose="020B0604020202020204" pitchFamily="34" charset="0"/>
             </a:endParaRPr>
           </a:p>
         </p:txBody>
@@ -3717,7 +6606,7 @@
         </p:blipFill>
         <p:spPr>
           <a:xfrm>
-            <a:off x="9848850" y="3105149"/>
+            <a:off x="1228724" y="3105149"/>
             <a:ext cx="1200151" cy="1200151"/>
           </a:xfrm>
           <a:prstGeom prst="rect">
@@ -3739,7 +6628,7 @@
         </p:nvGrpSpPr>
         <p:grpSpPr>
           <a:xfrm>
-            <a:off x="5038725" y="2781299"/>
+            <a:off x="4953000" y="2781299"/>
             <a:ext cx="2286000" cy="2011680"/>
             <a:chOff x="4867275" y="2781299"/>
             <a:chExt cx="2286000" cy="2011680"/>
@@ -3783,34 +6672,37 @@
             </a:fontRef>
           </p:style>
           <p:txBody>
-            <a:bodyPr rtlCol="1" anchor="ctr"/>
+            <a:bodyPr rtlCol="0" anchor="ctr"/>
             <a:lstStyle/>
             <a:p>
-              <a:pPr algn="ctr" rtl="1"/>
+              <a:pPr algn="ctr"/>
               <a:r>
-                <a:rPr lang="ar-sa" dirty="0">
+                <a:rPr lang="en-US" dirty="0">
                   <a:latin typeface="Arial" panose="020B0604020202020204" pitchFamily="34" charset="0"/>
-                  <a:rtl/>
+                  <a:cs typeface="Arial" panose="020B0604020202020204" pitchFamily="34" charset="0"/>
                 </a:rPr>
-                <a:t>الموصل</a:t>
+                <a:t>Connector</a:t>
               </a:r>
             </a:p>
             <a:p>
-              <a:pPr algn="ctr" rtl="1"/>
+              <a:pPr algn="ctr"/>
               <a:endParaRPr lang="en-US" dirty="0">
                 <a:latin typeface="Arial" panose="020B0604020202020204" pitchFamily="34" charset="0"/>
+                <a:cs typeface="Arial" panose="020B0604020202020204" pitchFamily="34" charset="0"/>
               </a:endParaRPr>
             </a:p>
             <a:p>
-              <a:pPr algn="ctr" rtl="1"/>
+              <a:pPr algn="ctr"/>
               <a:endParaRPr lang="en-US" dirty="0">
                 <a:latin typeface="Arial" panose="020B0604020202020204" pitchFamily="34" charset="0"/>
+                <a:cs typeface="Arial" panose="020B0604020202020204" pitchFamily="34" charset="0"/>
               </a:endParaRPr>
             </a:p>
             <a:p>
-              <a:pPr algn="ctr" rtl="1"/>
+              <a:pPr algn="ctr"/>
               <a:endParaRPr lang="en-US" dirty="0">
                 <a:latin typeface="Arial" panose="020B0604020202020204" pitchFamily="34" charset="0"/>
+                <a:cs typeface="Arial" panose="020B0604020202020204" pitchFamily="34" charset="0"/>
               </a:endParaRPr>
             </a:p>
           </p:txBody>
@@ -3869,8 +6761,8 @@
           <p:nvPr/>
         </p:nvSpPr>
         <p:spPr>
-          <a:xfrm flipH="1">
-            <a:off x="685800" y="942975"/>
+          <a:xfrm>
+            <a:off x="9305925" y="942975"/>
             <a:ext cx="2286000" cy="2011680"/>
           </a:xfrm>
           <a:prstGeom prst="rect">
@@ -3894,44 +6786,47 @@
           </a:fontRef>
         </p:style>
         <p:txBody>
-          <a:bodyPr rtlCol="1" anchor="ctr"/>
+          <a:bodyPr rtlCol="0" anchor="ctr"/>
           <a:lstStyle/>
           <a:p>
-            <a:pPr algn="ctr" rtl="1"/>
+            <a:pPr algn="ctr"/>
             <a:r>
-              <a:rPr lang="ar-sa" dirty="0">
+              <a:rPr lang="en-US" dirty="0">
                 <a:latin typeface="Arial" panose="020B0604020202020204" pitchFamily="34" charset="0"/>
-                <a:rtl/>
+                <a:cs typeface="Arial" panose="020B0604020202020204" pitchFamily="34" charset="0"/>
               </a:rPr>
-              <a:t>تحسين </a:t>
+              <a:t>Planning </a:t>
             </a:r>
           </a:p>
           <a:p>
-            <a:pPr algn="ctr" rtl="1"/>
+            <a:pPr algn="ctr"/>
             <a:r>
-              <a:rPr lang="ar-sa" dirty="0">
+              <a:rPr lang="en-US" dirty="0">
                 <a:latin typeface="Arial" panose="020B0604020202020204" pitchFamily="34" charset="0"/>
-                <a:rtl/>
+                <a:cs typeface="Arial" panose="020B0604020202020204" pitchFamily="34" charset="0"/>
               </a:rPr>
-              <a:t>التخطيط</a:t>
+              <a:t>Optimization</a:t>
             </a:r>
           </a:p>
           <a:p>
-            <a:pPr algn="ctr" rtl="1"/>
+            <a:pPr algn="ctr"/>
             <a:endParaRPr lang="en-US" dirty="0">
               <a:latin typeface="Arial" panose="020B0604020202020204" pitchFamily="34" charset="0"/>
+              <a:cs typeface="Arial" panose="020B0604020202020204" pitchFamily="34" charset="0"/>
             </a:endParaRPr>
           </a:p>
           <a:p>
-            <a:pPr algn="ctr" rtl="1"/>
+            <a:pPr algn="ctr"/>
             <a:endParaRPr lang="en-US" dirty="0">
               <a:latin typeface="Arial" panose="020B0604020202020204" pitchFamily="34" charset="0"/>
+              <a:cs typeface="Arial" panose="020B0604020202020204" pitchFamily="34" charset="0"/>
             </a:endParaRPr>
           </a:p>
           <a:p>
-            <a:pPr algn="ctr" rtl="1"/>
+            <a:pPr algn="ctr"/>
             <a:endParaRPr lang="en-US" dirty="0">
               <a:latin typeface="Arial" panose="020B0604020202020204" pitchFamily="34" charset="0"/>
+              <a:cs typeface="Arial" panose="020B0604020202020204" pitchFamily="34" charset="0"/>
             </a:endParaRPr>
           </a:p>
         </p:txBody>
@@ -3968,7 +6863,7 @@
         </p:blipFill>
         <p:spPr>
           <a:xfrm>
-            <a:off x="1657350" y="1866900"/>
+            <a:off x="9705975" y="1866900"/>
             <a:ext cx="914400" cy="914400"/>
           </a:xfrm>
           <a:prstGeom prst="rect">
@@ -3990,7 +6885,7 @@
         </p:nvGrpSpPr>
         <p:grpSpPr>
           <a:xfrm>
-            <a:off x="7749541" y="3429000"/>
+            <a:off x="3430904" y="3429000"/>
             <a:ext cx="1097280" cy="1097280"/>
             <a:chOff x="3509010" y="3336608"/>
             <a:chExt cx="1097280" cy="1097280"/>
@@ -4042,10 +6937,10 @@
             </a:fontRef>
           </p:style>
           <p:txBody>
-            <a:bodyPr rtlCol="1" anchor="ctr"/>
+            <a:bodyPr rtlCol="0" anchor="ctr"/>
             <a:lstStyle/>
             <a:p>
-              <a:pPr algn="ctr" rtl="1"/>
+              <a:pPr algn="ctr"/>
               <a:endParaRPr lang="en-US"/>
             </a:p>
           </p:txBody>
@@ -4102,8 +6997,8 @@
           <p:nvPr/>
         </p:nvCxnSpPr>
         <p:spPr>
-          <a:xfrm flipH="1" flipV="1">
-            <a:off x="2228561" y="2953408"/>
+          <a:xfrm flipV="1">
+            <a:off x="7239000" y="2953408"/>
             <a:ext cx="2810164" cy="609810"/>
           </a:xfrm>
           <a:prstGeom prst="bentConnector3">
@@ -4143,8 +7038,8 @@
           <p:nvPr/>
         </p:nvCxnSpPr>
         <p:spPr>
-          <a:xfrm rot="10800000" flipH="1" flipV="1">
-            <a:off x="1485899" y="2916555"/>
+          <a:xfrm rot="10800000" flipV="1">
+            <a:off x="7239001" y="2916555"/>
             <a:ext cx="3552825" cy="1512570"/>
           </a:xfrm>
           <a:prstGeom prst="bentConnector3">
@@ -4185,7 +7080,7 @@
         </p:nvGrpSpPr>
         <p:grpSpPr>
           <a:xfrm>
-            <a:off x="2933700" y="3429000"/>
+            <a:off x="8246745" y="3429000"/>
             <a:ext cx="1097280" cy="1097280"/>
             <a:chOff x="8056245" y="3228976"/>
             <a:chExt cx="1097280" cy="1097280"/>
@@ -4237,10 +7132,10 @@
             </a:fontRef>
           </p:style>
           <p:txBody>
-            <a:bodyPr rtlCol="1" anchor="ctr"/>
+            <a:bodyPr rtlCol="0" anchor="ctr"/>
             <a:lstStyle/>
             <a:p>
-              <a:pPr algn="ctr" rtl="1"/>
+              <a:pPr algn="ctr"/>
               <a:endParaRPr lang="en-US"/>
             </a:p>
           </p:txBody>
@@ -4295,9 +7190,9 @@
           <p:nvPr/>
         </p:nvSpPr>
         <p:spPr>
-          <a:xfrm flipH="1">
-            <a:off x="7352434" y="2646573"/>
-            <a:ext cx="1919861" cy="461665"/>
+          <a:xfrm>
+            <a:off x="3005430" y="2646573"/>
+            <a:ext cx="1919861" cy="646331"/>
           </a:xfrm>
           <a:prstGeom prst="rect">
             <a:avLst/>
@@ -4305,18 +7200,18 @@
           <a:noFill/>
         </p:spPr>
         <p:txBody>
-          <a:bodyPr wrap="square" rtlCol="1">
+          <a:bodyPr wrap="square" rtlCol="0">
             <a:spAutoFit/>
           </a:bodyPr>
           <a:lstStyle/>
           <a:p>
-            <a:pPr algn="ctr" rtl="1"/>
+            <a:pPr algn="ctr"/>
             <a:r>
-              <a:rPr lang="ar-sa" sz="1200" dirty="0">
+              <a:rPr lang="en-US" sz="1200" dirty="0">
                 <a:latin typeface="Arial" panose="020B0604020202020204" pitchFamily="34" charset="0"/>
-                <a:rtl/>
+                <a:cs typeface="Arial" panose="020B0604020202020204" pitchFamily="34" charset="0"/>
               </a:rPr>
-              <a:t>توفر قاعدة البيانات تحسين التخطيط بالمعلومات</a:t>
+              <a:t>Database supplies Planning Optimization with information</a:t>
             </a:r>
           </a:p>
         </p:txBody>
@@ -4334,9 +7229,9 @@
           <p:nvPr/>
         </p:nvSpPr>
         <p:spPr>
-          <a:xfrm flipH="1">
-            <a:off x="2749231" y="2628900"/>
-            <a:ext cx="2351407" cy="461665"/>
+          <a:xfrm>
+            <a:off x="7177087" y="2628900"/>
+            <a:ext cx="2351407" cy="830997"/>
           </a:xfrm>
           <a:prstGeom prst="rect">
             <a:avLst/>
@@ -4344,31 +7239,18 @@
           <a:noFill/>
         </p:spPr>
         <p:txBody>
-          <a:bodyPr wrap="square" rtlCol="1">
+          <a:bodyPr wrap="square" rtlCol="0">
             <a:spAutoFit/>
           </a:bodyPr>
           <a:lstStyle/>
           <a:p>
-            <a:pPr algn="ctr" rtl="1"/>
+            <a:pPr algn="ctr"/>
             <a:r>
-              <a:rPr lang="ar-sa" sz="1200" dirty="0">
-                <a:latin typeface="Arial" panose="020B0604020202020204" pitchFamily="34" charset="0"/>
-                <a:rtl/>
-              </a:rPr>
-              <a:t>الموصل يترجم المعلومات بين </a:t>
-            </a:r>
-            <a:br>
               <a:rPr lang="en-US" sz="1200" dirty="0">
                 <a:latin typeface="Arial" panose="020B0604020202020204" pitchFamily="34" charset="0"/>
-                <a:rtl/>
+                <a:cs typeface="Arial" panose="020B0604020202020204" pitchFamily="34" charset="0"/>
               </a:rPr>
-            </a:br>
-            <a:r>
-              <a:rPr lang="ar-sa" sz="1200" dirty="0">
-                <a:latin typeface="Arial" panose="020B0604020202020204" pitchFamily="34" charset="0"/>
-                <a:rtl/>
-              </a:rPr>
-              <a:t>قاعدة البيانات وتحسين التخطيط</a:t>
+              <a:t>Connector translates information between the database and Planning Optimization</a:t>
             </a:r>
           </a:p>
         </p:txBody>
@@ -4386,8 +7268,8 @@
           <p:nvPr/>
         </p:nvSpPr>
         <p:spPr>
-          <a:xfrm flipH="1">
-            <a:off x="7432358" y="4516755"/>
+          <a:xfrm>
+            <a:off x="3033138" y="4516755"/>
             <a:ext cx="1812229" cy="461665"/>
           </a:xfrm>
           <a:prstGeom prst="rect">
@@ -4396,18 +7278,18 @@
           <a:noFill/>
         </p:spPr>
         <p:txBody>
-          <a:bodyPr wrap="square" rtlCol="1">
+          <a:bodyPr wrap="square" rtlCol="0">
             <a:spAutoFit/>
           </a:bodyPr>
           <a:lstStyle/>
           <a:p>
-            <a:pPr algn="ctr" rtl="1"/>
+            <a:pPr algn="ctr"/>
             <a:r>
-              <a:rPr lang="ar-sa" sz="1200" dirty="0">
+              <a:rPr lang="en-US" sz="1200" dirty="0">
                 <a:latin typeface="Arial" panose="020B0604020202020204" pitchFamily="34" charset="0"/>
-                <a:rtl/>
+                <a:cs typeface="Arial" panose="020B0604020202020204" pitchFamily="34" charset="0"/>
               </a:rPr>
-              <a:t>يتم إرسال نتائج التخطيط إلى قاعدة البيانات</a:t>
+              <a:t>Planning results are sent to the database</a:t>
             </a:r>
           </a:p>
         </p:txBody>
@@ -4425,8 +7307,8 @@
           <p:nvPr/>
         </p:nvSpPr>
         <p:spPr>
-          <a:xfrm flipH="1">
-            <a:off x="1505815" y="4543310"/>
+          <a:xfrm>
+            <a:off x="7464256" y="4543310"/>
             <a:ext cx="3307654" cy="461665"/>
           </a:xfrm>
           <a:prstGeom prst="rect">
@@ -4435,18 +7317,18 @@
           <a:noFill/>
         </p:spPr>
         <p:txBody>
-          <a:bodyPr wrap="square" rtlCol="1">
+          <a:bodyPr wrap="square" rtlCol="0">
             <a:spAutoFit/>
           </a:bodyPr>
           <a:lstStyle/>
           <a:p>
-            <a:pPr algn="ctr" rtl="1"/>
+            <a:pPr algn="ctr"/>
             <a:r>
-              <a:rPr lang="ar-sa" sz="1200" dirty="0">
+              <a:rPr lang="en-US" sz="1200" dirty="0">
                 <a:latin typeface="Arial" panose="020B0604020202020204" pitchFamily="34" charset="0"/>
-                <a:rtl/>
+                <a:cs typeface="Arial" panose="020B0604020202020204" pitchFamily="34" charset="0"/>
               </a:rPr>
-              <a:t>يحتفظ "تحسين التخطيط" بالبيانات ذات الصلة بالتخطيط ويقوم بإجراء العمليات الحسابية</a:t>
+              <a:t>Planning Optimization holds planning related data and performs calculations</a:t>
             </a:r>
           </a:p>
         </p:txBody>
@@ -4466,8 +7348,8 @@
           <p:nvPr/>
         </p:nvCxnSpPr>
         <p:spPr>
-          <a:xfrm flipH="1">
-            <a:off x="2971801" y="1437620"/>
+          <a:xfrm>
+            <a:off x="2971800" y="1437620"/>
             <a:ext cx="6334124" cy="0"/>
           </a:xfrm>
           <a:prstGeom prst="straightConnector1">
@@ -4507,8 +7389,8 @@
           <p:nvPr/>
         </p:nvCxnSpPr>
         <p:spPr>
-          <a:xfrm>
-            <a:off x="2990850" y="1742420"/>
+          <a:xfrm flipH="1">
+            <a:off x="2969894" y="1742420"/>
             <a:ext cx="6316981" cy="0"/>
           </a:xfrm>
           <a:prstGeom prst="straightConnector1">
@@ -4547,7 +7429,7 @@
         </p:nvGrpSpPr>
         <p:grpSpPr>
           <a:xfrm>
-            <a:off x="5633085" y="990601"/>
+            <a:off x="5547360" y="990601"/>
             <a:ext cx="1097280" cy="1097280"/>
             <a:chOff x="5414963" y="990601"/>
             <a:chExt cx="1097280" cy="1097280"/>
@@ -4599,10 +7481,10 @@
             </a:fontRef>
           </p:style>
           <p:txBody>
-            <a:bodyPr rtlCol="1" anchor="ctr"/>
+            <a:bodyPr rtlCol="0" anchor="ctr"/>
             <a:lstStyle/>
             <a:p>
-              <a:pPr algn="ctr" rtl="1"/>
+              <a:pPr algn="ctr"/>
               <a:endParaRPr lang="en-US"/>
             </a:p>
           </p:txBody>
@@ -4660,8 +7542,8 @@
           <p:nvPr/>
         </p:nvSpPr>
         <p:spPr>
-          <a:xfrm flipH="1">
-            <a:off x="6718528" y="1133672"/>
+          <a:xfrm>
+            <a:off x="2989352" y="1133672"/>
             <a:ext cx="2569845" cy="276999"/>
           </a:xfrm>
           <a:prstGeom prst="rect">
@@ -4670,18 +7552,18 @@
           <a:noFill/>
         </p:spPr>
         <p:txBody>
-          <a:bodyPr wrap="square" rtlCol="1">
+          <a:bodyPr wrap="square" rtlCol="0">
             <a:spAutoFit/>
           </a:bodyPr>
           <a:lstStyle/>
           <a:p>
-            <a:pPr algn="ctr" rtl="1"/>
+            <a:pPr algn="ctr"/>
             <a:r>
-              <a:rPr lang="ar-sa" sz="1200" dirty="0">
+              <a:rPr lang="en-US" sz="1200" dirty="0">
                 <a:latin typeface="Arial" panose="020B0604020202020204" pitchFamily="34" charset="0"/>
-                <a:rtl/>
+                <a:cs typeface="Arial" panose="020B0604020202020204" pitchFamily="34" charset="0"/>
               </a:rPr>
-              <a:t>يبدأ العميل عملية التخطيط</a:t>
+              <a:t>Client triggers a planning run</a:t>
             </a:r>
           </a:p>
         </p:txBody>
@@ -4699,9 +7581,9 @@
           <p:nvPr/>
         </p:nvSpPr>
         <p:spPr>
-          <a:xfrm flipH="1">
-            <a:off x="3119577" y="1726291"/>
-            <a:ext cx="2439829" cy="276999"/>
+          <a:xfrm>
+            <a:off x="6718319" y="1726291"/>
+            <a:ext cx="2439829" cy="461665"/>
           </a:xfrm>
           <a:prstGeom prst="rect">
             <a:avLst/>
@@ -4709,18 +7591,18 @@
           <a:noFill/>
         </p:spPr>
         <p:txBody>
-          <a:bodyPr wrap="square" rtlCol="1">
+          <a:bodyPr wrap="square" rtlCol="0">
             <a:spAutoFit/>
           </a:bodyPr>
           <a:lstStyle/>
           <a:p>
-            <a:pPr algn="ctr" rtl="1"/>
+            <a:pPr algn="ctr"/>
             <a:r>
-              <a:rPr lang="ar-sa" sz="1200" dirty="0">
+              <a:rPr lang="en-US" sz="1200" dirty="0">
                 <a:latin typeface="Arial" panose="020B0604020202020204" pitchFamily="34" charset="0"/>
-                <a:rtl/>
+                <a:cs typeface="Arial" panose="020B0604020202020204" pitchFamily="34" charset="0"/>
               </a:rPr>
-              <a:t>يتلقى العميل رسائل من تحسين التخطيط</a:t>
+              <a:t>Client receives messages from Planning Optimization</a:t>
             </a:r>
           </a:p>
         </p:txBody>
@@ -4753,7 +7635,7 @@
         </p:blipFill>
         <p:spPr>
           <a:xfrm>
-            <a:off x="9950402" y="1835452"/>
+            <a:off x="1350027" y="1835452"/>
             <a:ext cx="977296" cy="977296"/>
           </a:xfrm>
           <a:prstGeom prst="rect">
@@ -4775,7 +7657,7 @@
 </file>
 
 <file path=ppt/slides/slide2.xml><?xml version="1.0" encoding="utf-8"?>
-<p:sld xmlns:a="http://schemas.openxmlformats.org/drawingml/2006/main" xmlns:r="http://schemas.openxmlformats.org/officeDocument/2006/relationships" xmlns:p="http://schemas.openxmlformats.org/presentationml/2006/main">
+<p:sld xmlns:a="http://schemas.openxmlformats.org/drawingml/2006/main" xmlns:r="http://schemas.openxmlformats.org/officeDocument/2006/relationships" xmlns:p="http://schemas.openxmlformats.org/presentationml/2006/main" show="0">
   <p:cSld>
     <p:spTree>
       <p:nvGrpSpPr>
@@ -4791,2090 +7673,1913 @@
           <a:chExt cx="0" cy="0"/>
         </a:xfrm>
       </p:grpSpPr>
-      <p:grpSp>
-        <p:nvGrpSpPr>
-          <p:cNvPr id="6" name="Group 5">
+      <p:sp>
+        <p:nvSpPr>
+          <p:cNvPr id="2" name="Rectangle 1">
             <a:extLst>
               <a:ext uri="{FF2B5EF4-FFF2-40B4-BE49-F238E27FC236}">
-                <a16:creationId xmlns:a16="http://schemas.microsoft.com/office/drawing/2014/main" id="{BDB89E8F-551C-4773-AEDD-AED88204C72F}"/>
+                <a16:creationId xmlns:a16="http://schemas.microsoft.com/office/drawing/2014/main" id="{31AA152A-0D95-4440-AED6-86F397CBA1B1}"/>
               </a:ext>
             </a:extLst>
           </p:cNvPr>
-          <p:cNvGrpSpPr/>
+          <p:cNvSpPr/>
           <p:nvPr/>
-        </p:nvGrpSpPr>
-        <p:grpSpPr>
-          <a:xfrm flipH="1">
-            <a:off x="1937385" y="618832"/>
-            <a:ext cx="9872876" cy="4920452"/>
-            <a:chOff x="65453" y="618832"/>
-            <a:chExt cx="9872876" cy="4920452"/>
+        </p:nvSpPr>
+        <p:spPr>
+          <a:xfrm>
+            <a:off x="2429163" y="2092815"/>
+            <a:ext cx="7370089" cy="1018645"/>
           </a:xfrm>
-        </p:grpSpPr>
-        <p:sp>
-          <p:nvSpPr>
-            <p:cNvPr id="2" name="Rectangle 1">
-              <a:extLst>
-                <a:ext uri="{FF2B5EF4-FFF2-40B4-BE49-F238E27FC236}">
-                  <a16:creationId xmlns:a16="http://schemas.microsoft.com/office/drawing/2014/main" id="{31AA152A-0D95-4440-AED6-86F397CBA1B1}"/>
-                </a:ext>
-              </a:extLst>
-            </p:cNvPr>
-            <p:cNvSpPr/>
-            <p:nvPr/>
-          </p:nvSpPr>
-          <p:spPr>
-            <a:xfrm>
-              <a:off x="2429163" y="2092815"/>
-              <a:ext cx="7370089" cy="1018645"/>
-            </a:xfrm>
-            <a:prstGeom prst="rect">
-              <a:avLst/>
-            </a:prstGeom>
+          <a:prstGeom prst="rect">
+            <a:avLst/>
+          </a:prstGeom>
+          <a:solidFill>
+            <a:schemeClr val="tx1">
+              <a:lumMod val="65000"/>
+              <a:lumOff val="35000"/>
+            </a:schemeClr>
+          </a:solidFill>
+          <a:ln w="38100">
             <a:solidFill>
               <a:schemeClr val="tx1">
                 <a:lumMod val="65000"/>
                 <a:lumOff val="35000"/>
               </a:schemeClr>
             </a:solidFill>
-            <a:ln w="38100">
-              <a:solidFill>
-                <a:schemeClr val="tx1">
-                  <a:lumMod val="65000"/>
-                  <a:lumOff val="35000"/>
-                </a:schemeClr>
-              </a:solidFill>
-            </a:ln>
-          </p:spPr>
-          <p:style>
-            <a:lnRef idx="2">
-              <a:schemeClr val="accent1">
-                <a:shade val="50000"/>
+          </a:ln>
+        </p:spPr>
+        <p:style>
+          <a:lnRef idx="2">
+            <a:schemeClr val="accent1">
+              <a:shade val="50000"/>
+            </a:schemeClr>
+          </a:lnRef>
+          <a:fillRef idx="1">
+            <a:schemeClr val="accent1"/>
+          </a:fillRef>
+          <a:effectRef idx="0">
+            <a:schemeClr val="accent1"/>
+          </a:effectRef>
+          <a:fontRef idx="minor">
+            <a:schemeClr val="lt1"/>
+          </a:fontRef>
+        </p:style>
+        <p:txBody>
+          <a:bodyPr rtlCol="0" anchor="t"/>
+          <a:lstStyle/>
+          <a:p>
+            <a:pPr algn="ctr"/>
+            <a:endParaRPr lang="en-US" sz="2800" dirty="0">
+              <a:latin typeface="Arial" panose="020B0604020202020204" pitchFamily="34" charset="0"/>
+              <a:cs typeface="Arial" panose="020B0604020202020204" pitchFamily="34" charset="0"/>
+            </a:endParaRPr>
+          </a:p>
+          <a:p>
+            <a:pPr algn="ctr"/>
+            <a:endParaRPr lang="en-US" sz="2800" dirty="0">
+              <a:latin typeface="Arial" panose="020B0604020202020204" pitchFamily="34" charset="0"/>
+              <a:cs typeface="Arial" panose="020B0604020202020204" pitchFamily="34" charset="0"/>
+            </a:endParaRPr>
+          </a:p>
+        </p:txBody>
+      </p:sp>
+      <p:sp>
+        <p:nvSpPr>
+          <p:cNvPr id="3" name="TextBox 2">
+            <a:extLst>
+              <a:ext uri="{FF2B5EF4-FFF2-40B4-BE49-F238E27FC236}">
+                <a16:creationId xmlns:a16="http://schemas.microsoft.com/office/drawing/2014/main" id="{9180CB5B-C291-4A48-9F35-869F6C7FAD31}"/>
+              </a:ext>
+            </a:extLst>
+          </p:cNvPr>
+          <p:cNvSpPr txBox="1"/>
+          <p:nvPr/>
+        </p:nvSpPr>
+        <p:spPr>
+          <a:xfrm>
+            <a:off x="4852851" y="3280132"/>
+            <a:ext cx="640080" cy="400110"/>
+          </a:xfrm>
+          <a:prstGeom prst="rect">
+            <a:avLst/>
+          </a:prstGeom>
+          <a:noFill/>
+          <a:ln>
+            <a:solidFill>
+              <a:schemeClr val="tx1"/>
+            </a:solidFill>
+          </a:ln>
+        </p:spPr>
+        <p:txBody>
+          <a:bodyPr wrap="square" rtlCol="0" anchor="ctr">
+            <a:spAutoFit/>
+          </a:bodyPr>
+          <a:lstStyle/>
+          <a:p>
+            <a:pPr algn="ctr"/>
+            <a:r>
+              <a:rPr lang="en-US" sz="2000" dirty="0">
+                <a:latin typeface="Arial" panose="020B0604020202020204" pitchFamily="34" charset="0"/>
+                <a:cs typeface="Arial" panose="020B0604020202020204" pitchFamily="34" charset="0"/>
+              </a:rPr>
+              <a:t>A</a:t>
+            </a:r>
+          </a:p>
+        </p:txBody>
+      </p:sp>
+      <p:sp>
+        <p:nvSpPr>
+          <p:cNvPr id="4" name="TextBox 3">
+            <a:extLst>
+              <a:ext uri="{FF2B5EF4-FFF2-40B4-BE49-F238E27FC236}">
+                <a16:creationId xmlns:a16="http://schemas.microsoft.com/office/drawing/2014/main" id="{11E2D867-7DA6-43C1-A9DA-40DDAD1AE2B3}"/>
+              </a:ext>
+            </a:extLst>
+          </p:cNvPr>
+          <p:cNvSpPr txBox="1"/>
+          <p:nvPr/>
+        </p:nvSpPr>
+        <p:spPr>
+          <a:xfrm>
+            <a:off x="6690360" y="3809365"/>
+            <a:ext cx="640080" cy="400110"/>
+          </a:xfrm>
+          <a:prstGeom prst="rect">
+            <a:avLst/>
+          </a:prstGeom>
+          <a:noFill/>
+          <a:ln>
+            <a:solidFill>
+              <a:schemeClr val="tx1"/>
+            </a:solidFill>
+          </a:ln>
+        </p:spPr>
+        <p:txBody>
+          <a:bodyPr wrap="square" rtlCol="0" anchor="ctr">
+            <a:spAutoFit/>
+          </a:bodyPr>
+          <a:lstStyle/>
+          <a:p>
+            <a:pPr algn="ctr"/>
+            <a:r>
+              <a:rPr lang="en-US" sz="2000" dirty="0">
+                <a:latin typeface="Arial" panose="020B0604020202020204" pitchFamily="34" charset="0"/>
+                <a:cs typeface="Arial" panose="020B0604020202020204" pitchFamily="34" charset="0"/>
+              </a:rPr>
+              <a:t>B</a:t>
+            </a:r>
+          </a:p>
+        </p:txBody>
+      </p:sp>
+      <p:sp>
+        <p:nvSpPr>
+          <p:cNvPr id="11" name="TextBox 10">
+            <a:extLst>
+              <a:ext uri="{FF2B5EF4-FFF2-40B4-BE49-F238E27FC236}">
+                <a16:creationId xmlns:a16="http://schemas.microsoft.com/office/drawing/2014/main" id="{E461707D-C60D-4922-80CC-08FEBCA2B2E8}"/>
+              </a:ext>
+            </a:extLst>
+          </p:cNvPr>
+          <p:cNvSpPr txBox="1"/>
+          <p:nvPr/>
+        </p:nvSpPr>
+        <p:spPr>
+          <a:xfrm>
+            <a:off x="6690360" y="3280132"/>
+            <a:ext cx="640080" cy="400110"/>
+          </a:xfrm>
+          <a:prstGeom prst="rect">
+            <a:avLst/>
+          </a:prstGeom>
+          <a:noFill/>
+          <a:ln>
+            <a:solidFill>
+              <a:schemeClr val="tx1"/>
+            </a:solidFill>
+          </a:ln>
+        </p:spPr>
+        <p:txBody>
+          <a:bodyPr wrap="square" rtlCol="0" anchor="ctr">
+            <a:spAutoFit/>
+          </a:bodyPr>
+          <a:lstStyle/>
+          <a:p>
+            <a:pPr algn="ctr"/>
+            <a:r>
+              <a:rPr lang="en-US" sz="2000" dirty="0">
+                <a:latin typeface="Arial" panose="020B0604020202020204" pitchFamily="34" charset="0"/>
+                <a:cs typeface="Arial" panose="020B0604020202020204" pitchFamily="34" charset="0"/>
+              </a:rPr>
+              <a:t>A</a:t>
+            </a:r>
+          </a:p>
+        </p:txBody>
+      </p:sp>
+      <p:sp>
+        <p:nvSpPr>
+          <p:cNvPr id="5" name="TextBox 4">
+            <a:extLst>
+              <a:ext uri="{FF2B5EF4-FFF2-40B4-BE49-F238E27FC236}">
+                <a16:creationId xmlns:a16="http://schemas.microsoft.com/office/drawing/2014/main" id="{AFE4312C-BE4B-415C-8AF3-E82E82B1DD0B}"/>
+              </a:ext>
+            </a:extLst>
+          </p:cNvPr>
+          <p:cNvSpPr txBox="1"/>
+          <p:nvPr/>
+        </p:nvSpPr>
+        <p:spPr>
+          <a:xfrm>
+            <a:off x="8899869" y="4351393"/>
+            <a:ext cx="640080" cy="400110"/>
+          </a:xfrm>
+          <a:prstGeom prst="rect">
+            <a:avLst/>
+          </a:prstGeom>
+          <a:noFill/>
+          <a:ln>
+            <a:solidFill>
+              <a:schemeClr val="tx1"/>
+            </a:solidFill>
+          </a:ln>
+        </p:spPr>
+        <p:txBody>
+          <a:bodyPr wrap="square" rtlCol="0" anchor="ctr">
+            <a:spAutoFit/>
+          </a:bodyPr>
+          <a:lstStyle/>
+          <a:p>
+            <a:pPr algn="ctr"/>
+            <a:r>
+              <a:rPr lang="en-US" sz="2000" dirty="0">
+                <a:latin typeface="Arial" panose="020B0604020202020204" pitchFamily="34" charset="0"/>
+                <a:cs typeface="Arial" panose="020B0604020202020204" pitchFamily="34" charset="0"/>
+              </a:rPr>
+              <a:t>C</a:t>
+            </a:r>
+          </a:p>
+        </p:txBody>
+      </p:sp>
+      <p:sp>
+        <p:nvSpPr>
+          <p:cNvPr id="12" name="TextBox 11">
+            <a:extLst>
+              <a:ext uri="{FF2B5EF4-FFF2-40B4-BE49-F238E27FC236}">
+                <a16:creationId xmlns:a16="http://schemas.microsoft.com/office/drawing/2014/main" id="{5268CC70-D802-4B84-9E88-E576F258626D}"/>
+              </a:ext>
+            </a:extLst>
+          </p:cNvPr>
+          <p:cNvSpPr txBox="1"/>
+          <p:nvPr/>
+        </p:nvSpPr>
+        <p:spPr>
+          <a:xfrm>
+            <a:off x="8190114" y="3809365"/>
+            <a:ext cx="640080" cy="400110"/>
+          </a:xfrm>
+          <a:prstGeom prst="rect">
+            <a:avLst/>
+          </a:prstGeom>
+          <a:noFill/>
+          <a:ln>
+            <a:solidFill>
+              <a:schemeClr val="tx1"/>
+            </a:solidFill>
+          </a:ln>
+        </p:spPr>
+        <p:txBody>
+          <a:bodyPr wrap="square" rtlCol="0" anchor="ctr">
+            <a:spAutoFit/>
+          </a:bodyPr>
+          <a:lstStyle/>
+          <a:p>
+            <a:pPr algn="ctr"/>
+            <a:r>
+              <a:rPr lang="en-US" sz="2000" dirty="0">
+                <a:solidFill>
+                  <a:schemeClr val="bg2">
+                    <a:lumMod val="75000"/>
+                  </a:schemeClr>
+                </a:solidFill>
+                <a:latin typeface="Arial" panose="020B0604020202020204" pitchFamily="34" charset="0"/>
+                <a:cs typeface="Arial" panose="020B0604020202020204" pitchFamily="34" charset="0"/>
+              </a:rPr>
+              <a:t>B</a:t>
+            </a:r>
+          </a:p>
+        </p:txBody>
+      </p:sp>
+      <p:sp>
+        <p:nvSpPr>
+          <p:cNvPr id="13" name="TextBox 12">
+            <a:extLst>
+              <a:ext uri="{FF2B5EF4-FFF2-40B4-BE49-F238E27FC236}">
+                <a16:creationId xmlns:a16="http://schemas.microsoft.com/office/drawing/2014/main" id="{7E56E114-D081-4FA2-857B-C915BD5E8FE5}"/>
+              </a:ext>
+            </a:extLst>
+          </p:cNvPr>
+          <p:cNvSpPr txBox="1"/>
+          <p:nvPr/>
+        </p:nvSpPr>
+        <p:spPr>
+          <a:xfrm>
+            <a:off x="8190114" y="3271696"/>
+            <a:ext cx="640080" cy="400110"/>
+          </a:xfrm>
+          <a:prstGeom prst="rect">
+            <a:avLst/>
+          </a:prstGeom>
+          <a:noFill/>
+          <a:ln>
+            <a:solidFill>
+              <a:schemeClr val="tx1"/>
+            </a:solidFill>
+          </a:ln>
+        </p:spPr>
+        <p:txBody>
+          <a:bodyPr wrap="square" rtlCol="0" anchor="ctr">
+            <a:spAutoFit/>
+          </a:bodyPr>
+          <a:lstStyle/>
+          <a:p>
+            <a:pPr algn="ctr"/>
+            <a:r>
+              <a:rPr lang="en-US" sz="2000" dirty="0">
+                <a:solidFill>
+                  <a:schemeClr val="bg2">
+                    <a:lumMod val="75000"/>
+                  </a:schemeClr>
+                </a:solidFill>
+                <a:latin typeface="Arial" panose="020B0604020202020204" pitchFamily="34" charset="0"/>
+                <a:cs typeface="Arial" panose="020B0604020202020204" pitchFamily="34" charset="0"/>
+              </a:rPr>
+              <a:t>A</a:t>
+            </a:r>
+          </a:p>
+        </p:txBody>
+      </p:sp>
+      <p:sp>
+        <p:nvSpPr>
+          <p:cNvPr id="14" name="TextBox 13">
+            <a:extLst>
+              <a:ext uri="{FF2B5EF4-FFF2-40B4-BE49-F238E27FC236}">
+                <a16:creationId xmlns:a16="http://schemas.microsoft.com/office/drawing/2014/main" id="{591063A7-F061-4E36-88B5-CD51CB68CBB4}"/>
+              </a:ext>
+            </a:extLst>
+          </p:cNvPr>
+          <p:cNvSpPr txBox="1"/>
+          <p:nvPr/>
+        </p:nvSpPr>
+        <p:spPr>
+          <a:xfrm>
+            <a:off x="4341615" y="2654264"/>
+            <a:ext cx="1828800" cy="457200"/>
+          </a:xfrm>
+          <a:prstGeom prst="rect">
+            <a:avLst/>
+          </a:prstGeom>
+          <a:noFill/>
+        </p:spPr>
+        <p:txBody>
+          <a:bodyPr wrap="square" rtlCol="0">
+            <a:spAutoFit/>
+          </a:bodyPr>
+          <a:lstStyle/>
+          <a:p>
+            <a:pPr algn="ctr"/>
+            <a:r>
+              <a:rPr lang="en-US" sz="2400" dirty="0">
+                <a:solidFill>
+                  <a:schemeClr val="bg1"/>
+                </a:solidFill>
+              </a:rPr>
+              <a:t>  = A + D</a:t>
+            </a:r>
+          </a:p>
+        </p:txBody>
+      </p:sp>
+      <p:sp>
+        <p:nvSpPr>
+          <p:cNvPr id="10" name="TextBox 9">
+            <a:extLst>
+              <a:ext uri="{FF2B5EF4-FFF2-40B4-BE49-F238E27FC236}">
+                <a16:creationId xmlns:a16="http://schemas.microsoft.com/office/drawing/2014/main" id="{A5D34583-3712-4A12-97C2-7490402D1F9C}"/>
+              </a:ext>
+            </a:extLst>
+          </p:cNvPr>
+          <p:cNvSpPr txBox="1"/>
+          <p:nvPr/>
+        </p:nvSpPr>
+        <p:spPr>
+          <a:xfrm>
+            <a:off x="2503051" y="2682809"/>
+            <a:ext cx="1810127" cy="400110"/>
+          </a:xfrm>
+          <a:prstGeom prst="rect">
+            <a:avLst/>
+          </a:prstGeom>
+          <a:noFill/>
+          <a:ln>
+            <a:noFill/>
+          </a:ln>
+        </p:spPr>
+        <p:txBody>
+          <a:bodyPr wrap="square" rtlCol="0" anchor="ctr">
+            <a:spAutoFit/>
+          </a:bodyPr>
+          <a:lstStyle/>
+          <a:p>
+            <a:pPr algn="ctr"/>
+            <a:r>
+              <a:rPr lang="en-US" sz="2000" dirty="0">
+                <a:solidFill>
+                  <a:schemeClr val="bg1"/>
+                </a:solidFill>
+                <a:latin typeface="Arial" panose="020B0604020202020204" pitchFamily="34" charset="0"/>
+                <a:cs typeface="Arial" panose="020B0604020202020204" pitchFamily="34" charset="0"/>
+              </a:rPr>
+              <a:t>  = D</a:t>
+            </a:r>
+          </a:p>
+        </p:txBody>
+      </p:sp>
+      <p:sp>
+        <p:nvSpPr>
+          <p:cNvPr id="15" name="TextBox 14">
+            <a:extLst>
+              <a:ext uri="{FF2B5EF4-FFF2-40B4-BE49-F238E27FC236}">
+                <a16:creationId xmlns:a16="http://schemas.microsoft.com/office/drawing/2014/main" id="{F3B78B18-F889-4E7B-AF66-49C6A8309E8C}"/>
+              </a:ext>
+            </a:extLst>
+          </p:cNvPr>
+          <p:cNvSpPr txBox="1"/>
+          <p:nvPr/>
+        </p:nvSpPr>
+        <p:spPr>
+          <a:xfrm>
+            <a:off x="6188361" y="2682809"/>
+            <a:ext cx="1828800" cy="400110"/>
+          </a:xfrm>
+          <a:prstGeom prst="rect">
+            <a:avLst/>
+          </a:prstGeom>
+          <a:noFill/>
+          <a:ln>
+            <a:noFill/>
+          </a:ln>
+        </p:spPr>
+        <p:txBody>
+          <a:bodyPr wrap="square" rtlCol="0" anchor="ctr">
+            <a:spAutoFit/>
+          </a:bodyPr>
+          <a:lstStyle/>
+          <a:p>
+            <a:pPr algn="ctr"/>
+            <a:r>
+              <a:rPr lang="en-US" sz="2000" dirty="0">
+                <a:solidFill>
+                  <a:schemeClr val="bg1"/>
+                </a:solidFill>
+                <a:latin typeface="Arial" panose="020B0604020202020204" pitchFamily="34" charset="0"/>
+                <a:cs typeface="Arial" panose="020B0604020202020204" pitchFamily="34" charset="0"/>
+              </a:rPr>
+              <a:t>  = B</a:t>
+            </a:r>
+          </a:p>
+        </p:txBody>
+      </p:sp>
+      <p:sp>
+        <p:nvSpPr>
+          <p:cNvPr id="16" name="TextBox 15">
+            <a:extLst>
+              <a:ext uri="{FF2B5EF4-FFF2-40B4-BE49-F238E27FC236}">
+                <a16:creationId xmlns:a16="http://schemas.microsoft.com/office/drawing/2014/main" id="{50598B96-A83F-4C95-AE4F-AEC7DD4DDFB1}"/>
+              </a:ext>
+            </a:extLst>
+          </p:cNvPr>
+          <p:cNvSpPr txBox="1"/>
+          <p:nvPr/>
+        </p:nvSpPr>
+        <p:spPr>
+          <a:xfrm>
+            <a:off x="8062812" y="2682809"/>
+            <a:ext cx="1828799" cy="400110"/>
+          </a:xfrm>
+          <a:prstGeom prst="rect">
+            <a:avLst/>
+          </a:prstGeom>
+          <a:noFill/>
+          <a:ln>
+            <a:noFill/>
+          </a:ln>
+        </p:spPr>
+        <p:txBody>
+          <a:bodyPr wrap="square" rtlCol="0" anchor="ctr">
+            <a:spAutoFit/>
+          </a:bodyPr>
+          <a:lstStyle/>
+          <a:p>
+            <a:pPr algn="ctr"/>
+            <a:r>
+              <a:rPr lang="en-US" sz="2000" dirty="0">
+                <a:solidFill>
+                  <a:schemeClr val="bg1"/>
+                </a:solidFill>
+                <a:latin typeface="Arial" panose="020B0604020202020204" pitchFamily="34" charset="0"/>
+                <a:cs typeface="Arial" panose="020B0604020202020204" pitchFamily="34" charset="0"/>
+              </a:rPr>
+              <a:t>  = A + B + C</a:t>
+            </a:r>
+          </a:p>
+        </p:txBody>
+      </p:sp>
+      <p:pic>
+        <p:nvPicPr>
+          <p:cNvPr id="18" name="Graphic 17" descr="Filter">
+            <a:extLst>
+              <a:ext uri="{FF2B5EF4-FFF2-40B4-BE49-F238E27FC236}">
+                <a16:creationId xmlns:a16="http://schemas.microsoft.com/office/drawing/2014/main" id="{C1AB937D-2F9B-427F-8632-A1A46BEA2E0F}"/>
+              </a:ext>
+            </a:extLst>
+          </p:cNvPr>
+          <p:cNvPicPr>
+            <a:picLocks noChangeAspect="1"/>
+          </p:cNvPicPr>
+          <p:nvPr/>
+        </p:nvPicPr>
+        <p:blipFill>
+          <a:blip r:embed="rId2">
+            <a:extLst>
+              <a:ext uri="{28A0092B-C50C-407E-A947-70E740481C1C}">
+                <a14:useLocalDpi xmlns:a14="http://schemas.microsoft.com/office/drawing/2010/main" val="0"/>
+              </a:ext>
+              <a:ext uri="{96DAC541-7B7A-43D3-8B79-37D633B846F1}">
+                <asvg:svgBlip xmlns:asvg="http://schemas.microsoft.com/office/drawing/2016/SVG/main" r:embed="rId3"/>
+              </a:ext>
+            </a:extLst>
+          </a:blip>
+          <a:stretch>
+            <a:fillRect/>
+          </a:stretch>
+        </p:blipFill>
+        <p:spPr>
+          <a:xfrm>
+            <a:off x="2814692" y="2655151"/>
+            <a:ext cx="472985" cy="472985"/>
+          </a:xfrm>
+          <a:prstGeom prst="rect">
+            <a:avLst/>
+          </a:prstGeom>
+        </p:spPr>
+      </p:pic>
+      <p:sp>
+        <p:nvSpPr>
+          <p:cNvPr id="19" name="TextBox 18">
+            <a:extLst>
+              <a:ext uri="{FF2B5EF4-FFF2-40B4-BE49-F238E27FC236}">
+                <a16:creationId xmlns:a16="http://schemas.microsoft.com/office/drawing/2014/main" id="{40ABFD87-DABB-496C-904C-CBB507764275}"/>
+              </a:ext>
+            </a:extLst>
+          </p:cNvPr>
+          <p:cNvSpPr txBox="1"/>
+          <p:nvPr/>
+        </p:nvSpPr>
+        <p:spPr>
+          <a:xfrm>
+            <a:off x="8899869" y="3809365"/>
+            <a:ext cx="640080" cy="400110"/>
+          </a:xfrm>
+          <a:prstGeom prst="rect">
+            <a:avLst/>
+          </a:prstGeom>
+          <a:noFill/>
+          <a:ln>
+            <a:solidFill>
+              <a:schemeClr val="tx1"/>
+            </a:solidFill>
+          </a:ln>
+        </p:spPr>
+        <p:txBody>
+          <a:bodyPr wrap="square" rtlCol="0" anchor="ctr">
+            <a:spAutoFit/>
+          </a:bodyPr>
+          <a:lstStyle/>
+          <a:p>
+            <a:pPr algn="ctr"/>
+            <a:r>
+              <a:rPr lang="en-US" sz="2000" dirty="0">
+                <a:latin typeface="Arial" panose="020B0604020202020204" pitchFamily="34" charset="0"/>
+                <a:cs typeface="Arial" panose="020B0604020202020204" pitchFamily="34" charset="0"/>
+              </a:rPr>
+              <a:t>B</a:t>
+            </a:r>
+          </a:p>
+        </p:txBody>
+      </p:sp>
+      <p:sp>
+        <p:nvSpPr>
+          <p:cNvPr id="20" name="TextBox 19">
+            <a:extLst>
+              <a:ext uri="{FF2B5EF4-FFF2-40B4-BE49-F238E27FC236}">
+                <a16:creationId xmlns:a16="http://schemas.microsoft.com/office/drawing/2014/main" id="{778AE6A8-09CC-45FD-88D6-08931241E7A6}"/>
+              </a:ext>
+            </a:extLst>
+          </p:cNvPr>
+          <p:cNvSpPr txBox="1"/>
+          <p:nvPr/>
+        </p:nvSpPr>
+        <p:spPr>
+          <a:xfrm>
+            <a:off x="8899869" y="3267338"/>
+            <a:ext cx="640080" cy="400110"/>
+          </a:xfrm>
+          <a:prstGeom prst="rect">
+            <a:avLst/>
+          </a:prstGeom>
+          <a:noFill/>
+          <a:ln>
+            <a:solidFill>
+              <a:schemeClr val="tx1"/>
+            </a:solidFill>
+          </a:ln>
+        </p:spPr>
+        <p:txBody>
+          <a:bodyPr wrap="square" rtlCol="0" anchor="ctr">
+            <a:spAutoFit/>
+          </a:bodyPr>
+          <a:lstStyle/>
+          <a:p>
+            <a:pPr algn="ctr"/>
+            <a:r>
+              <a:rPr lang="en-US" sz="2000" dirty="0">
+                <a:latin typeface="Arial" panose="020B0604020202020204" pitchFamily="34" charset="0"/>
+                <a:cs typeface="Arial" panose="020B0604020202020204" pitchFamily="34" charset="0"/>
+              </a:rPr>
+              <a:t>A</a:t>
+            </a:r>
+          </a:p>
+        </p:txBody>
+      </p:sp>
+      <p:sp>
+        <p:nvSpPr>
+          <p:cNvPr id="21" name="Multiplication Sign 20">
+            <a:extLst>
+              <a:ext uri="{FF2B5EF4-FFF2-40B4-BE49-F238E27FC236}">
+                <a16:creationId xmlns:a16="http://schemas.microsoft.com/office/drawing/2014/main" id="{63FAF6AB-881F-44FE-9AEC-C7120361848E}"/>
+              </a:ext>
+            </a:extLst>
+          </p:cNvPr>
+          <p:cNvSpPr/>
+          <p:nvPr/>
+        </p:nvSpPr>
+        <p:spPr>
+          <a:xfrm>
+            <a:off x="8230394" y="3193043"/>
+            <a:ext cx="548640" cy="548640"/>
+          </a:xfrm>
+          <a:prstGeom prst="mathMultiply">
+            <a:avLst/>
+          </a:prstGeom>
+          <a:noFill/>
+          <a:ln>
+            <a:solidFill>
+              <a:schemeClr val="tx1"/>
+            </a:solidFill>
+          </a:ln>
+        </p:spPr>
+        <p:style>
+          <a:lnRef idx="2">
+            <a:schemeClr val="accent1">
+              <a:shade val="50000"/>
+            </a:schemeClr>
+          </a:lnRef>
+          <a:fillRef idx="1">
+            <a:schemeClr val="accent1"/>
+          </a:fillRef>
+          <a:effectRef idx="0">
+            <a:schemeClr val="accent1"/>
+          </a:effectRef>
+          <a:fontRef idx="minor">
+            <a:schemeClr val="lt1"/>
+          </a:fontRef>
+        </p:style>
+        <p:txBody>
+          <a:bodyPr rtlCol="0" anchor="ctr"/>
+          <a:lstStyle/>
+          <a:p>
+            <a:pPr algn="ctr"/>
+            <a:endParaRPr lang="en-US"/>
+          </a:p>
+        </p:txBody>
+      </p:sp>
+      <p:sp>
+        <p:nvSpPr>
+          <p:cNvPr id="22" name="Multiplication Sign 21">
+            <a:extLst>
+              <a:ext uri="{FF2B5EF4-FFF2-40B4-BE49-F238E27FC236}">
+                <a16:creationId xmlns:a16="http://schemas.microsoft.com/office/drawing/2014/main" id="{52CC9C21-163F-4C72-BD79-B180390BE511}"/>
+              </a:ext>
+            </a:extLst>
+          </p:cNvPr>
+          <p:cNvSpPr/>
+          <p:nvPr/>
+        </p:nvSpPr>
+        <p:spPr>
+          <a:xfrm>
+            <a:off x="8233658" y="3737332"/>
+            <a:ext cx="548640" cy="548640"/>
+          </a:xfrm>
+          <a:prstGeom prst="mathMultiply">
+            <a:avLst/>
+          </a:prstGeom>
+          <a:noFill/>
+          <a:ln>
+            <a:solidFill>
+              <a:schemeClr val="tx1"/>
+            </a:solidFill>
+          </a:ln>
+        </p:spPr>
+        <p:style>
+          <a:lnRef idx="2">
+            <a:schemeClr val="accent1">
+              <a:shade val="50000"/>
+            </a:schemeClr>
+          </a:lnRef>
+          <a:fillRef idx="1">
+            <a:schemeClr val="accent1"/>
+          </a:fillRef>
+          <a:effectRef idx="0">
+            <a:schemeClr val="accent1"/>
+          </a:effectRef>
+          <a:fontRef idx="minor">
+            <a:schemeClr val="lt1"/>
+          </a:fontRef>
+        </p:style>
+        <p:txBody>
+          <a:bodyPr rtlCol="0" anchor="ctr"/>
+          <a:lstStyle/>
+          <a:p>
+            <a:pPr algn="ctr"/>
+            <a:endParaRPr lang="en-US"/>
+          </a:p>
+        </p:txBody>
+      </p:sp>
+      <p:pic>
+        <p:nvPicPr>
+          <p:cNvPr id="23" name="Graphic 22" descr="Filter">
+            <a:extLst>
+              <a:ext uri="{FF2B5EF4-FFF2-40B4-BE49-F238E27FC236}">
+                <a16:creationId xmlns:a16="http://schemas.microsoft.com/office/drawing/2014/main" id="{0FF17BCB-ABEB-43D9-BADE-ED4A45ACFAF5}"/>
+              </a:ext>
+            </a:extLst>
+          </p:cNvPr>
+          <p:cNvPicPr>
+            <a:picLocks noChangeAspect="1"/>
+          </p:cNvPicPr>
+          <p:nvPr/>
+        </p:nvPicPr>
+        <p:blipFill>
+          <a:blip r:embed="rId2">
+            <a:extLst>
+              <a:ext uri="{28A0092B-C50C-407E-A947-70E740481C1C}">
+                <a14:useLocalDpi xmlns:a14="http://schemas.microsoft.com/office/drawing/2010/main" val="0"/>
+              </a:ext>
+              <a:ext uri="{96DAC541-7B7A-43D3-8B79-37D633B846F1}">
+                <asvg:svgBlip xmlns:asvg="http://schemas.microsoft.com/office/drawing/2016/SVG/main" r:embed="rId3"/>
+              </a:ext>
+            </a:extLst>
+          </a:blip>
+          <a:stretch>
+            <a:fillRect/>
+          </a:stretch>
+        </p:blipFill>
+        <p:spPr>
+          <a:xfrm>
+            <a:off x="7988926" y="2655151"/>
+            <a:ext cx="472985" cy="472985"/>
+          </a:xfrm>
+          <a:prstGeom prst="rect">
+            <a:avLst/>
+          </a:prstGeom>
+        </p:spPr>
+      </p:pic>
+      <p:pic>
+        <p:nvPicPr>
+          <p:cNvPr id="24" name="Graphic 23" descr="Filter">
+            <a:extLst>
+              <a:ext uri="{FF2B5EF4-FFF2-40B4-BE49-F238E27FC236}">
+                <a16:creationId xmlns:a16="http://schemas.microsoft.com/office/drawing/2014/main" id="{5EB65218-6EEB-47DE-AF18-92FD40E1E1A3}"/>
+              </a:ext>
+            </a:extLst>
+          </p:cNvPr>
+          <p:cNvPicPr>
+            <a:picLocks noChangeAspect="1"/>
+          </p:cNvPicPr>
+          <p:nvPr/>
+        </p:nvPicPr>
+        <p:blipFill>
+          <a:blip r:embed="rId2">
+            <a:extLst>
+              <a:ext uri="{28A0092B-C50C-407E-A947-70E740481C1C}">
+                <a14:useLocalDpi xmlns:a14="http://schemas.microsoft.com/office/drawing/2010/main" val="0"/>
+              </a:ext>
+              <a:ext uri="{96DAC541-7B7A-43D3-8B79-37D633B846F1}">
+                <asvg:svgBlip xmlns:asvg="http://schemas.microsoft.com/office/drawing/2016/SVG/main" r:embed="rId3"/>
+              </a:ext>
+            </a:extLst>
+          </a:blip>
+          <a:stretch>
+            <a:fillRect/>
+          </a:stretch>
+        </p:blipFill>
+        <p:spPr>
+          <a:xfrm>
+            <a:off x="6528743" y="2655151"/>
+            <a:ext cx="472985" cy="472985"/>
+          </a:xfrm>
+          <a:prstGeom prst="rect">
+            <a:avLst/>
+          </a:prstGeom>
+        </p:spPr>
+      </p:pic>
+      <p:pic>
+        <p:nvPicPr>
+          <p:cNvPr id="25" name="Graphic 24" descr="Filter">
+            <a:extLst>
+              <a:ext uri="{FF2B5EF4-FFF2-40B4-BE49-F238E27FC236}">
+                <a16:creationId xmlns:a16="http://schemas.microsoft.com/office/drawing/2014/main" id="{B45C0E6C-08F0-48C0-81A4-CD9E32E71596}"/>
+              </a:ext>
+            </a:extLst>
+          </p:cNvPr>
+          <p:cNvPicPr>
+            <a:picLocks noChangeAspect="1"/>
+          </p:cNvPicPr>
+          <p:nvPr/>
+        </p:nvPicPr>
+        <p:blipFill>
+          <a:blip r:embed="rId2">
+            <a:extLst>
+              <a:ext uri="{28A0092B-C50C-407E-A947-70E740481C1C}">
+                <a14:useLocalDpi xmlns:a14="http://schemas.microsoft.com/office/drawing/2010/main" val="0"/>
+              </a:ext>
+              <a:ext uri="{96DAC541-7B7A-43D3-8B79-37D633B846F1}">
+                <asvg:svgBlip xmlns:asvg="http://schemas.microsoft.com/office/drawing/2016/SVG/main" r:embed="rId3"/>
+              </a:ext>
+            </a:extLst>
+          </a:blip>
+          <a:stretch>
+            <a:fillRect/>
+          </a:stretch>
+        </p:blipFill>
+        <p:spPr>
+          <a:xfrm>
+            <a:off x="4477061" y="2655151"/>
+            <a:ext cx="472985" cy="472985"/>
+          </a:xfrm>
+          <a:prstGeom prst="rect">
+            <a:avLst/>
+          </a:prstGeom>
+        </p:spPr>
+      </p:pic>
+      <p:sp>
+        <p:nvSpPr>
+          <p:cNvPr id="31" name="Rectangle 30">
+            <a:extLst>
+              <a:ext uri="{FF2B5EF4-FFF2-40B4-BE49-F238E27FC236}">
+                <a16:creationId xmlns:a16="http://schemas.microsoft.com/office/drawing/2014/main" id="{899E3327-D757-42BC-8EB2-41E2FDAD3C52}"/>
+              </a:ext>
+            </a:extLst>
+          </p:cNvPr>
+          <p:cNvSpPr/>
+          <p:nvPr/>
+        </p:nvSpPr>
+        <p:spPr>
+          <a:xfrm>
+            <a:off x="2411219" y="3128139"/>
+            <a:ext cx="1828800" cy="1739419"/>
+          </a:xfrm>
+          <a:prstGeom prst="rect">
+            <a:avLst/>
+          </a:prstGeom>
+          <a:noFill/>
+          <a:ln w="12700">
+            <a:solidFill>
+              <a:schemeClr val="tx1">
+                <a:lumMod val="65000"/>
+                <a:lumOff val="35000"/>
               </a:schemeClr>
-            </a:lnRef>
-            <a:fillRef idx="1">
-              <a:schemeClr val="accent1"/>
-            </a:fillRef>
-            <a:effectRef idx="0">
-              <a:schemeClr val="accent1"/>
-            </a:effectRef>
-            <a:fontRef idx="minor">
-              <a:schemeClr val="lt1"/>
-            </a:fontRef>
-          </p:style>
-          <p:txBody>
-            <a:bodyPr rtlCol="1" anchor="t"/>
-            <a:lstStyle/>
-            <a:p>
-              <a:pPr algn="ctr" rtl="1"/>
-              <a:endParaRPr lang="en-US" sz="2800" dirty="0">
+            </a:solidFill>
+          </a:ln>
+        </p:spPr>
+        <p:style>
+          <a:lnRef idx="2">
+            <a:schemeClr val="accent1">
+              <a:shade val="50000"/>
+            </a:schemeClr>
+          </a:lnRef>
+          <a:fillRef idx="1">
+            <a:schemeClr val="accent1"/>
+          </a:fillRef>
+          <a:effectRef idx="0">
+            <a:schemeClr val="accent1"/>
+          </a:effectRef>
+          <a:fontRef idx="minor">
+            <a:schemeClr val="lt1"/>
+          </a:fontRef>
+        </p:style>
+        <p:txBody>
+          <a:bodyPr rtlCol="0" anchor="ctr"/>
+          <a:lstStyle/>
+          <a:p>
+            <a:pPr algn="ctr"/>
+            <a:endParaRPr lang="en-US"/>
+          </a:p>
+        </p:txBody>
+      </p:sp>
+      <p:sp>
+        <p:nvSpPr>
+          <p:cNvPr id="32" name="Rectangle 31">
+            <a:extLst>
+              <a:ext uri="{FF2B5EF4-FFF2-40B4-BE49-F238E27FC236}">
+                <a16:creationId xmlns:a16="http://schemas.microsoft.com/office/drawing/2014/main" id="{B86828E0-B9C2-4898-A16C-628E44DED044}"/>
+              </a:ext>
+            </a:extLst>
+          </p:cNvPr>
+          <p:cNvSpPr/>
+          <p:nvPr/>
+        </p:nvSpPr>
+        <p:spPr>
+          <a:xfrm>
+            <a:off x="4258491" y="3128139"/>
+            <a:ext cx="1828800" cy="1739419"/>
+          </a:xfrm>
+          <a:prstGeom prst="rect">
+            <a:avLst/>
+          </a:prstGeom>
+          <a:noFill/>
+          <a:ln w="12700">
+            <a:solidFill>
+              <a:schemeClr val="tx1">
+                <a:lumMod val="50000"/>
+                <a:lumOff val="50000"/>
+              </a:schemeClr>
+            </a:solidFill>
+          </a:ln>
+        </p:spPr>
+        <p:style>
+          <a:lnRef idx="2">
+            <a:schemeClr val="accent1">
+              <a:shade val="50000"/>
+            </a:schemeClr>
+          </a:lnRef>
+          <a:fillRef idx="1">
+            <a:schemeClr val="accent1"/>
+          </a:fillRef>
+          <a:effectRef idx="0">
+            <a:schemeClr val="accent1"/>
+          </a:effectRef>
+          <a:fontRef idx="minor">
+            <a:schemeClr val="lt1"/>
+          </a:fontRef>
+        </p:style>
+        <p:txBody>
+          <a:bodyPr rtlCol="0" anchor="ctr"/>
+          <a:lstStyle/>
+          <a:p>
+            <a:pPr algn="ctr"/>
+            <a:endParaRPr lang="en-US"/>
+          </a:p>
+        </p:txBody>
+      </p:sp>
+      <p:sp>
+        <p:nvSpPr>
+          <p:cNvPr id="33" name="Rectangle 32">
+            <a:extLst>
+              <a:ext uri="{FF2B5EF4-FFF2-40B4-BE49-F238E27FC236}">
+                <a16:creationId xmlns:a16="http://schemas.microsoft.com/office/drawing/2014/main" id="{2FFF4693-667B-435F-8DEF-998C2BA84791}"/>
+              </a:ext>
+            </a:extLst>
+          </p:cNvPr>
+          <p:cNvSpPr/>
+          <p:nvPr/>
+        </p:nvSpPr>
+        <p:spPr>
+          <a:xfrm>
+            <a:off x="7970453" y="3128139"/>
+            <a:ext cx="1828800" cy="1739419"/>
+          </a:xfrm>
+          <a:prstGeom prst="rect">
+            <a:avLst/>
+          </a:prstGeom>
+          <a:noFill/>
+          <a:ln w="12700">
+            <a:solidFill>
+              <a:schemeClr val="tx1">
+                <a:lumMod val="50000"/>
+                <a:lumOff val="50000"/>
+              </a:schemeClr>
+            </a:solidFill>
+          </a:ln>
+        </p:spPr>
+        <p:style>
+          <a:lnRef idx="2">
+            <a:schemeClr val="accent1">
+              <a:shade val="50000"/>
+            </a:schemeClr>
+          </a:lnRef>
+          <a:fillRef idx="1">
+            <a:schemeClr val="accent1"/>
+          </a:fillRef>
+          <a:effectRef idx="0">
+            <a:schemeClr val="accent1"/>
+          </a:effectRef>
+          <a:fontRef idx="minor">
+            <a:schemeClr val="lt1"/>
+          </a:fontRef>
+        </p:style>
+        <p:txBody>
+          <a:bodyPr rtlCol="0" anchor="ctr"/>
+          <a:lstStyle/>
+          <a:p>
+            <a:pPr algn="ctr"/>
+            <a:endParaRPr lang="en-US"/>
+          </a:p>
+        </p:txBody>
+      </p:sp>
+      <p:sp>
+        <p:nvSpPr>
+          <p:cNvPr id="34" name="Rectangle 33">
+            <a:extLst>
+              <a:ext uri="{FF2B5EF4-FFF2-40B4-BE49-F238E27FC236}">
+                <a16:creationId xmlns:a16="http://schemas.microsoft.com/office/drawing/2014/main" id="{6E4D1F17-8C3C-4CF6-8679-5807A618E9CC}"/>
+              </a:ext>
+            </a:extLst>
+          </p:cNvPr>
+          <p:cNvSpPr/>
+          <p:nvPr/>
+        </p:nvSpPr>
+        <p:spPr>
+          <a:xfrm>
+            <a:off x="6114472" y="3128139"/>
+            <a:ext cx="1828800" cy="1739419"/>
+          </a:xfrm>
+          <a:prstGeom prst="rect">
+            <a:avLst/>
+          </a:prstGeom>
+          <a:noFill/>
+          <a:ln w="12700">
+            <a:solidFill>
+              <a:schemeClr val="tx1">
+                <a:lumMod val="50000"/>
+                <a:lumOff val="50000"/>
+              </a:schemeClr>
+            </a:solidFill>
+          </a:ln>
+        </p:spPr>
+        <p:style>
+          <a:lnRef idx="2">
+            <a:schemeClr val="accent1">
+              <a:shade val="50000"/>
+            </a:schemeClr>
+          </a:lnRef>
+          <a:fillRef idx="1">
+            <a:schemeClr val="accent1"/>
+          </a:fillRef>
+          <a:effectRef idx="0">
+            <a:schemeClr val="accent1"/>
+          </a:effectRef>
+          <a:fontRef idx="minor">
+            <a:schemeClr val="lt1"/>
+          </a:fontRef>
+        </p:style>
+        <p:txBody>
+          <a:bodyPr rtlCol="0" anchor="ctr"/>
+          <a:lstStyle/>
+          <a:p>
+            <a:pPr algn="ctr"/>
+            <a:endParaRPr lang="en-US"/>
+          </a:p>
+        </p:txBody>
+      </p:sp>
+      <p:cxnSp>
+        <p:nvCxnSpPr>
+          <p:cNvPr id="36" name="Straight Connector 35">
+            <a:extLst>
+              <a:ext uri="{FF2B5EF4-FFF2-40B4-BE49-F238E27FC236}">
+                <a16:creationId xmlns:a16="http://schemas.microsoft.com/office/drawing/2014/main" id="{E258D256-6B09-4BAE-B6C7-15AEFC7170E3}"/>
+              </a:ext>
+            </a:extLst>
+          </p:cNvPr>
+          <p:cNvCxnSpPr/>
+          <p:nvPr/>
+        </p:nvCxnSpPr>
+        <p:spPr>
+          <a:xfrm flipV="1">
+            <a:off x="2411219" y="3128918"/>
+            <a:ext cx="7388034" cy="0"/>
+          </a:xfrm>
+          <a:prstGeom prst="line">
+            <a:avLst/>
+          </a:prstGeom>
+          <a:ln w="19050">
+            <a:solidFill>
+              <a:schemeClr val="tx1">
+                <a:lumMod val="50000"/>
+                <a:lumOff val="50000"/>
+              </a:schemeClr>
+            </a:solidFill>
+          </a:ln>
+        </p:spPr>
+        <p:style>
+          <a:lnRef idx="1">
+            <a:schemeClr val="accent1"/>
+          </a:lnRef>
+          <a:fillRef idx="0">
+            <a:schemeClr val="accent1"/>
+          </a:fillRef>
+          <a:effectRef idx="0">
+            <a:schemeClr val="accent1"/>
+          </a:effectRef>
+          <a:fontRef idx="minor">
+            <a:schemeClr val="tx1"/>
+          </a:fontRef>
+        </p:style>
+      </p:cxnSp>
+      <p:sp>
+        <p:nvSpPr>
+          <p:cNvPr id="37" name="TextBox 36">
+            <a:extLst>
+              <a:ext uri="{FF2B5EF4-FFF2-40B4-BE49-F238E27FC236}">
+                <a16:creationId xmlns:a16="http://schemas.microsoft.com/office/drawing/2014/main" id="{ED7E21D8-8B62-4FDE-91B8-65264B4A9AEE}"/>
+              </a:ext>
+            </a:extLst>
+          </p:cNvPr>
+          <p:cNvSpPr txBox="1"/>
+          <p:nvPr/>
+        </p:nvSpPr>
+        <p:spPr>
+          <a:xfrm>
+            <a:off x="2401981" y="2068947"/>
+            <a:ext cx="1829327" cy="584775"/>
+          </a:xfrm>
+          <a:prstGeom prst="rect">
+            <a:avLst/>
+          </a:prstGeom>
+          <a:noFill/>
+        </p:spPr>
+        <p:txBody>
+          <a:bodyPr wrap="square" rtlCol="0">
+            <a:spAutoFit/>
+          </a:bodyPr>
+          <a:lstStyle/>
+          <a:p>
+            <a:pPr algn="ctr"/>
+            <a:r>
+              <a:rPr lang="en-US" sz="3200" dirty="0">
+                <a:solidFill>
+                  <a:schemeClr val="bg1"/>
+                </a:solidFill>
                 <a:latin typeface="Arial" panose="020B0604020202020204" pitchFamily="34" charset="0"/>
-              </a:endParaRPr>
-            </a:p>
-            <a:p>
-              <a:pPr algn="ctr" rtl="1"/>
-              <a:endParaRPr lang="en-US" sz="2800" dirty="0">
+                <a:cs typeface="Arial" panose="020B0604020202020204" pitchFamily="34" charset="0"/>
+              </a:rPr>
+              <a:t>1</a:t>
+            </a:r>
+          </a:p>
+        </p:txBody>
+      </p:sp>
+      <p:sp>
+        <p:nvSpPr>
+          <p:cNvPr id="38" name="TextBox 37">
+            <a:extLst>
+              <a:ext uri="{FF2B5EF4-FFF2-40B4-BE49-F238E27FC236}">
+                <a16:creationId xmlns:a16="http://schemas.microsoft.com/office/drawing/2014/main" id="{F3E29398-1671-42EE-9BF6-4C80480A95F2}"/>
+              </a:ext>
+            </a:extLst>
+          </p:cNvPr>
+          <p:cNvSpPr txBox="1"/>
+          <p:nvPr/>
+        </p:nvSpPr>
+        <p:spPr>
+          <a:xfrm>
+            <a:off x="7974723" y="2068947"/>
+            <a:ext cx="1829327" cy="584775"/>
+          </a:xfrm>
+          <a:prstGeom prst="rect">
+            <a:avLst/>
+          </a:prstGeom>
+          <a:noFill/>
+        </p:spPr>
+        <p:txBody>
+          <a:bodyPr wrap="square" rtlCol="0">
+            <a:spAutoFit/>
+          </a:bodyPr>
+          <a:lstStyle/>
+          <a:p>
+            <a:pPr algn="ctr"/>
+            <a:r>
+              <a:rPr lang="en-US" sz="3200" dirty="0">
+                <a:solidFill>
+                  <a:schemeClr val="bg1"/>
+                </a:solidFill>
                 <a:latin typeface="Arial" panose="020B0604020202020204" pitchFamily="34" charset="0"/>
-              </a:endParaRPr>
-            </a:p>
-          </p:txBody>
-        </p:sp>
-        <p:sp>
-          <p:nvSpPr>
-            <p:cNvPr id="3" name="TextBox 2">
-              <a:extLst>
-                <a:ext uri="{FF2B5EF4-FFF2-40B4-BE49-F238E27FC236}">
-                  <a16:creationId xmlns:a16="http://schemas.microsoft.com/office/drawing/2014/main" id="{9180CB5B-C291-4A48-9F35-869F6C7FAD31}"/>
-                </a:ext>
-              </a:extLst>
-            </p:cNvPr>
-            <p:cNvSpPr txBox="1"/>
-            <p:nvPr/>
-          </p:nvSpPr>
-          <p:spPr>
-            <a:xfrm>
-              <a:off x="4852851" y="3280132"/>
-              <a:ext cx="640080" cy="400110"/>
-            </a:xfrm>
-            <a:prstGeom prst="rect">
-              <a:avLst/>
-            </a:prstGeom>
-            <a:noFill/>
-            <a:ln>
-              <a:solidFill>
-                <a:schemeClr val="tx1"/>
-              </a:solidFill>
-            </a:ln>
-          </p:spPr>
-          <p:txBody>
-            <a:bodyPr wrap="square" rtlCol="1" anchor="ctr">
-              <a:spAutoFit/>
-            </a:bodyPr>
-            <a:lstStyle/>
-            <a:p>
-              <a:pPr algn="ctr" rtl="1"/>
-              <a:r>
-                <a:rPr lang="ar-sa" sz="2000" dirty="0">
-                  <a:latin typeface="Arial" panose="020B0604020202020204" pitchFamily="34" charset="0"/>
-                  <a:rtl val="0"/>
-                </a:rPr>
-                <a:t>A</a:t>
-              </a:r>
-            </a:p>
-          </p:txBody>
-        </p:sp>
-        <p:sp>
-          <p:nvSpPr>
-            <p:cNvPr id="4" name="TextBox 3">
-              <a:extLst>
-                <a:ext uri="{FF2B5EF4-FFF2-40B4-BE49-F238E27FC236}">
-                  <a16:creationId xmlns:a16="http://schemas.microsoft.com/office/drawing/2014/main" id="{11E2D867-7DA6-43C1-A9DA-40DDAD1AE2B3}"/>
-                </a:ext>
-              </a:extLst>
-            </p:cNvPr>
-            <p:cNvSpPr txBox="1"/>
-            <p:nvPr/>
-          </p:nvSpPr>
-          <p:spPr>
-            <a:xfrm>
-              <a:off x="6690360" y="3809365"/>
-              <a:ext cx="640080" cy="400110"/>
-            </a:xfrm>
-            <a:prstGeom prst="rect">
-              <a:avLst/>
-            </a:prstGeom>
-            <a:noFill/>
-            <a:ln>
-              <a:solidFill>
-                <a:schemeClr val="tx1"/>
-              </a:solidFill>
-            </a:ln>
-          </p:spPr>
-          <p:txBody>
-            <a:bodyPr wrap="square" rtlCol="1" anchor="ctr">
-              <a:spAutoFit/>
-            </a:bodyPr>
-            <a:lstStyle/>
-            <a:p>
-              <a:pPr algn="ctr" rtl="1"/>
-              <a:r>
-                <a:rPr lang="ar-sa" sz="2000" dirty="0">
-                  <a:latin typeface="Arial" panose="020B0604020202020204" pitchFamily="34" charset="0"/>
-                  <a:rtl val="0"/>
-                </a:rPr>
-                <a:t>B</a:t>
-              </a:r>
-            </a:p>
-          </p:txBody>
-        </p:sp>
-        <p:sp>
-          <p:nvSpPr>
-            <p:cNvPr id="11" name="TextBox 10">
-              <a:extLst>
-                <a:ext uri="{FF2B5EF4-FFF2-40B4-BE49-F238E27FC236}">
-                  <a16:creationId xmlns:a16="http://schemas.microsoft.com/office/drawing/2014/main" id="{E461707D-C60D-4922-80CC-08FEBCA2B2E8}"/>
-                </a:ext>
-              </a:extLst>
-            </p:cNvPr>
-            <p:cNvSpPr txBox="1"/>
-            <p:nvPr/>
-          </p:nvSpPr>
-          <p:spPr>
-            <a:xfrm>
-              <a:off x="6690360" y="3280132"/>
-              <a:ext cx="640080" cy="400110"/>
-            </a:xfrm>
-            <a:prstGeom prst="rect">
-              <a:avLst/>
-            </a:prstGeom>
-            <a:noFill/>
-            <a:ln>
-              <a:solidFill>
-                <a:schemeClr val="tx1"/>
-              </a:solidFill>
-            </a:ln>
-          </p:spPr>
-          <p:txBody>
-            <a:bodyPr wrap="square" rtlCol="1" anchor="ctr">
-              <a:spAutoFit/>
-            </a:bodyPr>
-            <a:lstStyle/>
-            <a:p>
-              <a:pPr algn="ctr" rtl="1"/>
-              <a:r>
-                <a:rPr lang="ar-sa" sz="2000" dirty="0">
-                  <a:latin typeface="Arial" panose="020B0604020202020204" pitchFamily="34" charset="0"/>
-                  <a:rtl val="0"/>
-                </a:rPr>
-                <a:t>A</a:t>
-              </a:r>
-            </a:p>
-          </p:txBody>
-        </p:sp>
-        <p:sp>
-          <p:nvSpPr>
-            <p:cNvPr id="5" name="TextBox 4">
-              <a:extLst>
-                <a:ext uri="{FF2B5EF4-FFF2-40B4-BE49-F238E27FC236}">
-                  <a16:creationId xmlns:a16="http://schemas.microsoft.com/office/drawing/2014/main" id="{AFE4312C-BE4B-415C-8AF3-E82E82B1DD0B}"/>
-                </a:ext>
-              </a:extLst>
-            </p:cNvPr>
-            <p:cNvSpPr txBox="1"/>
-            <p:nvPr/>
-          </p:nvSpPr>
-          <p:spPr>
-            <a:xfrm>
-              <a:off x="8899869" y="4351393"/>
-              <a:ext cx="640080" cy="400110"/>
-            </a:xfrm>
-            <a:prstGeom prst="rect">
-              <a:avLst/>
-            </a:prstGeom>
-            <a:noFill/>
-            <a:ln>
-              <a:solidFill>
-                <a:schemeClr val="tx1"/>
-              </a:solidFill>
-            </a:ln>
-          </p:spPr>
-          <p:txBody>
-            <a:bodyPr wrap="square" rtlCol="1" anchor="ctr">
-              <a:spAutoFit/>
-            </a:bodyPr>
-            <a:lstStyle/>
-            <a:p>
-              <a:pPr algn="ctr" rtl="1"/>
-              <a:r>
-                <a:rPr lang="ar-sa" sz="2000" dirty="0">
-                  <a:latin typeface="Arial" panose="020B0604020202020204" pitchFamily="34" charset="0"/>
-                  <a:rtl val="0"/>
-                </a:rPr>
-                <a:t>C</a:t>
-              </a:r>
-            </a:p>
-          </p:txBody>
-        </p:sp>
-        <p:sp>
-          <p:nvSpPr>
-            <p:cNvPr id="12" name="TextBox 11">
-              <a:extLst>
-                <a:ext uri="{FF2B5EF4-FFF2-40B4-BE49-F238E27FC236}">
-                  <a16:creationId xmlns:a16="http://schemas.microsoft.com/office/drawing/2014/main" id="{5268CC70-D802-4B84-9E88-E576F258626D}"/>
-                </a:ext>
-              </a:extLst>
-            </p:cNvPr>
-            <p:cNvSpPr txBox="1"/>
-            <p:nvPr/>
-          </p:nvSpPr>
-          <p:spPr>
-            <a:xfrm>
-              <a:off x="8190114" y="3809365"/>
-              <a:ext cx="640080" cy="400110"/>
-            </a:xfrm>
-            <a:prstGeom prst="rect">
-              <a:avLst/>
-            </a:prstGeom>
-            <a:noFill/>
-            <a:ln>
-              <a:solidFill>
-                <a:schemeClr val="tx1"/>
-              </a:solidFill>
-            </a:ln>
-          </p:spPr>
-          <p:txBody>
-            <a:bodyPr wrap="square" rtlCol="1" anchor="ctr">
-              <a:spAutoFit/>
-            </a:bodyPr>
-            <a:lstStyle/>
-            <a:p>
-              <a:pPr algn="ctr" rtl="1"/>
-              <a:r>
-                <a:rPr lang="ar-sa" sz="2000" dirty="0">
-                  <a:solidFill>
-                    <a:schemeClr val="bg2">
-                      <a:lumMod val="75000"/>
-                    </a:schemeClr>
-                  </a:solidFill>
-                  <a:latin typeface="Arial" panose="020B0604020202020204" pitchFamily="34" charset="0"/>
-                  <a:rtl val="0"/>
-                </a:rPr>
-                <a:t>B</a:t>
-              </a:r>
-            </a:p>
-          </p:txBody>
-        </p:sp>
-        <p:sp>
-          <p:nvSpPr>
-            <p:cNvPr id="13" name="TextBox 12">
-              <a:extLst>
-                <a:ext uri="{FF2B5EF4-FFF2-40B4-BE49-F238E27FC236}">
-                  <a16:creationId xmlns:a16="http://schemas.microsoft.com/office/drawing/2014/main" id="{7E56E114-D081-4FA2-857B-C915BD5E8FE5}"/>
-                </a:ext>
-              </a:extLst>
-            </p:cNvPr>
-            <p:cNvSpPr txBox="1"/>
-            <p:nvPr/>
-          </p:nvSpPr>
-          <p:spPr>
-            <a:xfrm>
-              <a:off x="8190114" y="3271696"/>
-              <a:ext cx="640080" cy="400110"/>
-            </a:xfrm>
-            <a:prstGeom prst="rect">
-              <a:avLst/>
-            </a:prstGeom>
-            <a:noFill/>
-            <a:ln>
-              <a:solidFill>
-                <a:schemeClr val="tx1"/>
-              </a:solidFill>
-            </a:ln>
-          </p:spPr>
-          <p:txBody>
-            <a:bodyPr wrap="square" rtlCol="1" anchor="ctr">
-              <a:spAutoFit/>
-            </a:bodyPr>
-            <a:lstStyle/>
-            <a:p>
-              <a:pPr algn="ctr" rtl="1"/>
-              <a:r>
-                <a:rPr lang="ar-sa" sz="2000" dirty="0">
-                  <a:solidFill>
-                    <a:schemeClr val="bg2">
-                      <a:lumMod val="75000"/>
-                    </a:schemeClr>
-                  </a:solidFill>
-                  <a:latin typeface="Arial" panose="020B0604020202020204" pitchFamily="34" charset="0"/>
-                  <a:rtl val="0"/>
-                </a:rPr>
-                <a:t>A</a:t>
-              </a:r>
-            </a:p>
-          </p:txBody>
-        </p:sp>
-        <p:sp>
-          <p:nvSpPr>
-            <p:cNvPr id="14" name="TextBox 13">
-              <a:extLst>
-                <a:ext uri="{FF2B5EF4-FFF2-40B4-BE49-F238E27FC236}">
-                  <a16:creationId xmlns:a16="http://schemas.microsoft.com/office/drawing/2014/main" id="{591063A7-F061-4E36-88B5-CD51CB68CBB4}"/>
-                </a:ext>
-              </a:extLst>
-            </p:cNvPr>
-            <p:cNvSpPr txBox="1"/>
-            <p:nvPr/>
-          </p:nvSpPr>
-          <p:spPr>
-            <a:xfrm>
-              <a:off x="4341615" y="2654264"/>
-              <a:ext cx="1828800" cy="457200"/>
-            </a:xfrm>
-            <a:prstGeom prst="rect">
-              <a:avLst/>
-            </a:prstGeom>
-            <a:noFill/>
-          </p:spPr>
-          <p:txBody>
-            <a:bodyPr wrap="square" rtlCol="1">
-              <a:spAutoFit/>
-            </a:bodyPr>
-            <a:lstStyle/>
-            <a:p>
-              <a:pPr algn="ctr" rtl="1"/>
-              <a:r>
-                <a:rPr lang="ar-sa" sz="2400" dirty="0">
-                  <a:solidFill>
-                    <a:schemeClr val="bg1"/>
-                  </a:solidFill>
-                  <a:rtl val="0"/>
-                </a:rPr>
-                <a:t>  = A + D</a:t>
-              </a:r>
-            </a:p>
-          </p:txBody>
-        </p:sp>
-        <p:sp>
-          <p:nvSpPr>
-            <p:cNvPr id="10" name="TextBox 9">
-              <a:extLst>
-                <a:ext uri="{FF2B5EF4-FFF2-40B4-BE49-F238E27FC236}">
-                  <a16:creationId xmlns:a16="http://schemas.microsoft.com/office/drawing/2014/main" id="{A5D34583-3712-4A12-97C2-7490402D1F9C}"/>
-                </a:ext>
-              </a:extLst>
-            </p:cNvPr>
-            <p:cNvSpPr txBox="1"/>
-            <p:nvPr/>
-          </p:nvSpPr>
-          <p:spPr>
-            <a:xfrm>
-              <a:off x="2503051" y="2682809"/>
-              <a:ext cx="1810127" cy="400110"/>
-            </a:xfrm>
-            <a:prstGeom prst="rect">
-              <a:avLst/>
-            </a:prstGeom>
-            <a:noFill/>
-            <a:ln>
-              <a:noFill/>
-            </a:ln>
-          </p:spPr>
-          <p:txBody>
-            <a:bodyPr wrap="square" rtlCol="1" anchor="ctr">
-              <a:spAutoFit/>
-            </a:bodyPr>
-            <a:lstStyle/>
-            <a:p>
-              <a:pPr algn="ctr" rtl="1"/>
-              <a:r>
-                <a:rPr lang="ar-sa" sz="2000" dirty="0">
-                  <a:solidFill>
-                    <a:schemeClr val="bg1"/>
-                  </a:solidFill>
-                  <a:latin typeface="Arial" panose="020B0604020202020204" pitchFamily="34" charset="0"/>
-                  <a:rtl val="0"/>
-                </a:rPr>
-                <a:t>  = D</a:t>
-              </a:r>
-            </a:p>
-          </p:txBody>
-        </p:sp>
-        <p:sp>
-          <p:nvSpPr>
-            <p:cNvPr id="15" name="TextBox 14">
-              <a:extLst>
-                <a:ext uri="{FF2B5EF4-FFF2-40B4-BE49-F238E27FC236}">
-                  <a16:creationId xmlns:a16="http://schemas.microsoft.com/office/drawing/2014/main" id="{F3B78B18-F889-4E7B-AF66-49C6A8309E8C}"/>
-                </a:ext>
-              </a:extLst>
-            </p:cNvPr>
-            <p:cNvSpPr txBox="1"/>
-            <p:nvPr/>
-          </p:nvSpPr>
-          <p:spPr>
-            <a:xfrm>
-              <a:off x="6188361" y="2682809"/>
-              <a:ext cx="1828800" cy="400110"/>
-            </a:xfrm>
-            <a:prstGeom prst="rect">
-              <a:avLst/>
-            </a:prstGeom>
-            <a:noFill/>
-            <a:ln>
-              <a:noFill/>
-            </a:ln>
-          </p:spPr>
-          <p:txBody>
-            <a:bodyPr wrap="square" rtlCol="1" anchor="ctr">
-              <a:spAutoFit/>
-            </a:bodyPr>
-            <a:lstStyle/>
-            <a:p>
-              <a:pPr algn="ctr" rtl="1"/>
-              <a:r>
-                <a:rPr lang="ar-sa" sz="2000" dirty="0">
-                  <a:solidFill>
-                    <a:schemeClr val="bg1"/>
-                  </a:solidFill>
-                  <a:latin typeface="Arial" panose="020B0604020202020204" pitchFamily="34" charset="0"/>
-                  <a:rtl val="0"/>
-                </a:rPr>
-                <a:t>  = B</a:t>
-              </a:r>
-            </a:p>
-          </p:txBody>
-        </p:sp>
-        <p:sp>
-          <p:nvSpPr>
-            <p:cNvPr id="16" name="TextBox 15">
-              <a:extLst>
-                <a:ext uri="{FF2B5EF4-FFF2-40B4-BE49-F238E27FC236}">
-                  <a16:creationId xmlns:a16="http://schemas.microsoft.com/office/drawing/2014/main" id="{50598B96-A83F-4C95-AE4F-AEC7DD4DDFB1}"/>
-                </a:ext>
-              </a:extLst>
-            </p:cNvPr>
-            <p:cNvSpPr txBox="1"/>
-            <p:nvPr/>
-          </p:nvSpPr>
-          <p:spPr>
-            <a:xfrm>
-              <a:off x="8062812" y="2682809"/>
-              <a:ext cx="1828799" cy="400110"/>
-            </a:xfrm>
-            <a:prstGeom prst="rect">
-              <a:avLst/>
-            </a:prstGeom>
-            <a:noFill/>
-            <a:ln>
-              <a:noFill/>
-            </a:ln>
-          </p:spPr>
-          <p:txBody>
-            <a:bodyPr wrap="square" rtlCol="1" anchor="ctr">
-              <a:spAutoFit/>
-            </a:bodyPr>
-            <a:lstStyle/>
-            <a:p>
-              <a:pPr algn="ctr" rtl="1"/>
-              <a:r>
-                <a:rPr lang="ar-sa" sz="2000" dirty="0">
-                  <a:solidFill>
-                    <a:schemeClr val="bg1"/>
-                  </a:solidFill>
-                  <a:latin typeface="Arial" panose="020B0604020202020204" pitchFamily="34" charset="0"/>
-                  <a:rtl val="0"/>
-                </a:rPr>
-                <a:t>  = A + B + C</a:t>
-              </a:r>
-            </a:p>
-          </p:txBody>
-        </p:sp>
-        <p:pic>
-          <p:nvPicPr>
-            <p:cNvPr id="18" name="Graphic 17" descr="Filter">
-              <a:extLst>
-                <a:ext uri="{FF2B5EF4-FFF2-40B4-BE49-F238E27FC236}">
-                  <a16:creationId xmlns:a16="http://schemas.microsoft.com/office/drawing/2014/main" id="{C1AB937D-2F9B-427F-8632-A1A46BEA2E0F}"/>
-                </a:ext>
-              </a:extLst>
-            </p:cNvPr>
-            <p:cNvPicPr>
-              <a:picLocks noChangeAspect="1"/>
-            </p:cNvPicPr>
-            <p:nvPr/>
-          </p:nvPicPr>
-          <p:blipFill>
-            <a:blip r:embed="rId2">
-              <a:extLst>
-                <a:ext uri="{28A0092B-C50C-407E-A947-70E740481C1C}">
-                  <a14:useLocalDpi xmlns:a14="http://schemas.microsoft.com/office/drawing/2010/main" val="0"/>
-                </a:ext>
-                <a:ext uri="{96DAC541-7B7A-43D3-8B79-37D633B846F1}">
-                  <asvg:svgBlip xmlns:asvg="http://schemas.microsoft.com/office/drawing/2016/SVG/main" r:embed="rId3"/>
-                </a:ext>
-              </a:extLst>
-            </a:blip>
-            <a:stretch>
-              <a:fillRect/>
-            </a:stretch>
-          </p:blipFill>
-          <p:spPr>
-            <a:xfrm>
-              <a:off x="2814692" y="2655151"/>
-              <a:ext cx="472985" cy="472985"/>
-            </a:xfrm>
-            <a:prstGeom prst="rect">
-              <a:avLst/>
-            </a:prstGeom>
-          </p:spPr>
-        </p:pic>
-        <p:sp>
-          <p:nvSpPr>
-            <p:cNvPr id="19" name="TextBox 18">
-              <a:extLst>
-                <a:ext uri="{FF2B5EF4-FFF2-40B4-BE49-F238E27FC236}">
-                  <a16:creationId xmlns:a16="http://schemas.microsoft.com/office/drawing/2014/main" id="{40ABFD87-DABB-496C-904C-CBB507764275}"/>
-                </a:ext>
-              </a:extLst>
-            </p:cNvPr>
-            <p:cNvSpPr txBox="1"/>
-            <p:nvPr/>
-          </p:nvSpPr>
-          <p:spPr>
-            <a:xfrm>
-              <a:off x="8899869" y="3809365"/>
-              <a:ext cx="640080" cy="400110"/>
-            </a:xfrm>
-            <a:prstGeom prst="rect">
-              <a:avLst/>
-            </a:prstGeom>
-            <a:noFill/>
-            <a:ln>
-              <a:solidFill>
-                <a:schemeClr val="tx1"/>
-              </a:solidFill>
-            </a:ln>
-          </p:spPr>
-          <p:txBody>
-            <a:bodyPr wrap="square" rtlCol="1" anchor="ctr">
-              <a:spAutoFit/>
-            </a:bodyPr>
-            <a:lstStyle/>
-            <a:p>
-              <a:pPr algn="ctr" rtl="1"/>
-              <a:r>
-                <a:rPr lang="ar-sa" sz="2000" dirty="0">
-                  <a:latin typeface="Arial" panose="020B0604020202020204" pitchFamily="34" charset="0"/>
-                  <a:rtl val="0"/>
-                </a:rPr>
-                <a:t>B</a:t>
-              </a:r>
-            </a:p>
-          </p:txBody>
-        </p:sp>
-        <p:sp>
-          <p:nvSpPr>
-            <p:cNvPr id="20" name="TextBox 19">
-              <a:extLst>
-                <a:ext uri="{FF2B5EF4-FFF2-40B4-BE49-F238E27FC236}">
-                  <a16:creationId xmlns:a16="http://schemas.microsoft.com/office/drawing/2014/main" id="{778AE6A8-09CC-45FD-88D6-08931241E7A6}"/>
-                </a:ext>
-              </a:extLst>
-            </p:cNvPr>
-            <p:cNvSpPr txBox="1"/>
-            <p:nvPr/>
-          </p:nvSpPr>
-          <p:spPr>
-            <a:xfrm>
-              <a:off x="8899869" y="3267338"/>
-              <a:ext cx="640080" cy="400110"/>
-            </a:xfrm>
-            <a:prstGeom prst="rect">
-              <a:avLst/>
-            </a:prstGeom>
-            <a:noFill/>
-            <a:ln>
-              <a:solidFill>
-                <a:schemeClr val="tx1"/>
-              </a:solidFill>
-            </a:ln>
-          </p:spPr>
-          <p:txBody>
-            <a:bodyPr wrap="square" rtlCol="1" anchor="ctr">
-              <a:spAutoFit/>
-            </a:bodyPr>
-            <a:lstStyle/>
-            <a:p>
-              <a:pPr algn="ctr" rtl="1"/>
-              <a:r>
-                <a:rPr lang="ar-sa" sz="2000" dirty="0">
-                  <a:latin typeface="Arial" panose="020B0604020202020204" pitchFamily="34" charset="0"/>
-                  <a:rtl val="0"/>
-                </a:rPr>
-                <a:t>A</a:t>
-              </a:r>
-            </a:p>
-          </p:txBody>
-        </p:sp>
-        <p:sp>
-          <p:nvSpPr>
-            <p:cNvPr id="21" name="Multiplication Sign 20">
-              <a:extLst>
-                <a:ext uri="{FF2B5EF4-FFF2-40B4-BE49-F238E27FC236}">
-                  <a16:creationId xmlns:a16="http://schemas.microsoft.com/office/drawing/2014/main" id="{63FAF6AB-881F-44FE-9AEC-C7120361848E}"/>
-                </a:ext>
-              </a:extLst>
-            </p:cNvPr>
-            <p:cNvSpPr/>
-            <p:nvPr/>
-          </p:nvSpPr>
-          <p:spPr>
-            <a:xfrm>
-              <a:off x="8230394" y="3193043"/>
-              <a:ext cx="548640" cy="548640"/>
-            </a:xfrm>
-            <a:prstGeom prst="mathMultiply">
-              <a:avLst/>
-            </a:prstGeom>
-            <a:noFill/>
-            <a:ln>
-              <a:solidFill>
-                <a:schemeClr val="tx1"/>
-              </a:solidFill>
-            </a:ln>
-          </p:spPr>
-          <p:style>
-            <a:lnRef idx="2">
-              <a:schemeClr val="accent1">
-                <a:shade val="50000"/>
+                <a:cs typeface="Arial" panose="020B0604020202020204" pitchFamily="34" charset="0"/>
+              </a:rPr>
+              <a:t>4</a:t>
+            </a:r>
+          </a:p>
+        </p:txBody>
+      </p:sp>
+      <p:sp>
+        <p:nvSpPr>
+          <p:cNvPr id="39" name="TextBox 38">
+            <a:extLst>
+              <a:ext uri="{FF2B5EF4-FFF2-40B4-BE49-F238E27FC236}">
+                <a16:creationId xmlns:a16="http://schemas.microsoft.com/office/drawing/2014/main" id="{61F527E9-3735-438D-BAAC-D595086FBB9F}"/>
+              </a:ext>
+            </a:extLst>
+          </p:cNvPr>
+          <p:cNvSpPr txBox="1"/>
+          <p:nvPr/>
+        </p:nvSpPr>
+        <p:spPr>
+          <a:xfrm>
+            <a:off x="6117143" y="2068947"/>
+            <a:ext cx="1829327" cy="584775"/>
+          </a:xfrm>
+          <a:prstGeom prst="rect">
+            <a:avLst/>
+          </a:prstGeom>
+          <a:noFill/>
+        </p:spPr>
+        <p:txBody>
+          <a:bodyPr wrap="square" rtlCol="0">
+            <a:spAutoFit/>
+          </a:bodyPr>
+          <a:lstStyle/>
+          <a:p>
+            <a:pPr algn="ctr"/>
+            <a:r>
+              <a:rPr lang="en-US" sz="3200" dirty="0">
+                <a:solidFill>
+                  <a:schemeClr val="bg1"/>
+                </a:solidFill>
+                <a:latin typeface="Arial" panose="020B0604020202020204" pitchFamily="34" charset="0"/>
+                <a:cs typeface="Arial" panose="020B0604020202020204" pitchFamily="34" charset="0"/>
+              </a:rPr>
+              <a:t>3</a:t>
+            </a:r>
+          </a:p>
+        </p:txBody>
+      </p:sp>
+      <p:sp>
+        <p:nvSpPr>
+          <p:cNvPr id="40" name="TextBox 39">
+            <a:extLst>
+              <a:ext uri="{FF2B5EF4-FFF2-40B4-BE49-F238E27FC236}">
+                <a16:creationId xmlns:a16="http://schemas.microsoft.com/office/drawing/2014/main" id="{360817F6-4621-4A4D-A678-7569E0B294FD}"/>
+              </a:ext>
+            </a:extLst>
+          </p:cNvPr>
+          <p:cNvSpPr txBox="1"/>
+          <p:nvPr/>
+        </p:nvSpPr>
+        <p:spPr>
+          <a:xfrm>
+            <a:off x="4259562" y="2068947"/>
+            <a:ext cx="1829327" cy="584775"/>
+          </a:xfrm>
+          <a:prstGeom prst="rect">
+            <a:avLst/>
+          </a:prstGeom>
+          <a:noFill/>
+        </p:spPr>
+        <p:txBody>
+          <a:bodyPr wrap="square" rtlCol="0">
+            <a:spAutoFit/>
+          </a:bodyPr>
+          <a:lstStyle/>
+          <a:p>
+            <a:pPr algn="ctr"/>
+            <a:r>
+              <a:rPr lang="en-US" sz="3200" dirty="0">
+                <a:solidFill>
+                  <a:schemeClr val="bg1"/>
+                </a:solidFill>
+                <a:latin typeface="Arial" panose="020B0604020202020204" pitchFamily="34" charset="0"/>
+                <a:cs typeface="Arial" panose="020B0604020202020204" pitchFamily="34" charset="0"/>
+              </a:rPr>
+              <a:t>2</a:t>
+            </a:r>
+          </a:p>
+        </p:txBody>
+      </p:sp>
+      <p:sp>
+        <p:nvSpPr>
+          <p:cNvPr id="41" name="Rectangle 40">
+            <a:extLst>
+              <a:ext uri="{FF2B5EF4-FFF2-40B4-BE49-F238E27FC236}">
+                <a16:creationId xmlns:a16="http://schemas.microsoft.com/office/drawing/2014/main" id="{63003F80-4D90-41AF-B5C7-9375289B4125}"/>
+              </a:ext>
+            </a:extLst>
+          </p:cNvPr>
+          <p:cNvSpPr/>
+          <p:nvPr/>
+        </p:nvSpPr>
+        <p:spPr>
+          <a:xfrm>
+            <a:off x="2488850" y="618832"/>
+            <a:ext cx="7315200" cy="548640"/>
+          </a:xfrm>
+          <a:prstGeom prst="rect">
+            <a:avLst/>
+          </a:prstGeom>
+        </p:spPr>
+        <p:style>
+          <a:lnRef idx="2">
+            <a:schemeClr val="accent1">
+              <a:shade val="50000"/>
+            </a:schemeClr>
+          </a:lnRef>
+          <a:fillRef idx="1">
+            <a:schemeClr val="accent1"/>
+          </a:fillRef>
+          <a:effectRef idx="0">
+            <a:schemeClr val="accent1"/>
+          </a:effectRef>
+          <a:fontRef idx="minor">
+            <a:schemeClr val="lt1"/>
+          </a:fontRef>
+        </p:style>
+        <p:txBody>
+          <a:bodyPr rtlCol="0" anchor="ctr"/>
+          <a:lstStyle/>
+          <a:p>
+            <a:pPr algn="ctr"/>
+            <a:r>
+              <a:rPr lang="en-US" sz="3600" dirty="0">
+                <a:latin typeface="Arial" panose="020B0604020202020204" pitchFamily="34" charset="0"/>
+                <a:cs typeface="Arial" panose="020B0604020202020204" pitchFamily="34" charset="0"/>
+              </a:rPr>
+              <a:t>Plan filter = A, B, and C</a:t>
+            </a:r>
+          </a:p>
+        </p:txBody>
+      </p:sp>
+      <p:cxnSp>
+        <p:nvCxnSpPr>
+          <p:cNvPr id="43" name="Connector: Elbow 42">
+            <a:extLst>
+              <a:ext uri="{FF2B5EF4-FFF2-40B4-BE49-F238E27FC236}">
+                <a16:creationId xmlns:a16="http://schemas.microsoft.com/office/drawing/2014/main" id="{2929028E-D76C-43C3-9E4B-9C7F9E7B2D49}"/>
+              </a:ext>
+            </a:extLst>
+          </p:cNvPr>
+          <p:cNvCxnSpPr>
+            <a:stCxn id="41" idx="2"/>
+            <a:endCxn id="37" idx="0"/>
+          </p:cNvCxnSpPr>
+          <p:nvPr/>
+        </p:nvCxnSpPr>
+        <p:spPr>
+          <a:xfrm rot="5400000">
+            <a:off x="4280811" y="203307"/>
+            <a:ext cx="901475" cy="2829805"/>
+          </a:xfrm>
+          <a:prstGeom prst="bentConnector3">
+            <a:avLst/>
+          </a:prstGeom>
+          <a:ln w="28575">
+            <a:solidFill>
+              <a:schemeClr val="tx1">
+                <a:lumMod val="50000"/>
+                <a:lumOff val="50000"/>
               </a:schemeClr>
-            </a:lnRef>
-            <a:fillRef idx="1">
-              <a:schemeClr val="accent1"/>
-            </a:fillRef>
-            <a:effectRef idx="0">
-              <a:schemeClr val="accent1"/>
-            </a:effectRef>
-            <a:fontRef idx="minor">
-              <a:schemeClr val="lt1"/>
-            </a:fontRef>
-          </p:style>
-          <p:txBody>
-            <a:bodyPr rtlCol="1" anchor="ctr"/>
-            <a:lstStyle/>
-            <a:p>
-              <a:pPr algn="ctr" rtl="1"/>
-              <a:endParaRPr lang="en-US"/>
-            </a:p>
-          </p:txBody>
-        </p:sp>
-        <p:sp>
-          <p:nvSpPr>
-            <p:cNvPr id="22" name="Multiplication Sign 21">
-              <a:extLst>
-                <a:ext uri="{FF2B5EF4-FFF2-40B4-BE49-F238E27FC236}">
-                  <a16:creationId xmlns:a16="http://schemas.microsoft.com/office/drawing/2014/main" id="{52CC9C21-163F-4C72-BD79-B180390BE511}"/>
-                </a:ext>
-              </a:extLst>
-            </p:cNvPr>
-            <p:cNvSpPr/>
-            <p:nvPr/>
-          </p:nvSpPr>
-          <p:spPr>
-            <a:xfrm>
-              <a:off x="8233658" y="3737332"/>
-              <a:ext cx="548640" cy="548640"/>
-            </a:xfrm>
-            <a:prstGeom prst="mathMultiply">
-              <a:avLst/>
-            </a:prstGeom>
-            <a:noFill/>
-            <a:ln>
-              <a:solidFill>
-                <a:schemeClr val="tx1"/>
-              </a:solidFill>
-            </a:ln>
-          </p:spPr>
-          <p:style>
-            <a:lnRef idx="2">
-              <a:schemeClr val="accent1">
-                <a:shade val="50000"/>
+            </a:solidFill>
+            <a:tailEnd type="triangle"/>
+          </a:ln>
+        </p:spPr>
+        <p:style>
+          <a:lnRef idx="1">
+            <a:schemeClr val="accent1"/>
+          </a:lnRef>
+          <a:fillRef idx="0">
+            <a:schemeClr val="accent1"/>
+          </a:fillRef>
+          <a:effectRef idx="0">
+            <a:schemeClr val="accent1"/>
+          </a:effectRef>
+          <a:fontRef idx="minor">
+            <a:schemeClr val="tx1"/>
+          </a:fontRef>
+        </p:style>
+      </p:cxnSp>
+      <p:cxnSp>
+        <p:nvCxnSpPr>
+          <p:cNvPr id="45" name="Connector: Elbow 44">
+            <a:extLst>
+              <a:ext uri="{FF2B5EF4-FFF2-40B4-BE49-F238E27FC236}">
+                <a16:creationId xmlns:a16="http://schemas.microsoft.com/office/drawing/2014/main" id="{3B180251-63F9-4290-8E48-3562243104E2}"/>
+              </a:ext>
+            </a:extLst>
+          </p:cNvPr>
+          <p:cNvCxnSpPr>
+            <a:stCxn id="41" idx="2"/>
+            <a:endCxn id="38" idx="0"/>
+          </p:cNvCxnSpPr>
+          <p:nvPr/>
+        </p:nvCxnSpPr>
+        <p:spPr>
+          <a:xfrm rot="16200000" flipH="1">
+            <a:off x="7067181" y="246740"/>
+            <a:ext cx="901475" cy="2742937"/>
+          </a:xfrm>
+          <a:prstGeom prst="bentConnector3">
+            <a:avLst/>
+          </a:prstGeom>
+          <a:ln w="28575">
+            <a:solidFill>
+              <a:schemeClr val="tx1">
+                <a:lumMod val="50000"/>
+                <a:lumOff val="50000"/>
               </a:schemeClr>
-            </a:lnRef>
-            <a:fillRef idx="1">
-              <a:schemeClr val="accent1"/>
-            </a:fillRef>
-            <a:effectRef idx="0">
-              <a:schemeClr val="accent1"/>
-            </a:effectRef>
-            <a:fontRef idx="minor">
-              <a:schemeClr val="lt1"/>
-            </a:fontRef>
-          </p:style>
-          <p:txBody>
-            <a:bodyPr rtlCol="1" anchor="ctr"/>
-            <a:lstStyle/>
-            <a:p>
-              <a:pPr algn="ctr" rtl="1"/>
-              <a:endParaRPr lang="en-US"/>
-            </a:p>
-          </p:txBody>
-        </p:sp>
-        <p:pic>
-          <p:nvPicPr>
-            <p:cNvPr id="23" name="Graphic 22" descr="Filter">
-              <a:extLst>
-                <a:ext uri="{FF2B5EF4-FFF2-40B4-BE49-F238E27FC236}">
-                  <a16:creationId xmlns:a16="http://schemas.microsoft.com/office/drawing/2014/main" id="{0FF17BCB-ABEB-43D9-BADE-ED4A45ACFAF5}"/>
-                </a:ext>
-              </a:extLst>
-            </p:cNvPr>
-            <p:cNvPicPr>
-              <a:picLocks noChangeAspect="1"/>
-            </p:cNvPicPr>
-            <p:nvPr/>
-          </p:nvPicPr>
-          <p:blipFill>
-            <a:blip r:embed="rId2">
-              <a:extLst>
-                <a:ext uri="{28A0092B-C50C-407E-A947-70E740481C1C}">
-                  <a14:useLocalDpi xmlns:a14="http://schemas.microsoft.com/office/drawing/2010/main" val="0"/>
-                </a:ext>
-                <a:ext uri="{96DAC541-7B7A-43D3-8B79-37D633B846F1}">
-                  <asvg:svgBlip xmlns:asvg="http://schemas.microsoft.com/office/drawing/2016/SVG/main" r:embed="rId3"/>
-                </a:ext>
-              </a:extLst>
-            </a:blip>
-            <a:stretch>
-              <a:fillRect/>
-            </a:stretch>
-          </p:blipFill>
-          <p:spPr>
-            <a:xfrm>
-              <a:off x="7988926" y="2655151"/>
-              <a:ext cx="472985" cy="472985"/>
-            </a:xfrm>
-            <a:prstGeom prst="rect">
-              <a:avLst/>
-            </a:prstGeom>
-          </p:spPr>
-        </p:pic>
-        <p:pic>
-          <p:nvPicPr>
-            <p:cNvPr id="24" name="Graphic 23" descr="Filter">
-              <a:extLst>
-                <a:ext uri="{FF2B5EF4-FFF2-40B4-BE49-F238E27FC236}">
-                  <a16:creationId xmlns:a16="http://schemas.microsoft.com/office/drawing/2014/main" id="{5EB65218-6EEB-47DE-AF18-92FD40E1E1A3}"/>
-                </a:ext>
-              </a:extLst>
-            </p:cNvPr>
-            <p:cNvPicPr>
-              <a:picLocks noChangeAspect="1"/>
-            </p:cNvPicPr>
-            <p:nvPr/>
-          </p:nvPicPr>
-          <p:blipFill>
-            <a:blip r:embed="rId2">
-              <a:extLst>
-                <a:ext uri="{28A0092B-C50C-407E-A947-70E740481C1C}">
-                  <a14:useLocalDpi xmlns:a14="http://schemas.microsoft.com/office/drawing/2010/main" val="0"/>
-                </a:ext>
-                <a:ext uri="{96DAC541-7B7A-43D3-8B79-37D633B846F1}">
-                  <asvg:svgBlip xmlns:asvg="http://schemas.microsoft.com/office/drawing/2016/SVG/main" r:embed="rId3"/>
-                </a:ext>
-              </a:extLst>
-            </a:blip>
-            <a:stretch>
-              <a:fillRect/>
-            </a:stretch>
-          </p:blipFill>
-          <p:spPr>
-            <a:xfrm>
-              <a:off x="6528743" y="2655151"/>
-              <a:ext cx="472985" cy="472985"/>
-            </a:xfrm>
-            <a:prstGeom prst="rect">
-              <a:avLst/>
-            </a:prstGeom>
-          </p:spPr>
-        </p:pic>
-        <p:pic>
-          <p:nvPicPr>
-            <p:cNvPr id="25" name="Graphic 24" descr="Filter">
-              <a:extLst>
-                <a:ext uri="{FF2B5EF4-FFF2-40B4-BE49-F238E27FC236}">
-                  <a16:creationId xmlns:a16="http://schemas.microsoft.com/office/drawing/2014/main" id="{B45C0E6C-08F0-48C0-81A4-CD9E32E71596}"/>
-                </a:ext>
-              </a:extLst>
-            </p:cNvPr>
-            <p:cNvPicPr>
-              <a:picLocks noChangeAspect="1"/>
-            </p:cNvPicPr>
-            <p:nvPr/>
-          </p:nvPicPr>
-          <p:blipFill>
-            <a:blip r:embed="rId2">
-              <a:extLst>
-                <a:ext uri="{28A0092B-C50C-407E-A947-70E740481C1C}">
-                  <a14:useLocalDpi xmlns:a14="http://schemas.microsoft.com/office/drawing/2010/main" val="0"/>
-                </a:ext>
-                <a:ext uri="{96DAC541-7B7A-43D3-8B79-37D633B846F1}">
-                  <asvg:svgBlip xmlns:asvg="http://schemas.microsoft.com/office/drawing/2016/SVG/main" r:embed="rId3"/>
-                </a:ext>
-              </a:extLst>
-            </a:blip>
-            <a:stretch>
-              <a:fillRect/>
-            </a:stretch>
-          </p:blipFill>
-          <p:spPr>
-            <a:xfrm>
-              <a:off x="4477061" y="2655151"/>
-              <a:ext cx="472985" cy="472985"/>
-            </a:xfrm>
-            <a:prstGeom prst="rect">
-              <a:avLst/>
-            </a:prstGeom>
-          </p:spPr>
-        </p:pic>
-        <p:sp>
-          <p:nvSpPr>
-            <p:cNvPr id="31" name="Rectangle 30">
-              <a:extLst>
-                <a:ext uri="{FF2B5EF4-FFF2-40B4-BE49-F238E27FC236}">
-                  <a16:creationId xmlns:a16="http://schemas.microsoft.com/office/drawing/2014/main" id="{899E3327-D757-42BC-8EB2-41E2FDAD3C52}"/>
-                </a:ext>
-              </a:extLst>
-            </p:cNvPr>
-            <p:cNvSpPr/>
-            <p:nvPr/>
-          </p:nvSpPr>
-          <p:spPr>
-            <a:xfrm>
-              <a:off x="2411219" y="3128139"/>
-              <a:ext cx="1828800" cy="1739419"/>
-            </a:xfrm>
-            <a:prstGeom prst="rect">
-              <a:avLst/>
-            </a:prstGeom>
-            <a:noFill/>
-            <a:ln w="12700">
-              <a:solidFill>
-                <a:schemeClr val="tx1">
-                  <a:lumMod val="65000"/>
-                  <a:lumOff val="35000"/>
-                </a:schemeClr>
-              </a:solidFill>
-            </a:ln>
-          </p:spPr>
-          <p:style>
-            <a:lnRef idx="2">
-              <a:schemeClr val="accent1">
-                <a:shade val="50000"/>
+            </a:solidFill>
+            <a:tailEnd type="triangle"/>
+          </a:ln>
+        </p:spPr>
+        <p:style>
+          <a:lnRef idx="1">
+            <a:schemeClr val="accent1"/>
+          </a:lnRef>
+          <a:fillRef idx="0">
+            <a:schemeClr val="accent1"/>
+          </a:fillRef>
+          <a:effectRef idx="0">
+            <a:schemeClr val="accent1"/>
+          </a:effectRef>
+          <a:fontRef idx="minor">
+            <a:schemeClr val="tx1"/>
+          </a:fontRef>
+        </p:style>
+      </p:cxnSp>
+      <p:cxnSp>
+        <p:nvCxnSpPr>
+          <p:cNvPr id="47" name="Straight Arrow Connector 46">
+            <a:extLst>
+              <a:ext uri="{FF2B5EF4-FFF2-40B4-BE49-F238E27FC236}">
+                <a16:creationId xmlns:a16="http://schemas.microsoft.com/office/drawing/2014/main" id="{4F724705-8729-4581-A46B-A5876D279B01}"/>
+              </a:ext>
+            </a:extLst>
+          </p:cNvPr>
+          <p:cNvCxnSpPr>
+            <a:cxnSpLocks/>
+            <a:endCxn id="40" idx="0"/>
+          </p:cNvCxnSpPr>
+          <p:nvPr/>
+        </p:nvCxnSpPr>
+        <p:spPr>
+          <a:xfrm>
+            <a:off x="5174226" y="1607118"/>
+            <a:ext cx="0" cy="461829"/>
+          </a:xfrm>
+          <a:prstGeom prst="straightConnector1">
+            <a:avLst/>
+          </a:prstGeom>
+          <a:ln w="28575">
+            <a:solidFill>
+              <a:schemeClr val="tx1">
+                <a:lumMod val="50000"/>
+                <a:lumOff val="50000"/>
               </a:schemeClr>
-            </a:lnRef>
-            <a:fillRef idx="1">
-              <a:schemeClr val="accent1"/>
-            </a:fillRef>
-            <a:effectRef idx="0">
-              <a:schemeClr val="accent1"/>
-            </a:effectRef>
-            <a:fontRef idx="minor">
-              <a:schemeClr val="lt1"/>
-            </a:fontRef>
-          </p:style>
-          <p:txBody>
-            <a:bodyPr rtlCol="1" anchor="ctr"/>
-            <a:lstStyle/>
-            <a:p>
-              <a:pPr algn="ctr" rtl="1"/>
-              <a:endParaRPr lang="en-US"/>
-            </a:p>
-          </p:txBody>
-        </p:sp>
-        <p:sp>
-          <p:nvSpPr>
-            <p:cNvPr id="32" name="Rectangle 31">
-              <a:extLst>
-                <a:ext uri="{FF2B5EF4-FFF2-40B4-BE49-F238E27FC236}">
-                  <a16:creationId xmlns:a16="http://schemas.microsoft.com/office/drawing/2014/main" id="{B86828E0-B9C2-4898-A16C-628E44DED044}"/>
-                </a:ext>
-              </a:extLst>
-            </p:cNvPr>
-            <p:cNvSpPr/>
-            <p:nvPr/>
-          </p:nvSpPr>
-          <p:spPr>
-            <a:xfrm>
-              <a:off x="4258491" y="3128139"/>
-              <a:ext cx="1828800" cy="1739419"/>
-            </a:xfrm>
-            <a:prstGeom prst="rect">
-              <a:avLst/>
-            </a:prstGeom>
-            <a:noFill/>
-            <a:ln w="12700">
-              <a:solidFill>
-                <a:schemeClr val="tx1">
-                  <a:lumMod val="50000"/>
-                  <a:lumOff val="50000"/>
-                </a:schemeClr>
-              </a:solidFill>
-            </a:ln>
-          </p:spPr>
-          <p:style>
-            <a:lnRef idx="2">
-              <a:schemeClr val="accent1">
-                <a:shade val="50000"/>
+            </a:solidFill>
+            <a:tailEnd type="triangle"/>
+          </a:ln>
+        </p:spPr>
+        <p:style>
+          <a:lnRef idx="1">
+            <a:schemeClr val="accent1"/>
+          </a:lnRef>
+          <a:fillRef idx="0">
+            <a:schemeClr val="accent1"/>
+          </a:fillRef>
+          <a:effectRef idx="0">
+            <a:schemeClr val="accent1"/>
+          </a:effectRef>
+          <a:fontRef idx="minor">
+            <a:schemeClr val="tx1"/>
+          </a:fontRef>
+        </p:style>
+      </p:cxnSp>
+      <p:cxnSp>
+        <p:nvCxnSpPr>
+          <p:cNvPr id="50" name="Straight Arrow Connector 49">
+            <a:extLst>
+              <a:ext uri="{FF2B5EF4-FFF2-40B4-BE49-F238E27FC236}">
+                <a16:creationId xmlns:a16="http://schemas.microsoft.com/office/drawing/2014/main" id="{640CA444-792D-4B91-ABB8-1C844CB527EB}"/>
+              </a:ext>
+            </a:extLst>
+          </p:cNvPr>
+          <p:cNvCxnSpPr>
+            <a:endCxn id="39" idx="0"/>
+          </p:cNvCxnSpPr>
+          <p:nvPr/>
+        </p:nvCxnSpPr>
+        <p:spPr>
+          <a:xfrm>
+            <a:off x="7010399" y="1607118"/>
+            <a:ext cx="0" cy="461829"/>
+          </a:xfrm>
+          <a:prstGeom prst="straightConnector1">
+            <a:avLst/>
+          </a:prstGeom>
+          <a:ln w="28575">
+            <a:solidFill>
+              <a:schemeClr val="tx1">
+                <a:lumMod val="50000"/>
+                <a:lumOff val="50000"/>
               </a:schemeClr>
-            </a:lnRef>
-            <a:fillRef idx="1">
-              <a:schemeClr val="accent1"/>
-            </a:fillRef>
-            <a:effectRef idx="0">
-              <a:schemeClr val="accent1"/>
-            </a:effectRef>
-            <a:fontRef idx="minor">
-              <a:schemeClr val="lt1"/>
-            </a:fontRef>
-          </p:style>
-          <p:txBody>
-            <a:bodyPr rtlCol="1" anchor="ctr"/>
-            <a:lstStyle/>
-            <a:p>
-              <a:pPr algn="ctr" rtl="1"/>
-              <a:endParaRPr lang="en-US"/>
-            </a:p>
-          </p:txBody>
-        </p:sp>
-        <p:sp>
-          <p:nvSpPr>
-            <p:cNvPr id="33" name="Rectangle 32">
-              <a:extLst>
-                <a:ext uri="{FF2B5EF4-FFF2-40B4-BE49-F238E27FC236}">
-                  <a16:creationId xmlns:a16="http://schemas.microsoft.com/office/drawing/2014/main" id="{2FFF4693-667B-435F-8DEF-998C2BA84791}"/>
-                </a:ext>
-              </a:extLst>
-            </p:cNvPr>
-            <p:cNvSpPr/>
-            <p:nvPr/>
-          </p:nvSpPr>
-          <p:spPr>
-            <a:xfrm>
-              <a:off x="7970453" y="3128139"/>
-              <a:ext cx="1828800" cy="1739419"/>
-            </a:xfrm>
-            <a:prstGeom prst="rect">
-              <a:avLst/>
-            </a:prstGeom>
-            <a:noFill/>
-            <a:ln w="12700">
-              <a:solidFill>
-                <a:schemeClr val="tx1">
-                  <a:lumMod val="50000"/>
-                  <a:lumOff val="50000"/>
-                </a:schemeClr>
-              </a:solidFill>
-            </a:ln>
-          </p:spPr>
-          <p:style>
-            <a:lnRef idx="2">
-              <a:schemeClr val="accent1">
-                <a:shade val="50000"/>
-              </a:schemeClr>
-            </a:lnRef>
-            <a:fillRef idx="1">
-              <a:schemeClr val="accent1"/>
-            </a:fillRef>
-            <a:effectRef idx="0">
-              <a:schemeClr val="accent1"/>
-            </a:effectRef>
-            <a:fontRef idx="minor">
-              <a:schemeClr val="lt1"/>
-            </a:fontRef>
-          </p:style>
-          <p:txBody>
-            <a:bodyPr rtlCol="1" anchor="ctr"/>
-            <a:lstStyle/>
-            <a:p>
-              <a:pPr algn="ctr" rtl="1"/>
-              <a:endParaRPr lang="en-US"/>
-            </a:p>
-          </p:txBody>
-        </p:sp>
-        <p:sp>
-          <p:nvSpPr>
-            <p:cNvPr id="34" name="Rectangle 33">
-              <a:extLst>
-                <a:ext uri="{FF2B5EF4-FFF2-40B4-BE49-F238E27FC236}">
-                  <a16:creationId xmlns:a16="http://schemas.microsoft.com/office/drawing/2014/main" id="{6E4D1F17-8C3C-4CF6-8679-5807A618E9CC}"/>
-                </a:ext>
-              </a:extLst>
-            </p:cNvPr>
-            <p:cNvSpPr/>
-            <p:nvPr/>
-          </p:nvSpPr>
-          <p:spPr>
-            <a:xfrm>
-              <a:off x="6114472" y="3128139"/>
-              <a:ext cx="1828800" cy="1739419"/>
-            </a:xfrm>
-            <a:prstGeom prst="rect">
-              <a:avLst/>
-            </a:prstGeom>
-            <a:noFill/>
-            <a:ln w="12700">
-              <a:solidFill>
-                <a:schemeClr val="tx1">
-                  <a:lumMod val="50000"/>
-                  <a:lumOff val="50000"/>
-                </a:schemeClr>
-              </a:solidFill>
-            </a:ln>
-          </p:spPr>
-          <p:style>
-            <a:lnRef idx="2">
-              <a:schemeClr val="accent1">
-                <a:shade val="50000"/>
-              </a:schemeClr>
-            </a:lnRef>
-            <a:fillRef idx="1">
-              <a:schemeClr val="accent1"/>
-            </a:fillRef>
-            <a:effectRef idx="0">
-              <a:schemeClr val="accent1"/>
-            </a:effectRef>
-            <a:fontRef idx="minor">
-              <a:schemeClr val="lt1"/>
-            </a:fontRef>
-          </p:style>
-          <p:txBody>
-            <a:bodyPr rtlCol="1" anchor="ctr"/>
-            <a:lstStyle/>
-            <a:p>
-              <a:pPr algn="ctr" rtl="1"/>
-              <a:endParaRPr lang="en-US"/>
-            </a:p>
-          </p:txBody>
-        </p:sp>
-        <p:cxnSp>
-          <p:nvCxnSpPr>
-            <p:cNvPr id="36" name="Straight Connector 35">
-              <a:extLst>
-                <a:ext uri="{FF2B5EF4-FFF2-40B4-BE49-F238E27FC236}">
-                  <a16:creationId xmlns:a16="http://schemas.microsoft.com/office/drawing/2014/main" id="{E258D256-6B09-4BAE-B6C7-15AEFC7170E3}"/>
-                </a:ext>
-              </a:extLst>
-            </p:cNvPr>
-            <p:cNvCxnSpPr/>
-            <p:nvPr/>
-          </p:nvCxnSpPr>
-          <p:spPr>
-            <a:xfrm flipV="1">
-              <a:off x="2411219" y="3128918"/>
-              <a:ext cx="7388034" cy="0"/>
-            </a:xfrm>
-            <a:prstGeom prst="line">
-              <a:avLst/>
-            </a:prstGeom>
-            <a:ln w="19050">
-              <a:solidFill>
-                <a:schemeClr val="tx1">
-                  <a:lumMod val="50000"/>
-                  <a:lumOff val="50000"/>
-                </a:schemeClr>
-              </a:solidFill>
-            </a:ln>
-          </p:spPr>
-          <p:style>
-            <a:lnRef idx="1">
-              <a:schemeClr val="accent1"/>
-            </a:lnRef>
-            <a:fillRef idx="0">
-              <a:schemeClr val="accent1"/>
-            </a:fillRef>
-            <a:effectRef idx="0">
-              <a:schemeClr val="accent1"/>
-            </a:effectRef>
-            <a:fontRef idx="minor">
-              <a:schemeClr val="tx1"/>
-            </a:fontRef>
-          </p:style>
-        </p:cxnSp>
-        <p:sp>
-          <p:nvSpPr>
-            <p:cNvPr id="37" name="TextBox 36">
-              <a:extLst>
-                <a:ext uri="{FF2B5EF4-FFF2-40B4-BE49-F238E27FC236}">
-                  <a16:creationId xmlns:a16="http://schemas.microsoft.com/office/drawing/2014/main" id="{ED7E21D8-8B62-4FDE-91B8-65264B4A9AEE}"/>
-                </a:ext>
-              </a:extLst>
-            </p:cNvPr>
-            <p:cNvSpPr txBox="1"/>
-            <p:nvPr/>
-          </p:nvSpPr>
-          <p:spPr>
-            <a:xfrm>
-              <a:off x="2401981" y="2068947"/>
-              <a:ext cx="1829327" cy="584775"/>
-            </a:xfrm>
-            <a:prstGeom prst="rect">
-              <a:avLst/>
-            </a:prstGeom>
-            <a:noFill/>
-          </p:spPr>
-          <p:txBody>
-            <a:bodyPr wrap="square" rtlCol="1">
-              <a:spAutoFit/>
-            </a:bodyPr>
-            <a:lstStyle/>
-            <a:p>
-              <a:pPr algn="ctr" rtl="1"/>
-              <a:r>
-                <a:rPr lang="" sz="3200" dirty="0">
-                  <a:solidFill>
-                    <a:schemeClr val="bg1"/>
-                  </a:solidFill>
-                  <a:latin typeface="Arial" panose="020B0604020202020204" pitchFamily="34" charset="0"/>
-                  <a:rtl val="0"/>
-                </a:rPr>
-                <a:t>1</a:t>
-              </a:r>
-            </a:p>
-          </p:txBody>
-        </p:sp>
-        <p:sp>
-          <p:nvSpPr>
-            <p:cNvPr id="38" name="TextBox 37">
-              <a:extLst>
-                <a:ext uri="{FF2B5EF4-FFF2-40B4-BE49-F238E27FC236}">
-                  <a16:creationId xmlns:a16="http://schemas.microsoft.com/office/drawing/2014/main" id="{F3E29398-1671-42EE-9BF6-4C80480A95F2}"/>
-                </a:ext>
-              </a:extLst>
-            </p:cNvPr>
-            <p:cNvSpPr txBox="1"/>
-            <p:nvPr/>
-          </p:nvSpPr>
-          <p:spPr>
-            <a:xfrm>
-              <a:off x="7974723" y="2068947"/>
-              <a:ext cx="1829327" cy="584775"/>
-            </a:xfrm>
-            <a:prstGeom prst="rect">
-              <a:avLst/>
-            </a:prstGeom>
-            <a:noFill/>
-          </p:spPr>
-          <p:txBody>
-            <a:bodyPr wrap="square" rtlCol="1">
-              <a:spAutoFit/>
-            </a:bodyPr>
-            <a:lstStyle/>
-            <a:p>
-              <a:pPr algn="ctr" rtl="1"/>
-              <a:r>
-                <a:rPr lang="" sz="3200" dirty="0">
-                  <a:solidFill>
-                    <a:schemeClr val="bg1"/>
-                  </a:solidFill>
-                  <a:latin typeface="Arial" panose="020B0604020202020204" pitchFamily="34" charset="0"/>
-                  <a:rtl val="0"/>
-                </a:rPr>
-                <a:t>4</a:t>
-              </a:r>
-            </a:p>
-          </p:txBody>
-        </p:sp>
-        <p:sp>
-          <p:nvSpPr>
-            <p:cNvPr id="39" name="TextBox 38">
-              <a:extLst>
-                <a:ext uri="{FF2B5EF4-FFF2-40B4-BE49-F238E27FC236}">
-                  <a16:creationId xmlns:a16="http://schemas.microsoft.com/office/drawing/2014/main" id="{61F527E9-3735-438D-BAAC-D595086FBB9F}"/>
-                </a:ext>
-              </a:extLst>
-            </p:cNvPr>
-            <p:cNvSpPr txBox="1"/>
-            <p:nvPr/>
-          </p:nvSpPr>
-          <p:spPr>
-            <a:xfrm>
-              <a:off x="6117143" y="2068947"/>
-              <a:ext cx="1829327" cy="584775"/>
-            </a:xfrm>
-            <a:prstGeom prst="rect">
-              <a:avLst/>
-            </a:prstGeom>
-            <a:noFill/>
-          </p:spPr>
-          <p:txBody>
-            <a:bodyPr wrap="square" rtlCol="1">
-              <a:spAutoFit/>
-            </a:bodyPr>
-            <a:lstStyle/>
-            <a:p>
-              <a:pPr algn="ctr" rtl="1"/>
-              <a:r>
-                <a:rPr lang="" sz="3200" dirty="0">
-                  <a:solidFill>
-                    <a:schemeClr val="bg1"/>
-                  </a:solidFill>
-                  <a:latin typeface="Arial" panose="020B0604020202020204" pitchFamily="34" charset="0"/>
-                  <a:rtl val="0"/>
-                </a:rPr>
-                <a:t>3</a:t>
-              </a:r>
-            </a:p>
-          </p:txBody>
-        </p:sp>
-        <p:sp>
-          <p:nvSpPr>
-            <p:cNvPr id="40" name="TextBox 39">
-              <a:extLst>
-                <a:ext uri="{FF2B5EF4-FFF2-40B4-BE49-F238E27FC236}">
-                  <a16:creationId xmlns:a16="http://schemas.microsoft.com/office/drawing/2014/main" id="{360817F6-4621-4A4D-A678-7569E0B294FD}"/>
-                </a:ext>
-              </a:extLst>
-            </p:cNvPr>
-            <p:cNvSpPr txBox="1"/>
-            <p:nvPr/>
-          </p:nvSpPr>
-          <p:spPr>
-            <a:xfrm>
-              <a:off x="4259562" y="2068947"/>
-              <a:ext cx="1829327" cy="584775"/>
-            </a:xfrm>
-            <a:prstGeom prst="rect">
-              <a:avLst/>
-            </a:prstGeom>
-            <a:noFill/>
-          </p:spPr>
-          <p:txBody>
-            <a:bodyPr wrap="square" rtlCol="1">
-              <a:spAutoFit/>
-            </a:bodyPr>
-            <a:lstStyle/>
-            <a:p>
-              <a:pPr algn="ctr" rtl="1"/>
-              <a:r>
-                <a:rPr lang="" sz="3200" dirty="0">
-                  <a:solidFill>
-                    <a:schemeClr val="bg1"/>
-                  </a:solidFill>
-                  <a:latin typeface="Arial" panose="020B0604020202020204" pitchFamily="34" charset="0"/>
-                  <a:rtl val="0"/>
-                </a:rPr>
-                <a:t>2</a:t>
-              </a:r>
-            </a:p>
-          </p:txBody>
-        </p:sp>
-        <p:sp>
-          <p:nvSpPr>
-            <p:cNvPr id="41" name="Rectangle 40">
-              <a:extLst>
-                <a:ext uri="{FF2B5EF4-FFF2-40B4-BE49-F238E27FC236}">
-                  <a16:creationId xmlns:a16="http://schemas.microsoft.com/office/drawing/2014/main" id="{63003F80-4D90-41AF-B5C7-9375289B4125}"/>
-                </a:ext>
-              </a:extLst>
-            </p:cNvPr>
-            <p:cNvSpPr/>
-            <p:nvPr/>
-          </p:nvSpPr>
-          <p:spPr>
-            <a:xfrm>
-              <a:off x="2488850" y="618832"/>
-              <a:ext cx="7315200" cy="548640"/>
-            </a:xfrm>
-            <a:prstGeom prst="rect">
-              <a:avLst/>
-            </a:prstGeom>
-          </p:spPr>
-          <p:style>
-            <a:lnRef idx="2">
-              <a:schemeClr val="accent1">
-                <a:shade val="50000"/>
-              </a:schemeClr>
-            </a:lnRef>
-            <a:fillRef idx="1">
-              <a:schemeClr val="accent1"/>
-            </a:fillRef>
-            <a:effectRef idx="0">
-              <a:schemeClr val="accent1"/>
-            </a:effectRef>
-            <a:fontRef idx="minor">
-              <a:schemeClr val="lt1"/>
-            </a:fontRef>
-          </p:style>
-          <p:txBody>
-            <a:bodyPr rtlCol="1" anchor="ctr"/>
-            <a:lstStyle/>
-            <a:p>
-              <a:pPr algn="ctr" rtl="1"/>
-              <a:r>
-                <a:rPr lang="ar-sa" sz="3600" dirty="0">
-                  <a:latin typeface="Arial" panose="020B0604020202020204" pitchFamily="34" charset="0"/>
-                  <a:rtl/>
-                </a:rPr>
-                <a:t>عامل تصفية الخطة = </a:t>
-              </a:r>
-              <a:r>
-                <a:rPr lang="ar-sa" sz="3600" dirty="0">
-                  <a:latin typeface="Arial" panose="020B0604020202020204" pitchFamily="34" charset="0"/>
-                  <a:rtl val="0"/>
-                </a:rPr>
-                <a:t>A</a:t>
-              </a:r>
-              <a:r>
-                <a:rPr lang="ar-sa" sz="3600" dirty="0">
-                  <a:latin typeface="Arial" panose="020B0604020202020204" pitchFamily="34" charset="0"/>
-                  <a:rtl/>
-                </a:rPr>
-                <a:t>، و</a:t>
-              </a:r>
-              <a:r>
-                <a:rPr lang="ar-sa" sz="3600" dirty="0">
-                  <a:latin typeface="Arial" panose="020B0604020202020204" pitchFamily="34" charset="0"/>
-                  <a:rtl val="0"/>
-                </a:rPr>
-                <a:t>B</a:t>
-              </a:r>
-              <a:r>
-                <a:rPr lang="ar-sa" sz="3600" dirty="0">
-                  <a:latin typeface="Arial" panose="020B0604020202020204" pitchFamily="34" charset="0"/>
-                  <a:rtl/>
-                </a:rPr>
-                <a:t>، و</a:t>
-              </a:r>
-              <a:r>
-                <a:rPr lang="ar-sa" sz="3600" dirty="0">
-                  <a:latin typeface="Arial" panose="020B0604020202020204" pitchFamily="34" charset="0"/>
-                  <a:rtl val="0"/>
-                </a:rPr>
-                <a:t>C</a:t>
-              </a:r>
-            </a:p>
-          </p:txBody>
-        </p:sp>
-        <p:cxnSp>
-          <p:nvCxnSpPr>
-            <p:cNvPr id="43" name="Connector: Elbow 42">
-              <a:extLst>
-                <a:ext uri="{FF2B5EF4-FFF2-40B4-BE49-F238E27FC236}">
-                  <a16:creationId xmlns:a16="http://schemas.microsoft.com/office/drawing/2014/main" id="{2929028E-D76C-43C3-9E4B-9C7F9E7B2D49}"/>
-                </a:ext>
-              </a:extLst>
-            </p:cNvPr>
-            <p:cNvCxnSpPr>
-              <a:stCxn id="41" idx="2"/>
-              <a:endCxn id="37" idx="0"/>
-            </p:cNvCxnSpPr>
-            <p:nvPr/>
-          </p:nvCxnSpPr>
-          <p:spPr>
-            <a:xfrm rot="5400000">
-              <a:off x="4280811" y="203307"/>
-              <a:ext cx="901475" cy="2829805"/>
-            </a:xfrm>
-            <a:prstGeom prst="bentConnector3">
-              <a:avLst/>
-            </a:prstGeom>
-            <a:ln w="28575">
-              <a:solidFill>
-                <a:schemeClr val="tx1">
-                  <a:lumMod val="50000"/>
-                  <a:lumOff val="50000"/>
-                </a:schemeClr>
-              </a:solidFill>
-              <a:tailEnd type="triangle"/>
-            </a:ln>
-          </p:spPr>
-          <p:style>
-            <a:lnRef idx="1">
-              <a:schemeClr val="accent1"/>
-            </a:lnRef>
-            <a:fillRef idx="0">
-              <a:schemeClr val="accent1"/>
-            </a:fillRef>
-            <a:effectRef idx="0">
-              <a:schemeClr val="accent1"/>
-            </a:effectRef>
-            <a:fontRef idx="minor">
-              <a:schemeClr val="tx1"/>
-            </a:fontRef>
-          </p:style>
-        </p:cxnSp>
-        <p:cxnSp>
-          <p:nvCxnSpPr>
-            <p:cNvPr id="45" name="Connector: Elbow 44">
-              <a:extLst>
-                <a:ext uri="{FF2B5EF4-FFF2-40B4-BE49-F238E27FC236}">
-                  <a16:creationId xmlns:a16="http://schemas.microsoft.com/office/drawing/2014/main" id="{3B180251-63F9-4290-8E48-3562243104E2}"/>
-                </a:ext>
-              </a:extLst>
-            </p:cNvPr>
-            <p:cNvCxnSpPr>
-              <a:stCxn id="41" idx="2"/>
-              <a:endCxn id="38" idx="0"/>
-            </p:cNvCxnSpPr>
-            <p:nvPr/>
-          </p:nvCxnSpPr>
-          <p:spPr>
-            <a:xfrm rot="16200000" flipH="1">
-              <a:off x="7067181" y="246740"/>
-              <a:ext cx="901475" cy="2742937"/>
-            </a:xfrm>
-            <a:prstGeom prst="bentConnector3">
-              <a:avLst/>
-            </a:prstGeom>
-            <a:ln w="28575">
-              <a:solidFill>
-                <a:schemeClr val="tx1">
-                  <a:lumMod val="50000"/>
-                  <a:lumOff val="50000"/>
-                </a:schemeClr>
-              </a:solidFill>
-              <a:tailEnd type="triangle"/>
-            </a:ln>
-          </p:spPr>
-          <p:style>
-            <a:lnRef idx="1">
-              <a:schemeClr val="accent1"/>
-            </a:lnRef>
-            <a:fillRef idx="0">
-              <a:schemeClr val="accent1"/>
-            </a:fillRef>
-            <a:effectRef idx="0">
-              <a:schemeClr val="accent1"/>
-            </a:effectRef>
-            <a:fontRef idx="minor">
-              <a:schemeClr val="tx1"/>
-            </a:fontRef>
-          </p:style>
-        </p:cxnSp>
-        <p:cxnSp>
-          <p:nvCxnSpPr>
-            <p:cNvPr id="47" name="Straight Arrow Connector 46">
-              <a:extLst>
-                <a:ext uri="{FF2B5EF4-FFF2-40B4-BE49-F238E27FC236}">
-                  <a16:creationId xmlns:a16="http://schemas.microsoft.com/office/drawing/2014/main" id="{4F724705-8729-4581-A46B-A5876D279B01}"/>
-                </a:ext>
-              </a:extLst>
-            </p:cNvPr>
-            <p:cNvCxnSpPr>
-              <a:cxnSpLocks/>
-              <a:endCxn id="40" idx="0"/>
-            </p:cNvCxnSpPr>
-            <p:nvPr/>
-          </p:nvCxnSpPr>
-          <p:spPr>
-            <a:xfrm>
-              <a:off x="5174226" y="1607118"/>
-              <a:ext cx="0" cy="461829"/>
-            </a:xfrm>
-            <a:prstGeom prst="straightConnector1">
-              <a:avLst/>
-            </a:prstGeom>
-            <a:ln w="28575">
-              <a:solidFill>
-                <a:schemeClr val="tx1">
-                  <a:lumMod val="50000"/>
-                  <a:lumOff val="50000"/>
-                </a:schemeClr>
-              </a:solidFill>
-              <a:tailEnd type="triangle"/>
-            </a:ln>
-          </p:spPr>
-          <p:style>
-            <a:lnRef idx="1">
-              <a:schemeClr val="accent1"/>
-            </a:lnRef>
-            <a:fillRef idx="0">
-              <a:schemeClr val="accent1"/>
-            </a:fillRef>
-            <a:effectRef idx="0">
-              <a:schemeClr val="accent1"/>
-            </a:effectRef>
-            <a:fontRef idx="minor">
-              <a:schemeClr val="tx1"/>
-            </a:fontRef>
-          </p:style>
-        </p:cxnSp>
-        <p:cxnSp>
-          <p:nvCxnSpPr>
-            <p:cNvPr id="50" name="Straight Arrow Connector 49">
-              <a:extLst>
-                <a:ext uri="{FF2B5EF4-FFF2-40B4-BE49-F238E27FC236}">
-                  <a16:creationId xmlns:a16="http://schemas.microsoft.com/office/drawing/2014/main" id="{640CA444-792D-4B91-ABB8-1C844CB527EB}"/>
-                </a:ext>
-              </a:extLst>
-            </p:cNvPr>
-            <p:cNvCxnSpPr>
-              <a:endCxn id="39" idx="0"/>
-            </p:cNvCxnSpPr>
-            <p:nvPr/>
-          </p:nvCxnSpPr>
-          <p:spPr>
-            <a:xfrm>
-              <a:off x="7010399" y="1607118"/>
-              <a:ext cx="0" cy="461829"/>
-            </a:xfrm>
-            <a:prstGeom prst="straightConnector1">
-              <a:avLst/>
-            </a:prstGeom>
-            <a:ln w="28575">
-              <a:solidFill>
-                <a:schemeClr val="tx1">
-                  <a:lumMod val="50000"/>
-                  <a:lumOff val="50000"/>
-                </a:schemeClr>
-              </a:solidFill>
-              <a:tailEnd type="triangle"/>
-            </a:ln>
-          </p:spPr>
-          <p:style>
-            <a:lnRef idx="1">
-              <a:schemeClr val="accent1"/>
-            </a:lnRef>
-            <a:fillRef idx="0">
-              <a:schemeClr val="accent1"/>
-            </a:fillRef>
-            <a:effectRef idx="0">
-              <a:schemeClr val="accent1"/>
-            </a:effectRef>
-            <a:fontRef idx="minor">
-              <a:schemeClr val="tx1"/>
-            </a:fontRef>
-          </p:style>
-        </p:cxnSp>
-        <p:cxnSp>
-          <p:nvCxnSpPr>
-            <p:cNvPr id="52" name="Straight Connector 51">
-              <a:extLst>
-                <a:ext uri="{FF2B5EF4-FFF2-40B4-BE49-F238E27FC236}">
-                  <a16:creationId xmlns:a16="http://schemas.microsoft.com/office/drawing/2014/main" id="{268AEE10-D5B5-4D3B-B9D2-3F2E9CE93FAE}"/>
-                </a:ext>
-              </a:extLst>
-            </p:cNvPr>
-            <p:cNvCxnSpPr/>
-            <p:nvPr/>
-          </p:nvCxnSpPr>
-          <p:spPr>
-            <a:xfrm>
-              <a:off x="4249780" y="2068946"/>
-              <a:ext cx="0" cy="1059190"/>
-            </a:xfrm>
-            <a:prstGeom prst="line">
-              <a:avLst/>
-            </a:prstGeom>
-            <a:ln w="19050">
-              <a:solidFill>
-                <a:schemeClr val="bg1"/>
-              </a:solidFill>
-            </a:ln>
-          </p:spPr>
-          <p:style>
-            <a:lnRef idx="1">
-              <a:schemeClr val="accent1"/>
-            </a:lnRef>
-            <a:fillRef idx="0">
-              <a:schemeClr val="accent1"/>
-            </a:fillRef>
-            <a:effectRef idx="0">
-              <a:schemeClr val="accent1"/>
-            </a:effectRef>
-            <a:fontRef idx="minor">
-              <a:schemeClr val="tx1"/>
-            </a:fontRef>
-          </p:style>
-        </p:cxnSp>
-        <p:cxnSp>
-          <p:nvCxnSpPr>
-            <p:cNvPr id="53" name="Straight Connector 52">
-              <a:extLst>
-                <a:ext uri="{FF2B5EF4-FFF2-40B4-BE49-F238E27FC236}">
-                  <a16:creationId xmlns:a16="http://schemas.microsoft.com/office/drawing/2014/main" id="{03DC08F9-5E89-4BF0-85A4-D297820B9F17}"/>
-                </a:ext>
-              </a:extLst>
-            </p:cNvPr>
-            <p:cNvCxnSpPr/>
-            <p:nvPr/>
-          </p:nvCxnSpPr>
-          <p:spPr>
-            <a:xfrm>
-              <a:off x="7948945" y="2068946"/>
-              <a:ext cx="0" cy="1059190"/>
-            </a:xfrm>
-            <a:prstGeom prst="line">
-              <a:avLst/>
-            </a:prstGeom>
-            <a:ln w="19050">
-              <a:solidFill>
-                <a:schemeClr val="bg1"/>
-              </a:solidFill>
-            </a:ln>
-          </p:spPr>
-          <p:style>
-            <a:lnRef idx="1">
-              <a:schemeClr val="accent1"/>
-            </a:lnRef>
-            <a:fillRef idx="0">
-              <a:schemeClr val="accent1"/>
-            </a:fillRef>
-            <a:effectRef idx="0">
-              <a:schemeClr val="accent1"/>
-            </a:effectRef>
-            <a:fontRef idx="minor">
-              <a:schemeClr val="tx1"/>
-            </a:fontRef>
-          </p:style>
-        </p:cxnSp>
-        <p:cxnSp>
-          <p:nvCxnSpPr>
-            <p:cNvPr id="54" name="Straight Connector 53">
-              <a:extLst>
-                <a:ext uri="{FF2B5EF4-FFF2-40B4-BE49-F238E27FC236}">
-                  <a16:creationId xmlns:a16="http://schemas.microsoft.com/office/drawing/2014/main" id="{1758A126-8085-4799-92C3-E2B5E9947ACF}"/>
-                </a:ext>
-              </a:extLst>
-            </p:cNvPr>
-            <p:cNvCxnSpPr/>
-            <p:nvPr/>
-          </p:nvCxnSpPr>
-          <p:spPr>
-            <a:xfrm>
-              <a:off x="6096527" y="2068946"/>
-              <a:ext cx="0" cy="1059190"/>
-            </a:xfrm>
-            <a:prstGeom prst="line">
-              <a:avLst/>
-            </a:prstGeom>
-            <a:ln w="19050">
-              <a:solidFill>
-                <a:schemeClr val="bg1"/>
-              </a:solidFill>
-            </a:ln>
-          </p:spPr>
-          <p:style>
-            <a:lnRef idx="1">
-              <a:schemeClr val="accent1"/>
-            </a:lnRef>
-            <a:fillRef idx="0">
-              <a:schemeClr val="accent1"/>
-            </a:fillRef>
-            <a:effectRef idx="0">
-              <a:schemeClr val="accent1"/>
-            </a:effectRef>
-            <a:fontRef idx="minor">
-              <a:schemeClr val="tx1"/>
-            </a:fontRef>
-          </p:style>
-        </p:cxnSp>
-        <p:sp>
-          <p:nvSpPr>
-            <p:cNvPr id="55" name="TextBox 54">
-              <a:extLst>
-                <a:ext uri="{FF2B5EF4-FFF2-40B4-BE49-F238E27FC236}">
-                  <a16:creationId xmlns:a16="http://schemas.microsoft.com/office/drawing/2014/main" id="{539C56BB-D45C-48AF-8420-AFAC1854082C}"/>
-                </a:ext>
-              </a:extLst>
-            </p:cNvPr>
-            <p:cNvSpPr txBox="1"/>
-            <p:nvPr/>
-          </p:nvSpPr>
-          <p:spPr>
-            <a:xfrm>
-              <a:off x="6134575" y="4892953"/>
-              <a:ext cx="1798935" cy="646331"/>
-            </a:xfrm>
-            <a:prstGeom prst="rect">
-              <a:avLst/>
-            </a:prstGeom>
-            <a:noFill/>
-          </p:spPr>
-          <p:txBody>
-            <a:bodyPr wrap="square" rtlCol="1">
-              <a:spAutoFit/>
-            </a:bodyPr>
-            <a:lstStyle/>
-            <a:p>
-              <a:pPr algn="ctr" rtl="1"/>
-              <a:r>
-                <a:rPr lang="ar-sa" sz="1200" dirty="0">
-                  <a:rtl/>
-                </a:rPr>
-                <a:t>سيقوم عامل تصفية وقت التشغيل على </a:t>
-              </a:r>
-              <a:r>
-                <a:rPr lang="ar-sa" sz="1200" dirty="0">
-                  <a:rtl val="0"/>
-                </a:rPr>
-                <a:t>B</a:t>
-              </a:r>
-              <a:r>
-                <a:rPr lang="ar-sa" sz="1200" dirty="0">
-                  <a:rtl/>
-                </a:rPr>
-                <a:t> بإرجاع النتائج مع </a:t>
-              </a:r>
-              <a:r>
-                <a:rPr lang="ar-sa" sz="1200" dirty="0">
-                  <a:rtl val="0"/>
-                </a:rPr>
-                <a:t>A</a:t>
-              </a:r>
-              <a:r>
-                <a:rPr lang="ar-sa" sz="1200" dirty="0">
-                  <a:rtl/>
-                </a:rPr>
-                <a:t> لأنه في عامل تصفية الخطة</a:t>
-              </a:r>
-            </a:p>
-          </p:txBody>
-        </p:sp>
-        <p:sp>
-          <p:nvSpPr>
-            <p:cNvPr id="56" name="TextBox 55">
-              <a:extLst>
-                <a:ext uri="{FF2B5EF4-FFF2-40B4-BE49-F238E27FC236}">
-                  <a16:creationId xmlns:a16="http://schemas.microsoft.com/office/drawing/2014/main" id="{A81DF2A6-5485-4F62-A4DC-EFA706D8392D}"/>
-                </a:ext>
-              </a:extLst>
-            </p:cNvPr>
-            <p:cNvSpPr txBox="1"/>
-            <p:nvPr/>
-          </p:nvSpPr>
-          <p:spPr>
-            <a:xfrm>
-              <a:off x="7933510" y="4892953"/>
-              <a:ext cx="2004819" cy="646331"/>
-            </a:xfrm>
-            <a:prstGeom prst="rect">
-              <a:avLst/>
-            </a:prstGeom>
-            <a:noFill/>
-          </p:spPr>
-          <p:txBody>
-            <a:bodyPr wrap="square" rtlCol="1">
-              <a:spAutoFit/>
-            </a:bodyPr>
-            <a:lstStyle/>
-            <a:p>
-              <a:pPr algn="ctr" rtl="1"/>
-              <a:r>
-                <a:rPr lang="ar-sa" sz="1200" dirty="0">
-                  <a:rtl/>
-                </a:rPr>
-                <a:t>تتم الكتابة فوق "</a:t>
-              </a:r>
-              <a:r>
-                <a:rPr lang="ar-sa" sz="1200" dirty="0">
-                  <a:rtl val="0"/>
-                </a:rPr>
-                <a:t>A</a:t>
-              </a:r>
-              <a:r>
-                <a:rPr lang="ar-sa" sz="1200" dirty="0">
-                  <a:rtl/>
-                </a:rPr>
-                <a:t>" و"</a:t>
-              </a:r>
-              <a:r>
-                <a:rPr lang="ar-sa" sz="1200" dirty="0">
-                  <a:rtl val="0"/>
-                </a:rPr>
-                <a:t>B</a:t>
-              </a:r>
-              <a:r>
-                <a:rPr lang="ar-sa" sz="1200" dirty="0">
-                  <a:rtl/>
-                </a:rPr>
-                <a:t>" حيث تم تشغيلهما بالقيمة المحسوبة في التشغيل السابق</a:t>
-              </a:r>
-            </a:p>
-          </p:txBody>
-        </p:sp>
-        <p:sp>
-          <p:nvSpPr>
-            <p:cNvPr id="57" name="TextBox 56">
-              <a:extLst>
-                <a:ext uri="{FF2B5EF4-FFF2-40B4-BE49-F238E27FC236}">
-                  <a16:creationId xmlns:a16="http://schemas.microsoft.com/office/drawing/2014/main" id="{90BE4222-1058-4961-BC67-FD12CF27F08C}"/>
-                </a:ext>
-              </a:extLst>
-            </p:cNvPr>
-            <p:cNvSpPr txBox="1"/>
-            <p:nvPr/>
-          </p:nvSpPr>
-          <p:spPr>
-            <a:xfrm>
-              <a:off x="2388209" y="4892953"/>
-              <a:ext cx="1798935" cy="646331"/>
-            </a:xfrm>
-            <a:prstGeom prst="rect">
-              <a:avLst/>
-            </a:prstGeom>
-            <a:noFill/>
-          </p:spPr>
-          <p:txBody>
-            <a:bodyPr wrap="square" rtlCol="1">
-              <a:spAutoFit/>
-            </a:bodyPr>
-            <a:lstStyle/>
-            <a:p>
-              <a:pPr algn="ctr" rtl="1"/>
-              <a:r>
-                <a:rPr lang="ar-sa" sz="1200" dirty="0">
-                  <a:rtl/>
-                </a:rPr>
-                <a:t>لا يقوم عامل تصفية وقت التشغيل على </a:t>
-              </a:r>
-              <a:r>
-                <a:rPr lang="ar-sa" sz="1200" dirty="0">
-                  <a:rtl val="0"/>
-                </a:rPr>
-                <a:t>D</a:t>
-              </a:r>
-              <a:r>
-                <a:rPr lang="ar-sa" sz="1200" dirty="0">
-                  <a:rtl/>
-                </a:rPr>
-                <a:t> بإرجاع نتائج نظرًا لأن </a:t>
-              </a:r>
-              <a:r>
-                <a:rPr lang="ar-sa" sz="1200" dirty="0">
-                  <a:rtl val="0"/>
-                </a:rPr>
-                <a:t>D</a:t>
-              </a:r>
-              <a:r>
-                <a:rPr lang="ar-sa" sz="1200" dirty="0">
-                  <a:rtl/>
-                </a:rPr>
-                <a:t> ليس في عامل تصفية الخطة</a:t>
-              </a:r>
-            </a:p>
-          </p:txBody>
-        </p:sp>
-        <p:sp>
-          <p:nvSpPr>
-            <p:cNvPr id="42" name="TextBox 41">
-              <a:extLst>
-                <a:ext uri="{FF2B5EF4-FFF2-40B4-BE49-F238E27FC236}">
-                  <a16:creationId xmlns:a16="http://schemas.microsoft.com/office/drawing/2014/main" id="{AB521273-0F10-4FED-92B0-B02C563D0F9F}"/>
-                </a:ext>
-              </a:extLst>
-            </p:cNvPr>
-            <p:cNvSpPr txBox="1"/>
-            <p:nvPr/>
-          </p:nvSpPr>
-          <p:spPr>
-            <a:xfrm>
-              <a:off x="4258491" y="4884233"/>
-              <a:ext cx="1798935" cy="646331"/>
-            </a:xfrm>
-            <a:prstGeom prst="rect">
-              <a:avLst/>
-            </a:prstGeom>
-            <a:noFill/>
-          </p:spPr>
-          <p:txBody>
-            <a:bodyPr wrap="square" rtlCol="1">
-              <a:spAutoFit/>
-            </a:bodyPr>
-            <a:lstStyle/>
-            <a:p>
-              <a:pPr algn="ctr" rtl="1"/>
-              <a:r>
-                <a:rPr lang="ar-sa" sz="1200" dirty="0">
-                  <a:rtl/>
-                </a:rPr>
-                <a:t>يقوم عامل تصفية وقت التشغيل في </a:t>
-              </a:r>
-              <a:r>
-                <a:rPr lang="ar-sa" sz="1200" dirty="0">
-                  <a:rtl val="0"/>
-                </a:rPr>
-                <a:t>A</a:t>
-              </a:r>
-              <a:r>
-                <a:rPr lang="ar-sa" sz="1200" dirty="0">
-                  <a:rtl/>
-                </a:rPr>
-                <a:t> و</a:t>
-              </a:r>
-              <a:r>
-                <a:rPr lang="ar-sa" sz="1200" dirty="0">
-                  <a:rtl val="0"/>
-                </a:rPr>
-                <a:t>D</a:t>
-              </a:r>
-              <a:r>
-                <a:rPr lang="ar-sa" sz="1200" dirty="0">
-                  <a:rtl/>
-                </a:rPr>
-                <a:t> بإرجاع </a:t>
-              </a:r>
-              <a:r>
-                <a:rPr lang="ar-sa" sz="1200" dirty="0">
-                  <a:rtl val="0"/>
-                </a:rPr>
-                <a:t>A</a:t>
-              </a:r>
-              <a:r>
-                <a:rPr lang="ar-sa" sz="1200" dirty="0">
-                  <a:rtl/>
-                </a:rPr>
-                <a:t> فقط لأن عامل تصفية الخطة لم يتضمن </a:t>
-              </a:r>
-              <a:r>
-                <a:rPr lang="ar-sa" sz="1200" dirty="0">
-                  <a:rtl val="0"/>
-                </a:rPr>
-                <a:t>D</a:t>
-              </a:r>
-            </a:p>
-          </p:txBody>
-        </p:sp>
-        <p:sp>
-          <p:nvSpPr>
-            <p:cNvPr id="44" name="Rectangle 43">
-              <a:extLst>
-                <a:ext uri="{FF2B5EF4-FFF2-40B4-BE49-F238E27FC236}">
-                  <a16:creationId xmlns:a16="http://schemas.microsoft.com/office/drawing/2014/main" id="{B65EF652-3D19-4F62-8FD7-38DD35AC93FC}"/>
-                </a:ext>
-              </a:extLst>
-            </p:cNvPr>
-            <p:cNvSpPr/>
-            <p:nvPr/>
-          </p:nvSpPr>
-          <p:spPr>
-            <a:xfrm>
-              <a:off x="65453" y="2524105"/>
-              <a:ext cx="1500318" cy="548640"/>
-            </a:xfrm>
-            <a:prstGeom prst="rect">
-              <a:avLst/>
-            </a:prstGeom>
-          </p:spPr>
-          <p:style>
-            <a:lnRef idx="2">
-              <a:schemeClr val="accent1">
-                <a:shade val="50000"/>
-              </a:schemeClr>
-            </a:lnRef>
-            <a:fillRef idx="1">
-              <a:schemeClr val="accent1"/>
-            </a:fillRef>
-            <a:effectRef idx="0">
-              <a:schemeClr val="accent1"/>
-            </a:effectRef>
-            <a:fontRef idx="minor">
-              <a:schemeClr val="lt1"/>
-            </a:fontRef>
-          </p:style>
-          <p:txBody>
-            <a:bodyPr rtlCol="1" anchor="ctr"/>
-            <a:lstStyle/>
-            <a:p>
-              <a:pPr algn="ctr" rtl="1"/>
-              <a:r>
-                <a:rPr lang="ar-sa" sz="2000" dirty="0">
-                  <a:latin typeface="Arial" panose="020B0604020202020204" pitchFamily="34" charset="0"/>
-                  <a:rtl/>
-                </a:rPr>
-                <a:t>عامل تصفية وقت التشغيل</a:t>
-              </a:r>
-            </a:p>
-          </p:txBody>
-        </p:sp>
-        <p:sp>
-          <p:nvSpPr>
-            <p:cNvPr id="8" name="Arrow: Right 7">
-              <a:extLst>
-                <a:ext uri="{FF2B5EF4-FFF2-40B4-BE49-F238E27FC236}">
-                  <a16:creationId xmlns:a16="http://schemas.microsoft.com/office/drawing/2014/main" id="{AA708D12-7BB9-4376-AB72-57342D836E49}"/>
-                </a:ext>
-              </a:extLst>
-            </p:cNvPr>
-            <p:cNvSpPr/>
-            <p:nvPr/>
-          </p:nvSpPr>
-          <p:spPr>
-            <a:xfrm>
-              <a:off x="1714500" y="2717222"/>
-              <a:ext cx="585889" cy="254578"/>
-            </a:xfrm>
-            <a:prstGeom prst="rightArrow">
-              <a:avLst/>
-            </a:prstGeom>
-          </p:spPr>
-          <p:style>
-            <a:lnRef idx="2">
-              <a:schemeClr val="accent1">
-                <a:shade val="50000"/>
-              </a:schemeClr>
-            </a:lnRef>
-            <a:fillRef idx="1">
-              <a:schemeClr val="accent1"/>
-            </a:fillRef>
-            <a:effectRef idx="0">
-              <a:schemeClr val="accent1"/>
-            </a:effectRef>
-            <a:fontRef idx="minor">
-              <a:schemeClr val="lt1"/>
-            </a:fontRef>
-          </p:style>
-          <p:txBody>
-            <a:bodyPr rtlCol="1" anchor="ctr"/>
-            <a:lstStyle/>
-            <a:p>
-              <a:pPr algn="ctr" rtl="1"/>
-              <a:endParaRPr lang="en-US"/>
-            </a:p>
-          </p:txBody>
-        </p:sp>
-      </p:grpSp>
+            </a:solidFill>
+            <a:tailEnd type="triangle"/>
+          </a:ln>
+        </p:spPr>
+        <p:style>
+          <a:lnRef idx="1">
+            <a:schemeClr val="accent1"/>
+          </a:lnRef>
+          <a:fillRef idx="0">
+            <a:schemeClr val="accent1"/>
+          </a:fillRef>
+          <a:effectRef idx="0">
+            <a:schemeClr val="accent1"/>
+          </a:effectRef>
+          <a:fontRef idx="minor">
+            <a:schemeClr val="tx1"/>
+          </a:fontRef>
+        </p:style>
+      </p:cxnSp>
+      <p:cxnSp>
+        <p:nvCxnSpPr>
+          <p:cNvPr id="52" name="Straight Connector 51">
+            <a:extLst>
+              <a:ext uri="{FF2B5EF4-FFF2-40B4-BE49-F238E27FC236}">
+                <a16:creationId xmlns:a16="http://schemas.microsoft.com/office/drawing/2014/main" id="{268AEE10-D5B5-4D3B-B9D2-3F2E9CE93FAE}"/>
+              </a:ext>
+            </a:extLst>
+          </p:cNvPr>
+          <p:cNvCxnSpPr/>
+          <p:nvPr/>
+        </p:nvCxnSpPr>
+        <p:spPr>
+          <a:xfrm>
+            <a:off x="4249780" y="2068946"/>
+            <a:ext cx="0" cy="1059190"/>
+          </a:xfrm>
+          <a:prstGeom prst="line">
+            <a:avLst/>
+          </a:prstGeom>
+          <a:ln w="19050">
+            <a:solidFill>
+              <a:schemeClr val="bg1"/>
+            </a:solidFill>
+          </a:ln>
+        </p:spPr>
+        <p:style>
+          <a:lnRef idx="1">
+            <a:schemeClr val="accent1"/>
+          </a:lnRef>
+          <a:fillRef idx="0">
+            <a:schemeClr val="accent1"/>
+          </a:fillRef>
+          <a:effectRef idx="0">
+            <a:schemeClr val="accent1"/>
+          </a:effectRef>
+          <a:fontRef idx="minor">
+            <a:schemeClr val="tx1"/>
+          </a:fontRef>
+        </p:style>
+      </p:cxnSp>
+      <p:cxnSp>
+        <p:nvCxnSpPr>
+          <p:cNvPr id="53" name="Straight Connector 52">
+            <a:extLst>
+              <a:ext uri="{FF2B5EF4-FFF2-40B4-BE49-F238E27FC236}">
+                <a16:creationId xmlns:a16="http://schemas.microsoft.com/office/drawing/2014/main" id="{03DC08F9-5E89-4BF0-85A4-D297820B9F17}"/>
+              </a:ext>
+            </a:extLst>
+          </p:cNvPr>
+          <p:cNvCxnSpPr/>
+          <p:nvPr/>
+        </p:nvCxnSpPr>
+        <p:spPr>
+          <a:xfrm>
+            <a:off x="7948945" y="2068946"/>
+            <a:ext cx="0" cy="1059190"/>
+          </a:xfrm>
+          <a:prstGeom prst="line">
+            <a:avLst/>
+          </a:prstGeom>
+          <a:ln w="19050">
+            <a:solidFill>
+              <a:schemeClr val="bg1"/>
+            </a:solidFill>
+          </a:ln>
+        </p:spPr>
+        <p:style>
+          <a:lnRef idx="1">
+            <a:schemeClr val="accent1"/>
+          </a:lnRef>
+          <a:fillRef idx="0">
+            <a:schemeClr val="accent1"/>
+          </a:fillRef>
+          <a:effectRef idx="0">
+            <a:schemeClr val="accent1"/>
+          </a:effectRef>
+          <a:fontRef idx="minor">
+            <a:schemeClr val="tx1"/>
+          </a:fontRef>
+        </p:style>
+      </p:cxnSp>
+      <p:cxnSp>
+        <p:nvCxnSpPr>
+          <p:cNvPr id="54" name="Straight Connector 53">
+            <a:extLst>
+              <a:ext uri="{FF2B5EF4-FFF2-40B4-BE49-F238E27FC236}">
+                <a16:creationId xmlns:a16="http://schemas.microsoft.com/office/drawing/2014/main" id="{1758A126-8085-4799-92C3-E2B5E9947ACF}"/>
+              </a:ext>
+            </a:extLst>
+          </p:cNvPr>
+          <p:cNvCxnSpPr/>
+          <p:nvPr/>
+        </p:nvCxnSpPr>
+        <p:spPr>
+          <a:xfrm>
+            <a:off x="6096527" y="2068946"/>
+            <a:ext cx="0" cy="1059190"/>
+          </a:xfrm>
+          <a:prstGeom prst="line">
+            <a:avLst/>
+          </a:prstGeom>
+          <a:ln w="19050">
+            <a:solidFill>
+              <a:schemeClr val="bg1"/>
+            </a:solidFill>
+          </a:ln>
+        </p:spPr>
+        <p:style>
+          <a:lnRef idx="1">
+            <a:schemeClr val="accent1"/>
+          </a:lnRef>
+          <a:fillRef idx="0">
+            <a:schemeClr val="accent1"/>
+          </a:fillRef>
+          <a:effectRef idx="0">
+            <a:schemeClr val="accent1"/>
+          </a:effectRef>
+          <a:fontRef idx="minor">
+            <a:schemeClr val="tx1"/>
+          </a:fontRef>
+        </p:style>
+      </p:cxnSp>
+      <p:sp>
+        <p:nvSpPr>
+          <p:cNvPr id="55" name="TextBox 54">
+            <a:extLst>
+              <a:ext uri="{FF2B5EF4-FFF2-40B4-BE49-F238E27FC236}">
+                <a16:creationId xmlns:a16="http://schemas.microsoft.com/office/drawing/2014/main" id="{539C56BB-D45C-48AF-8420-AFAC1854082C}"/>
+              </a:ext>
+            </a:extLst>
+          </p:cNvPr>
+          <p:cNvSpPr txBox="1"/>
+          <p:nvPr/>
+        </p:nvSpPr>
+        <p:spPr>
+          <a:xfrm>
+            <a:off x="6134575" y="4892953"/>
+            <a:ext cx="1798935" cy="646331"/>
+          </a:xfrm>
+          <a:prstGeom prst="rect">
+            <a:avLst/>
+          </a:prstGeom>
+          <a:noFill/>
+        </p:spPr>
+        <p:txBody>
+          <a:bodyPr wrap="square" rtlCol="0">
+            <a:spAutoFit/>
+          </a:bodyPr>
+          <a:lstStyle/>
+          <a:p>
+            <a:pPr algn="ctr"/>
+            <a:r>
+              <a:rPr lang="en-US" sz="1200" dirty="0"/>
+              <a:t>Runtime filter on B will return results with A since it is on plan filter</a:t>
+            </a:r>
+          </a:p>
+        </p:txBody>
+      </p:sp>
+      <p:sp>
+        <p:nvSpPr>
+          <p:cNvPr id="56" name="TextBox 55">
+            <a:extLst>
+              <a:ext uri="{FF2B5EF4-FFF2-40B4-BE49-F238E27FC236}">
+                <a16:creationId xmlns:a16="http://schemas.microsoft.com/office/drawing/2014/main" id="{A81DF2A6-5485-4F62-A4DC-EFA706D8392D}"/>
+              </a:ext>
+            </a:extLst>
+          </p:cNvPr>
+          <p:cNvSpPr txBox="1"/>
+          <p:nvPr/>
+        </p:nvSpPr>
+        <p:spPr>
+          <a:xfrm>
+            <a:off x="7933510" y="4892953"/>
+            <a:ext cx="2004819" cy="646331"/>
+          </a:xfrm>
+          <a:prstGeom prst="rect">
+            <a:avLst/>
+          </a:prstGeom>
+          <a:noFill/>
+        </p:spPr>
+        <p:txBody>
+          <a:bodyPr wrap="square" rtlCol="0">
+            <a:spAutoFit/>
+          </a:bodyPr>
+          <a:lstStyle/>
+          <a:p>
+            <a:pPr algn="ctr"/>
+            <a:r>
+              <a:rPr lang="en-US" sz="1200" dirty="0"/>
+              <a:t>A and B are overwritten since they were run in calculated in the previous run</a:t>
+            </a:r>
+          </a:p>
+        </p:txBody>
+      </p:sp>
+      <p:sp>
+        <p:nvSpPr>
+          <p:cNvPr id="57" name="TextBox 56">
+            <a:extLst>
+              <a:ext uri="{FF2B5EF4-FFF2-40B4-BE49-F238E27FC236}">
+                <a16:creationId xmlns:a16="http://schemas.microsoft.com/office/drawing/2014/main" id="{90BE4222-1058-4961-BC67-FD12CF27F08C}"/>
+              </a:ext>
+            </a:extLst>
+          </p:cNvPr>
+          <p:cNvSpPr txBox="1"/>
+          <p:nvPr/>
+        </p:nvSpPr>
+        <p:spPr>
+          <a:xfrm>
+            <a:off x="2388209" y="4892953"/>
+            <a:ext cx="1798935" cy="646331"/>
+          </a:xfrm>
+          <a:prstGeom prst="rect">
+            <a:avLst/>
+          </a:prstGeom>
+          <a:noFill/>
+        </p:spPr>
+        <p:txBody>
+          <a:bodyPr wrap="square" rtlCol="0">
+            <a:spAutoFit/>
+          </a:bodyPr>
+          <a:lstStyle/>
+          <a:p>
+            <a:pPr algn="ctr"/>
+            <a:r>
+              <a:rPr lang="en-US" sz="1200" dirty="0"/>
+              <a:t>Runtime filter on D does not return results since D not in plan filter</a:t>
+            </a:r>
+          </a:p>
+        </p:txBody>
+      </p:sp>
+      <p:sp>
+        <p:nvSpPr>
+          <p:cNvPr id="42" name="TextBox 41">
+            <a:extLst>
+              <a:ext uri="{FF2B5EF4-FFF2-40B4-BE49-F238E27FC236}">
+                <a16:creationId xmlns:a16="http://schemas.microsoft.com/office/drawing/2014/main" id="{AB521273-0F10-4FED-92B0-B02C563D0F9F}"/>
+              </a:ext>
+            </a:extLst>
+          </p:cNvPr>
+          <p:cNvSpPr txBox="1"/>
+          <p:nvPr/>
+        </p:nvSpPr>
+        <p:spPr>
+          <a:xfrm>
+            <a:off x="4258491" y="4884233"/>
+            <a:ext cx="1798935" cy="646331"/>
+          </a:xfrm>
+          <a:prstGeom prst="rect">
+            <a:avLst/>
+          </a:prstGeom>
+          <a:noFill/>
+        </p:spPr>
+        <p:txBody>
+          <a:bodyPr wrap="square" rtlCol="0">
+            <a:spAutoFit/>
+          </a:bodyPr>
+          <a:lstStyle/>
+          <a:p>
+            <a:pPr algn="ctr"/>
+            <a:r>
+              <a:rPr lang="en-US" sz="1200" dirty="0"/>
+              <a:t>Runtime filter on A and D only returns A since plan filter did not include D</a:t>
+            </a:r>
+          </a:p>
+        </p:txBody>
+      </p:sp>
+      <p:sp>
+        <p:nvSpPr>
+          <p:cNvPr id="44" name="Rectangle 43">
+            <a:extLst>
+              <a:ext uri="{FF2B5EF4-FFF2-40B4-BE49-F238E27FC236}">
+                <a16:creationId xmlns:a16="http://schemas.microsoft.com/office/drawing/2014/main" id="{B65EF652-3D19-4F62-8FD7-38DD35AC93FC}"/>
+              </a:ext>
+            </a:extLst>
+          </p:cNvPr>
+          <p:cNvSpPr/>
+          <p:nvPr/>
+        </p:nvSpPr>
+        <p:spPr>
+          <a:xfrm>
+            <a:off x="65453" y="2524105"/>
+            <a:ext cx="1500318" cy="548640"/>
+          </a:xfrm>
+          <a:prstGeom prst="rect">
+            <a:avLst/>
+          </a:prstGeom>
+        </p:spPr>
+        <p:style>
+          <a:lnRef idx="2">
+            <a:schemeClr val="accent1">
+              <a:shade val="50000"/>
+            </a:schemeClr>
+          </a:lnRef>
+          <a:fillRef idx="1">
+            <a:schemeClr val="accent1"/>
+          </a:fillRef>
+          <a:effectRef idx="0">
+            <a:schemeClr val="accent1"/>
+          </a:effectRef>
+          <a:fontRef idx="minor">
+            <a:schemeClr val="lt1"/>
+          </a:fontRef>
+        </p:style>
+        <p:txBody>
+          <a:bodyPr rtlCol="0" anchor="ctr"/>
+          <a:lstStyle/>
+          <a:p>
+            <a:pPr algn="ctr"/>
+            <a:r>
+              <a:rPr lang="en-US" sz="2000" dirty="0">
+                <a:latin typeface="Arial" panose="020B0604020202020204" pitchFamily="34" charset="0"/>
+                <a:cs typeface="Arial" panose="020B0604020202020204" pitchFamily="34" charset="0"/>
+              </a:rPr>
+              <a:t>Runtime filter</a:t>
+            </a:r>
+          </a:p>
+        </p:txBody>
+      </p:sp>
+      <p:sp>
+        <p:nvSpPr>
+          <p:cNvPr id="8" name="Arrow: Right 7">
+            <a:extLst>
+              <a:ext uri="{FF2B5EF4-FFF2-40B4-BE49-F238E27FC236}">
+                <a16:creationId xmlns:a16="http://schemas.microsoft.com/office/drawing/2014/main" id="{AA708D12-7BB9-4376-AB72-57342D836E49}"/>
+              </a:ext>
+            </a:extLst>
+          </p:cNvPr>
+          <p:cNvSpPr/>
+          <p:nvPr/>
+        </p:nvSpPr>
+        <p:spPr>
+          <a:xfrm>
+            <a:off x="1714500" y="2717222"/>
+            <a:ext cx="585889" cy="254578"/>
+          </a:xfrm>
+          <a:prstGeom prst="rightArrow">
+            <a:avLst/>
+          </a:prstGeom>
+        </p:spPr>
+        <p:style>
+          <a:lnRef idx="2">
+            <a:schemeClr val="accent1">
+              <a:shade val="50000"/>
+            </a:schemeClr>
+          </a:lnRef>
+          <a:fillRef idx="1">
+            <a:schemeClr val="accent1"/>
+          </a:fillRef>
+          <a:effectRef idx="0">
+            <a:schemeClr val="accent1"/>
+          </a:effectRef>
+          <a:fontRef idx="minor">
+            <a:schemeClr val="lt1"/>
+          </a:fontRef>
+        </p:style>
+        <p:txBody>
+          <a:bodyPr rtlCol="0" anchor="ctr"/>
+          <a:lstStyle/>
+          <a:p>
+            <a:pPr algn="ctr"/>
+            <a:endParaRPr lang="en-US"/>
+          </a:p>
+        </p:txBody>
+      </p:sp>
     </p:spTree>
     <p:extLst>
       <p:ext uri="{BB962C8B-B14F-4D97-AF65-F5344CB8AC3E}">
@@ -6889,7 +9594,7 @@
 </file>
 
 <file path=ppt/slides/slide3.xml><?xml version="1.0" encoding="utf-8"?>
-<p:sld xmlns:a="http://schemas.openxmlformats.org/drawingml/2006/main" xmlns:r="http://schemas.openxmlformats.org/officeDocument/2006/relationships" xmlns:p="http://schemas.openxmlformats.org/presentationml/2006/main">
+<p:sld xmlns:a="http://schemas.openxmlformats.org/drawingml/2006/main" xmlns:r="http://schemas.openxmlformats.org/officeDocument/2006/relationships" xmlns:p="http://schemas.openxmlformats.org/presentationml/2006/main" show="0">
   <p:cSld>
     <p:spTree>
       <p:nvGrpSpPr>
@@ -6918,7 +9623,7 @@
           <p:nvPr/>
         </p:nvGrpSpPr>
         <p:grpSpPr>
-          <a:xfrm flipH="1">
+          <a:xfrm>
             <a:off x="387916" y="1435211"/>
             <a:ext cx="11323318" cy="3355035"/>
             <a:chOff x="120067" y="502339"/>
@@ -7039,12 +9744,12 @@
             </a:fontRef>
           </p:style>
           <p:txBody>
-            <a:bodyPr spcFirstLastPara="0" vert="horz" wrap="square" lIns="221318" tIns="221318" rIns="221318" bIns="221318" numCol="1" spcCol="1270" rtlCol="1" anchor="ctr" anchorCtr="0">
+            <a:bodyPr spcFirstLastPara="0" vert="horz" wrap="square" lIns="221318" tIns="221318" rIns="221318" bIns="221318" numCol="1" spcCol="1270" anchor="ctr" anchorCtr="0">
               <a:noAutofit/>
             </a:bodyPr>
             <a:lstStyle/>
             <a:p>
-              <a:pPr marL="228600" lvl="1" indent="-228600" algn="ctr" defTabSz="889000" rtl="1">
+              <a:pPr marL="228600" lvl="1" indent="-228600" algn="ctr" defTabSz="889000">
                 <a:lnSpc>
                   <a:spcPct val="90000"/>
                 </a:lnSpc>
@@ -7057,9 +9762,9 @@
                 <a:buNone/>
               </a:pPr>
               <a:r>
-                <a:rPr lang="ar-EG" sz="2000" b="1" kern="1200">
+                <a:rPr lang="en-US" sz="2000" b="1" kern="1200" dirty="0">
                   <a:latin typeface="Arial" panose="020B0604020202020204" pitchFamily="34" charset="0"/>
-                  <a:rtl val="0"/>
+                  <a:cs typeface="Arial" panose="020B0604020202020204" pitchFamily="34" charset="0"/>
                 </a:rPr>
                 <a:t>1</a:t>
               </a:r>
@@ -7236,12 +9941,12 @@
             </a:fontRef>
           </p:style>
           <p:txBody>
-            <a:bodyPr spcFirstLastPara="0" vert="horz" wrap="square" lIns="102850" tIns="296716" rIns="102850" bIns="296716" numCol="1" spcCol="1270" rtlCol="1" anchor="ctr" anchorCtr="0">
+            <a:bodyPr spcFirstLastPara="0" vert="horz" wrap="square" lIns="102850" tIns="296716" rIns="102850" bIns="296716" numCol="1" spcCol="1270" anchor="ctr" anchorCtr="0">
               <a:noAutofit/>
             </a:bodyPr>
             <a:lstStyle/>
             <a:p>
-              <a:pPr marL="0" lvl="0" indent="0" algn="ctr" defTabSz="577850" rtl="1">
+              <a:pPr marL="0" lvl="0" indent="0" algn="ctr" defTabSz="577850">
                 <a:lnSpc>
                   <a:spcPct val="90000"/>
                 </a:lnSpc>
@@ -7253,7 +9958,7 @@
                 </a:spcAft>
                 <a:buNone/>
               </a:pPr>
-              <a:endParaRPr lang="ar-EG" sz="1300" kern="1200"/>
+              <a:endParaRPr lang="en-US" sz="1300" kern="1200"/>
             </a:p>
           </p:txBody>
         </p:sp>
@@ -7371,12 +10076,12 @@
             </a:fontRef>
           </p:style>
           <p:txBody>
-            <a:bodyPr spcFirstLastPara="0" vert="horz" wrap="square" lIns="221318" tIns="221318" rIns="221318" bIns="221318" numCol="1" spcCol="1270" rtlCol="1" anchor="ctr" anchorCtr="0">
+            <a:bodyPr spcFirstLastPara="0" vert="horz" wrap="square" lIns="221318" tIns="221318" rIns="221318" bIns="221318" numCol="1" spcCol="1270" anchor="ctr" anchorCtr="0">
               <a:noAutofit/>
             </a:bodyPr>
             <a:lstStyle/>
             <a:p>
-              <a:pPr marL="0" lvl="0" indent="0" algn="ctr" defTabSz="533400" rtl="1">
+              <a:pPr marL="0" lvl="0" indent="0" algn="ctr" defTabSz="533400">
                 <a:lnSpc>
                   <a:spcPct val="90000"/>
                 </a:lnSpc>
@@ -7389,14 +10094,15 @@
                 <a:buNone/>
               </a:pPr>
               <a:r>
-                <a:rPr lang="ar-EG" sz="2000" b="1">
+                <a:rPr lang="en-US" sz="2000" b="1" dirty="0">
                   <a:latin typeface="Arial" panose="020B0604020202020204" pitchFamily="34" charset="0"/>
-                  <a:rtl/>
+                  <a:cs typeface="Arial" panose="020B0604020202020204" pitchFamily="34" charset="0"/>
                 </a:rPr>
-                <a:t>لا</a:t>
+                <a:t>No</a:t>
               </a:r>
-              <a:endParaRPr lang="ar-EG" sz="2000" b="1" kern="1200">
+              <a:endParaRPr lang="en-US" sz="2000" b="1" kern="1200" dirty="0">
                 <a:latin typeface="Arial" panose="020B0604020202020204" pitchFamily="34" charset="0"/>
+                <a:cs typeface="Arial" panose="020B0604020202020204" pitchFamily="34" charset="0"/>
               </a:endParaRPr>
             </a:p>
           </p:txBody>
@@ -7571,12 +10277,12 @@
             </a:fontRef>
           </p:style>
           <p:txBody>
-            <a:bodyPr spcFirstLastPara="0" vert="horz" wrap="square" lIns="102850" tIns="296716" rIns="102850" bIns="296716" numCol="1" spcCol="1270" rtlCol="1" anchor="ctr" anchorCtr="0">
+            <a:bodyPr spcFirstLastPara="0" vert="horz" wrap="square" lIns="102850" tIns="296716" rIns="102850" bIns="296716" numCol="1" spcCol="1270" anchor="ctr" anchorCtr="0">
               <a:noAutofit/>
             </a:bodyPr>
             <a:lstStyle/>
             <a:p>
-              <a:pPr marL="0" lvl="0" indent="0" algn="ctr" defTabSz="577850" rtl="1">
+              <a:pPr marL="0" lvl="0" indent="0" algn="ctr" defTabSz="577850">
                 <a:lnSpc>
                   <a:spcPct val="90000"/>
                 </a:lnSpc>
@@ -7588,7 +10294,7 @@
                 </a:spcAft>
                 <a:buNone/>
               </a:pPr>
-              <a:endParaRPr lang="ar-EG" sz="1300" kern="1200"/>
+              <a:endParaRPr lang="en-US" sz="1300" kern="1200"/>
             </a:p>
           </p:txBody>
         </p:sp>
@@ -7706,12 +10412,12 @@
             </a:fontRef>
           </p:style>
           <p:txBody>
-            <a:bodyPr spcFirstLastPara="0" vert="horz" wrap="square" lIns="221318" tIns="221318" rIns="221318" bIns="221318" numCol="1" spcCol="1270" rtlCol="1" anchor="ctr" anchorCtr="0">
+            <a:bodyPr spcFirstLastPara="0" vert="horz" wrap="square" lIns="221318" tIns="221318" rIns="221318" bIns="221318" numCol="1" spcCol="1270" anchor="ctr" anchorCtr="0">
               <a:noAutofit/>
             </a:bodyPr>
             <a:lstStyle/>
             <a:p>
-              <a:pPr marL="228600" lvl="1" indent="-228600" algn="ctr" defTabSz="889000" rtl="1">
+              <a:pPr marL="228600" lvl="1" indent="-228600" algn="ctr" defTabSz="889000">
                 <a:lnSpc>
                   <a:spcPct val="90000"/>
                 </a:lnSpc>
@@ -7724,11 +10430,11 @@
                 <a:buNone/>
               </a:pPr>
               <a:r>
-                <a:rPr lang="ar-EG" sz="2000" b="1" kern="1200">
+                <a:rPr lang="en-US" sz="2000" b="1" kern="1200" dirty="0">
                   <a:latin typeface="Arial" panose="020B0604020202020204" pitchFamily="34" charset="0"/>
-                  <a:rtl/>
+                  <a:cs typeface="Arial" panose="020B0604020202020204" pitchFamily="34" charset="0"/>
                 </a:rPr>
-                <a:t>لا</a:t>
+                <a:t>No</a:t>
               </a:r>
             </a:p>
           </p:txBody>
@@ -7903,12 +10609,12 @@
             </a:fontRef>
           </p:style>
           <p:txBody>
-            <a:bodyPr spcFirstLastPara="0" vert="horz" wrap="square" lIns="102850" tIns="296716" rIns="102850" bIns="296716" numCol="1" spcCol="1270" rtlCol="1" anchor="ctr" anchorCtr="0">
+            <a:bodyPr spcFirstLastPara="0" vert="horz" wrap="square" lIns="102850" tIns="296716" rIns="102850" bIns="296716" numCol="1" spcCol="1270" anchor="ctr" anchorCtr="0">
               <a:noAutofit/>
             </a:bodyPr>
             <a:lstStyle/>
             <a:p>
-              <a:pPr marL="0" lvl="0" indent="0" algn="ctr" defTabSz="577850" rtl="1">
+              <a:pPr marL="0" lvl="0" indent="0" algn="ctr" defTabSz="577850">
                 <a:lnSpc>
                   <a:spcPct val="90000"/>
                 </a:lnSpc>
@@ -7920,7 +10626,7 @@
                 </a:spcAft>
                 <a:buNone/>
               </a:pPr>
-              <a:endParaRPr lang="ar-EG" sz="1300" kern="1200"/>
+              <a:endParaRPr lang="en-US" sz="1300" kern="1200"/>
             </a:p>
           </p:txBody>
         </p:sp>
@@ -8038,12 +10744,12 @@
             </a:fontRef>
           </p:style>
           <p:txBody>
-            <a:bodyPr spcFirstLastPara="0" vert="horz" wrap="square" lIns="221318" tIns="221318" rIns="221318" bIns="221318" numCol="1" spcCol="1270" rtlCol="1" anchor="ctr" anchorCtr="0">
+            <a:bodyPr spcFirstLastPara="0" vert="horz" wrap="square" lIns="221318" tIns="221318" rIns="221318" bIns="221318" numCol="1" spcCol="1270" anchor="ctr" anchorCtr="0">
               <a:noAutofit/>
             </a:bodyPr>
             <a:lstStyle/>
             <a:p>
-              <a:pPr marL="228600" lvl="1" indent="-228600" algn="ctr" defTabSz="889000" rtl="1">
+              <a:pPr marL="228600" lvl="1" indent="-228600" algn="ctr" defTabSz="889000">
                 <a:lnSpc>
                   <a:spcPct val="90000"/>
                 </a:lnSpc>
@@ -8056,9 +10762,9 @@
                 <a:buNone/>
               </a:pPr>
               <a:r>
-                <a:rPr lang="ar-EG" sz="2000" b="1" kern="1200">
+                <a:rPr lang="en-US" sz="2000" b="1" kern="1200" dirty="0">
                   <a:latin typeface="Arial" panose="020B0604020202020204" pitchFamily="34" charset="0"/>
-                  <a:rtl val="0"/>
+                  <a:cs typeface="Arial" panose="020B0604020202020204" pitchFamily="34" charset="0"/>
                 </a:rPr>
                 <a:t>3</a:t>
               </a:r>
@@ -8235,12 +10941,12 @@
             </a:fontRef>
           </p:style>
           <p:txBody>
-            <a:bodyPr spcFirstLastPara="0" vert="horz" wrap="square" lIns="102850" tIns="296716" rIns="102850" bIns="296716" numCol="1" spcCol="1270" rtlCol="1" anchor="ctr" anchorCtr="0">
+            <a:bodyPr spcFirstLastPara="0" vert="horz" wrap="square" lIns="102850" tIns="296716" rIns="102850" bIns="296716" numCol="1" spcCol="1270" anchor="ctr" anchorCtr="0">
               <a:noAutofit/>
             </a:bodyPr>
             <a:lstStyle/>
             <a:p>
-              <a:pPr marL="0" lvl="0" indent="0" algn="ctr" defTabSz="577850" rtl="1">
+              <a:pPr marL="0" lvl="0" indent="0" algn="ctr" defTabSz="577850">
                 <a:lnSpc>
                   <a:spcPct val="90000"/>
                 </a:lnSpc>
@@ -8252,7 +10958,7 @@
                 </a:spcAft>
                 <a:buNone/>
               </a:pPr>
-              <a:endParaRPr lang="ar-EG" sz="1300" kern="1200"/>
+              <a:endParaRPr lang="en-US" sz="1300" kern="1200"/>
             </a:p>
           </p:txBody>
         </p:sp>
@@ -8370,12 +11076,12 @@
             </a:fontRef>
           </p:style>
           <p:txBody>
-            <a:bodyPr spcFirstLastPara="0" vert="horz" wrap="square" lIns="221318" tIns="221318" rIns="221318" bIns="221318" numCol="1" spcCol="1270" rtlCol="1" anchor="ctr" anchorCtr="0">
+            <a:bodyPr spcFirstLastPara="0" vert="horz" wrap="square" lIns="221318" tIns="221318" rIns="221318" bIns="221318" numCol="1" spcCol="1270" anchor="ctr" anchorCtr="0">
               <a:noAutofit/>
             </a:bodyPr>
             <a:lstStyle/>
             <a:p>
-              <a:pPr marL="228600" lvl="1" indent="-228600" algn="ctr" defTabSz="889000" rtl="1">
+              <a:pPr marL="228600" lvl="1" indent="-228600" algn="ctr" defTabSz="889000">
                 <a:lnSpc>
                   <a:spcPct val="90000"/>
                 </a:lnSpc>
@@ -8388,11 +11094,11 @@
                 <a:buNone/>
               </a:pPr>
               <a:r>
-                <a:rPr lang="ar-EG" sz="2000" b="1" kern="1200">
+                <a:rPr lang="en-US" sz="2000" b="1" kern="1200" dirty="0">
                   <a:latin typeface="Arial" panose="020B0604020202020204" pitchFamily="34" charset="0"/>
-                  <a:rtl/>
+                  <a:cs typeface="Arial" panose="020B0604020202020204" pitchFamily="34" charset="0"/>
                 </a:rPr>
-                <a:t>لا</a:t>
+                <a:t>No</a:t>
               </a:r>
             </a:p>
           </p:txBody>
@@ -8544,12 +11250,12 @@
             </a:fontRef>
           </p:style>
           <p:txBody>
-            <a:bodyPr spcFirstLastPara="0" vert="horz" wrap="square" lIns="102850" tIns="159842" rIns="102850" bIns="159842" numCol="1" spcCol="1270" rtlCol="1" anchor="ctr" anchorCtr="0">
+            <a:bodyPr spcFirstLastPara="0" vert="horz" wrap="square" lIns="102850" tIns="159842" rIns="102850" bIns="159842" numCol="1" spcCol="1270" anchor="ctr" anchorCtr="0">
               <a:noAutofit/>
             </a:bodyPr>
             <a:lstStyle/>
             <a:p>
-              <a:pPr marL="0" lvl="0" indent="0" algn="ctr" defTabSz="1422400" rtl="1">
+              <a:pPr marL="0" lvl="0" indent="0" algn="ctr" defTabSz="1422400">
                 <a:lnSpc>
                   <a:spcPct val="90000"/>
                 </a:lnSpc>
@@ -8561,7 +11267,7 @@
                 </a:spcAft>
                 <a:buNone/>
               </a:pPr>
-              <a:endParaRPr lang="ar-EG" sz="3200" kern="1200"/>
+              <a:endParaRPr lang="en-US" sz="3200" kern="1200"/>
             </a:p>
           </p:txBody>
         </p:sp>
@@ -8623,12 +11329,12 @@
             </a:fontRef>
           </p:style>
           <p:txBody>
-            <a:bodyPr spcFirstLastPara="0" vert="horz" wrap="square" lIns="221318" tIns="221318" rIns="221318" bIns="221318" numCol="1" spcCol="1270" rtlCol="1" anchor="ctr" anchorCtr="0">
+            <a:bodyPr spcFirstLastPara="0" vert="horz" wrap="square" lIns="221318" tIns="221318" rIns="221318" bIns="221318" numCol="1" spcCol="1270" anchor="ctr" anchorCtr="0">
               <a:noAutofit/>
             </a:bodyPr>
             <a:lstStyle/>
             <a:p>
-              <a:pPr marL="228600" lvl="1" indent="-228600" algn="ctr" defTabSz="889000" rtl="1">
+              <a:pPr marL="228600" lvl="1" indent="-228600" algn="ctr" defTabSz="889000">
                 <a:lnSpc>
                   <a:spcPct val="90000"/>
                 </a:lnSpc>
@@ -8641,9 +11347,9 @@
                 <a:buNone/>
               </a:pPr>
               <a:r>
-                <a:rPr lang="ar-EG" sz="2800" b="1" kern="1200">
+                <a:rPr lang="en-US" sz="2800" b="1" kern="1200" dirty="0">
                   <a:latin typeface="Arial" panose="020B0604020202020204" pitchFamily="34" charset="0"/>
-                  <a:rtl val="0"/>
+                  <a:cs typeface="Arial" panose="020B0604020202020204" pitchFamily="34" charset="0"/>
                 </a:rPr>
                 <a:t>3</a:t>
               </a:r>
@@ -8764,12 +11470,12 @@
             </a:fontRef>
           </p:style>
           <p:txBody>
-            <a:bodyPr spcFirstLastPara="0" vert="horz" wrap="square" lIns="221318" tIns="221318" rIns="221318" bIns="221318" numCol="1" spcCol="1270" rtlCol="1" anchor="ctr" anchorCtr="0">
+            <a:bodyPr spcFirstLastPara="0" vert="horz" wrap="square" lIns="221318" tIns="221318" rIns="221318" bIns="221318" numCol="1" spcCol="1270" anchor="ctr" anchorCtr="0">
               <a:noAutofit/>
             </a:bodyPr>
             <a:lstStyle/>
             <a:p>
-              <a:pPr marL="228600" lvl="1" indent="-228600" algn="ctr" defTabSz="889000" rtl="1">
+              <a:pPr marL="228600" lvl="1" indent="-228600" algn="ctr" defTabSz="889000">
                 <a:lnSpc>
                   <a:spcPct val="90000"/>
                 </a:lnSpc>
@@ -8782,9 +11488,9 @@
                 <a:buNone/>
               </a:pPr>
               <a:r>
-                <a:rPr lang="ar-EG" sz="2000" b="1" kern="1200">
+                <a:rPr lang="en-US" sz="2000" b="1" kern="1200" dirty="0">
                   <a:latin typeface="Arial" panose="020B0604020202020204" pitchFamily="34" charset="0"/>
-                  <a:rtl val="0"/>
+                  <a:cs typeface="Arial" panose="020B0604020202020204" pitchFamily="34" charset="0"/>
                 </a:rPr>
                 <a:t>1</a:t>
               </a:r>
@@ -8961,12 +11667,12 @@
             </a:fontRef>
           </p:style>
           <p:txBody>
-            <a:bodyPr spcFirstLastPara="0" vert="horz" wrap="square" lIns="102850" tIns="296716" rIns="102850" bIns="296716" numCol="1" spcCol="1270" rtlCol="1" anchor="ctr" anchorCtr="0">
+            <a:bodyPr spcFirstLastPara="0" vert="horz" wrap="square" lIns="102850" tIns="296716" rIns="102850" bIns="296716" numCol="1" spcCol="1270" anchor="ctr" anchorCtr="0">
               <a:noAutofit/>
             </a:bodyPr>
             <a:lstStyle/>
             <a:p>
-              <a:pPr marL="0" lvl="0" indent="0" algn="ctr" defTabSz="577850" rtl="1">
+              <a:pPr marL="0" lvl="0" indent="0" algn="ctr" defTabSz="577850">
                 <a:lnSpc>
                   <a:spcPct val="90000"/>
                 </a:lnSpc>
@@ -8978,7 +11684,7 @@
                 </a:spcAft>
                 <a:buNone/>
               </a:pPr>
-              <a:endParaRPr lang="ar-EG" sz="1300" kern="1200"/>
+              <a:endParaRPr lang="en-US" sz="1300" kern="1200"/>
             </a:p>
           </p:txBody>
         </p:sp>
@@ -9096,12 +11802,12 @@
             </a:fontRef>
           </p:style>
           <p:txBody>
-            <a:bodyPr spcFirstLastPara="0" vert="horz" wrap="square" lIns="221318" tIns="221318" rIns="221318" bIns="221318" numCol="1" spcCol="1270" rtlCol="1" anchor="ctr" anchorCtr="0">
+            <a:bodyPr spcFirstLastPara="0" vert="horz" wrap="square" lIns="221318" tIns="221318" rIns="221318" bIns="221318" numCol="1" spcCol="1270" anchor="ctr" anchorCtr="0">
               <a:noAutofit/>
             </a:bodyPr>
             <a:lstStyle/>
             <a:p>
-              <a:pPr marL="0" lvl="0" indent="0" algn="ctr" defTabSz="533400" rtl="1">
+              <a:pPr marL="0" lvl="0" indent="0" algn="ctr" defTabSz="533400">
                 <a:lnSpc>
                   <a:spcPct val="90000"/>
                 </a:lnSpc>
@@ -9114,14 +11820,15 @@
                 <a:buNone/>
               </a:pPr>
               <a:r>
-                <a:rPr lang="ar-EG" sz="2000" b="1">
+                <a:rPr lang="en-US" sz="2000" b="1" dirty="0">
                   <a:latin typeface="Arial" panose="020B0604020202020204" pitchFamily="34" charset="0"/>
-                  <a:rtl/>
+                  <a:cs typeface="Arial" panose="020B0604020202020204" pitchFamily="34" charset="0"/>
                 </a:rPr>
-                <a:t>لا</a:t>
+                <a:t>No</a:t>
               </a:r>
-              <a:endParaRPr lang="ar-EG" sz="2000" b="1" kern="1200">
+              <a:endParaRPr lang="en-US" sz="2000" b="1" kern="1200" dirty="0">
                 <a:latin typeface="Arial" panose="020B0604020202020204" pitchFamily="34" charset="0"/>
+                <a:cs typeface="Arial" panose="020B0604020202020204" pitchFamily="34" charset="0"/>
               </a:endParaRPr>
             </a:p>
           </p:txBody>
@@ -9296,12 +12003,12 @@
             </a:fontRef>
           </p:style>
           <p:txBody>
-            <a:bodyPr spcFirstLastPara="0" vert="horz" wrap="square" lIns="102850" tIns="296716" rIns="102850" bIns="296716" numCol="1" spcCol="1270" rtlCol="1" anchor="ctr" anchorCtr="0">
+            <a:bodyPr spcFirstLastPara="0" vert="horz" wrap="square" lIns="102850" tIns="296716" rIns="102850" bIns="296716" numCol="1" spcCol="1270" anchor="ctr" anchorCtr="0">
               <a:noAutofit/>
             </a:bodyPr>
             <a:lstStyle/>
             <a:p>
-              <a:pPr marL="0" lvl="0" indent="0" algn="ctr" defTabSz="577850" rtl="1">
+              <a:pPr marL="0" lvl="0" indent="0" algn="ctr" defTabSz="577850">
                 <a:lnSpc>
                   <a:spcPct val="90000"/>
                 </a:lnSpc>
@@ -9313,7 +12020,7 @@
                 </a:spcAft>
                 <a:buNone/>
               </a:pPr>
-              <a:endParaRPr lang="ar-EG" sz="1300" kern="1200"/>
+              <a:endParaRPr lang="en-US" sz="1300" kern="1200"/>
             </a:p>
           </p:txBody>
         </p:sp>
@@ -9431,12 +12138,12 @@
             </a:fontRef>
           </p:style>
           <p:txBody>
-            <a:bodyPr spcFirstLastPara="0" vert="horz" wrap="square" lIns="221318" tIns="221318" rIns="221318" bIns="221318" numCol="1" spcCol="1270" rtlCol="1" anchor="ctr" anchorCtr="0">
+            <a:bodyPr spcFirstLastPara="0" vert="horz" wrap="square" lIns="221318" tIns="221318" rIns="221318" bIns="221318" numCol="1" spcCol="1270" anchor="ctr" anchorCtr="0">
               <a:noAutofit/>
             </a:bodyPr>
             <a:lstStyle/>
             <a:p>
-              <a:pPr marL="228600" lvl="1" indent="-228600" algn="ctr" defTabSz="889000" rtl="1">
+              <a:pPr marL="228600" lvl="1" indent="-228600" algn="ctr" defTabSz="889000">
                 <a:lnSpc>
                   <a:spcPct val="90000"/>
                 </a:lnSpc>
@@ -9449,11 +12156,11 @@
                 <a:buNone/>
               </a:pPr>
               <a:r>
-                <a:rPr lang="ar-EG" sz="2000" b="1" kern="1200">
+                <a:rPr lang="en-US" sz="2000" b="1" kern="1200" dirty="0">
                   <a:latin typeface="Arial" panose="020B0604020202020204" pitchFamily="34" charset="0"/>
-                  <a:rtl/>
+                  <a:cs typeface="Arial" panose="020B0604020202020204" pitchFamily="34" charset="0"/>
                 </a:rPr>
-                <a:t>لا</a:t>
+                <a:t>No</a:t>
               </a:r>
             </a:p>
           </p:txBody>
@@ -9628,12 +12335,12 @@
             </a:fontRef>
           </p:style>
           <p:txBody>
-            <a:bodyPr spcFirstLastPara="0" vert="horz" wrap="square" lIns="102850" tIns="296716" rIns="102850" bIns="296716" numCol="1" spcCol="1270" rtlCol="1" anchor="ctr" anchorCtr="0">
+            <a:bodyPr spcFirstLastPara="0" vert="horz" wrap="square" lIns="102850" tIns="296716" rIns="102850" bIns="296716" numCol="1" spcCol="1270" anchor="ctr" anchorCtr="0">
               <a:noAutofit/>
             </a:bodyPr>
             <a:lstStyle/>
             <a:p>
-              <a:pPr marL="0" lvl="0" indent="0" algn="ctr" defTabSz="577850" rtl="1">
+              <a:pPr marL="0" lvl="0" indent="0" algn="ctr" defTabSz="577850">
                 <a:lnSpc>
                   <a:spcPct val="90000"/>
                 </a:lnSpc>
@@ -9645,7 +12352,7 @@
                 </a:spcAft>
                 <a:buNone/>
               </a:pPr>
-              <a:endParaRPr lang="ar-EG" sz="1300" kern="1200"/>
+              <a:endParaRPr lang="en-US" sz="1300" kern="1200"/>
             </a:p>
           </p:txBody>
         </p:sp>
@@ -9763,12 +12470,12 @@
             </a:fontRef>
           </p:style>
           <p:txBody>
-            <a:bodyPr spcFirstLastPara="0" vert="horz" wrap="square" lIns="221318" tIns="221318" rIns="221318" bIns="221318" numCol="1" spcCol="1270" rtlCol="1" anchor="ctr" anchorCtr="0">
+            <a:bodyPr spcFirstLastPara="0" vert="horz" wrap="square" lIns="221318" tIns="221318" rIns="221318" bIns="221318" numCol="1" spcCol="1270" anchor="ctr" anchorCtr="0">
               <a:noAutofit/>
             </a:bodyPr>
             <a:lstStyle/>
             <a:p>
-              <a:pPr marL="228600" lvl="1" indent="-228600" algn="ctr" defTabSz="889000" rtl="1">
+              <a:pPr marL="228600" lvl="1" indent="-228600" algn="ctr" defTabSz="889000">
                 <a:lnSpc>
                   <a:spcPct val="90000"/>
                 </a:lnSpc>
@@ -9781,9 +12488,9 @@
                 <a:buNone/>
               </a:pPr>
               <a:r>
-                <a:rPr lang="ar-EG" sz="2000" b="1" kern="1200">
+                <a:rPr lang="en-US" sz="2000" b="1" kern="1200" dirty="0">
                   <a:latin typeface="Arial" panose="020B0604020202020204" pitchFamily="34" charset="0"/>
-                  <a:rtl val="0"/>
+                  <a:cs typeface="Arial" panose="020B0604020202020204" pitchFamily="34" charset="0"/>
                 </a:rPr>
                 <a:t>3</a:t>
               </a:r>
@@ -9960,12 +12667,12 @@
             </a:fontRef>
           </p:style>
           <p:txBody>
-            <a:bodyPr spcFirstLastPara="0" vert="horz" wrap="square" lIns="102850" tIns="296716" rIns="102850" bIns="296716" numCol="1" spcCol="1270" rtlCol="1" anchor="ctr" anchorCtr="0">
+            <a:bodyPr spcFirstLastPara="0" vert="horz" wrap="square" lIns="102850" tIns="296716" rIns="102850" bIns="296716" numCol="1" spcCol="1270" anchor="ctr" anchorCtr="0">
               <a:noAutofit/>
             </a:bodyPr>
             <a:lstStyle/>
             <a:p>
-              <a:pPr marL="0" lvl="0" indent="0" algn="ctr" defTabSz="577850" rtl="1">
+              <a:pPr marL="0" lvl="0" indent="0" algn="ctr" defTabSz="577850">
                 <a:lnSpc>
                   <a:spcPct val="90000"/>
                 </a:lnSpc>
@@ -9977,7 +12684,7 @@
                 </a:spcAft>
                 <a:buNone/>
               </a:pPr>
-              <a:endParaRPr lang="ar-EG" sz="1300" kern="1200"/>
+              <a:endParaRPr lang="en-US" sz="1300" kern="1200"/>
             </a:p>
           </p:txBody>
         </p:sp>
@@ -10095,12 +12802,12 @@
             </a:fontRef>
           </p:style>
           <p:txBody>
-            <a:bodyPr spcFirstLastPara="0" vert="horz" wrap="square" lIns="221318" tIns="221318" rIns="221318" bIns="221318" numCol="1" spcCol="1270" rtlCol="1" anchor="ctr" anchorCtr="0">
+            <a:bodyPr spcFirstLastPara="0" vert="horz" wrap="square" lIns="221318" tIns="221318" rIns="221318" bIns="221318" numCol="1" spcCol="1270" anchor="ctr" anchorCtr="0">
               <a:noAutofit/>
             </a:bodyPr>
             <a:lstStyle/>
             <a:p>
-              <a:pPr marL="228600" lvl="1" indent="-228600" algn="ctr" defTabSz="889000" rtl="1">
+              <a:pPr marL="228600" lvl="1" indent="-228600" algn="ctr" defTabSz="889000">
                 <a:lnSpc>
                   <a:spcPct val="90000"/>
                 </a:lnSpc>
@@ -10113,11 +12820,11 @@
                 <a:buNone/>
               </a:pPr>
               <a:r>
-                <a:rPr lang="ar-EG" sz="2000" b="1" kern="1200">
+                <a:rPr lang="en-US" sz="2000" b="1" kern="1200" dirty="0">
                   <a:latin typeface="Arial" panose="020B0604020202020204" pitchFamily="34" charset="0"/>
-                  <a:rtl/>
+                  <a:cs typeface="Arial" panose="020B0604020202020204" pitchFamily="34" charset="0"/>
                 </a:rPr>
-                <a:t>نعم</a:t>
+                <a:t>Yes</a:t>
               </a:r>
             </a:p>
           </p:txBody>
@@ -10269,12 +12976,12 @@
             </a:fontRef>
           </p:style>
           <p:txBody>
-            <a:bodyPr spcFirstLastPara="0" vert="horz" wrap="square" lIns="102850" tIns="159842" rIns="102850" bIns="159842" numCol="1" spcCol="1270" rtlCol="1" anchor="ctr" anchorCtr="0">
+            <a:bodyPr spcFirstLastPara="0" vert="horz" wrap="square" lIns="102850" tIns="159842" rIns="102850" bIns="159842" numCol="1" spcCol="1270" anchor="ctr" anchorCtr="0">
               <a:noAutofit/>
             </a:bodyPr>
             <a:lstStyle/>
             <a:p>
-              <a:pPr marL="0" lvl="0" indent="0" algn="ctr" defTabSz="1422400" rtl="1">
+              <a:pPr marL="0" lvl="0" indent="0" algn="ctr" defTabSz="1422400">
                 <a:lnSpc>
                   <a:spcPct val="90000"/>
                 </a:lnSpc>
@@ -10286,7 +12993,7 @@
                 </a:spcAft>
                 <a:buNone/>
               </a:pPr>
-              <a:endParaRPr lang="ar-EG" sz="3200" kern="1200">
+              <a:endParaRPr lang="en-US" sz="3200" kern="1200">
                 <a:solidFill>
                   <a:srgbClr val="0C4493"/>
                 </a:solidFill>
@@ -10352,12 +13059,12 @@
             </a:fontRef>
           </p:style>
           <p:txBody>
-            <a:bodyPr spcFirstLastPara="0" vert="horz" wrap="square" lIns="221318" tIns="221318" rIns="221318" bIns="221318" numCol="1" spcCol="1270" rtlCol="1" anchor="ctr" anchorCtr="0">
+            <a:bodyPr spcFirstLastPara="0" vert="horz" wrap="square" lIns="221318" tIns="221318" rIns="221318" bIns="221318" numCol="1" spcCol="1270" anchor="ctr" anchorCtr="0">
               <a:noAutofit/>
             </a:bodyPr>
             <a:lstStyle/>
             <a:p>
-              <a:pPr marL="228600" lvl="1" indent="-228600" algn="ctr" defTabSz="889000" rtl="1">
+              <a:pPr marL="228600" lvl="1" indent="-228600" algn="ctr" defTabSz="889000">
                 <a:lnSpc>
                   <a:spcPct val="90000"/>
                 </a:lnSpc>
@@ -10370,9 +13077,9 @@
                 <a:buNone/>
               </a:pPr>
               <a:r>
-                <a:rPr lang="ar-EG" sz="2800" b="1" kern="1200">
+                <a:rPr lang="en-US" sz="2800" b="1" kern="1200" dirty="0">
                   <a:latin typeface="Arial" panose="020B0604020202020204" pitchFamily="34" charset="0"/>
-                  <a:rtl val="0"/>
+                  <a:cs typeface="Arial" panose="020B0604020202020204" pitchFamily="34" charset="0"/>
                 </a:rPr>
                 <a:t>1</a:t>
               </a:r>
@@ -10402,28 +13109,28 @@
             <a:noFill/>
           </p:spPr>
           <p:txBody>
-            <a:bodyPr wrap="square" rtlCol="1">
+            <a:bodyPr wrap="square" rtlCol="0">
               <a:spAutoFit/>
             </a:bodyPr>
             <a:lstStyle/>
             <a:p>
-              <a:pPr algn="ctr" rtl="1"/>
+              <a:pPr algn="ctr"/>
               <a:r>
-                <a:rPr lang="ar-EG" sz="1200">
+                <a:rPr lang="en-US" sz="1200" dirty="0">
                   <a:latin typeface="Arial" panose="020B0604020202020204" pitchFamily="34" charset="0"/>
-                  <a:rtl/>
+                  <a:cs typeface="Arial" panose="020B0604020202020204" pitchFamily="34" charset="0"/>
                 </a:rPr>
-                <a:t>إعدادات الأوامر الافتراضية: </a:t>
+                <a:t>Default order settings: </a:t>
               </a:r>
             </a:p>
             <a:p>
-              <a:pPr algn="ctr" rtl="1"/>
+              <a:pPr algn="ctr"/>
               <a:r>
-                <a:rPr lang="ar-EG" sz="1200" b="1">
+                <a:rPr lang="en-US" sz="1200" b="1" dirty="0">
                   <a:latin typeface="Arial" panose="020B0604020202020204" pitchFamily="34" charset="0"/>
-                  <a:rtl/>
+                  <a:cs typeface="Arial" panose="020B0604020202020204" pitchFamily="34" charset="0"/>
                 </a:rPr>
-                <a:t>وقت الإنتاج</a:t>
+                <a:t>Lead time</a:t>
               </a:r>
             </a:p>
           </p:txBody>
@@ -10451,28 +13158,31 @@
             <a:noFill/>
           </p:spPr>
           <p:txBody>
-            <a:bodyPr wrap="square" rtlCol="1">
+            <a:bodyPr wrap="square" rtlCol="0">
               <a:spAutoFit/>
             </a:bodyPr>
             <a:lstStyle/>
             <a:p>
-              <a:pPr algn="ctr" rtl="1"/>
+              <a:pPr algn="ctr"/>
               <a:r>
-                <a:rPr lang="ar-EG" sz="1200">
+                <a:rPr lang="en-US" sz="1200" dirty="0">
                   <a:latin typeface="Arial" panose="020B0604020202020204" pitchFamily="34" charset="0"/>
-                  <a:rtl/>
+                  <a:cs typeface="Arial" panose="020B0604020202020204" pitchFamily="34" charset="0"/>
                 </a:rPr>
-                <a:t>اتفاقية التجارة:</a:t>
+                <a:t>Trade agreement:</a:t>
               </a:r>
               <a:br>
-                <a:rPr lang="ar-EG"/>
+                <a:rPr lang="en-US" sz="1200" dirty="0">
+                  <a:latin typeface="Arial" panose="020B0604020202020204" pitchFamily="34" charset="0"/>
+                  <a:cs typeface="Arial" panose="020B0604020202020204" pitchFamily="34" charset="0"/>
+                </a:rPr>
               </a:br>
               <a:r>
-                <a:rPr lang="ar-EG" sz="1200" b="1">
+                <a:rPr lang="en-US" sz="1200" b="1" dirty="0">
                   <a:latin typeface="Arial" panose="020B0604020202020204" pitchFamily="34" charset="0"/>
-                  <a:rtl/>
+                  <a:cs typeface="Arial" panose="020B0604020202020204" pitchFamily="34" charset="0"/>
                 </a:rPr>
-                <a:t>تجاهل وقت الإنتاج</a:t>
+                <a:t>Disregard lead time</a:t>
               </a:r>
             </a:p>
           </p:txBody>
@@ -10500,28 +13210,31 @@
             <a:noFill/>
           </p:spPr>
           <p:txBody>
-            <a:bodyPr wrap="square" rtlCol="1">
+            <a:bodyPr wrap="square" rtlCol="0">
               <a:spAutoFit/>
             </a:bodyPr>
             <a:lstStyle/>
             <a:p>
-              <a:pPr algn="ctr" rtl="1"/>
+              <a:pPr algn="ctr"/>
               <a:r>
-                <a:rPr lang="ar-EG" sz="1200">
+                <a:rPr lang="en-US" sz="1200" dirty="0">
                   <a:latin typeface="Arial" panose="020B0604020202020204" pitchFamily="34" charset="0"/>
-                  <a:rtl/>
+                  <a:cs typeface="Arial" panose="020B0604020202020204" pitchFamily="34" charset="0"/>
                 </a:rPr>
-                <a:t>اتفاقية التجارة:</a:t>
+                <a:t>Trade agreement:</a:t>
               </a:r>
               <a:br>
-                <a:rPr lang="ar-EG"/>
+                <a:rPr lang="en-US" sz="1200" dirty="0">
+                  <a:latin typeface="Arial" panose="020B0604020202020204" pitchFamily="34" charset="0"/>
+                  <a:cs typeface="Arial" panose="020B0604020202020204" pitchFamily="34" charset="0"/>
+                </a:rPr>
               </a:br>
               <a:r>
-                <a:rPr lang="ar-EG" sz="1200" b="1">
+                <a:rPr lang="en-US" sz="1200" b="1" dirty="0">
                   <a:latin typeface="Arial" panose="020B0604020202020204" pitchFamily="34" charset="0"/>
-                  <a:rtl/>
+                  <a:cs typeface="Arial" panose="020B0604020202020204" pitchFamily="34" charset="0"/>
                 </a:rPr>
-                <a:t>وقت الإنتاج</a:t>
+                <a:t>Lead time</a:t>
               </a:r>
             </a:p>
           </p:txBody>
@@ -10549,28 +13262,31 @@
             <a:noFill/>
           </p:spPr>
           <p:txBody>
-            <a:bodyPr wrap="square" rtlCol="1">
+            <a:bodyPr wrap="square" rtlCol="0">
               <a:spAutoFit/>
             </a:bodyPr>
             <a:lstStyle/>
             <a:p>
-              <a:pPr algn="ctr" rtl="1"/>
+              <a:pPr algn="ctr"/>
               <a:r>
-                <a:rPr lang="ar-EG" sz="1200">
+                <a:rPr lang="en-US" sz="1200" dirty="0">
                   <a:latin typeface="Arial" panose="020B0604020202020204" pitchFamily="34" charset="0"/>
-                  <a:rtl/>
+                  <a:cs typeface="Arial" panose="020B0604020202020204" pitchFamily="34" charset="0"/>
                 </a:rPr>
-                <a:t>تغطية الصنف:</a:t>
+                <a:t>Item coverage:</a:t>
               </a:r>
               <a:br>
-                <a:rPr lang="ar-EG"/>
+                <a:rPr lang="en-US" sz="1200" dirty="0">
+                  <a:latin typeface="Arial" panose="020B0604020202020204" pitchFamily="34" charset="0"/>
+                  <a:cs typeface="Arial" panose="020B0604020202020204" pitchFamily="34" charset="0"/>
+                </a:rPr>
               </a:br>
               <a:r>
-                <a:rPr lang="ar-EG" sz="1200" b="1">
+                <a:rPr lang="en-US" sz="1200" b="1" dirty="0">
                   <a:latin typeface="Arial" panose="020B0604020202020204" pitchFamily="34" charset="0"/>
-                  <a:rtl/>
+                  <a:cs typeface="Arial" panose="020B0604020202020204" pitchFamily="34" charset="0"/>
                 </a:rPr>
-                <a:t>تجاوز وقت الإنتاج</a:t>
+                <a:t>Override lead time</a:t>
               </a:r>
             </a:p>
           </p:txBody>
@@ -10598,28 +13314,31 @@
             <a:noFill/>
           </p:spPr>
           <p:txBody>
-            <a:bodyPr wrap="square" rtlCol="1">
+            <a:bodyPr wrap="square" rtlCol="0">
               <a:spAutoFit/>
             </a:bodyPr>
             <a:lstStyle/>
             <a:p>
-              <a:pPr algn="ctr" rtl="1"/>
+              <a:pPr algn="ctr"/>
               <a:r>
-                <a:rPr lang="ar-EG" sz="1200">
+                <a:rPr lang="en-US" sz="1200" dirty="0">
                   <a:latin typeface="Arial" panose="020B0604020202020204" pitchFamily="34" charset="0"/>
-                  <a:rtl/>
+                  <a:cs typeface="Arial" panose="020B0604020202020204" pitchFamily="34" charset="0"/>
                 </a:rPr>
-                <a:t>تغطية الصنف:</a:t>
+                <a:t>Item coverage:</a:t>
               </a:r>
               <a:br>
-                <a:rPr lang="ar-EG"/>
+                <a:rPr lang="en-US" sz="1200" dirty="0">
+                  <a:latin typeface="Arial" panose="020B0604020202020204" pitchFamily="34" charset="0"/>
+                  <a:cs typeface="Arial" panose="020B0604020202020204" pitchFamily="34" charset="0"/>
+                </a:rPr>
               </a:br>
               <a:r>
-                <a:rPr lang="ar-EG" sz="1200" b="1">
+                <a:rPr lang="en-US" sz="1200" b="1" dirty="0">
                   <a:latin typeface="Arial" panose="020B0604020202020204" pitchFamily="34" charset="0"/>
-                  <a:rtl/>
+                  <a:cs typeface="Arial" panose="020B0604020202020204" pitchFamily="34" charset="0"/>
                 </a:rPr>
-                <a:t>تجاوز المورد</a:t>
+                <a:t>Override vendor</a:t>
               </a:r>
             </a:p>
           </p:txBody>
@@ -10647,28 +13366,28 @@
             <a:noFill/>
           </p:spPr>
           <p:txBody>
-            <a:bodyPr wrap="square" rtlCol="1">
+            <a:bodyPr wrap="square" rtlCol="0">
               <a:spAutoFit/>
             </a:bodyPr>
             <a:lstStyle/>
             <a:p>
-              <a:pPr algn="ctr" rtl="1"/>
+              <a:pPr algn="ctr"/>
               <a:r>
-                <a:rPr lang="ar-EG" sz="1200" b="1">
+                <a:rPr lang="en-US" sz="1200" b="1" dirty="0">
                   <a:latin typeface="Arial" panose="020B0604020202020204" pitchFamily="34" charset="0"/>
-                  <a:rtl/>
+                  <a:cs typeface="Arial" panose="020B0604020202020204" pitchFamily="34" charset="0"/>
                 </a:rPr>
-                <a:t>وقت الإنتاج </a:t>
+                <a:t>Resulting </a:t>
               </a:r>
             </a:p>
             <a:p>
-              <a:pPr algn="ctr" rtl="1"/>
+              <a:pPr algn="ctr"/>
               <a:r>
-                <a:rPr lang="ar-EG" sz="1200" b="1">
+                <a:rPr lang="en-US" sz="1200" b="1" dirty="0">
                   <a:latin typeface="Arial" panose="020B0604020202020204" pitchFamily="34" charset="0"/>
-                  <a:rtl/>
+                  <a:cs typeface="Arial" panose="020B0604020202020204" pitchFamily="34" charset="0"/>
                 </a:rPr>
-                <a:t>الناتج</a:t>
+                <a:t>lead time</a:t>
               </a:r>
             </a:p>
           </p:txBody>
@@ -10718,10 +13437,10 @@
         </p:nvGrpSpPr>
         <p:grpSpPr>
           <a:xfrm flipH="1">
-            <a:off x="2614822" y="2463572"/>
-            <a:ext cx="7666383" cy="1640665"/>
+            <a:off x="1910795" y="2463572"/>
+            <a:ext cx="7666383" cy="1949086"/>
             <a:chOff x="2730731" y="2244632"/>
-            <a:chExt cx="7666383" cy="1640665"/>
+            <a:chExt cx="7666383" cy="1949086"/>
           </a:xfrm>
         </p:grpSpPr>
         <p:sp>
@@ -10772,7 +13491,7 @@
             <a:lstStyle/>
             <a:p>
               <a:pPr algn="ctr" rtl="1"/>
-              <a:endParaRPr lang="ar-EG"/>
+              <a:endParaRPr lang="en-US"/>
             </a:p>
           </p:txBody>
         </p:sp>
@@ -10844,7 +13563,7 @@
               <a:lstStyle/>
               <a:p>
                 <a:pPr algn="ctr" rtl="1"/>
-                <a:endParaRPr lang="ar-EG"/>
+                <a:endParaRPr lang="en-US"/>
               </a:p>
             </p:txBody>
           </p:sp>
@@ -10896,7 +13615,7 @@
               <a:lstStyle/>
               <a:p>
                 <a:pPr algn="ctr" rtl="1"/>
-                <a:endParaRPr lang="ar-EG"/>
+                <a:endParaRPr lang="en-US"/>
               </a:p>
             </p:txBody>
           </p:sp>
@@ -10945,7 +13664,7 @@
               <a:lstStyle/>
               <a:p>
                 <a:pPr algn="ctr" rtl="1"/>
-                <a:endParaRPr lang="ar-EG"/>
+                <a:endParaRPr lang="en-US"/>
               </a:p>
             </p:txBody>
           </p:sp>
@@ -10994,7 +13713,7 @@
               <a:lstStyle/>
               <a:p>
                 <a:pPr algn="ctr" rtl="1"/>
-                <a:endParaRPr lang="ar-EG"/>
+                <a:endParaRPr lang="en-US"/>
               </a:p>
             </p:txBody>
           </p:sp>
@@ -11012,8 +13731,8 @@
             </p:nvSpPr>
             <p:spPr>
               <a:xfrm>
-                <a:off x="3221182" y="2676592"/>
-                <a:ext cx="1463040" cy="523220"/>
+                <a:off x="3264441" y="2709762"/>
+                <a:ext cx="1463040" cy="307777"/>
               </a:xfrm>
               <a:prstGeom prst="rect">
                 <a:avLst/>
@@ -11028,19 +13747,10 @@
               <a:p>
                 <a:pPr algn="r" rtl="1"/>
                 <a:r>
-                  <a:rPr lang="ar-EG" sz="1400">
+                  <a:rPr lang="ar-sa" sz="1400" dirty="0">
                     <a:rtl/>
                   </a:rPr>
                   <a:t>هامش إعادة الطلب</a:t>
-                </a:r>
-              </a:p>
-              <a:p>
-                <a:pPr algn="ctr" rtl="1"/>
-                <a:r>
-                  <a:rPr lang="ar-EG" sz="1400">
-                    <a:rtl/>
-                  </a:rPr>
-                  <a:t>يومان</a:t>
                 </a:r>
               </a:p>
             </p:txBody>
@@ -11059,8 +13769,8 @@
             </p:nvSpPr>
             <p:spPr>
               <a:xfrm>
-                <a:off x="4653741" y="2681418"/>
-                <a:ext cx="1325880" cy="523220"/>
+                <a:off x="4672518" y="2695035"/>
+                <a:ext cx="1325880" cy="307777"/>
               </a:xfrm>
               <a:prstGeom prst="rect">
                 <a:avLst/>
@@ -11075,25 +13785,10 @@
               <a:p>
                 <a:pPr algn="ctr" rtl="1"/>
                 <a:r>
-                  <a:rPr lang="ar-EG" sz="1400">
+                  <a:rPr lang="ar-sa" sz="1400" dirty="0">
                     <a:rtl/>
                   </a:rPr>
                   <a:t>وقت الإنتاج</a:t>
-                </a:r>
-              </a:p>
-              <a:p>
-                <a:pPr algn="ctr" rtl="1"/>
-                <a:r>
-                  <a:rPr lang="ar-EG" sz="1400">
-                    <a:rtl val="0"/>
-                  </a:rPr>
-                  <a:t>5</a:t>
-                </a:r>
-                <a:r>
-                  <a:rPr lang="ar-EG" sz="1400">
-                    <a:rtl/>
-                  </a:rPr>
-                  <a:t> أيام</a:t>
                 </a:r>
               </a:p>
             </p:txBody>
@@ -11112,8 +13807,8 @@
             </p:nvSpPr>
             <p:spPr>
               <a:xfrm>
-                <a:off x="6143106" y="2660533"/>
-                <a:ext cx="1325880" cy="523220"/>
+                <a:off x="6152925" y="2693865"/>
+                <a:ext cx="1325880" cy="307777"/>
               </a:xfrm>
               <a:prstGeom prst="rect">
                 <a:avLst/>
@@ -11128,19 +13823,10 @@
               <a:p>
                 <a:pPr algn="ctr" rtl="1"/>
                 <a:r>
-                  <a:rPr lang="ar-EG" sz="1400">
+                  <a:rPr lang="ar-sa" sz="1400" dirty="0">
                     <a:rtl/>
                   </a:rPr>
                   <a:t>هامش الاستلام</a:t>
-                </a:r>
-              </a:p>
-              <a:p>
-                <a:pPr algn="ctr" rtl="1"/>
-                <a:r>
-                  <a:rPr lang="ar-EG" sz="1400">
-                    <a:rtl/>
-                  </a:rPr>
-                  <a:t>يومان</a:t>
                 </a:r>
               </a:p>
             </p:txBody>
@@ -11159,8 +13845,8 @@
             </p:nvSpPr>
             <p:spPr>
               <a:xfrm>
-                <a:off x="7622772" y="2660532"/>
-                <a:ext cx="1325880" cy="523220"/>
+                <a:off x="7584101" y="2693865"/>
+                <a:ext cx="1325880" cy="307777"/>
               </a:xfrm>
               <a:prstGeom prst="rect">
                 <a:avLst/>
@@ -11175,25 +13861,10 @@
               <a:p>
                 <a:pPr algn="ctr" rtl="1"/>
                 <a:r>
-                  <a:rPr lang="ar-EG" sz="1400">
+                  <a:rPr lang="ar-sa" sz="1400" dirty="0">
                     <a:rtl/>
                   </a:rPr>
                   <a:t>هامش الإصدار</a:t>
-                </a:r>
-              </a:p>
-              <a:p>
-                <a:pPr algn="ctr" rtl="1"/>
-                <a:r>
-                  <a:rPr lang="ar-EG" sz="1400">
-                    <a:rtl val="0"/>
-                  </a:rPr>
-                  <a:t>3</a:t>
-                </a:r>
-                <a:r>
-                  <a:rPr lang="ar-EG" sz="1400">
-                    <a:rtl/>
-                  </a:rPr>
-                  <a:t> أيام</a:t>
                 </a:r>
               </a:p>
             </p:txBody>
@@ -11214,9 +13885,9 @@
           <p:grpSpPr>
             <a:xfrm>
               <a:off x="2730731" y="3271246"/>
-              <a:ext cx="6892289" cy="614051"/>
+              <a:ext cx="6892289" cy="922472"/>
               <a:chOff x="2730731" y="3271246"/>
-              <a:chExt cx="6892289" cy="614051"/>
+              <a:chExt cx="6892289" cy="922472"/>
             </a:xfrm>
           </p:grpSpPr>
           <p:sp>
@@ -11249,25 +13920,19 @@
               <a:p>
                 <a:pPr algn="ctr" rtl="1"/>
                 <a:r>
-                  <a:rPr lang="ar-EG" sz="1050">
+                  <a:rPr lang="ar-sa" sz="1050" b="1" dirty="0">
                     <a:rtl/>
                   </a:rPr>
-                  <a:t>تاريخ الأمر </a:t>
+                  <a:t>الإمداد</a:t>
                 </a:r>
               </a:p>
               <a:p>
                 <a:pPr algn="ctr" rtl="1"/>
                 <a:r>
-                  <a:rPr lang="ar-EG" sz="1050">
-                    <a:rtl val="0"/>
-                  </a:rPr>
-                  <a:t>1</a:t>
-                </a:r>
-                <a:r>
-                  <a:rPr lang="ar-EG" sz="1050">
+                  <a:rPr lang="ar-sa" sz="1050" dirty="0">
                     <a:rtl/>
                   </a:rPr>
-                  <a:t> يوليو</a:t>
+                  <a:t>تاريخ الأمر </a:t>
                 </a:r>
               </a:p>
             </p:txBody>
@@ -11302,37 +13967,31 @@
               <a:p>
                 <a:pPr algn="ctr" rtl="1"/>
                 <a:r>
-                  <a:rPr lang="ar-EG" sz="1050">
+                  <a:rPr lang="ar-sa" sz="1050" b="1" dirty="0">
+                    <a:rtl/>
+                  </a:rPr>
+                  <a:t>الإمداد</a:t>
+                </a:r>
+              </a:p>
+              <a:p>
+                <a:pPr algn="ctr" rtl="1"/>
+                <a:r>
+                  <a:rPr lang="ar-sa" sz="1050" dirty="0">
                     <a:rtl/>
                   </a:rPr>
                   <a:t>تاريخ</a:t>
                 </a:r>
                 <a:r>
-                  <a:rPr lang="ar-EG" sz="1200">
+                  <a:rPr lang="ar-sa" sz="1200" dirty="0">
                     <a:rtl/>
                   </a:rPr>
                   <a:t> </a:t>
                 </a:r>
                 <a:r>
-                  <a:rPr lang="ar-EG" sz="1050">
+                  <a:rPr lang="ar-sa" sz="1050" dirty="0">
                     <a:rtl/>
                   </a:rPr>
                   <a:t>البدء</a:t>
-                </a:r>
-              </a:p>
-              <a:p>
-                <a:pPr algn="ctr" rtl="1"/>
-                <a:r>
-                  <a:rPr lang="ar-EG" sz="1050">
-                    <a:rtl val="0"/>
-                  </a:rPr>
-                  <a:t>3</a:t>
-                </a:r>
-                <a:r>
-                  <a:rPr lang="ar-EG" sz="1050">
-                    <a:rtl/>
-                  </a:rPr>
-                  <a:t> يوليو</a:t>
                 </a:r>
               </a:p>
             </p:txBody>
@@ -11352,7 +14011,7 @@
             <p:spPr>
               <a:xfrm>
                 <a:off x="5584074" y="3455054"/>
-                <a:ext cx="1084811" cy="415498"/>
+                <a:ext cx="1084811" cy="738664"/>
               </a:xfrm>
               <a:prstGeom prst="rect">
                 <a:avLst/>
@@ -11374,25 +14033,19 @@
               <a:p>
                 <a:pPr algn="r" rtl="1"/>
                 <a:r>
-                  <a:rPr lang="ar-EG">
+                  <a:rPr lang="ar-sa" b="1" dirty="0">
                     <a:rtl/>
                   </a:rPr>
-                  <a:t>تاريخ التسليم</a:t>
+                  <a:t>الإمداد</a:t>
                 </a:r>
               </a:p>
               <a:p>
                 <a:pPr algn="r" rtl="1"/>
                 <a:r>
-                  <a:rPr lang="ar-EG">
-                    <a:rtl val="0"/>
-                  </a:rPr>
-                  <a:t>8</a:t>
-                </a:r>
-                <a:r>
-                  <a:rPr lang="ar-EG">
+                  <a:rPr lang="ar-sa" dirty="0">
                     <a:rtl/>
                   </a:rPr>
-                  <a:t> يوليو</a:t>
+                  <a:t>تاريخ الانتهاء والمطلوب والتسليم</a:t>
                 </a:r>
               </a:p>
             </p:txBody>
@@ -11412,7 +14065,7 @@
             <p:spPr>
               <a:xfrm>
                 <a:off x="6998276" y="3444596"/>
-                <a:ext cx="1165861" cy="415498"/>
+                <a:ext cx="1165861" cy="738664"/>
               </a:xfrm>
               <a:prstGeom prst="rect">
                 <a:avLst/>
@@ -11427,26 +14080,24 @@
               <a:p>
                 <a:pPr algn="ctr" rtl="1"/>
                 <a:r>
-                  <a:rPr lang="ar-EG" sz="1050">
+                  <a:rPr lang="ar-sa" sz="1050" b="1" dirty="0">
                     <a:rtl/>
                   </a:rPr>
-                  <a:t>تاريخ التوريد</a:t>
+                  <a:t>الإمداد</a:t>
                 </a:r>
               </a:p>
               <a:p>
                 <a:pPr algn="ctr" rtl="1"/>
                 <a:r>
-                  <a:rPr lang="ar-EG" sz="1050">
-                    <a:rtl val="0"/>
-                  </a:rPr>
-                  <a:t>10</a:t>
-                </a:r>
-                <a:r>
-                  <a:rPr lang="ar-EG" sz="1050">
+                  <a:rPr lang="ar-sa" sz="1050" dirty="0">
                     <a:rtl/>
                   </a:rPr>
-                  <a:t> يوليو</a:t>
+                  <a:t>تاريخ الطلب</a:t>
                 </a:r>
+              </a:p>
+              <a:p>
+                <a:pPr algn="ctr" rtl="1"/>
+                <a:endParaRPr lang="en-US" sz="1050" dirty="0"/>
               </a:p>
             </p:txBody>
           </p:sp>
@@ -11465,7 +14116,7 @@
             <p:spPr>
               <a:xfrm>
                 <a:off x="8457159" y="3448047"/>
-                <a:ext cx="1165861" cy="415498"/>
+                <a:ext cx="1165861" cy="577081"/>
               </a:xfrm>
               <a:prstGeom prst="rect">
                 <a:avLst/>
@@ -11480,25 +14131,34 @@
               <a:p>
                 <a:pPr algn="ctr" rtl="1"/>
                 <a:r>
-                  <a:rPr lang="ar-EG" sz="1050">
+                  <a:rPr lang="ar-sa" sz="1050" b="1" dirty="0">
                     <a:rtl/>
                   </a:rPr>
-                  <a:t>تاريخ الطلب</a:t>
+                  <a:t>الطلب</a:t>
+                </a:r>
+                <a:r>
+                  <a:rPr lang="ar-sa" sz="1050" dirty="0">
+                    <a:rtl/>
+                  </a:rPr>
+                  <a:t> </a:t>
                 </a:r>
               </a:p>
               <a:p>
                 <a:pPr algn="ctr" rtl="1"/>
                 <a:r>
-                  <a:rPr lang="ar-EG" sz="1050">
-                    <a:rtl val="0"/>
-                  </a:rPr>
-                  <a:t>13</a:t>
-                </a:r>
-                <a:r>
-                  <a:rPr lang="ar-EG" sz="1050">
+                  <a:rPr lang="ar-sa" sz="1050" dirty="0">
                     <a:rtl/>
                   </a:rPr>
-                  <a:t> يوليو</a:t>
+                  <a:t>المتطلب</a:t>
+                </a:r>
+              </a:p>
+              <a:p>
+                <a:pPr algn="ctr" rtl="1"/>
+                <a:r>
+                  <a:rPr lang="ar-sa" sz="1050" dirty="0">
+                    <a:rtl/>
+                  </a:rPr>
+                  <a:t>التاريخ</a:t>
                 </a:r>
               </a:p>
             </p:txBody>
@@ -11716,7 +14376,7 @@
 </file>
 
 <file path=ppt/slides/slide5.xml><?xml version="1.0" encoding="utf-8"?>
-<p:sld xmlns:a="http://schemas.openxmlformats.org/drawingml/2006/main" xmlns:r="http://schemas.openxmlformats.org/officeDocument/2006/relationships" xmlns:p="http://schemas.openxmlformats.org/presentationml/2006/main">
+<p:sld xmlns:a="http://schemas.openxmlformats.org/drawingml/2006/main" xmlns:r="http://schemas.openxmlformats.org/officeDocument/2006/relationships" xmlns:p="http://schemas.openxmlformats.org/presentationml/2006/main" show="0">
   <p:cSld>
     <p:spTree>
       <p:nvGrpSpPr>
@@ -11732,802 +14392,34 @@
           <a:chExt cx="0" cy="0"/>
         </a:xfrm>
       </p:grpSpPr>
-      <p:grpSp>
-        <p:nvGrpSpPr>
-          <p:cNvPr id="2" name="Group 1">
+      <p:graphicFrame>
+        <p:nvGraphicFramePr>
+          <p:cNvPr id="3" name="Diagram 2">
             <a:extLst>
               <a:ext uri="{FF2B5EF4-FFF2-40B4-BE49-F238E27FC236}">
-                <a16:creationId xmlns:a16="http://schemas.microsoft.com/office/drawing/2014/main" id="{50427DA6-4C29-47E1-8B7A-7B7B5E23450A}"/>
+                <a16:creationId xmlns:a16="http://schemas.microsoft.com/office/drawing/2014/main" id="{16CC3991-884D-4A26-A13B-C6654DFE3C32}"/>
               </a:ext>
             </a:extLst>
           </p:cNvPr>
-          <p:cNvGrpSpPr/>
-          <p:nvPr/>
-        </p:nvGrpSpPr>
-        <p:grpSpPr>
-          <a:xfrm flipH="1">
-            <a:off x="2033366" y="2523132"/>
-            <a:ext cx="8125266" cy="1811734"/>
-            <a:chOff x="2033366" y="2523132"/>
-            <a:chExt cx="8125266" cy="1811734"/>
-          </a:xfrm>
-        </p:grpSpPr>
-        <p:sp>
-          <p:nvSpPr>
-            <p:cNvPr id="4" name="Freeform: Shape 3">
-              <a:extLst>
-                <a:ext uri="{FF2B5EF4-FFF2-40B4-BE49-F238E27FC236}">
-                  <a16:creationId xmlns:a16="http://schemas.microsoft.com/office/drawing/2014/main" id="{A650E33D-E8A2-4BBE-B674-F03BC4025054}"/>
-                </a:ext>
-              </a:extLst>
-            </p:cNvPr>
-            <p:cNvSpPr/>
-            <p:nvPr/>
-          </p:nvSpPr>
-          <p:spPr>
-            <a:xfrm>
-              <a:off x="2033366" y="2523132"/>
-              <a:ext cx="1811734" cy="1811734"/>
-            </a:xfrm>
-            <a:custGeom>
-              <a:avLst/>
-              <a:gdLst>
-                <a:gd name="connsiteX0" fmla="*/ 0 w 1811734"/>
-                <a:gd name="connsiteY0" fmla="*/ 905867 h 1811734"/>
-                <a:gd name="connsiteX1" fmla="*/ 905867 w 1811734"/>
-                <a:gd name="connsiteY1" fmla="*/ 0 h 1811734"/>
-                <a:gd name="connsiteX2" fmla="*/ 1811734 w 1811734"/>
-                <a:gd name="connsiteY2" fmla="*/ 905867 h 1811734"/>
-                <a:gd name="connsiteX3" fmla="*/ 905867 w 1811734"/>
-                <a:gd name="connsiteY3" fmla="*/ 1811734 h 1811734"/>
-                <a:gd name="connsiteX4" fmla="*/ 0 w 1811734"/>
-                <a:gd name="connsiteY4" fmla="*/ 905867 h 1811734"/>
-              </a:gdLst>
-              <a:ahLst/>
-              <a:cxnLst>
-                <a:cxn ang="0">
-                  <a:pos x="connsiteX0" y="connsiteY0"/>
-                </a:cxn>
-                <a:cxn ang="0">
-                  <a:pos x="connsiteX1" y="connsiteY1"/>
-                </a:cxn>
-                <a:cxn ang="0">
-                  <a:pos x="connsiteX2" y="connsiteY2"/>
-                </a:cxn>
-                <a:cxn ang="0">
-                  <a:pos x="connsiteX3" y="connsiteY3"/>
-                </a:cxn>
-                <a:cxn ang="0">
-                  <a:pos x="connsiteX4" y="connsiteY4"/>
-                </a:cxn>
-              </a:cxnLst>
-              <a:rect l="l" t="t" r="r" b="b"/>
-              <a:pathLst>
-                <a:path w="1811734" h="1811734">
-                  <a:moveTo>
-                    <a:pt x="0" y="905867"/>
-                  </a:moveTo>
-                  <a:cubicBezTo>
-                    <a:pt x="0" y="405570"/>
-                    <a:pt x="405570" y="0"/>
-                    <a:pt x="905867" y="0"/>
-                  </a:cubicBezTo>
-                  <a:cubicBezTo>
-                    <a:pt x="1406164" y="0"/>
-                    <a:pt x="1811734" y="405570"/>
-                    <a:pt x="1811734" y="905867"/>
-                  </a:cubicBezTo>
-                  <a:cubicBezTo>
-                    <a:pt x="1811734" y="1406164"/>
-                    <a:pt x="1406164" y="1811734"/>
-                    <a:pt x="905867" y="1811734"/>
-                  </a:cubicBezTo>
-                  <a:cubicBezTo>
-                    <a:pt x="405570" y="1811734"/>
-                    <a:pt x="0" y="1406164"/>
-                    <a:pt x="0" y="905867"/>
-                  </a:cubicBezTo>
-                  <a:close/>
-                </a:path>
-              </a:pathLst>
-            </a:custGeom>
-          </p:spPr>
-          <p:style>
-            <a:lnRef idx="0">
-              <a:schemeClr val="lt1">
-                <a:hueOff val="0"/>
-                <a:satOff val="0"/>
-                <a:lumOff val="0"/>
-                <a:alphaOff val="0"/>
-              </a:schemeClr>
-            </a:lnRef>
-            <a:fillRef idx="3">
-              <a:schemeClr val="accent2">
-                <a:hueOff val="0"/>
-                <a:satOff val="0"/>
-                <a:lumOff val="0"/>
-                <a:alphaOff val="0"/>
-              </a:schemeClr>
-            </a:fillRef>
-            <a:effectRef idx="3">
-              <a:schemeClr val="accent2">
-                <a:hueOff val="0"/>
-                <a:satOff val="0"/>
-                <a:lumOff val="0"/>
-                <a:alphaOff val="0"/>
-              </a:schemeClr>
-            </a:effectRef>
-            <a:fontRef idx="minor">
-              <a:schemeClr val="lt1"/>
-            </a:fontRef>
-          </p:style>
-          <p:txBody>
-            <a:bodyPr spcFirstLastPara="0" vert="horz" wrap="square" lIns="291992" tIns="291992" rIns="291992" bIns="291992" numCol="1" spcCol="1270" anchor="ctr" anchorCtr="0">
-              <a:noAutofit/>
-            </a:bodyPr>
-            <a:lstStyle/>
-            <a:p>
-              <a:pPr marL="0" lvl="0" indent="0" algn="ctr" defTabSz="933450">
-                <a:lnSpc>
-                  <a:spcPct val="90000"/>
-                </a:lnSpc>
-                <a:spcBef>
-                  <a:spcPct val="0"/>
-                </a:spcBef>
-                <a:spcAft>
-                  <a:spcPct val="35000"/>
-                </a:spcAft>
-                <a:buNone/>
-              </a:pPr>
-              <a:r>
-                <a:rPr lang="ar-sa" sz="2100" b="1" kern="1200" dirty="0">
-                  <a:solidFill>
-                    <a:schemeClr val="tx1"/>
-                  </a:solidFill>
-                  <a:cs typeface="+mn-cs"/>
-                  <a:rtl/>
-                </a:rPr>
-                <a:t>طلبات الشراء</a:t>
-              </a:r>
-            </a:p>
-          </p:txBody>
-        </p:sp>
-        <p:sp>
-          <p:nvSpPr>
-            <p:cNvPr id="5" name="Freeform: Shape 4">
-              <a:extLst>
-                <a:ext uri="{FF2B5EF4-FFF2-40B4-BE49-F238E27FC236}">
-                  <a16:creationId xmlns:a16="http://schemas.microsoft.com/office/drawing/2014/main" id="{52F4B07F-FCEA-43D9-B0FD-6232CFC47D33}"/>
-                </a:ext>
-              </a:extLst>
-            </p:cNvPr>
-            <p:cNvSpPr/>
-            <p:nvPr/>
-          </p:nvSpPr>
-          <p:spPr>
-            <a:xfrm>
-              <a:off x="3992214" y="2903596"/>
-              <a:ext cx="1050805" cy="1050805"/>
-            </a:xfrm>
-            <a:custGeom>
-              <a:avLst/>
-              <a:gdLst>
-                <a:gd name="connsiteX0" fmla="*/ 139284 w 1050805"/>
-                <a:gd name="connsiteY0" fmla="*/ 401828 h 1050805"/>
-                <a:gd name="connsiteX1" fmla="*/ 401828 w 1050805"/>
-                <a:gd name="connsiteY1" fmla="*/ 401828 h 1050805"/>
-                <a:gd name="connsiteX2" fmla="*/ 401828 w 1050805"/>
-                <a:gd name="connsiteY2" fmla="*/ 139284 h 1050805"/>
-                <a:gd name="connsiteX3" fmla="*/ 648977 w 1050805"/>
-                <a:gd name="connsiteY3" fmla="*/ 139284 h 1050805"/>
-                <a:gd name="connsiteX4" fmla="*/ 648977 w 1050805"/>
-                <a:gd name="connsiteY4" fmla="*/ 401828 h 1050805"/>
-                <a:gd name="connsiteX5" fmla="*/ 911521 w 1050805"/>
-                <a:gd name="connsiteY5" fmla="*/ 401828 h 1050805"/>
-                <a:gd name="connsiteX6" fmla="*/ 911521 w 1050805"/>
-                <a:gd name="connsiteY6" fmla="*/ 648977 h 1050805"/>
-                <a:gd name="connsiteX7" fmla="*/ 648977 w 1050805"/>
-                <a:gd name="connsiteY7" fmla="*/ 648977 h 1050805"/>
-                <a:gd name="connsiteX8" fmla="*/ 648977 w 1050805"/>
-                <a:gd name="connsiteY8" fmla="*/ 911521 h 1050805"/>
-                <a:gd name="connsiteX9" fmla="*/ 401828 w 1050805"/>
-                <a:gd name="connsiteY9" fmla="*/ 911521 h 1050805"/>
-                <a:gd name="connsiteX10" fmla="*/ 401828 w 1050805"/>
-                <a:gd name="connsiteY10" fmla="*/ 648977 h 1050805"/>
-                <a:gd name="connsiteX11" fmla="*/ 139284 w 1050805"/>
-                <a:gd name="connsiteY11" fmla="*/ 648977 h 1050805"/>
-                <a:gd name="connsiteX12" fmla="*/ 139284 w 1050805"/>
-                <a:gd name="connsiteY12" fmla="*/ 401828 h 1050805"/>
-              </a:gdLst>
-              <a:ahLst/>
-              <a:cxnLst>
-                <a:cxn ang="0">
-                  <a:pos x="connsiteX0" y="connsiteY0"/>
-                </a:cxn>
-                <a:cxn ang="0">
-                  <a:pos x="connsiteX1" y="connsiteY1"/>
-                </a:cxn>
-                <a:cxn ang="0">
-                  <a:pos x="connsiteX2" y="connsiteY2"/>
-                </a:cxn>
-                <a:cxn ang="0">
-                  <a:pos x="connsiteX3" y="connsiteY3"/>
-                </a:cxn>
-                <a:cxn ang="0">
-                  <a:pos x="connsiteX4" y="connsiteY4"/>
-                </a:cxn>
-                <a:cxn ang="0">
-                  <a:pos x="connsiteX5" y="connsiteY5"/>
-                </a:cxn>
-                <a:cxn ang="0">
-                  <a:pos x="connsiteX6" y="connsiteY6"/>
-                </a:cxn>
-                <a:cxn ang="0">
-                  <a:pos x="connsiteX7" y="connsiteY7"/>
-                </a:cxn>
-                <a:cxn ang="0">
-                  <a:pos x="connsiteX8" y="connsiteY8"/>
-                </a:cxn>
-                <a:cxn ang="0">
-                  <a:pos x="connsiteX9" y="connsiteY9"/>
-                </a:cxn>
-                <a:cxn ang="0">
-                  <a:pos x="connsiteX10" y="connsiteY10"/>
-                </a:cxn>
-                <a:cxn ang="0">
-                  <a:pos x="connsiteX11" y="connsiteY11"/>
-                </a:cxn>
-                <a:cxn ang="0">
-                  <a:pos x="connsiteX12" y="connsiteY12"/>
-                </a:cxn>
-              </a:cxnLst>
-              <a:rect l="l" t="t" r="r" b="b"/>
-              <a:pathLst>
-                <a:path w="1050805" h="1050805">
-                  <a:moveTo>
-                    <a:pt x="139284" y="401828"/>
-                  </a:moveTo>
-                  <a:lnTo>
-                    <a:pt x="401828" y="401828"/>
-                  </a:lnTo>
-                  <a:lnTo>
-                    <a:pt x="401828" y="139284"/>
-                  </a:lnTo>
-                  <a:lnTo>
-                    <a:pt x="648977" y="139284"/>
-                  </a:lnTo>
-                  <a:lnTo>
-                    <a:pt x="648977" y="401828"/>
-                  </a:lnTo>
-                  <a:lnTo>
-                    <a:pt x="911521" y="401828"/>
-                  </a:lnTo>
-                  <a:lnTo>
-                    <a:pt x="911521" y="648977"/>
-                  </a:lnTo>
-                  <a:lnTo>
-                    <a:pt x="648977" y="648977"/>
-                  </a:lnTo>
-                  <a:lnTo>
-                    <a:pt x="648977" y="911521"/>
-                  </a:lnTo>
-                  <a:lnTo>
-                    <a:pt x="401828" y="911521"/>
-                  </a:lnTo>
-                  <a:lnTo>
-                    <a:pt x="401828" y="648977"/>
-                  </a:lnTo>
-                  <a:lnTo>
-                    <a:pt x="139284" y="648977"/>
-                  </a:lnTo>
-                  <a:lnTo>
-                    <a:pt x="139284" y="401828"/>
-                  </a:lnTo>
-                  <a:close/>
-                </a:path>
-              </a:pathLst>
-            </a:custGeom>
-          </p:spPr>
-          <p:style>
-            <a:lnRef idx="0">
-              <a:schemeClr val="lt1">
-                <a:hueOff val="0"/>
-                <a:satOff val="0"/>
-                <a:lumOff val="0"/>
-                <a:alphaOff val="0"/>
-              </a:schemeClr>
-            </a:lnRef>
-            <a:fillRef idx="3">
-              <a:schemeClr val="accent2">
-                <a:hueOff val="0"/>
-                <a:satOff val="0"/>
-                <a:lumOff val="0"/>
-                <a:alphaOff val="0"/>
-              </a:schemeClr>
-            </a:fillRef>
-            <a:effectRef idx="3">
-              <a:schemeClr val="accent2">
-                <a:hueOff val="0"/>
-                <a:satOff val="0"/>
-                <a:lumOff val="0"/>
-                <a:alphaOff val="0"/>
-              </a:schemeClr>
-            </a:effectRef>
-            <a:fontRef idx="minor">
-              <a:schemeClr val="lt1"/>
-            </a:fontRef>
-          </p:style>
-          <p:txBody>
-            <a:bodyPr spcFirstLastPara="0" vert="horz" wrap="square" lIns="139284" tIns="401828" rIns="139284" bIns="401828" numCol="1" spcCol="1270" anchor="ctr" anchorCtr="0">
-              <a:noAutofit/>
-            </a:bodyPr>
-            <a:lstStyle/>
-            <a:p>
-              <a:pPr marL="0" lvl="0" indent="0" algn="ctr" defTabSz="755650">
-                <a:lnSpc>
-                  <a:spcPct val="90000"/>
-                </a:lnSpc>
-                <a:spcBef>
-                  <a:spcPct val="0"/>
-                </a:spcBef>
-                <a:spcAft>
-                  <a:spcPct val="35000"/>
-                </a:spcAft>
-                <a:buNone/>
-              </a:pPr>
-              <a:endParaRPr lang="en-US" sz="1700" kern="1200">
-                <a:cs typeface="+mn-cs"/>
-              </a:endParaRPr>
-            </a:p>
-          </p:txBody>
-        </p:sp>
-        <p:sp>
-          <p:nvSpPr>
-            <p:cNvPr id="6" name="Freeform: Shape 5">
-              <a:extLst>
-                <a:ext uri="{FF2B5EF4-FFF2-40B4-BE49-F238E27FC236}">
-                  <a16:creationId xmlns:a16="http://schemas.microsoft.com/office/drawing/2014/main" id="{75D595C8-BFCD-4B40-90C5-13475AD82B01}"/>
-                </a:ext>
-              </a:extLst>
-            </p:cNvPr>
-            <p:cNvSpPr/>
-            <p:nvPr/>
-          </p:nvSpPr>
-          <p:spPr>
-            <a:xfrm>
-              <a:off x="5190132" y="2523132"/>
-              <a:ext cx="1811734" cy="1811734"/>
-            </a:xfrm>
-            <a:custGeom>
-              <a:avLst/>
-              <a:gdLst>
-                <a:gd name="connsiteX0" fmla="*/ 0 w 1811734"/>
-                <a:gd name="connsiteY0" fmla="*/ 905867 h 1811734"/>
-                <a:gd name="connsiteX1" fmla="*/ 905867 w 1811734"/>
-                <a:gd name="connsiteY1" fmla="*/ 0 h 1811734"/>
-                <a:gd name="connsiteX2" fmla="*/ 1811734 w 1811734"/>
-                <a:gd name="connsiteY2" fmla="*/ 905867 h 1811734"/>
-                <a:gd name="connsiteX3" fmla="*/ 905867 w 1811734"/>
-                <a:gd name="connsiteY3" fmla="*/ 1811734 h 1811734"/>
-                <a:gd name="connsiteX4" fmla="*/ 0 w 1811734"/>
-                <a:gd name="connsiteY4" fmla="*/ 905867 h 1811734"/>
-              </a:gdLst>
-              <a:ahLst/>
-              <a:cxnLst>
-                <a:cxn ang="0">
-                  <a:pos x="connsiteX0" y="connsiteY0"/>
-                </a:cxn>
-                <a:cxn ang="0">
-                  <a:pos x="connsiteX1" y="connsiteY1"/>
-                </a:cxn>
-                <a:cxn ang="0">
-                  <a:pos x="connsiteX2" y="connsiteY2"/>
-                </a:cxn>
-                <a:cxn ang="0">
-                  <a:pos x="connsiteX3" y="connsiteY3"/>
-                </a:cxn>
-                <a:cxn ang="0">
-                  <a:pos x="connsiteX4" y="connsiteY4"/>
-                </a:cxn>
-              </a:cxnLst>
-              <a:rect l="l" t="t" r="r" b="b"/>
-              <a:pathLst>
-                <a:path w="1811734" h="1811734">
-                  <a:moveTo>
-                    <a:pt x="0" y="905867"/>
-                  </a:moveTo>
-                  <a:cubicBezTo>
-                    <a:pt x="0" y="405570"/>
-                    <a:pt x="405570" y="0"/>
-                    <a:pt x="905867" y="0"/>
-                  </a:cubicBezTo>
-                  <a:cubicBezTo>
-                    <a:pt x="1406164" y="0"/>
-                    <a:pt x="1811734" y="405570"/>
-                    <a:pt x="1811734" y="905867"/>
-                  </a:cubicBezTo>
-                  <a:cubicBezTo>
-                    <a:pt x="1811734" y="1406164"/>
-                    <a:pt x="1406164" y="1811734"/>
-                    <a:pt x="905867" y="1811734"/>
-                  </a:cubicBezTo>
-                  <a:cubicBezTo>
-                    <a:pt x="405570" y="1811734"/>
-                    <a:pt x="0" y="1406164"/>
-                    <a:pt x="0" y="905867"/>
-                  </a:cubicBezTo>
-                  <a:close/>
-                </a:path>
-              </a:pathLst>
-            </a:custGeom>
-          </p:spPr>
-          <p:style>
-            <a:lnRef idx="0">
-              <a:schemeClr val="lt1">
-                <a:hueOff val="0"/>
-                <a:satOff val="0"/>
-                <a:lumOff val="0"/>
-                <a:alphaOff val="0"/>
-              </a:schemeClr>
-            </a:lnRef>
-            <a:fillRef idx="3">
-              <a:schemeClr val="accent3">
-                <a:hueOff val="0"/>
-                <a:satOff val="0"/>
-                <a:lumOff val="0"/>
-                <a:alphaOff val="0"/>
-              </a:schemeClr>
-            </a:fillRef>
-            <a:effectRef idx="3">
-              <a:schemeClr val="accent3">
-                <a:hueOff val="0"/>
-                <a:satOff val="0"/>
-                <a:lumOff val="0"/>
-                <a:alphaOff val="0"/>
-              </a:schemeClr>
-            </a:effectRef>
-            <a:fontRef idx="minor">
-              <a:schemeClr val="lt1"/>
-            </a:fontRef>
-          </p:style>
-          <p:txBody>
-            <a:bodyPr spcFirstLastPara="0" vert="horz" wrap="square" lIns="291992" tIns="291992" rIns="291992" bIns="291992" numCol="1" spcCol="1270" anchor="ctr" anchorCtr="0">
-              <a:noAutofit/>
-            </a:bodyPr>
-            <a:lstStyle/>
-            <a:p>
-              <a:pPr marL="0" lvl="0" indent="0" algn="ctr" defTabSz="933450">
-                <a:lnSpc>
-                  <a:spcPct val="90000"/>
-                </a:lnSpc>
-                <a:spcBef>
-                  <a:spcPct val="0"/>
-                </a:spcBef>
-                <a:spcAft>
-                  <a:spcPct val="35000"/>
-                </a:spcAft>
-                <a:buNone/>
-              </a:pPr>
-              <a:r>
-                <a:rPr lang="ar-sa" sz="2100" b="1" kern="1200" dirty="0">
-                  <a:solidFill>
-                    <a:schemeClr val="tx1"/>
-                  </a:solidFill>
-                  <a:cs typeface="+mn-cs"/>
-                  <a:rtl/>
-                </a:rPr>
-                <a:t>تحليل تحسين التخطيط </a:t>
-              </a:r>
-            </a:p>
-          </p:txBody>
-        </p:sp>
-        <p:sp>
-          <p:nvSpPr>
-            <p:cNvPr id="7" name="Freeform: Shape 6">
-              <a:extLst>
-                <a:ext uri="{FF2B5EF4-FFF2-40B4-BE49-F238E27FC236}">
-                  <a16:creationId xmlns:a16="http://schemas.microsoft.com/office/drawing/2014/main" id="{FC226001-54BD-4E41-9ADE-D0AD1ADBD1EF}"/>
-                </a:ext>
-              </a:extLst>
-            </p:cNvPr>
-            <p:cNvSpPr/>
-            <p:nvPr/>
-          </p:nvSpPr>
-          <p:spPr>
-            <a:xfrm>
-              <a:off x="7148980" y="2903596"/>
-              <a:ext cx="1050805" cy="1050805"/>
-            </a:xfrm>
-            <a:custGeom>
-              <a:avLst/>
-              <a:gdLst>
-                <a:gd name="connsiteX0" fmla="*/ 139284 w 1050805"/>
-                <a:gd name="connsiteY0" fmla="*/ 216466 h 1050805"/>
-                <a:gd name="connsiteX1" fmla="*/ 911521 w 1050805"/>
-                <a:gd name="connsiteY1" fmla="*/ 216466 h 1050805"/>
-                <a:gd name="connsiteX2" fmla="*/ 911521 w 1050805"/>
-                <a:gd name="connsiteY2" fmla="*/ 463615 h 1050805"/>
-                <a:gd name="connsiteX3" fmla="*/ 139284 w 1050805"/>
-                <a:gd name="connsiteY3" fmla="*/ 463615 h 1050805"/>
-                <a:gd name="connsiteX4" fmla="*/ 139284 w 1050805"/>
-                <a:gd name="connsiteY4" fmla="*/ 216466 h 1050805"/>
-                <a:gd name="connsiteX5" fmla="*/ 139284 w 1050805"/>
-                <a:gd name="connsiteY5" fmla="*/ 587190 h 1050805"/>
-                <a:gd name="connsiteX6" fmla="*/ 911521 w 1050805"/>
-                <a:gd name="connsiteY6" fmla="*/ 587190 h 1050805"/>
-                <a:gd name="connsiteX7" fmla="*/ 911521 w 1050805"/>
-                <a:gd name="connsiteY7" fmla="*/ 834339 h 1050805"/>
-                <a:gd name="connsiteX8" fmla="*/ 139284 w 1050805"/>
-                <a:gd name="connsiteY8" fmla="*/ 834339 h 1050805"/>
-                <a:gd name="connsiteX9" fmla="*/ 139284 w 1050805"/>
-                <a:gd name="connsiteY9" fmla="*/ 587190 h 1050805"/>
-              </a:gdLst>
-              <a:ahLst/>
-              <a:cxnLst>
-                <a:cxn ang="0">
-                  <a:pos x="connsiteX0" y="connsiteY0"/>
-                </a:cxn>
-                <a:cxn ang="0">
-                  <a:pos x="connsiteX1" y="connsiteY1"/>
-                </a:cxn>
-                <a:cxn ang="0">
-                  <a:pos x="connsiteX2" y="connsiteY2"/>
-                </a:cxn>
-                <a:cxn ang="0">
-                  <a:pos x="connsiteX3" y="connsiteY3"/>
-                </a:cxn>
-                <a:cxn ang="0">
-                  <a:pos x="connsiteX4" y="connsiteY4"/>
-                </a:cxn>
-                <a:cxn ang="0">
-                  <a:pos x="connsiteX5" y="connsiteY5"/>
-                </a:cxn>
-                <a:cxn ang="0">
-                  <a:pos x="connsiteX6" y="connsiteY6"/>
-                </a:cxn>
-                <a:cxn ang="0">
-                  <a:pos x="connsiteX7" y="connsiteY7"/>
-                </a:cxn>
-                <a:cxn ang="0">
-                  <a:pos x="connsiteX8" y="connsiteY8"/>
-                </a:cxn>
-                <a:cxn ang="0">
-                  <a:pos x="connsiteX9" y="connsiteY9"/>
-                </a:cxn>
-              </a:cxnLst>
-              <a:rect l="l" t="t" r="r" b="b"/>
-              <a:pathLst>
-                <a:path w="1050805" h="1050805">
-                  <a:moveTo>
-                    <a:pt x="139284" y="216466"/>
-                  </a:moveTo>
-                  <a:lnTo>
-                    <a:pt x="911521" y="216466"/>
-                  </a:lnTo>
-                  <a:lnTo>
-                    <a:pt x="911521" y="463615"/>
-                  </a:lnTo>
-                  <a:lnTo>
-                    <a:pt x="139284" y="463615"/>
-                  </a:lnTo>
-                  <a:lnTo>
-                    <a:pt x="139284" y="216466"/>
-                  </a:lnTo>
-                  <a:close/>
-                  <a:moveTo>
-                    <a:pt x="139284" y="587190"/>
-                  </a:moveTo>
-                  <a:lnTo>
-                    <a:pt x="911521" y="587190"/>
-                  </a:lnTo>
-                  <a:lnTo>
-                    <a:pt x="911521" y="834339"/>
-                  </a:lnTo>
-                  <a:lnTo>
-                    <a:pt x="139284" y="834339"/>
-                  </a:lnTo>
-                  <a:lnTo>
-                    <a:pt x="139284" y="587190"/>
-                  </a:lnTo>
-                  <a:close/>
-                </a:path>
-              </a:pathLst>
-            </a:custGeom>
-          </p:spPr>
-          <p:style>
-            <a:lnRef idx="0">
-              <a:schemeClr val="lt1">
-                <a:hueOff val="0"/>
-                <a:satOff val="0"/>
-                <a:lumOff val="0"/>
-                <a:alphaOff val="0"/>
-              </a:schemeClr>
-            </a:lnRef>
-            <a:fillRef idx="3">
-              <a:schemeClr val="accent3">
-                <a:hueOff val="0"/>
-                <a:satOff val="0"/>
-                <a:lumOff val="0"/>
-                <a:alphaOff val="0"/>
-              </a:schemeClr>
-            </a:fillRef>
-            <a:effectRef idx="3">
-              <a:schemeClr val="accent3">
-                <a:hueOff val="0"/>
-                <a:satOff val="0"/>
-                <a:lumOff val="0"/>
-                <a:alphaOff val="0"/>
-              </a:schemeClr>
-            </a:effectRef>
-            <a:fontRef idx="minor">
-              <a:schemeClr val="lt1"/>
-            </a:fontRef>
-          </p:style>
-          <p:txBody>
-            <a:bodyPr spcFirstLastPara="0" vert="horz" wrap="square" lIns="139284" tIns="216466" rIns="139284" bIns="216466" numCol="1" spcCol="1270" anchor="ctr" anchorCtr="0">
-              <a:noAutofit/>
-            </a:bodyPr>
-            <a:lstStyle/>
-            <a:p>
-              <a:pPr marL="0" lvl="0" indent="0" algn="ctr" defTabSz="755650">
-                <a:lnSpc>
-                  <a:spcPct val="90000"/>
-                </a:lnSpc>
-                <a:spcBef>
-                  <a:spcPct val="0"/>
-                </a:spcBef>
-                <a:spcAft>
-                  <a:spcPct val="35000"/>
-                </a:spcAft>
-                <a:buNone/>
-              </a:pPr>
-              <a:endParaRPr lang="en-US" sz="1700" kern="1200">
-                <a:cs typeface="+mn-cs"/>
-              </a:endParaRPr>
-            </a:p>
-          </p:txBody>
-        </p:sp>
-        <p:sp>
-          <p:nvSpPr>
-            <p:cNvPr id="8" name="Freeform: Shape 7">
-              <a:extLst>
-                <a:ext uri="{FF2B5EF4-FFF2-40B4-BE49-F238E27FC236}">
-                  <a16:creationId xmlns:a16="http://schemas.microsoft.com/office/drawing/2014/main" id="{4F09757D-923B-48D6-92D6-09430F701722}"/>
-                </a:ext>
-              </a:extLst>
-            </p:cNvPr>
-            <p:cNvSpPr/>
-            <p:nvPr/>
-          </p:nvSpPr>
-          <p:spPr>
-            <a:xfrm>
-              <a:off x="8346898" y="2523132"/>
-              <a:ext cx="1811734" cy="1811734"/>
-            </a:xfrm>
-            <a:custGeom>
-              <a:avLst/>
-              <a:gdLst>
-                <a:gd name="connsiteX0" fmla="*/ 0 w 1811734"/>
-                <a:gd name="connsiteY0" fmla="*/ 905867 h 1811734"/>
-                <a:gd name="connsiteX1" fmla="*/ 905867 w 1811734"/>
-                <a:gd name="connsiteY1" fmla="*/ 0 h 1811734"/>
-                <a:gd name="connsiteX2" fmla="*/ 1811734 w 1811734"/>
-                <a:gd name="connsiteY2" fmla="*/ 905867 h 1811734"/>
-                <a:gd name="connsiteX3" fmla="*/ 905867 w 1811734"/>
-                <a:gd name="connsiteY3" fmla="*/ 1811734 h 1811734"/>
-                <a:gd name="connsiteX4" fmla="*/ 0 w 1811734"/>
-                <a:gd name="connsiteY4" fmla="*/ 905867 h 1811734"/>
-              </a:gdLst>
-              <a:ahLst/>
-              <a:cxnLst>
-                <a:cxn ang="0">
-                  <a:pos x="connsiteX0" y="connsiteY0"/>
-                </a:cxn>
-                <a:cxn ang="0">
-                  <a:pos x="connsiteX1" y="connsiteY1"/>
-                </a:cxn>
-                <a:cxn ang="0">
-                  <a:pos x="connsiteX2" y="connsiteY2"/>
-                </a:cxn>
-                <a:cxn ang="0">
-                  <a:pos x="connsiteX3" y="connsiteY3"/>
-                </a:cxn>
-                <a:cxn ang="0">
-                  <a:pos x="connsiteX4" y="connsiteY4"/>
-                </a:cxn>
-              </a:cxnLst>
-              <a:rect l="l" t="t" r="r" b="b"/>
-              <a:pathLst>
-                <a:path w="1811734" h="1811734">
-                  <a:moveTo>
-                    <a:pt x="0" y="905867"/>
-                  </a:moveTo>
-                  <a:cubicBezTo>
-                    <a:pt x="0" y="405570"/>
-                    <a:pt x="405570" y="0"/>
-                    <a:pt x="905867" y="0"/>
-                  </a:cubicBezTo>
-                  <a:cubicBezTo>
-                    <a:pt x="1406164" y="0"/>
-                    <a:pt x="1811734" y="405570"/>
-                    <a:pt x="1811734" y="905867"/>
-                  </a:cubicBezTo>
-                  <a:cubicBezTo>
-                    <a:pt x="1811734" y="1406164"/>
-                    <a:pt x="1406164" y="1811734"/>
-                    <a:pt x="905867" y="1811734"/>
-                  </a:cubicBezTo>
-                  <a:cubicBezTo>
-                    <a:pt x="405570" y="1811734"/>
-                    <a:pt x="0" y="1406164"/>
-                    <a:pt x="0" y="905867"/>
-                  </a:cubicBezTo>
-                  <a:close/>
-                </a:path>
-              </a:pathLst>
-            </a:custGeom>
-          </p:spPr>
-          <p:style>
-            <a:lnRef idx="0">
-              <a:schemeClr val="lt1">
-                <a:hueOff val="0"/>
-                <a:satOff val="0"/>
-                <a:lumOff val="0"/>
-                <a:alphaOff val="0"/>
-              </a:schemeClr>
-            </a:lnRef>
-            <a:fillRef idx="3">
-              <a:schemeClr val="accent4">
-                <a:hueOff val="0"/>
-                <a:satOff val="0"/>
-                <a:lumOff val="0"/>
-                <a:alphaOff val="0"/>
-              </a:schemeClr>
-            </a:fillRef>
-            <a:effectRef idx="3">
-              <a:schemeClr val="accent4">
-                <a:hueOff val="0"/>
-                <a:satOff val="0"/>
-                <a:lumOff val="0"/>
-                <a:alphaOff val="0"/>
-              </a:schemeClr>
-            </a:effectRef>
-            <a:fontRef idx="minor">
-              <a:schemeClr val="lt1"/>
-            </a:fontRef>
-          </p:style>
-          <p:txBody>
-            <a:bodyPr spcFirstLastPara="0" vert="horz" wrap="square" lIns="291992" tIns="291992" rIns="291992" bIns="291992" numCol="1" spcCol="1270" anchor="ctr" anchorCtr="0">
-              <a:noAutofit/>
-            </a:bodyPr>
-            <a:lstStyle/>
-            <a:p>
-              <a:pPr marL="0" lvl="0" indent="0" algn="ctr" defTabSz="933450">
-                <a:lnSpc>
-                  <a:spcPct val="90000"/>
-                </a:lnSpc>
-                <a:spcBef>
-                  <a:spcPct val="0"/>
-                </a:spcBef>
-                <a:spcAft>
-                  <a:spcPct val="35000"/>
-                </a:spcAft>
-                <a:buNone/>
-              </a:pPr>
-              <a:r>
-                <a:rPr lang="ar-sa" sz="2100" b="1" kern="1200" dirty="0">
-                  <a:solidFill>
-                    <a:schemeClr val="tx1"/>
-                  </a:solidFill>
-                  <a:cs typeface="+mn-cs"/>
-                  <a:rtl/>
-                </a:rPr>
-                <a:t>أوامر الشراء المخططة التي تم إنشاؤها تلقائيًا</a:t>
-              </a:r>
-            </a:p>
-          </p:txBody>
-        </p:sp>
-      </p:grpSp>
+          <p:cNvGraphicFramePr/>
+          <p:nvPr>
+            <p:extLst>
+              <p:ext uri="{D42A27DB-BD31-4B8C-83A1-F6EECF244321}">
+                <p14:modId xmlns:p14="http://schemas.microsoft.com/office/powerpoint/2010/main" val="920784403"/>
+              </p:ext>
+            </p:extLst>
+          </p:nvPr>
+        </p:nvGraphicFramePr>
+        <p:xfrm>
+          <a:off x="2032000" y="719666"/>
+          <a:ext cx="8128000" cy="5418667"/>
+        </p:xfrm>
+        <a:graphic>
+          <a:graphicData uri="http://schemas.openxmlformats.org/drawingml/2006/diagram">
+            <dgm:relIds xmlns:dgm="http://schemas.openxmlformats.org/drawingml/2006/diagram" xmlns:r="http://schemas.openxmlformats.org/officeDocument/2006/relationships" r:dm="rId2" r:lo="rId3" r:qs="rId4" r:cs="rId5"/>
+          </a:graphicData>
+        </a:graphic>
+      </p:graphicFrame>
     </p:spTree>
     <p:extLst>
       <p:ext uri="{BB962C8B-B14F-4D97-AF65-F5344CB8AC3E}">
@@ -13023,4 +14915,10 @@
     <ds:schemaRef ds:uri="http://schemas.microsoft.com/internal/obd"/>
   </ds:schemaRefs>
 </ds:datastoreItem>
+</file>
+
+<file path=docMetadata/LabelInfo.xml><?xml version="1.0" encoding="utf-8"?>
+<clbl:labelList xmlns:clbl="http://schemas.microsoft.com/office/2020/mipLabelMetadata">
+  <clbl:label id="{f42aa342-8706-4288-bd11-ebb85995028c}" enabled="1" method="Standard" siteId="{72f988bf-86f1-41af-91ab-2d7cd011db47}" contentBits="0" removed="0"/>
+</clbl:labelList>
 </file>